--- a/presentations/weekly_meetings/8_8_24.pptx
+++ b/presentations/weekly_meetings/8_8_24.pptx
@@ -5,14 +5,15 @@
     <p:sldMasterId id="2147483648" r:id="rId1"/>
   </p:sldMasterIdLst>
   <p:notesMasterIdLst>
-    <p:notesMasterId r:id="rId7"/>
+    <p:notesMasterId r:id="rId8"/>
   </p:notesMasterIdLst>
   <p:sldIdLst>
     <p:sldId id="477" r:id="rId2"/>
     <p:sldId id="754" r:id="rId3"/>
-    <p:sldId id="751" r:id="rId4"/>
-    <p:sldId id="756" r:id="rId5"/>
-    <p:sldId id="755" r:id="rId6"/>
+    <p:sldId id="726" r:id="rId4"/>
+    <p:sldId id="751" r:id="rId5"/>
+    <p:sldId id="756" r:id="rId6"/>
+    <p:sldId id="755" r:id="rId7"/>
   </p:sldIdLst>
   <p:sldSz cx="12192000" cy="6858000"/>
   <p:notesSz cx="6858000" cy="9144000"/>
@@ -764,14 +765,14 @@
               <a:buNone/>
             </a:pPr>
             <a:r>
-              <a:rPr lang="en-US" b="0" i="0" u="none" strike="noStrike" dirty="0">
+              <a:rPr lang="en-US" b="0" dirty="0">
                 <a:solidFill>
-                  <a:srgbClr val="000000"/>
+                  <a:srgbClr val="CCCCCC"/>
                 </a:solidFill>
                 <a:effectLst/>
-                <a:latin typeface="-webkit-standard"/>
+                <a:latin typeface="Menlo" panose="020B0609030804020204" pitchFamily="49" charset="0"/>
               </a:rPr>
-              <a:t>Tested for significances already</a:t>
+              <a:t>Cell loss presumably explains higher than expected loss/gain of vars over time (loss could be death or swapping cell sort), loss/gain could also be due to insufficient sampling</a:t>
             </a:r>
           </a:p>
           <a:p>
@@ -779,179 +780,6 @@
               <a:buFont typeface="+mj-lt"/>
               <a:buNone/>
             </a:pPr>
-            <a:endParaRPr lang="en-US" b="0" i="0" u="none" strike="noStrike" dirty="0">
-              <a:solidFill>
-                <a:srgbClr val="000000"/>
-              </a:solidFill>
-              <a:effectLst/>
-              <a:latin typeface="-webkit-standard"/>
-            </a:endParaRPr>
-          </a:p>
-          <a:p>
-            <a:pPr marL="0" indent="0">
-              <a:buFont typeface="+mj-lt"/>
-              <a:buNone/>
-            </a:pPr>
-            <a:r>
-              <a:rPr lang="en-US" b="0" i="0" u="none" strike="noStrike" dirty="0" err="1">
-                <a:solidFill>
-                  <a:srgbClr val="000000"/>
-                </a:solidFill>
-                <a:effectLst/>
-                <a:latin typeface="-webkit-standard"/>
-              </a:rPr>
-              <a:t>PhenoPath</a:t>
-            </a:r>
-            <a:r>
-              <a:rPr lang="en-US" b="0" i="0" u="none" strike="noStrike" dirty="0">
-                <a:solidFill>
-                  <a:srgbClr val="000000"/>
-                </a:solidFill>
-                <a:effectLst/>
-                <a:latin typeface="-webkit-standard"/>
-              </a:rPr>
-              <a:t> analyzes the accessibility of genomic regions (peaks) in your ATAC-seq data, modeling how these accessibilities change along a biological trajectory and how this trajectory is influenced by tissue type</a:t>
-            </a:r>
-          </a:p>
-          <a:p>
-            <a:pPr marL="0" indent="0">
-              <a:buFont typeface="+mj-lt"/>
-              <a:buNone/>
-            </a:pPr>
-            <a:endParaRPr lang="en-US" b="0" i="0" u="none" strike="noStrike" dirty="0">
-              <a:solidFill>
-                <a:srgbClr val="000000"/>
-              </a:solidFill>
-              <a:effectLst/>
-              <a:latin typeface="-webkit-standard"/>
-            </a:endParaRPr>
-          </a:p>
-          <a:p>
-            <a:pPr marL="0" indent="0">
-              <a:buFont typeface="+mj-lt"/>
-              <a:buNone/>
-            </a:pPr>
-            <a:r>
-              <a:rPr lang="en-US" b="0" i="0" u="none" strike="noStrike" dirty="0" err="1">
-                <a:solidFill>
-                  <a:srgbClr val="333333"/>
-                </a:solidFill>
-                <a:effectLst/>
-                <a:highlight>
-                  <a:srgbClr val="FFFFFF"/>
-                </a:highlight>
-                <a:latin typeface="Arial" panose="020B0604020202020204" pitchFamily="34" charset="0"/>
-              </a:rPr>
-              <a:t>PhenoPath</a:t>
-            </a:r>
-            <a:r>
-              <a:rPr lang="en-US" b="0" i="0" u="none" strike="noStrike" dirty="0">
-                <a:solidFill>
-                  <a:srgbClr val="333333"/>
-                </a:solidFill>
-                <a:effectLst/>
-                <a:highlight>
-                  <a:srgbClr val="FFFFFF"/>
-                </a:highlight>
-                <a:latin typeface="Arial" panose="020B0604020202020204" pitchFamily="34" charset="0"/>
-              </a:rPr>
-              <a:t> models gene expression expression </a:t>
-            </a:r>
-            <a:r>
-              <a:rPr lang="en-US" b="0" i="0" u="none" strike="noStrike" dirty="0">
-                <a:solidFill>
-                  <a:srgbClr val="333333"/>
-                </a:solidFill>
-                <a:effectLst/>
-                <a:latin typeface="STIXGeneral-Italic"/>
-              </a:rPr>
-              <a:t>𝑦</a:t>
-            </a:r>
-            <a:r>
-              <a:rPr lang="en-US" b="0" i="0" u="none" strike="noStrike" dirty="0">
-                <a:solidFill>
-                  <a:srgbClr val="333333"/>
-                </a:solidFill>
-                <a:effectLst/>
-                <a:highlight>
-                  <a:srgbClr val="FFFFFF"/>
-                </a:highlight>
-                <a:latin typeface="Arial" panose="020B0604020202020204" pitchFamily="34" charset="0"/>
-              </a:rPr>
-              <a:t> in terms of a latent pathway score (</a:t>
-            </a:r>
-            <a:r>
-              <a:rPr lang="en-US" b="0" i="0" u="none" strike="noStrike" dirty="0" err="1">
-                <a:solidFill>
-                  <a:srgbClr val="333333"/>
-                </a:solidFill>
-                <a:effectLst/>
-                <a:highlight>
-                  <a:srgbClr val="FFFFFF"/>
-                </a:highlight>
-                <a:latin typeface="Arial" panose="020B0604020202020204" pitchFamily="34" charset="0"/>
-              </a:rPr>
-              <a:t>pseudotime</a:t>
-            </a:r>
-            <a:r>
-              <a:rPr lang="en-US" b="0" i="0" u="none" strike="noStrike" dirty="0">
-                <a:solidFill>
-                  <a:srgbClr val="333333"/>
-                </a:solidFill>
-                <a:effectLst/>
-                <a:highlight>
-                  <a:srgbClr val="FFFFFF"/>
-                </a:highlight>
-                <a:latin typeface="Arial" panose="020B0604020202020204" pitchFamily="34" charset="0"/>
-              </a:rPr>
-              <a:t>) </a:t>
-            </a:r>
-            <a:r>
-              <a:rPr lang="en-US" b="0" i="0" u="none" strike="noStrike" dirty="0">
-                <a:solidFill>
-                  <a:srgbClr val="333333"/>
-                </a:solidFill>
-                <a:effectLst/>
-                <a:latin typeface="STIXGeneral-Italic"/>
-              </a:rPr>
-              <a:t>𝑧</a:t>
-            </a:r>
-            <a:r>
-              <a:rPr lang="en-US" b="0" i="0" u="none" strike="noStrike" dirty="0">
-                <a:solidFill>
-                  <a:srgbClr val="333333"/>
-                </a:solidFill>
-                <a:effectLst/>
-                <a:highlight>
-                  <a:srgbClr val="FFFFFF"/>
-                </a:highlight>
-                <a:latin typeface="Arial" panose="020B0604020202020204" pitchFamily="34" charset="0"/>
-              </a:rPr>
-              <a:t>. Uniquely, the evolution of genes along the trajectory isn’t common to each gene but can be perturbed by an additional sample-specific covariate </a:t>
-            </a:r>
-            <a:r>
-              <a:rPr lang="en-US" b="0" i="0" u="none" strike="noStrike" dirty="0">
-                <a:solidFill>
-                  <a:srgbClr val="333333"/>
-                </a:solidFill>
-                <a:effectLst/>
-                <a:latin typeface="STIXGeneral-Italic"/>
-              </a:rPr>
-              <a:t>𝛽</a:t>
-            </a:r>
-            <a:r>
-              <a:rPr lang="en-US" b="0" i="0" u="none" strike="noStrike" dirty="0">
-                <a:solidFill>
-                  <a:srgbClr val="333333"/>
-                </a:solidFill>
-                <a:effectLst/>
-                <a:highlight>
-                  <a:srgbClr val="FFFFFF"/>
-                </a:highlight>
-                <a:latin typeface="Arial" panose="020B0604020202020204" pitchFamily="34" charset="0"/>
-              </a:rPr>
-              <a:t> (cell sort here)</a:t>
-            </a:r>
             <a:endParaRPr lang="en-US" b="0" dirty="0">
               <a:solidFill>
                 <a:srgbClr val="CCCCCC"/>
@@ -960,6 +788,419 @@
               <a:latin typeface="Menlo" panose="020B0609030804020204" pitchFamily="49" charset="0"/>
             </a:endParaRPr>
           </a:p>
+          <a:p>
+            <a:pPr marL="0" marR="0" lvl="0" indent="0" algn="l" defTabSz="914400" rtl="0" eaLnBrk="1" fontAlgn="auto" latinLnBrk="0" hangingPunct="1">
+              <a:lnSpc>
+                <a:spcPct val="100000"/>
+              </a:lnSpc>
+              <a:spcBef>
+                <a:spcPts val="0"/>
+              </a:spcBef>
+              <a:spcAft>
+                <a:spcPts val="0"/>
+              </a:spcAft>
+              <a:buClrTx/>
+              <a:buSzTx/>
+              <a:buFont typeface="+mj-lt"/>
+              <a:buNone/>
+              <a:tabLst/>
+              <a:defRPr/>
+            </a:pPr>
+            <a:r>
+              <a:rPr lang="en-US" sz="1200" dirty="0">
+                <a:effectLst/>
+                <a:latin typeface="AdvPSA183"/>
+              </a:rPr>
+              <a:t>Only R in P452: “</a:t>
+            </a:r>
+            <a:r>
+              <a:rPr lang="en-US" sz="1200" dirty="0">
+                <a:effectLst/>
+                <a:latin typeface="Calibri" panose="020F0502020204030204" pitchFamily="34" charset="0"/>
+              </a:rPr>
+              <a:t>we first measured their bulk chromatin accessibility at baseline (Week 0/Visit 0) and 104 </a:t>
+            </a:r>
+            <a:r>
+              <a:rPr lang="en-US" sz="1200" dirty="0" err="1">
+                <a:effectLst/>
+                <a:latin typeface="Calibri" panose="020F0502020204030204" pitchFamily="34" charset="0"/>
+              </a:rPr>
+              <a:t>wk</a:t>
+            </a:r>
+            <a:r>
+              <a:rPr lang="en-US" sz="1200" dirty="0">
+                <a:effectLst/>
+                <a:latin typeface="Calibri" panose="020F0502020204030204" pitchFamily="34" charset="0"/>
+              </a:rPr>
+              <a:t> (Visit 30) post-treatment in alefacept responders (R, defined by C-peptide preservation) using ATAC-seq following sorting from PBMC (</a:t>
+            </a:r>
+            <a:r>
+              <a:rPr lang="en-US" sz="1200" dirty="0">
+                <a:effectLst/>
+                <a:latin typeface="Calibri,Bold"/>
+              </a:rPr>
+              <a:t>Figure 1A</a:t>
+            </a:r>
+            <a:r>
+              <a:rPr lang="en-US" sz="1200" dirty="0">
+                <a:effectLst/>
+                <a:latin typeface="Calibri" panose="020F0502020204030204" pitchFamily="34" charset="0"/>
+              </a:rPr>
+              <a:t>, Because cell population differences rather than treatment response differences were the focus of our investigation, we sequenced only alefacept responder (R) samples“</a:t>
+            </a:r>
+          </a:p>
+          <a:p>
+            <a:pPr marL="0" marR="0" lvl="0" indent="0" algn="l" defTabSz="914400" rtl="0" eaLnBrk="1" fontAlgn="auto" latinLnBrk="0" hangingPunct="1">
+              <a:lnSpc>
+                <a:spcPct val="100000"/>
+              </a:lnSpc>
+              <a:spcBef>
+                <a:spcPts val="0"/>
+              </a:spcBef>
+              <a:spcAft>
+                <a:spcPts val="0"/>
+              </a:spcAft>
+              <a:buClrTx/>
+              <a:buSzTx/>
+              <a:buFont typeface="+mj-lt"/>
+              <a:buNone/>
+              <a:tabLst/>
+              <a:defRPr/>
+            </a:pPr>
+            <a:endParaRPr lang="en-US" sz="1200" dirty="0">
+              <a:effectLst/>
+              <a:latin typeface="Calibri" panose="020F0502020204030204" pitchFamily="34" charset="0"/>
+            </a:endParaRPr>
+          </a:p>
+          <a:p>
+            <a:pPr marL="0" marR="0" lvl="0" indent="0" algn="l" defTabSz="914400" rtl="0" eaLnBrk="1" fontAlgn="auto" latinLnBrk="0" hangingPunct="1">
+              <a:lnSpc>
+                <a:spcPct val="100000"/>
+              </a:lnSpc>
+              <a:spcBef>
+                <a:spcPts val="0"/>
+              </a:spcBef>
+              <a:spcAft>
+                <a:spcPts val="0"/>
+              </a:spcAft>
+              <a:buClrTx/>
+              <a:buSzTx/>
+              <a:buFont typeface="+mj-lt"/>
+              <a:buNone/>
+              <a:tabLst/>
+              <a:defRPr/>
+            </a:pPr>
+            <a:r>
+              <a:rPr lang="en-US" sz="1200" dirty="0">
+                <a:effectLst/>
+                <a:latin typeface="Calibri" panose="020F0502020204030204" pitchFamily="34" charset="0"/>
+              </a:rPr>
+              <a:t>Updated to remove vars present in all sorts in a donor</a:t>
+            </a:r>
+          </a:p>
+          <a:p>
+            <a:pPr marL="0" marR="0" lvl="0" indent="0" algn="l" defTabSz="914400" rtl="0" eaLnBrk="1" fontAlgn="auto" latinLnBrk="0" hangingPunct="1">
+              <a:lnSpc>
+                <a:spcPct val="100000"/>
+              </a:lnSpc>
+              <a:spcBef>
+                <a:spcPts val="0"/>
+              </a:spcBef>
+              <a:spcAft>
+                <a:spcPts val="0"/>
+              </a:spcAft>
+              <a:buClrTx/>
+              <a:buSzTx/>
+              <a:buFont typeface="+mj-lt"/>
+              <a:buNone/>
+              <a:tabLst/>
+              <a:defRPr/>
+            </a:pPr>
+            <a:endParaRPr lang="en-US" sz="1200" dirty="0">
+              <a:effectLst/>
+              <a:latin typeface="Calibri" panose="020F0502020204030204" pitchFamily="34" charset="0"/>
+            </a:endParaRPr>
+          </a:p>
+          <a:p>
+            <a:r>
+              <a:rPr lang="en-US" dirty="0"/>
+              <a:t>MT notes:</a:t>
+            </a:r>
+          </a:p>
+          <a:p>
+            <a:pPr marL="0" marR="0" lvl="0" indent="0" algn="l" defTabSz="914400" rtl="0" eaLnBrk="1" fontAlgn="auto" latinLnBrk="0" hangingPunct="1">
+              <a:lnSpc>
+                <a:spcPct val="100000"/>
+              </a:lnSpc>
+              <a:spcBef>
+                <a:spcPts val="0"/>
+              </a:spcBef>
+              <a:spcAft>
+                <a:spcPts val="0"/>
+              </a:spcAft>
+              <a:buClrTx/>
+              <a:buSzTx/>
+              <a:buFontTx/>
+              <a:buNone/>
+              <a:tabLst/>
+              <a:defRPr/>
+            </a:pPr>
+            <a:r>
+              <a:rPr lang="en-US" sz="1200" dirty="0">
+                <a:effectLst/>
+                <a:latin typeface="AdvPSA183"/>
+              </a:rPr>
+              <a:t>Mitochondrial genomes have high copy number (100–1,000s)</a:t>
+            </a:r>
+          </a:p>
+          <a:p>
+            <a:pPr marL="0" marR="0" lvl="0" indent="0" algn="l" defTabSz="914400" rtl="0" eaLnBrk="1" fontAlgn="auto" latinLnBrk="0" hangingPunct="1">
+              <a:lnSpc>
+                <a:spcPct val="100000"/>
+              </a:lnSpc>
+              <a:spcBef>
+                <a:spcPts val="0"/>
+              </a:spcBef>
+              <a:spcAft>
+                <a:spcPts val="0"/>
+              </a:spcAft>
+              <a:buClrTx/>
+              <a:buSzTx/>
+              <a:buFontTx/>
+              <a:buNone/>
+              <a:tabLst/>
+              <a:defRPr/>
+            </a:pPr>
+            <a:endParaRPr lang="en-US" sz="1200" dirty="0">
+              <a:effectLst/>
+              <a:latin typeface="AdvPSA183"/>
+            </a:endParaRPr>
+          </a:p>
+          <a:p>
+            <a:pPr marL="0" marR="0" lvl="0" indent="0" algn="l" defTabSz="914400" rtl="0" eaLnBrk="1" fontAlgn="auto" latinLnBrk="0" hangingPunct="1">
+              <a:lnSpc>
+                <a:spcPct val="100000"/>
+              </a:lnSpc>
+              <a:spcBef>
+                <a:spcPts val="0"/>
+              </a:spcBef>
+              <a:spcAft>
+                <a:spcPts val="0"/>
+              </a:spcAft>
+              <a:buClrTx/>
+              <a:buSzTx/>
+              <a:buFontTx/>
+              <a:buNone/>
+              <a:tabLst/>
+              <a:defRPr/>
+            </a:pPr>
+            <a:r>
+              <a:rPr lang="en-US" sz="1200" b="0" i="0" u="none" strike="noStrike" dirty="0" err="1">
+                <a:solidFill>
+                  <a:srgbClr val="212121"/>
+                </a:solidFill>
+                <a:effectLst/>
+                <a:highlight>
+                  <a:srgbClr val="FFFFFF"/>
+                </a:highlight>
+                <a:latin typeface="Cambria" panose="02040503050406030204" pitchFamily="18" charset="0"/>
+              </a:rPr>
+              <a:t>homoplasmy</a:t>
+            </a:r>
+            <a:r>
+              <a:rPr lang="en-US" sz="1200" b="0" i="0" u="none" strike="noStrike" dirty="0">
+                <a:solidFill>
+                  <a:srgbClr val="212121"/>
+                </a:solidFill>
+                <a:effectLst/>
+                <a:highlight>
+                  <a:srgbClr val="FFFFFF"/>
+                </a:highlight>
+                <a:latin typeface="Cambria" panose="02040503050406030204" pitchFamily="18" charset="0"/>
+              </a:rPr>
+              <a:t> is when all copies of the mitochondrial genome in a cell are identical; </a:t>
+            </a:r>
+            <a:r>
+              <a:rPr lang="en-US" sz="1200" b="0" i="0" u="none" strike="noStrike" dirty="0" err="1">
+                <a:solidFill>
+                  <a:srgbClr val="212121"/>
+                </a:solidFill>
+                <a:effectLst/>
+                <a:highlight>
+                  <a:srgbClr val="FFFFFF"/>
+                </a:highlight>
+                <a:latin typeface="Cambria" panose="02040503050406030204" pitchFamily="18" charset="0"/>
+              </a:rPr>
+              <a:t>heteroplasmy</a:t>
+            </a:r>
+            <a:r>
+              <a:rPr lang="en-US" sz="1200" b="0" i="0" u="none" strike="noStrike" dirty="0">
+                <a:solidFill>
+                  <a:srgbClr val="212121"/>
+                </a:solidFill>
+                <a:effectLst/>
+                <a:highlight>
+                  <a:srgbClr val="FFFFFF"/>
+                </a:highlight>
+                <a:latin typeface="Cambria" panose="02040503050406030204" pitchFamily="18" charset="0"/>
+              </a:rPr>
+              <a:t> is when there is a mixture of two or more mitochondrial genotypes</a:t>
+            </a:r>
+            <a:endParaRPr lang="en-US" sz="1200" dirty="0">
+              <a:effectLst/>
+              <a:latin typeface="AdvPSA183"/>
+            </a:endParaRPr>
+          </a:p>
+          <a:p>
+            <a:pPr marL="0" marR="0" lvl="0" indent="0" algn="l" defTabSz="914400" rtl="0" eaLnBrk="1" fontAlgn="auto" latinLnBrk="0" hangingPunct="1">
+              <a:lnSpc>
+                <a:spcPct val="100000"/>
+              </a:lnSpc>
+              <a:spcBef>
+                <a:spcPts val="0"/>
+              </a:spcBef>
+              <a:spcAft>
+                <a:spcPts val="0"/>
+              </a:spcAft>
+              <a:buClrTx/>
+              <a:buSzTx/>
+              <a:buFontTx/>
+              <a:buNone/>
+              <a:tabLst/>
+              <a:defRPr/>
+            </a:pPr>
+            <a:endParaRPr lang="en-US" sz="1200" dirty="0">
+              <a:effectLst/>
+              <a:latin typeface="AdvPSA183"/>
+            </a:endParaRPr>
+          </a:p>
+          <a:p>
+            <a:pPr marL="0" marR="0" lvl="0" indent="0" algn="l" defTabSz="914400" rtl="0" eaLnBrk="1" fontAlgn="auto" latinLnBrk="0" hangingPunct="1">
+              <a:lnSpc>
+                <a:spcPct val="100000"/>
+              </a:lnSpc>
+              <a:spcBef>
+                <a:spcPts val="0"/>
+              </a:spcBef>
+              <a:spcAft>
+                <a:spcPts val="0"/>
+              </a:spcAft>
+              <a:buClrTx/>
+              <a:buSzTx/>
+              <a:buFontTx/>
+              <a:buNone/>
+              <a:tabLst/>
+              <a:defRPr/>
+            </a:pPr>
+            <a:r>
+              <a:rPr lang="en-US" sz="1200" dirty="0">
+                <a:effectLst/>
+                <a:latin typeface="AdvPSA183"/>
+              </a:rPr>
+              <a:t>mutations in </a:t>
+            </a:r>
+            <a:r>
+              <a:rPr lang="en-US" sz="1200" dirty="0" err="1">
+                <a:effectLst/>
+                <a:latin typeface="AdvPSA183"/>
+              </a:rPr>
+              <a:t>mtDNA</a:t>
+            </a:r>
+            <a:r>
+              <a:rPr lang="en-US" sz="1200" dirty="0">
+                <a:effectLst/>
+                <a:latin typeface="AdvPSA183"/>
+              </a:rPr>
+              <a:t> often reach high levels of </a:t>
+            </a:r>
+            <a:r>
+              <a:rPr lang="en-US" sz="1200" dirty="0" err="1">
+                <a:effectLst/>
+                <a:latin typeface="AdvPSA183"/>
+              </a:rPr>
+              <a:t>heteroplasmy</a:t>
+            </a:r>
+            <a:r>
+              <a:rPr lang="en-US" sz="1200" dirty="0">
+                <a:effectLst/>
+                <a:latin typeface="AdvPSA183"/>
+              </a:rPr>
+              <a:t> (proportion of mitochondrial genomes containing a specific mutation) due to a combination of vegetative segregation, random genetic drift, and relaxed replication </a:t>
+            </a:r>
+            <a:endParaRPr lang="en-US" b="0" i="0" u="none" strike="noStrike" dirty="0">
+              <a:solidFill>
+                <a:srgbClr val="212121"/>
+              </a:solidFill>
+              <a:effectLst/>
+              <a:highlight>
+                <a:srgbClr val="FFFCF0"/>
+              </a:highlight>
+              <a:latin typeface="Cambria" panose="02040503050406030204" pitchFamily="18" charset="0"/>
+            </a:endParaRPr>
+          </a:p>
+          <a:p>
+            <a:endParaRPr lang="en-US" dirty="0"/>
+          </a:p>
+          <a:p>
+            <a:r>
+              <a:rPr lang="en-US" b="0" i="0" u="none" strike="noStrike" dirty="0">
+                <a:solidFill>
+                  <a:srgbClr val="212121"/>
+                </a:solidFill>
+                <a:effectLst/>
+                <a:highlight>
+                  <a:srgbClr val="FFFCF0"/>
+                </a:highlight>
+                <a:latin typeface="Cambria" panose="02040503050406030204" pitchFamily="18" charset="0"/>
+              </a:rPr>
+              <a:t>Exclusively maternal inheritance</a:t>
+            </a:r>
+          </a:p>
+          <a:p>
+            <a:endParaRPr lang="en-US" b="0" i="0" u="none" strike="noStrike" dirty="0">
+              <a:solidFill>
+                <a:srgbClr val="212121"/>
+              </a:solidFill>
+              <a:effectLst/>
+              <a:highlight>
+                <a:srgbClr val="FFFFFF"/>
+              </a:highlight>
+              <a:latin typeface="Cambria" panose="02040503050406030204" pitchFamily="18" charset="0"/>
+            </a:endParaRPr>
+          </a:p>
+          <a:p>
+            <a:pPr marL="0" marR="0" lvl="0" indent="0" algn="l" defTabSz="914400" rtl="0" eaLnBrk="1" fontAlgn="auto" latinLnBrk="0" hangingPunct="1">
+              <a:lnSpc>
+                <a:spcPct val="100000"/>
+              </a:lnSpc>
+              <a:spcBef>
+                <a:spcPts val="0"/>
+              </a:spcBef>
+              <a:spcAft>
+                <a:spcPts val="0"/>
+              </a:spcAft>
+              <a:buClrTx/>
+              <a:buSzTx/>
+              <a:buFontTx/>
+              <a:buNone/>
+              <a:tabLst/>
+              <a:defRPr/>
+            </a:pPr>
+            <a:r>
+              <a:rPr lang="en-US" sz="1200" dirty="0" err="1">
+                <a:effectLst/>
+                <a:latin typeface="AdvPSA183"/>
+              </a:rPr>
+              <a:t>mtDNA</a:t>
+            </a:r>
+            <a:r>
+              <a:rPr lang="en-US" sz="1200" dirty="0">
+                <a:effectLst/>
+                <a:latin typeface="AdvPSA183"/>
+              </a:rPr>
+              <a:t> mutation rates are estimated to be 10- to 100-fold higher than for nuclear DNA</a:t>
+            </a:r>
+          </a:p>
         </p:txBody>
       </p:sp>
       <p:sp>
@@ -994,7 +1235,7 @@
     </p:spTree>
     <p:extLst>
       <p:ext uri="{BB962C8B-B14F-4D97-AF65-F5344CB8AC3E}">
-        <p14:creationId xmlns:p14="http://schemas.microsoft.com/office/powerpoint/2010/main" val="12361104"/>
+        <p14:creationId xmlns:p14="http://schemas.microsoft.com/office/powerpoint/2010/main" val="2452080432"/>
       </p:ext>
     </p:extLst>
   </p:cSld>
@@ -1066,29 +1307,205 @@
           <a:bodyPr/>
           <a:lstStyle/>
           <a:p>
-            <a:pPr marL="0" marR="0" lvl="0" indent="0" algn="l" defTabSz="914400" rtl="0" eaLnBrk="1" fontAlgn="auto" latinLnBrk="0" hangingPunct="1">
-              <a:lnSpc>
-                <a:spcPct val="100000"/>
-              </a:lnSpc>
-              <a:spcBef>
-                <a:spcPts val="0"/>
-              </a:spcBef>
-              <a:spcAft>
-                <a:spcPts val="0"/>
-              </a:spcAft>
-              <a:buClrTx/>
-              <a:buSzTx/>
+            <a:pPr marL="0" indent="0">
               <a:buFont typeface="+mj-lt"/>
               <a:buNone/>
-              <a:tabLst/>
-              <a:defRPr/>
             </a:pPr>
-            <a:endParaRPr lang="en-US" sz="1200" b="0" i="0" u="none" strike="noStrike" dirty="0">
+            <a:r>
+              <a:rPr lang="en-US" b="0" i="0" u="none" strike="noStrike" dirty="0">
+                <a:solidFill>
+                  <a:srgbClr val="000000"/>
+                </a:solidFill>
+                <a:effectLst/>
+                <a:latin typeface="-webkit-standard"/>
+              </a:rPr>
+              <a:t>Tested for significances already</a:t>
+            </a:r>
+          </a:p>
+          <a:p>
+            <a:pPr marL="0" indent="0">
+              <a:buFont typeface="+mj-lt"/>
+              <a:buNone/>
+            </a:pPr>
+            <a:endParaRPr lang="en-US" b="0" i="0" u="none" strike="noStrike" dirty="0">
               <a:solidFill>
-                <a:srgbClr val="212121"/>
+                <a:srgbClr val="000000"/>
               </a:solidFill>
               <a:effectLst/>
-              <a:latin typeface="Aptos" panose="020B0004020202020204" pitchFamily="34" charset="0"/>
+              <a:latin typeface="-webkit-standard"/>
+            </a:endParaRPr>
+          </a:p>
+          <a:p>
+            <a:pPr marL="0" indent="0">
+              <a:buFont typeface="+mj-lt"/>
+              <a:buNone/>
+            </a:pPr>
+            <a:r>
+              <a:rPr lang="en-US" b="0" i="0" u="none" strike="noStrike" dirty="0" err="1">
+                <a:solidFill>
+                  <a:srgbClr val="000000"/>
+                </a:solidFill>
+                <a:effectLst/>
+                <a:latin typeface="-webkit-standard"/>
+              </a:rPr>
+              <a:t>PhenoPath</a:t>
+            </a:r>
+            <a:r>
+              <a:rPr lang="en-US" b="0" i="0" u="none" strike="noStrike" dirty="0">
+                <a:solidFill>
+                  <a:srgbClr val="000000"/>
+                </a:solidFill>
+                <a:effectLst/>
+                <a:latin typeface="-webkit-standard"/>
+              </a:rPr>
+              <a:t> analyzes the accessibility of genomic regions (peaks) in your ATAC-seq data, modeling how these accessibilities change along a biological trajectory and how this trajectory is influenced by tissue type</a:t>
+            </a:r>
+          </a:p>
+          <a:p>
+            <a:pPr marL="0" indent="0">
+              <a:buFont typeface="+mj-lt"/>
+              <a:buNone/>
+            </a:pPr>
+            <a:endParaRPr lang="en-US" b="0" i="0" u="none" strike="noStrike" dirty="0">
+              <a:solidFill>
+                <a:srgbClr val="000000"/>
+              </a:solidFill>
+              <a:effectLst/>
+              <a:latin typeface="-webkit-standard"/>
+            </a:endParaRPr>
+          </a:p>
+          <a:p>
+            <a:pPr marL="0" indent="0">
+              <a:buFont typeface="+mj-lt"/>
+              <a:buNone/>
+            </a:pPr>
+            <a:r>
+              <a:rPr lang="en-US" b="0" i="0" u="none" strike="noStrike" dirty="0" err="1">
+                <a:solidFill>
+                  <a:srgbClr val="333333"/>
+                </a:solidFill>
+                <a:effectLst/>
+                <a:highlight>
+                  <a:srgbClr val="FFFFFF"/>
+                </a:highlight>
+                <a:latin typeface="Arial" panose="020B0604020202020204" pitchFamily="34" charset="0"/>
+              </a:rPr>
+              <a:t>PhenoPath</a:t>
+            </a:r>
+            <a:r>
+              <a:rPr lang="en-US" b="0" i="0" u="none" strike="noStrike" dirty="0">
+                <a:solidFill>
+                  <a:srgbClr val="333333"/>
+                </a:solidFill>
+                <a:effectLst/>
+                <a:highlight>
+                  <a:srgbClr val="FFFFFF"/>
+                </a:highlight>
+                <a:latin typeface="Arial" panose="020B0604020202020204" pitchFamily="34" charset="0"/>
+              </a:rPr>
+              <a:t> models gene expression expression </a:t>
+            </a:r>
+            <a:r>
+              <a:rPr lang="en-US" b="0" i="0" u="none" strike="noStrike" dirty="0">
+                <a:solidFill>
+                  <a:srgbClr val="333333"/>
+                </a:solidFill>
+                <a:effectLst/>
+                <a:latin typeface="STIXGeneral-Italic"/>
+              </a:rPr>
+              <a:t>𝑦</a:t>
+            </a:r>
+            <a:r>
+              <a:rPr lang="en-US" b="0" i="0" u="none" strike="noStrike" dirty="0">
+                <a:solidFill>
+                  <a:srgbClr val="333333"/>
+                </a:solidFill>
+                <a:effectLst/>
+                <a:highlight>
+                  <a:srgbClr val="FFFFFF"/>
+                </a:highlight>
+                <a:latin typeface="Arial" panose="020B0604020202020204" pitchFamily="34" charset="0"/>
+              </a:rPr>
+              <a:t> in terms of a latent pathway score (</a:t>
+            </a:r>
+            <a:r>
+              <a:rPr lang="en-US" b="0" i="0" u="none" strike="noStrike" dirty="0" err="1">
+                <a:solidFill>
+                  <a:srgbClr val="333333"/>
+                </a:solidFill>
+                <a:effectLst/>
+                <a:highlight>
+                  <a:srgbClr val="FFFFFF"/>
+                </a:highlight>
+                <a:latin typeface="Arial" panose="020B0604020202020204" pitchFamily="34" charset="0"/>
+              </a:rPr>
+              <a:t>pseudotime</a:t>
+            </a:r>
+            <a:r>
+              <a:rPr lang="en-US" b="0" i="0" u="none" strike="noStrike" dirty="0">
+                <a:solidFill>
+                  <a:srgbClr val="333333"/>
+                </a:solidFill>
+                <a:effectLst/>
+                <a:highlight>
+                  <a:srgbClr val="FFFFFF"/>
+                </a:highlight>
+                <a:latin typeface="Arial" panose="020B0604020202020204" pitchFamily="34" charset="0"/>
+              </a:rPr>
+              <a:t>) </a:t>
+            </a:r>
+            <a:r>
+              <a:rPr lang="en-US" b="0" i="0" u="none" strike="noStrike" dirty="0">
+                <a:solidFill>
+                  <a:srgbClr val="333333"/>
+                </a:solidFill>
+                <a:effectLst/>
+                <a:latin typeface="STIXGeneral-Italic"/>
+              </a:rPr>
+              <a:t>𝑧</a:t>
+            </a:r>
+            <a:r>
+              <a:rPr lang="en-US" b="0" i="0" u="none" strike="noStrike" dirty="0">
+                <a:solidFill>
+                  <a:srgbClr val="333333"/>
+                </a:solidFill>
+                <a:effectLst/>
+                <a:highlight>
+                  <a:srgbClr val="FFFFFF"/>
+                </a:highlight>
+                <a:latin typeface="Arial" panose="020B0604020202020204" pitchFamily="34" charset="0"/>
+              </a:rPr>
+              <a:t>. Uniquely, the evolution of genes along the trajectory isn’t common to each gene but can be perturbed by an additional sample-specific covariate </a:t>
+            </a:r>
+            <a:r>
+              <a:rPr lang="en-US" b="0" i="0" u="none" strike="noStrike" dirty="0">
+                <a:solidFill>
+                  <a:srgbClr val="333333"/>
+                </a:solidFill>
+                <a:effectLst/>
+                <a:latin typeface="STIXGeneral-Italic"/>
+              </a:rPr>
+              <a:t>𝛽</a:t>
+            </a:r>
+            <a:r>
+              <a:rPr lang="en-US" b="0" i="0" u="none" strike="noStrike" dirty="0">
+                <a:solidFill>
+                  <a:srgbClr val="333333"/>
+                </a:solidFill>
+                <a:effectLst/>
+                <a:highlight>
+                  <a:srgbClr val="FFFFFF"/>
+                </a:highlight>
+                <a:latin typeface="Arial" panose="020B0604020202020204" pitchFamily="34" charset="0"/>
+              </a:rPr>
+              <a:t> (cell sort here)</a:t>
+            </a:r>
+            <a:endParaRPr lang="en-US" b="0" dirty="0">
+              <a:solidFill>
+                <a:srgbClr val="CCCCCC"/>
+              </a:solidFill>
+              <a:effectLst/>
+              <a:latin typeface="Menlo" panose="020B0609030804020204" pitchFamily="49" charset="0"/>
             </a:endParaRPr>
           </a:p>
         </p:txBody>
@@ -1125,7 +1542,7 @@
     </p:spTree>
     <p:extLst>
       <p:ext uri="{BB962C8B-B14F-4D97-AF65-F5344CB8AC3E}">
-        <p14:creationId xmlns:p14="http://schemas.microsoft.com/office/powerpoint/2010/main" val="3176869834"/>
+        <p14:creationId xmlns:p14="http://schemas.microsoft.com/office/powerpoint/2010/main" val="12361104"/>
       </p:ext>
     </p:extLst>
   </p:cSld>
@@ -1214,6 +1631,140 @@
               <a:tabLst/>
               <a:defRPr/>
             </a:pPr>
+            <a:r>
+              <a:rPr lang="en-US" sz="1200" b="0" i="0" u="none" strike="noStrike" dirty="0">
+                <a:solidFill>
+                  <a:srgbClr val="212121"/>
+                </a:solidFill>
+                <a:effectLst/>
+                <a:latin typeface="Aptos" panose="020B0004020202020204" pitchFamily="34" charset="0"/>
+              </a:rPr>
+              <a:t>Perhaps that donor’s DNs were just much less DN and much more DP whatever than other donors’ DNs… hard to believe in bulk though…</a:t>
+            </a:r>
+          </a:p>
+        </p:txBody>
+      </p:sp>
+      <p:sp>
+        <p:nvSpPr>
+          <p:cNvPr id="4" name="Slide Number Placeholder 3">
+            <a:extLst>
+              <a:ext uri="{FF2B5EF4-FFF2-40B4-BE49-F238E27FC236}">
+                <a16:creationId xmlns:a16="http://schemas.microsoft.com/office/drawing/2014/main" id="{9F3FD3E1-ECA8-7789-76B9-A150DB6276EE}"/>
+              </a:ext>
+            </a:extLst>
+          </p:cNvPr>
+          <p:cNvSpPr>
+            <a:spLocks noGrp="1"/>
+          </p:cNvSpPr>
+          <p:nvPr>
+            <p:ph type="sldNum" sz="quarter" idx="5"/>
+          </p:nvPr>
+        </p:nvSpPr>
+        <p:spPr/>
+        <p:txBody>
+          <a:bodyPr/>
+          <a:lstStyle/>
+          <a:p>
+            <a:fld id="{061BAA8C-FDC6-D345-B4E0-3B02449209FB}" type="slidenum">
+              <a:rPr lang="en-US" smtClean="0"/>
+              <a:t>5</a:t>
+            </a:fld>
+            <a:endParaRPr lang="en-US"/>
+          </a:p>
+        </p:txBody>
+      </p:sp>
+    </p:spTree>
+    <p:extLst>
+      <p:ext uri="{BB962C8B-B14F-4D97-AF65-F5344CB8AC3E}">
+        <p14:creationId xmlns:p14="http://schemas.microsoft.com/office/powerpoint/2010/main" val="3176869834"/>
+      </p:ext>
+    </p:extLst>
+  </p:cSld>
+  <p:clrMapOvr>
+    <a:masterClrMapping/>
+  </p:clrMapOvr>
+</p:notes>
+</file>
+
+<file path=ppt/notesSlides/notesSlide6.xml><?xml version="1.0" encoding="utf-8"?>
+<p:notes xmlns:a="http://schemas.openxmlformats.org/drawingml/2006/main" xmlns:r="http://schemas.openxmlformats.org/officeDocument/2006/relationships" xmlns:p="http://schemas.openxmlformats.org/presentationml/2006/main">
+  <p:cSld>
+    <p:spTree>
+      <p:nvGrpSpPr>
+        <p:cNvPr id="1" name="">
+          <a:extLst>
+            <a:ext uri="{FF2B5EF4-FFF2-40B4-BE49-F238E27FC236}">
+              <a16:creationId xmlns:a16="http://schemas.microsoft.com/office/drawing/2014/main" id="{3415C166-0F50-E043-8950-9F266C4565AE}"/>
+            </a:ext>
+          </a:extLst>
+        </p:cNvPr>
+        <p:cNvGrpSpPr/>
+        <p:nvPr/>
+      </p:nvGrpSpPr>
+      <p:grpSpPr>
+        <a:xfrm>
+          <a:off x="0" y="0"/>
+          <a:ext cx="0" cy="0"/>
+          <a:chOff x="0" y="0"/>
+          <a:chExt cx="0" cy="0"/>
+        </a:xfrm>
+      </p:grpSpPr>
+      <p:sp>
+        <p:nvSpPr>
+          <p:cNvPr id="2" name="Slide Image Placeholder 1">
+            <a:extLst>
+              <a:ext uri="{FF2B5EF4-FFF2-40B4-BE49-F238E27FC236}">
+                <a16:creationId xmlns:a16="http://schemas.microsoft.com/office/drawing/2014/main" id="{1E497E09-6D11-D0BA-D2D1-5B08FB997731}"/>
+              </a:ext>
+            </a:extLst>
+          </p:cNvPr>
+          <p:cNvSpPr>
+            <a:spLocks noGrp="1" noRot="1" noChangeAspect="1"/>
+          </p:cNvSpPr>
+          <p:nvPr>
+            <p:ph type="sldImg"/>
+          </p:nvPr>
+        </p:nvSpPr>
+        <p:spPr/>
+      </p:sp>
+      <p:sp>
+        <p:nvSpPr>
+          <p:cNvPr id="3" name="Notes Placeholder 2">
+            <a:extLst>
+              <a:ext uri="{FF2B5EF4-FFF2-40B4-BE49-F238E27FC236}">
+                <a16:creationId xmlns:a16="http://schemas.microsoft.com/office/drawing/2014/main" id="{9336C4A5-58A4-D062-54A6-1D67A978E992}"/>
+              </a:ext>
+            </a:extLst>
+          </p:cNvPr>
+          <p:cNvSpPr>
+            <a:spLocks noGrp="1"/>
+          </p:cNvSpPr>
+          <p:nvPr>
+            <p:ph type="body" idx="1"/>
+          </p:nvPr>
+        </p:nvSpPr>
+        <p:spPr/>
+        <p:txBody>
+          <a:bodyPr/>
+          <a:lstStyle/>
+          <a:p>
+            <a:pPr marL="0" marR="0" lvl="0" indent="0" algn="l" defTabSz="914400" rtl="0" eaLnBrk="1" fontAlgn="auto" latinLnBrk="0" hangingPunct="1">
+              <a:lnSpc>
+                <a:spcPct val="100000"/>
+              </a:lnSpc>
+              <a:spcBef>
+                <a:spcPts val="0"/>
+              </a:spcBef>
+              <a:spcAft>
+                <a:spcPts val="0"/>
+              </a:spcAft>
+              <a:buClrTx/>
+              <a:buSzTx/>
+              <a:buFont typeface="+mj-lt"/>
+              <a:buNone/>
+              <a:tabLst/>
+              <a:defRPr/>
+            </a:pPr>
             <a:endParaRPr lang="en-US" sz="1200" b="0" i="0" u="none" strike="noStrike" dirty="0">
               <a:solidFill>
                 <a:srgbClr val="212121"/>
@@ -1247,7 +1798,7 @@
           <a:p>
             <a:fld id="{061BAA8C-FDC6-D345-B4E0-3B02449209FB}" type="slidenum">
               <a:rPr lang="en-US" smtClean="0"/>
-              <a:t>5</a:t>
+              <a:t>6</a:t>
             </a:fld>
             <a:endParaRPr lang="en-US"/>
           </a:p>
@@ -4715,6 +5266,294 @@
           <a:chExt cx="0" cy="0"/>
         </a:xfrm>
       </p:grpSpPr>
+      <p:pic>
+        <p:nvPicPr>
+          <p:cNvPr id="8" name="Picture 7">
+            <a:extLst>
+              <a:ext uri="{FF2B5EF4-FFF2-40B4-BE49-F238E27FC236}">
+                <a16:creationId xmlns:a16="http://schemas.microsoft.com/office/drawing/2014/main" id="{3CAF5A3E-4D83-AA66-4ECA-C15C7E6F9F79}"/>
+              </a:ext>
+            </a:extLst>
+          </p:cNvPr>
+          <p:cNvPicPr>
+            <a:picLocks noChangeAspect="1"/>
+          </p:cNvPicPr>
+          <p:nvPr/>
+        </p:nvPicPr>
+        <p:blipFill>
+          <a:blip r:embed="rId3"/>
+          <a:stretch>
+            <a:fillRect/>
+          </a:stretch>
+        </p:blipFill>
+        <p:spPr>
+          <a:xfrm>
+            <a:off x="-1581" y="1300899"/>
+            <a:ext cx="3331546" cy="5557100"/>
+          </a:xfrm>
+          <a:prstGeom prst="rect">
+            <a:avLst/>
+          </a:prstGeom>
+        </p:spPr>
+      </p:pic>
+      <p:sp>
+        <p:nvSpPr>
+          <p:cNvPr id="6" name="Title 5">
+            <a:extLst>
+              <a:ext uri="{FF2B5EF4-FFF2-40B4-BE49-F238E27FC236}">
+                <a16:creationId xmlns:a16="http://schemas.microsoft.com/office/drawing/2014/main" id="{B9AD7D28-49C2-0B8B-79CB-FA2C8F40B6BC}"/>
+              </a:ext>
+            </a:extLst>
+          </p:cNvPr>
+          <p:cNvSpPr>
+            <a:spLocks noGrp="1"/>
+          </p:cNvSpPr>
+          <p:nvPr>
+            <p:ph type="title"/>
+          </p:nvPr>
+        </p:nvSpPr>
+        <p:spPr/>
+        <p:txBody>
+          <a:bodyPr/>
+          <a:lstStyle/>
+          <a:p>
+            <a:r>
+              <a:rPr lang="en-US" dirty="0"/>
+              <a:t>P452 (T1DAL): faceting MT variant analysis by timepoint</a:t>
+            </a:r>
+          </a:p>
+        </p:txBody>
+      </p:sp>
+      <p:sp>
+        <p:nvSpPr>
+          <p:cNvPr id="7" name="TextBox 6">
+            <a:extLst>
+              <a:ext uri="{FF2B5EF4-FFF2-40B4-BE49-F238E27FC236}">
+                <a16:creationId xmlns:a16="http://schemas.microsoft.com/office/drawing/2014/main" id="{707DDD4F-FEE9-2F37-D73B-8E4F915BB589}"/>
+              </a:ext>
+            </a:extLst>
+          </p:cNvPr>
+          <p:cNvSpPr txBox="1"/>
+          <p:nvPr/>
+        </p:nvSpPr>
+        <p:spPr>
+          <a:xfrm>
+            <a:off x="2831828" y="6308209"/>
+            <a:ext cx="1609544" cy="369332"/>
+          </a:xfrm>
+          <a:prstGeom prst="rect">
+            <a:avLst/>
+          </a:prstGeom>
+          <a:noFill/>
+        </p:spPr>
+        <p:txBody>
+          <a:bodyPr wrap="square" rtlCol="0">
+            <a:spAutoFit/>
+          </a:bodyPr>
+          <a:lstStyle/>
+          <a:p>
+            <a:r>
+              <a:rPr lang="en-US" dirty="0"/>
+              <a:t>n = 4 (donors)</a:t>
+            </a:r>
+          </a:p>
+        </p:txBody>
+      </p:sp>
+      <p:sp>
+        <p:nvSpPr>
+          <p:cNvPr id="13" name="TextBox 12">
+            <a:extLst>
+              <a:ext uri="{FF2B5EF4-FFF2-40B4-BE49-F238E27FC236}">
+                <a16:creationId xmlns:a16="http://schemas.microsoft.com/office/drawing/2014/main" id="{20715B3E-708F-0E30-3EFC-C97CE4955250}"/>
+              </a:ext>
+            </a:extLst>
+          </p:cNvPr>
+          <p:cNvSpPr txBox="1"/>
+          <p:nvPr/>
+        </p:nvSpPr>
+        <p:spPr>
+          <a:xfrm>
+            <a:off x="7694779" y="4826675"/>
+            <a:ext cx="4637988" cy="2031325"/>
+          </a:xfrm>
+          <a:prstGeom prst="rect">
+            <a:avLst/>
+          </a:prstGeom>
+          <a:noFill/>
+        </p:spPr>
+        <p:txBody>
+          <a:bodyPr wrap="square" rtlCol="0">
+            <a:spAutoFit/>
+          </a:bodyPr>
+          <a:lstStyle/>
+          <a:p>
+            <a:r>
+              <a:rPr lang="en-US" dirty="0"/>
+              <a:t>Takeaways:</a:t>
+            </a:r>
+          </a:p>
+          <a:p>
+            <a:r>
+              <a:rPr lang="en-US" dirty="0"/>
+              <a:t> - no significant differences in variant counts by timepoint within each sort</a:t>
+            </a:r>
+          </a:p>
+          <a:p>
+            <a:r>
+              <a:rPr lang="en-US" dirty="0"/>
+              <a:t> - substantial variant loss/gain over time (more sharing in CD57s ~30% vs. ~20% for others)</a:t>
+            </a:r>
+          </a:p>
+          <a:p>
+            <a:r>
+              <a:rPr lang="en-US" dirty="0"/>
+              <a:t> - not very different filtering for high </a:t>
+            </a:r>
+            <a:r>
+              <a:rPr lang="en-US" dirty="0" err="1"/>
+              <a:t>freq</a:t>
+            </a:r>
+            <a:r>
+              <a:rPr lang="en-US" dirty="0"/>
+              <a:t> vars (most here are high </a:t>
+            </a:r>
+            <a:r>
+              <a:rPr lang="en-US" dirty="0" err="1"/>
+              <a:t>freq</a:t>
+            </a:r>
+            <a:r>
+              <a:rPr lang="en-US" dirty="0"/>
+              <a:t>)</a:t>
+            </a:r>
+          </a:p>
+        </p:txBody>
+      </p:sp>
+      <p:pic>
+        <p:nvPicPr>
+          <p:cNvPr id="5" name="Picture 4">
+            <a:extLst>
+              <a:ext uri="{FF2B5EF4-FFF2-40B4-BE49-F238E27FC236}">
+                <a16:creationId xmlns:a16="http://schemas.microsoft.com/office/drawing/2014/main" id="{67BBACDF-3C74-72D2-7D8B-B2C05E2D5C3A}"/>
+              </a:ext>
+            </a:extLst>
+          </p:cNvPr>
+          <p:cNvPicPr>
+            <a:picLocks noChangeAspect="1"/>
+          </p:cNvPicPr>
+          <p:nvPr/>
+        </p:nvPicPr>
+        <p:blipFill>
+          <a:blip r:embed="rId4"/>
+          <a:stretch>
+            <a:fillRect/>
+          </a:stretch>
+        </p:blipFill>
+        <p:spPr>
+          <a:xfrm>
+            <a:off x="4169746" y="1653752"/>
+            <a:ext cx="3550920" cy="2281633"/>
+          </a:xfrm>
+          <a:prstGeom prst="rect">
+            <a:avLst/>
+          </a:prstGeom>
+        </p:spPr>
+      </p:pic>
+      <p:pic>
+        <p:nvPicPr>
+          <p:cNvPr id="9" name="Picture 8">
+            <a:extLst>
+              <a:ext uri="{FF2B5EF4-FFF2-40B4-BE49-F238E27FC236}">
+                <a16:creationId xmlns:a16="http://schemas.microsoft.com/office/drawing/2014/main" id="{C0AF5C14-8A13-C4F7-B465-F213C864F2FF}"/>
+              </a:ext>
+            </a:extLst>
+          </p:cNvPr>
+          <p:cNvPicPr>
+            <a:picLocks noChangeAspect="1"/>
+          </p:cNvPicPr>
+          <p:nvPr/>
+        </p:nvPicPr>
+        <p:blipFill>
+          <a:blip r:embed="rId5"/>
+          <a:stretch>
+            <a:fillRect/>
+          </a:stretch>
+        </p:blipFill>
+        <p:spPr>
+          <a:xfrm>
+            <a:off x="8142307" y="1653752"/>
+            <a:ext cx="3550920" cy="2453263"/>
+          </a:xfrm>
+          <a:prstGeom prst="rect">
+            <a:avLst/>
+          </a:prstGeom>
+        </p:spPr>
+      </p:pic>
+      <p:pic>
+        <p:nvPicPr>
+          <p:cNvPr id="10" name="Picture 9">
+            <a:extLst>
+              <a:ext uri="{FF2B5EF4-FFF2-40B4-BE49-F238E27FC236}">
+                <a16:creationId xmlns:a16="http://schemas.microsoft.com/office/drawing/2014/main" id="{0017A5F9-AE1B-6394-E977-5C52C34F5FE5}"/>
+              </a:ext>
+            </a:extLst>
+          </p:cNvPr>
+          <p:cNvPicPr>
+            <a:picLocks noChangeAspect="1"/>
+          </p:cNvPicPr>
+          <p:nvPr/>
+        </p:nvPicPr>
+        <p:blipFill>
+          <a:blip r:embed="rId6"/>
+          <a:stretch>
+            <a:fillRect/>
+          </a:stretch>
+        </p:blipFill>
+        <p:spPr>
+          <a:xfrm>
+            <a:off x="4220546" y="4228982"/>
+            <a:ext cx="3525033" cy="2448559"/>
+          </a:xfrm>
+          <a:prstGeom prst="rect">
+            <a:avLst/>
+          </a:prstGeom>
+        </p:spPr>
+      </p:pic>
+    </p:spTree>
+    <p:extLst>
+      <p:ext uri="{BB962C8B-B14F-4D97-AF65-F5344CB8AC3E}">
+        <p14:creationId xmlns:p14="http://schemas.microsoft.com/office/powerpoint/2010/main" val="2478623003"/>
+      </p:ext>
+    </p:extLst>
+  </p:cSld>
+  <p:clrMapOvr>
+    <a:masterClrMapping/>
+  </p:clrMapOvr>
+</p:sld>
+</file>
+
+<file path=ppt/slides/slide4.xml><?xml version="1.0" encoding="utf-8"?>
+<p:sld xmlns:a="http://schemas.openxmlformats.org/drawingml/2006/main" xmlns:r="http://schemas.openxmlformats.org/officeDocument/2006/relationships" xmlns:p="http://schemas.openxmlformats.org/presentationml/2006/main">
+  <p:cSld>
+    <p:spTree>
+      <p:nvGrpSpPr>
+        <p:cNvPr id="1" name="">
+          <a:extLst>
+            <a:ext uri="{FF2B5EF4-FFF2-40B4-BE49-F238E27FC236}">
+              <a16:creationId xmlns:a16="http://schemas.microsoft.com/office/drawing/2014/main" id="{5F63F271-7169-1115-1EF3-CE3BF477816E}"/>
+            </a:ext>
+          </a:extLst>
+        </p:cNvPr>
+        <p:cNvGrpSpPr/>
+        <p:nvPr/>
+      </p:nvGrpSpPr>
+      <p:grpSpPr>
+        <a:xfrm>
+          <a:off x="0" y="0"/>
+          <a:ext cx="0" cy="0"/>
+          <a:chOff x="0" y="0"/>
+          <a:chExt cx="0" cy="0"/>
+        </a:xfrm>
+      </p:grpSpPr>
       <p:sp>
         <p:nvSpPr>
           <p:cNvPr id="6" name="Title 5">
@@ -4802,7 +5641,7 @@
 </p:sld>
 </file>
 
-<file path=ppt/slides/slide4.xml><?xml version="1.0" encoding="utf-8"?>
+<file path=ppt/slides/slide5.xml><?xml version="1.0" encoding="utf-8"?>
 <p:sld xmlns:a="http://schemas.openxmlformats.org/drawingml/2006/main" xmlns:r="http://schemas.openxmlformats.org/officeDocument/2006/relationships" xmlns:p="http://schemas.openxmlformats.org/presentationml/2006/main">
   <p:cSld>
     <p:spTree>
@@ -4879,7 +5718,7 @@
         <p:spPr>
           <a:xfrm>
             <a:off x="838200" y="1919289"/>
-            <a:ext cx="10771208" cy="4499440"/>
+            <a:ext cx="5806440" cy="4499440"/>
           </a:xfrm>
         </p:spPr>
         <p:txBody>
@@ -4892,10 +5731,336 @@
               <a:buFont typeface="+mj-lt"/>
               <a:buAutoNum type="arabicPeriod"/>
             </a:pPr>
-            <a:endParaRPr lang="en-US" dirty="0"/>
-          </a:p>
-        </p:txBody>
-      </p:sp>
+            <a:r>
+              <a:rPr lang="en-US" dirty="0"/>
+              <a:t>PCA/UMAP outlier DN actually had most reads of any R DN…</a:t>
+            </a:r>
+          </a:p>
+        </p:txBody>
+      </p:sp>
+      <p:grpSp>
+        <p:nvGrpSpPr>
+          <p:cNvPr id="3" name="Group 2">
+            <a:extLst>
+              <a:ext uri="{FF2B5EF4-FFF2-40B4-BE49-F238E27FC236}">
+                <a16:creationId xmlns:a16="http://schemas.microsoft.com/office/drawing/2014/main" id="{80486C2F-5803-AF9D-B36F-5FAC2C99D231}"/>
+              </a:ext>
+            </a:extLst>
+          </p:cNvPr>
+          <p:cNvGrpSpPr/>
+          <p:nvPr/>
+        </p:nvGrpSpPr>
+        <p:grpSpPr>
+          <a:xfrm>
+            <a:off x="6746488" y="0"/>
+            <a:ext cx="5445512" cy="6858000"/>
+            <a:chOff x="0" y="0"/>
+            <a:chExt cx="5445512" cy="6858000"/>
+          </a:xfrm>
+        </p:grpSpPr>
+        <p:pic>
+          <p:nvPicPr>
+            <p:cNvPr id="4" name="Picture 3">
+              <a:extLst>
+                <a:ext uri="{FF2B5EF4-FFF2-40B4-BE49-F238E27FC236}">
+                  <a16:creationId xmlns:a16="http://schemas.microsoft.com/office/drawing/2014/main" id="{3AE0BCEB-956C-42F7-2687-7AD4130D68BE}"/>
+                </a:ext>
+              </a:extLst>
+            </p:cNvPr>
+            <p:cNvPicPr>
+              <a:picLocks noChangeAspect="1"/>
+            </p:cNvPicPr>
+            <p:nvPr/>
+          </p:nvPicPr>
+          <p:blipFill>
+            <a:blip r:embed="rId3"/>
+            <a:stretch>
+              <a:fillRect/>
+            </a:stretch>
+          </p:blipFill>
+          <p:spPr>
+            <a:xfrm>
+              <a:off x="0" y="0"/>
+              <a:ext cx="5445512" cy="6858000"/>
+            </a:xfrm>
+            <a:prstGeom prst="rect">
+              <a:avLst/>
+            </a:prstGeom>
+          </p:spPr>
+        </p:pic>
+        <p:sp>
+          <p:nvSpPr>
+            <p:cNvPr id="5" name="TextBox 4">
+              <a:extLst>
+                <a:ext uri="{FF2B5EF4-FFF2-40B4-BE49-F238E27FC236}">
+                  <a16:creationId xmlns:a16="http://schemas.microsoft.com/office/drawing/2014/main" id="{9B6136EE-A522-CF27-6F9C-77EDD267C325}"/>
+                </a:ext>
+              </a:extLst>
+            </p:cNvPr>
+            <p:cNvSpPr txBox="1"/>
+            <p:nvPr/>
+          </p:nvSpPr>
+          <p:spPr>
+            <a:xfrm>
+              <a:off x="1333583" y="29207"/>
+              <a:ext cx="750334" cy="784830"/>
+            </a:xfrm>
+            <a:prstGeom prst="rect">
+              <a:avLst/>
+            </a:prstGeom>
+            <a:noFill/>
+          </p:spPr>
+          <p:txBody>
+            <a:bodyPr wrap="none" rtlCol="0">
+              <a:spAutoFit/>
+            </a:bodyPr>
+            <a:lstStyle/>
+            <a:p>
+              <a:r>
+                <a:rPr lang="en-US" sz="1500" dirty="0"/>
+                <a:t>TIGIT</a:t>
+              </a:r>
+              <a:r>
+                <a:rPr lang="en-US" sz="1500" baseline="30000" dirty="0"/>
+                <a:t>+</a:t>
+              </a:r>
+            </a:p>
+            <a:p>
+              <a:r>
+                <a:rPr lang="en-US" sz="1500" dirty="0"/>
+                <a:t>KLRG1</a:t>
+              </a:r>
+              <a:r>
+                <a:rPr lang="en-US" sz="1500" baseline="30000" dirty="0"/>
+                <a:t>+</a:t>
+              </a:r>
+            </a:p>
+            <a:p>
+              <a:r>
+                <a:rPr lang="en-US" sz="1500" dirty="0"/>
+                <a:t>(DP)</a:t>
+              </a:r>
+            </a:p>
+          </p:txBody>
+        </p:sp>
+        <p:sp>
+          <p:nvSpPr>
+            <p:cNvPr id="7" name="TextBox 6">
+              <a:extLst>
+                <a:ext uri="{FF2B5EF4-FFF2-40B4-BE49-F238E27FC236}">
+                  <a16:creationId xmlns:a16="http://schemas.microsoft.com/office/drawing/2014/main" id="{43012635-6851-8862-3C9E-2CCD91F3C1E9}"/>
+                </a:ext>
+              </a:extLst>
+            </p:cNvPr>
+            <p:cNvSpPr txBox="1"/>
+            <p:nvPr/>
+          </p:nvSpPr>
+          <p:spPr>
+            <a:xfrm>
+              <a:off x="3279022" y="1046202"/>
+              <a:ext cx="763351" cy="553998"/>
+            </a:xfrm>
+            <a:prstGeom prst="rect">
+              <a:avLst/>
+            </a:prstGeom>
+            <a:noFill/>
+          </p:spPr>
+          <p:txBody>
+            <a:bodyPr wrap="none" rtlCol="0">
+              <a:spAutoFit/>
+            </a:bodyPr>
+            <a:lstStyle/>
+            <a:p>
+              <a:r>
+                <a:rPr lang="en-US" sz="1500" dirty="0"/>
+                <a:t>DP</a:t>
+              </a:r>
+            </a:p>
+            <a:p>
+              <a:r>
+                <a:rPr lang="en-US" sz="1500" dirty="0"/>
+                <a:t>CD127</a:t>
+              </a:r>
+              <a:r>
+                <a:rPr lang="en-US" sz="1500" baseline="30000" dirty="0"/>
+                <a:t>+</a:t>
+              </a:r>
+            </a:p>
+          </p:txBody>
+        </p:sp>
+        <p:sp>
+          <p:nvSpPr>
+            <p:cNvPr id="8" name="TextBox 7">
+              <a:extLst>
+                <a:ext uri="{FF2B5EF4-FFF2-40B4-BE49-F238E27FC236}">
+                  <a16:creationId xmlns:a16="http://schemas.microsoft.com/office/drawing/2014/main" id="{DC162431-0CA8-66D4-EEDE-CB159ACBA69D}"/>
+                </a:ext>
+              </a:extLst>
+            </p:cNvPr>
+            <p:cNvSpPr txBox="1"/>
+            <p:nvPr/>
+          </p:nvSpPr>
+          <p:spPr>
+            <a:xfrm>
+              <a:off x="2632730" y="591578"/>
+              <a:ext cx="885179" cy="323165"/>
+            </a:xfrm>
+            <a:prstGeom prst="rect">
+              <a:avLst/>
+            </a:prstGeom>
+            <a:noFill/>
+          </p:spPr>
+          <p:txBody>
+            <a:bodyPr wrap="none" rtlCol="0">
+              <a:spAutoFit/>
+            </a:bodyPr>
+            <a:lstStyle/>
+            <a:p>
+              <a:r>
+                <a:rPr lang="en-US" sz="1500" dirty="0"/>
+                <a:t>DP PD-1</a:t>
+              </a:r>
+              <a:r>
+                <a:rPr lang="en-US" sz="1500" baseline="30000" dirty="0"/>
+                <a:t>+</a:t>
+              </a:r>
+            </a:p>
+          </p:txBody>
+        </p:sp>
+        <p:sp>
+          <p:nvSpPr>
+            <p:cNvPr id="9" name="TextBox 8">
+              <a:extLst>
+                <a:ext uri="{FF2B5EF4-FFF2-40B4-BE49-F238E27FC236}">
+                  <a16:creationId xmlns:a16="http://schemas.microsoft.com/office/drawing/2014/main" id="{128502BE-D508-7983-CDA9-470E45AE1BD0}"/>
+                </a:ext>
+              </a:extLst>
+            </p:cNvPr>
+            <p:cNvSpPr txBox="1"/>
+            <p:nvPr/>
+          </p:nvSpPr>
+          <p:spPr>
+            <a:xfrm>
+              <a:off x="3947160" y="591578"/>
+              <a:ext cx="926857" cy="323165"/>
+            </a:xfrm>
+            <a:prstGeom prst="rect">
+              <a:avLst/>
+            </a:prstGeom>
+            <a:noFill/>
+          </p:spPr>
+          <p:txBody>
+            <a:bodyPr wrap="none" rtlCol="0">
+              <a:spAutoFit/>
+            </a:bodyPr>
+            <a:lstStyle/>
+            <a:p>
+              <a:r>
+                <a:rPr lang="en-US" sz="1500" dirty="0"/>
+                <a:t>DP CD57</a:t>
+              </a:r>
+              <a:r>
+                <a:rPr lang="en-US" sz="1500" baseline="30000" dirty="0"/>
+                <a:t>+</a:t>
+              </a:r>
+            </a:p>
+          </p:txBody>
+        </p:sp>
+        <p:sp>
+          <p:nvSpPr>
+            <p:cNvPr id="10" name="TextBox 9">
+              <a:extLst>
+                <a:ext uri="{FF2B5EF4-FFF2-40B4-BE49-F238E27FC236}">
+                  <a16:creationId xmlns:a16="http://schemas.microsoft.com/office/drawing/2014/main" id="{7AAF3633-5CEF-4963-7B56-8EB9D15AE6C8}"/>
+                </a:ext>
+              </a:extLst>
+            </p:cNvPr>
+            <p:cNvSpPr txBox="1"/>
+            <p:nvPr/>
+          </p:nvSpPr>
+          <p:spPr>
+            <a:xfrm>
+              <a:off x="2083917" y="1739016"/>
+              <a:ext cx="724686" cy="553998"/>
+            </a:xfrm>
+            <a:prstGeom prst="rect">
+              <a:avLst/>
+            </a:prstGeom>
+            <a:noFill/>
+          </p:spPr>
+          <p:txBody>
+            <a:bodyPr wrap="none" rtlCol="0">
+              <a:spAutoFit/>
+            </a:bodyPr>
+            <a:lstStyle/>
+            <a:p>
+              <a:r>
+                <a:rPr lang="en-US" sz="1500" dirty="0"/>
+                <a:t>TIGIT</a:t>
+              </a:r>
+              <a:r>
+                <a:rPr lang="en-US" sz="1500" baseline="30000" dirty="0"/>
+                <a:t>-</a:t>
+              </a:r>
+            </a:p>
+            <a:p>
+              <a:r>
+                <a:rPr lang="en-US" sz="1500" dirty="0"/>
+                <a:t>KLRG1</a:t>
+              </a:r>
+              <a:r>
+                <a:rPr lang="en-US" sz="1500" baseline="30000" dirty="0"/>
+                <a:t>-</a:t>
+              </a:r>
+            </a:p>
+          </p:txBody>
+        </p:sp>
+        <p:sp>
+          <p:nvSpPr>
+            <p:cNvPr id="11" name="TextBox 10">
+              <a:extLst>
+                <a:ext uri="{FF2B5EF4-FFF2-40B4-BE49-F238E27FC236}">
+                  <a16:creationId xmlns:a16="http://schemas.microsoft.com/office/drawing/2014/main" id="{FCDA884C-2814-1AF1-7760-CC92E2577825}"/>
+                </a:ext>
+              </a:extLst>
+            </p:cNvPr>
+            <p:cNvSpPr txBox="1"/>
+            <p:nvPr/>
+          </p:nvSpPr>
+          <p:spPr>
+            <a:xfrm>
+              <a:off x="0" y="1600200"/>
+              <a:ext cx="1371786" cy="553998"/>
+            </a:xfrm>
+            <a:prstGeom prst="rect">
+              <a:avLst/>
+            </a:prstGeom>
+            <a:noFill/>
+          </p:spPr>
+          <p:txBody>
+            <a:bodyPr wrap="none" rtlCol="0">
+              <a:spAutoFit/>
+            </a:bodyPr>
+            <a:lstStyle/>
+            <a:p>
+              <a:r>
+                <a:rPr lang="en-US" sz="1500" dirty="0"/>
+                <a:t>Non-exhausted</a:t>
+              </a:r>
+            </a:p>
+            <a:p>
+              <a:r>
+                <a:rPr lang="en-US" sz="1500" dirty="0"/>
+                <a:t>CD127</a:t>
+              </a:r>
+              <a:r>
+                <a:rPr lang="en-US" sz="1500" baseline="30000" dirty="0"/>
+                <a:t>+</a:t>
+              </a:r>
+            </a:p>
+          </p:txBody>
+        </p:sp>
+      </p:grpSp>
     </p:spTree>
     <p:extLst>
       <p:ext uri="{BB962C8B-B14F-4D97-AF65-F5344CB8AC3E}">
@@ -4909,7 +6074,7 @@
 </p:sld>
 </file>
 
-<file path=ppt/slides/slide5.xml><?xml version="1.0" encoding="utf-8"?>
+<file path=ppt/slides/slide6.xml><?xml version="1.0" encoding="utf-8"?>
 <p:sld xmlns:a="http://schemas.openxmlformats.org/drawingml/2006/main" xmlns:r="http://schemas.openxmlformats.org/officeDocument/2006/relationships" xmlns:p="http://schemas.openxmlformats.org/presentationml/2006/main">
   <p:cSld>
     <p:spTree>

--- a/presentations/weekly_meetings/8_8_24.pptx
+++ b/presentations/weekly_meetings/8_8_24.pptx
@@ -5,15 +5,19 @@
     <p:sldMasterId id="2147483648" r:id="rId1"/>
   </p:sldMasterIdLst>
   <p:notesMasterIdLst>
-    <p:notesMasterId r:id="rId8"/>
+    <p:notesMasterId r:id="rId12"/>
   </p:notesMasterIdLst>
   <p:sldIdLst>
     <p:sldId id="477" r:id="rId2"/>
     <p:sldId id="754" r:id="rId3"/>
-    <p:sldId id="726" r:id="rId4"/>
-    <p:sldId id="751" r:id="rId5"/>
-    <p:sldId id="756" r:id="rId6"/>
-    <p:sldId id="755" r:id="rId7"/>
+    <p:sldId id="756" r:id="rId4"/>
+    <p:sldId id="758" r:id="rId5"/>
+    <p:sldId id="759" r:id="rId6"/>
+    <p:sldId id="760" r:id="rId7"/>
+    <p:sldId id="757" r:id="rId8"/>
+    <p:sldId id="755" r:id="rId9"/>
+    <p:sldId id="751" r:id="rId10"/>
+    <p:sldId id="726" r:id="rId11"/>
   </p:sldIdLst>
   <p:sldSz cx="12192000" cy="6858000"/>
   <p:notesSz cx="6858000" cy="9144000"/>
@@ -213,7 +217,7 @@
           <a:p>
             <a:fld id="{E933A773-0DCE-3544-BB67-D5FA58DF903C}" type="datetimeFigureOut">
               <a:rPr lang="en-US" smtClean="0"/>
-              <a:t>8/5/24</a:t>
+              <a:t>8/6/24</a:t>
             </a:fld>
             <a:endParaRPr lang="en-US"/>
           </a:p>
@@ -567,6 +571,553 @@
 </p:notes>
 </file>
 
+<file path=ppt/notesSlides/notesSlide10.xml><?xml version="1.0" encoding="utf-8"?>
+<p:notes xmlns:a="http://schemas.openxmlformats.org/drawingml/2006/main" xmlns:r="http://schemas.openxmlformats.org/officeDocument/2006/relationships" xmlns:p="http://schemas.openxmlformats.org/presentationml/2006/main">
+  <p:cSld>
+    <p:spTree>
+      <p:nvGrpSpPr>
+        <p:cNvPr id="1" name="">
+          <a:extLst>
+            <a:ext uri="{FF2B5EF4-FFF2-40B4-BE49-F238E27FC236}">
+              <a16:creationId xmlns:a16="http://schemas.microsoft.com/office/drawing/2014/main" id="{3415C166-0F50-E043-8950-9F266C4565AE}"/>
+            </a:ext>
+          </a:extLst>
+        </p:cNvPr>
+        <p:cNvGrpSpPr/>
+        <p:nvPr/>
+      </p:nvGrpSpPr>
+      <p:grpSpPr>
+        <a:xfrm>
+          <a:off x="0" y="0"/>
+          <a:ext cx="0" cy="0"/>
+          <a:chOff x="0" y="0"/>
+          <a:chExt cx="0" cy="0"/>
+        </a:xfrm>
+      </p:grpSpPr>
+      <p:sp>
+        <p:nvSpPr>
+          <p:cNvPr id="2" name="Slide Image Placeholder 1">
+            <a:extLst>
+              <a:ext uri="{FF2B5EF4-FFF2-40B4-BE49-F238E27FC236}">
+                <a16:creationId xmlns:a16="http://schemas.microsoft.com/office/drawing/2014/main" id="{1E497E09-6D11-D0BA-D2D1-5B08FB997731}"/>
+              </a:ext>
+            </a:extLst>
+          </p:cNvPr>
+          <p:cNvSpPr>
+            <a:spLocks noGrp="1" noRot="1" noChangeAspect="1"/>
+          </p:cNvSpPr>
+          <p:nvPr>
+            <p:ph type="sldImg"/>
+          </p:nvPr>
+        </p:nvSpPr>
+        <p:spPr/>
+      </p:sp>
+      <p:sp>
+        <p:nvSpPr>
+          <p:cNvPr id="3" name="Notes Placeholder 2">
+            <a:extLst>
+              <a:ext uri="{FF2B5EF4-FFF2-40B4-BE49-F238E27FC236}">
+                <a16:creationId xmlns:a16="http://schemas.microsoft.com/office/drawing/2014/main" id="{9336C4A5-58A4-D062-54A6-1D67A978E992}"/>
+              </a:ext>
+            </a:extLst>
+          </p:cNvPr>
+          <p:cNvSpPr>
+            <a:spLocks noGrp="1"/>
+          </p:cNvSpPr>
+          <p:nvPr>
+            <p:ph type="body" idx="1"/>
+          </p:nvPr>
+        </p:nvSpPr>
+        <p:spPr/>
+        <p:txBody>
+          <a:bodyPr/>
+          <a:lstStyle/>
+          <a:p>
+            <a:pPr marL="0" indent="0">
+              <a:buFont typeface="+mj-lt"/>
+              <a:buNone/>
+            </a:pPr>
+            <a:r>
+              <a:rPr lang="en-US" b="0" dirty="0">
+                <a:solidFill>
+                  <a:srgbClr val="CCCCCC"/>
+                </a:solidFill>
+                <a:effectLst/>
+                <a:latin typeface="Menlo" panose="020B0609030804020204" pitchFamily="49" charset="0"/>
+              </a:rPr>
+              <a:t>Cell loss presumably explains higher than expected loss/gain of vars over time (loss could be death or swapping cell sort), loss/gain could also be due to insufficient sampling</a:t>
+            </a:r>
+          </a:p>
+          <a:p>
+            <a:pPr marL="0" indent="0">
+              <a:buFont typeface="+mj-lt"/>
+              <a:buNone/>
+            </a:pPr>
+            <a:endParaRPr lang="en-US" b="0" dirty="0">
+              <a:solidFill>
+                <a:srgbClr val="CCCCCC"/>
+              </a:solidFill>
+              <a:effectLst/>
+              <a:latin typeface="Menlo" panose="020B0609030804020204" pitchFamily="49" charset="0"/>
+            </a:endParaRPr>
+          </a:p>
+          <a:p>
+            <a:pPr marL="0" marR="0" lvl="0" indent="0" algn="l" defTabSz="914400" rtl="0" eaLnBrk="1" fontAlgn="auto" latinLnBrk="0" hangingPunct="1">
+              <a:lnSpc>
+                <a:spcPct val="100000"/>
+              </a:lnSpc>
+              <a:spcBef>
+                <a:spcPts val="0"/>
+              </a:spcBef>
+              <a:spcAft>
+                <a:spcPts val="0"/>
+              </a:spcAft>
+              <a:buClrTx/>
+              <a:buSzTx/>
+              <a:buFont typeface="+mj-lt"/>
+              <a:buNone/>
+              <a:tabLst/>
+              <a:defRPr/>
+            </a:pPr>
+            <a:r>
+              <a:rPr lang="en-US" sz="1200" dirty="0">
+                <a:effectLst/>
+                <a:latin typeface="AdvPSA183"/>
+              </a:rPr>
+              <a:t>Only R in P452: “</a:t>
+            </a:r>
+            <a:r>
+              <a:rPr lang="en-US" sz="1200" dirty="0">
+                <a:effectLst/>
+                <a:latin typeface="Calibri" panose="020F0502020204030204" pitchFamily="34" charset="0"/>
+              </a:rPr>
+              <a:t>we first measured their bulk chromatin accessibility at baseline (Week 0/Visit 0) and 104 </a:t>
+            </a:r>
+            <a:r>
+              <a:rPr lang="en-US" sz="1200" dirty="0" err="1">
+                <a:effectLst/>
+                <a:latin typeface="Calibri" panose="020F0502020204030204" pitchFamily="34" charset="0"/>
+              </a:rPr>
+              <a:t>wk</a:t>
+            </a:r>
+            <a:r>
+              <a:rPr lang="en-US" sz="1200" dirty="0">
+                <a:effectLst/>
+                <a:latin typeface="Calibri" panose="020F0502020204030204" pitchFamily="34" charset="0"/>
+              </a:rPr>
+              <a:t> (Visit 30) post-treatment in alefacept responders (R, defined by C-peptide preservation) using ATAC-seq following sorting from PBMC (</a:t>
+            </a:r>
+            <a:r>
+              <a:rPr lang="en-US" sz="1200" dirty="0">
+                <a:effectLst/>
+                <a:latin typeface="Calibri,Bold"/>
+              </a:rPr>
+              <a:t>Figure 1A</a:t>
+            </a:r>
+            <a:r>
+              <a:rPr lang="en-US" sz="1200" dirty="0">
+                <a:effectLst/>
+                <a:latin typeface="Calibri" panose="020F0502020204030204" pitchFamily="34" charset="0"/>
+              </a:rPr>
+              <a:t>, Because cell population differences rather than treatment response differences were the focus of our investigation, we sequenced only alefacept responder (R) samples“</a:t>
+            </a:r>
+          </a:p>
+          <a:p>
+            <a:pPr marL="0" marR="0" lvl="0" indent="0" algn="l" defTabSz="914400" rtl="0" eaLnBrk="1" fontAlgn="auto" latinLnBrk="0" hangingPunct="1">
+              <a:lnSpc>
+                <a:spcPct val="100000"/>
+              </a:lnSpc>
+              <a:spcBef>
+                <a:spcPts val="0"/>
+              </a:spcBef>
+              <a:spcAft>
+                <a:spcPts val="0"/>
+              </a:spcAft>
+              <a:buClrTx/>
+              <a:buSzTx/>
+              <a:buFont typeface="+mj-lt"/>
+              <a:buNone/>
+              <a:tabLst/>
+              <a:defRPr/>
+            </a:pPr>
+            <a:endParaRPr lang="en-US" sz="1200" dirty="0">
+              <a:effectLst/>
+              <a:latin typeface="Calibri" panose="020F0502020204030204" pitchFamily="34" charset="0"/>
+            </a:endParaRPr>
+          </a:p>
+          <a:p>
+            <a:pPr marL="0" marR="0" lvl="0" indent="0" algn="l" defTabSz="914400" rtl="0" eaLnBrk="1" fontAlgn="auto" latinLnBrk="0" hangingPunct="1">
+              <a:lnSpc>
+                <a:spcPct val="100000"/>
+              </a:lnSpc>
+              <a:spcBef>
+                <a:spcPts val="0"/>
+              </a:spcBef>
+              <a:spcAft>
+                <a:spcPts val="0"/>
+              </a:spcAft>
+              <a:buClrTx/>
+              <a:buSzTx/>
+              <a:buFont typeface="+mj-lt"/>
+              <a:buNone/>
+              <a:tabLst/>
+              <a:defRPr/>
+            </a:pPr>
+            <a:r>
+              <a:rPr lang="en-US" sz="1200" dirty="0">
+                <a:effectLst/>
+                <a:latin typeface="Calibri" panose="020F0502020204030204" pitchFamily="34" charset="0"/>
+              </a:rPr>
+              <a:t>Updated to remove vars present in all sorts in a donor</a:t>
+            </a:r>
+          </a:p>
+          <a:p>
+            <a:pPr marL="0" marR="0" lvl="0" indent="0" algn="l" defTabSz="914400" rtl="0" eaLnBrk="1" fontAlgn="auto" latinLnBrk="0" hangingPunct="1">
+              <a:lnSpc>
+                <a:spcPct val="100000"/>
+              </a:lnSpc>
+              <a:spcBef>
+                <a:spcPts val="0"/>
+              </a:spcBef>
+              <a:spcAft>
+                <a:spcPts val="0"/>
+              </a:spcAft>
+              <a:buClrTx/>
+              <a:buSzTx/>
+              <a:buFont typeface="+mj-lt"/>
+              <a:buNone/>
+              <a:tabLst/>
+              <a:defRPr/>
+            </a:pPr>
+            <a:endParaRPr lang="en-US" sz="1200" dirty="0">
+              <a:effectLst/>
+              <a:latin typeface="Calibri" panose="020F0502020204030204" pitchFamily="34" charset="0"/>
+            </a:endParaRPr>
+          </a:p>
+          <a:p>
+            <a:r>
+              <a:rPr lang="en-US" dirty="0"/>
+              <a:t>MT notes:</a:t>
+            </a:r>
+          </a:p>
+          <a:p>
+            <a:pPr marL="0" marR="0" lvl="0" indent="0" algn="l" defTabSz="914400" rtl="0" eaLnBrk="1" fontAlgn="auto" latinLnBrk="0" hangingPunct="1">
+              <a:lnSpc>
+                <a:spcPct val="100000"/>
+              </a:lnSpc>
+              <a:spcBef>
+                <a:spcPts val="0"/>
+              </a:spcBef>
+              <a:spcAft>
+                <a:spcPts val="0"/>
+              </a:spcAft>
+              <a:buClrTx/>
+              <a:buSzTx/>
+              <a:buFontTx/>
+              <a:buNone/>
+              <a:tabLst/>
+              <a:defRPr/>
+            </a:pPr>
+            <a:r>
+              <a:rPr lang="en-US" sz="1200" dirty="0">
+                <a:effectLst/>
+                <a:latin typeface="AdvPSA183"/>
+              </a:rPr>
+              <a:t>Mitochondrial genomes have high copy number (100–1,000s)</a:t>
+            </a:r>
+          </a:p>
+          <a:p>
+            <a:pPr marL="0" marR="0" lvl="0" indent="0" algn="l" defTabSz="914400" rtl="0" eaLnBrk="1" fontAlgn="auto" latinLnBrk="0" hangingPunct="1">
+              <a:lnSpc>
+                <a:spcPct val="100000"/>
+              </a:lnSpc>
+              <a:spcBef>
+                <a:spcPts val="0"/>
+              </a:spcBef>
+              <a:spcAft>
+                <a:spcPts val="0"/>
+              </a:spcAft>
+              <a:buClrTx/>
+              <a:buSzTx/>
+              <a:buFontTx/>
+              <a:buNone/>
+              <a:tabLst/>
+              <a:defRPr/>
+            </a:pPr>
+            <a:endParaRPr lang="en-US" sz="1200" dirty="0">
+              <a:effectLst/>
+              <a:latin typeface="AdvPSA183"/>
+            </a:endParaRPr>
+          </a:p>
+          <a:p>
+            <a:pPr marL="0" marR="0" lvl="0" indent="0" algn="l" defTabSz="914400" rtl="0" eaLnBrk="1" fontAlgn="auto" latinLnBrk="0" hangingPunct="1">
+              <a:lnSpc>
+                <a:spcPct val="100000"/>
+              </a:lnSpc>
+              <a:spcBef>
+                <a:spcPts val="0"/>
+              </a:spcBef>
+              <a:spcAft>
+                <a:spcPts val="0"/>
+              </a:spcAft>
+              <a:buClrTx/>
+              <a:buSzTx/>
+              <a:buFontTx/>
+              <a:buNone/>
+              <a:tabLst/>
+              <a:defRPr/>
+            </a:pPr>
+            <a:r>
+              <a:rPr lang="en-US" sz="1200" b="0" i="0" u="none" strike="noStrike" dirty="0" err="1">
+                <a:solidFill>
+                  <a:srgbClr val="212121"/>
+                </a:solidFill>
+                <a:effectLst/>
+                <a:highlight>
+                  <a:srgbClr val="FFFFFF"/>
+                </a:highlight>
+                <a:latin typeface="Cambria" panose="02040503050406030204" pitchFamily="18" charset="0"/>
+              </a:rPr>
+              <a:t>homoplasmy</a:t>
+            </a:r>
+            <a:r>
+              <a:rPr lang="en-US" sz="1200" b="0" i="0" u="none" strike="noStrike" dirty="0">
+                <a:solidFill>
+                  <a:srgbClr val="212121"/>
+                </a:solidFill>
+                <a:effectLst/>
+                <a:highlight>
+                  <a:srgbClr val="FFFFFF"/>
+                </a:highlight>
+                <a:latin typeface="Cambria" panose="02040503050406030204" pitchFamily="18" charset="0"/>
+              </a:rPr>
+              <a:t> is when all copies of the mitochondrial genome in a cell are identical; </a:t>
+            </a:r>
+            <a:r>
+              <a:rPr lang="en-US" sz="1200" b="0" i="0" u="none" strike="noStrike" dirty="0" err="1">
+                <a:solidFill>
+                  <a:srgbClr val="212121"/>
+                </a:solidFill>
+                <a:effectLst/>
+                <a:highlight>
+                  <a:srgbClr val="FFFFFF"/>
+                </a:highlight>
+                <a:latin typeface="Cambria" panose="02040503050406030204" pitchFamily="18" charset="0"/>
+              </a:rPr>
+              <a:t>heteroplasmy</a:t>
+            </a:r>
+            <a:r>
+              <a:rPr lang="en-US" sz="1200" b="0" i="0" u="none" strike="noStrike" dirty="0">
+                <a:solidFill>
+                  <a:srgbClr val="212121"/>
+                </a:solidFill>
+                <a:effectLst/>
+                <a:highlight>
+                  <a:srgbClr val="FFFFFF"/>
+                </a:highlight>
+                <a:latin typeface="Cambria" panose="02040503050406030204" pitchFamily="18" charset="0"/>
+              </a:rPr>
+              <a:t> is when there is a mixture of two or more mitochondrial genotypes</a:t>
+            </a:r>
+            <a:endParaRPr lang="en-US" sz="1200" dirty="0">
+              <a:effectLst/>
+              <a:latin typeface="AdvPSA183"/>
+            </a:endParaRPr>
+          </a:p>
+          <a:p>
+            <a:pPr marL="0" marR="0" lvl="0" indent="0" algn="l" defTabSz="914400" rtl="0" eaLnBrk="1" fontAlgn="auto" latinLnBrk="0" hangingPunct="1">
+              <a:lnSpc>
+                <a:spcPct val="100000"/>
+              </a:lnSpc>
+              <a:spcBef>
+                <a:spcPts val="0"/>
+              </a:spcBef>
+              <a:spcAft>
+                <a:spcPts val="0"/>
+              </a:spcAft>
+              <a:buClrTx/>
+              <a:buSzTx/>
+              <a:buFontTx/>
+              <a:buNone/>
+              <a:tabLst/>
+              <a:defRPr/>
+            </a:pPr>
+            <a:endParaRPr lang="en-US" sz="1200" dirty="0">
+              <a:effectLst/>
+              <a:latin typeface="AdvPSA183"/>
+            </a:endParaRPr>
+          </a:p>
+          <a:p>
+            <a:pPr marL="0" marR="0" lvl="0" indent="0" algn="l" defTabSz="914400" rtl="0" eaLnBrk="1" fontAlgn="auto" latinLnBrk="0" hangingPunct="1">
+              <a:lnSpc>
+                <a:spcPct val="100000"/>
+              </a:lnSpc>
+              <a:spcBef>
+                <a:spcPts val="0"/>
+              </a:spcBef>
+              <a:spcAft>
+                <a:spcPts val="0"/>
+              </a:spcAft>
+              <a:buClrTx/>
+              <a:buSzTx/>
+              <a:buFontTx/>
+              <a:buNone/>
+              <a:tabLst/>
+              <a:defRPr/>
+            </a:pPr>
+            <a:r>
+              <a:rPr lang="en-US" sz="1200" dirty="0">
+                <a:effectLst/>
+                <a:latin typeface="AdvPSA183"/>
+              </a:rPr>
+              <a:t>mutations in </a:t>
+            </a:r>
+            <a:r>
+              <a:rPr lang="en-US" sz="1200" dirty="0" err="1">
+                <a:effectLst/>
+                <a:latin typeface="AdvPSA183"/>
+              </a:rPr>
+              <a:t>mtDNA</a:t>
+            </a:r>
+            <a:r>
+              <a:rPr lang="en-US" sz="1200" dirty="0">
+                <a:effectLst/>
+                <a:latin typeface="AdvPSA183"/>
+              </a:rPr>
+              <a:t> often reach high levels of </a:t>
+            </a:r>
+            <a:r>
+              <a:rPr lang="en-US" sz="1200" dirty="0" err="1">
+                <a:effectLst/>
+                <a:latin typeface="AdvPSA183"/>
+              </a:rPr>
+              <a:t>heteroplasmy</a:t>
+            </a:r>
+            <a:r>
+              <a:rPr lang="en-US" sz="1200" dirty="0">
+                <a:effectLst/>
+                <a:latin typeface="AdvPSA183"/>
+              </a:rPr>
+              <a:t> (proportion of mitochondrial genomes containing a specific mutation) due to a combination of vegetative segregation, random genetic drift, and relaxed replication </a:t>
+            </a:r>
+            <a:endParaRPr lang="en-US" b="0" i="0" u="none" strike="noStrike" dirty="0">
+              <a:solidFill>
+                <a:srgbClr val="212121"/>
+              </a:solidFill>
+              <a:effectLst/>
+              <a:highlight>
+                <a:srgbClr val="FFFCF0"/>
+              </a:highlight>
+              <a:latin typeface="Cambria" panose="02040503050406030204" pitchFamily="18" charset="0"/>
+            </a:endParaRPr>
+          </a:p>
+          <a:p>
+            <a:endParaRPr lang="en-US" dirty="0"/>
+          </a:p>
+          <a:p>
+            <a:r>
+              <a:rPr lang="en-US" b="0" i="0" u="none" strike="noStrike" dirty="0">
+                <a:solidFill>
+                  <a:srgbClr val="212121"/>
+                </a:solidFill>
+                <a:effectLst/>
+                <a:highlight>
+                  <a:srgbClr val="FFFCF0"/>
+                </a:highlight>
+                <a:latin typeface="Cambria" panose="02040503050406030204" pitchFamily="18" charset="0"/>
+              </a:rPr>
+              <a:t>Exclusively maternal inheritance</a:t>
+            </a:r>
+          </a:p>
+          <a:p>
+            <a:endParaRPr lang="en-US" b="0" i="0" u="none" strike="noStrike" dirty="0">
+              <a:solidFill>
+                <a:srgbClr val="212121"/>
+              </a:solidFill>
+              <a:effectLst/>
+              <a:highlight>
+                <a:srgbClr val="FFFFFF"/>
+              </a:highlight>
+              <a:latin typeface="Cambria" panose="02040503050406030204" pitchFamily="18" charset="0"/>
+            </a:endParaRPr>
+          </a:p>
+          <a:p>
+            <a:pPr marL="0" marR="0" lvl="0" indent="0" algn="l" defTabSz="914400" rtl="0" eaLnBrk="1" fontAlgn="auto" latinLnBrk="0" hangingPunct="1">
+              <a:lnSpc>
+                <a:spcPct val="100000"/>
+              </a:lnSpc>
+              <a:spcBef>
+                <a:spcPts val="0"/>
+              </a:spcBef>
+              <a:spcAft>
+                <a:spcPts val="0"/>
+              </a:spcAft>
+              <a:buClrTx/>
+              <a:buSzTx/>
+              <a:buFontTx/>
+              <a:buNone/>
+              <a:tabLst/>
+              <a:defRPr/>
+            </a:pPr>
+            <a:r>
+              <a:rPr lang="en-US" sz="1200" dirty="0" err="1">
+                <a:effectLst/>
+                <a:latin typeface="AdvPSA183"/>
+              </a:rPr>
+              <a:t>mtDNA</a:t>
+            </a:r>
+            <a:r>
+              <a:rPr lang="en-US" sz="1200" dirty="0">
+                <a:effectLst/>
+                <a:latin typeface="AdvPSA183"/>
+              </a:rPr>
+              <a:t> mutation rates are estimated to be 10- to 100-fold higher than for nuclear DNA</a:t>
+            </a:r>
+          </a:p>
+        </p:txBody>
+      </p:sp>
+      <p:sp>
+        <p:nvSpPr>
+          <p:cNvPr id="4" name="Slide Number Placeholder 3">
+            <a:extLst>
+              <a:ext uri="{FF2B5EF4-FFF2-40B4-BE49-F238E27FC236}">
+                <a16:creationId xmlns:a16="http://schemas.microsoft.com/office/drawing/2014/main" id="{9F3FD3E1-ECA8-7789-76B9-A150DB6276EE}"/>
+              </a:ext>
+            </a:extLst>
+          </p:cNvPr>
+          <p:cNvSpPr>
+            <a:spLocks noGrp="1"/>
+          </p:cNvSpPr>
+          <p:nvPr>
+            <p:ph type="sldNum" sz="quarter" idx="5"/>
+          </p:nvPr>
+        </p:nvSpPr>
+        <p:spPr/>
+        <p:txBody>
+          <a:bodyPr/>
+          <a:lstStyle/>
+          <a:p>
+            <a:fld id="{061BAA8C-FDC6-D345-B4E0-3B02449209FB}" type="slidenum">
+              <a:rPr lang="en-US" smtClean="0"/>
+              <a:t>10</a:t>
+            </a:fld>
+            <a:endParaRPr lang="en-US"/>
+          </a:p>
+        </p:txBody>
+      </p:sp>
+    </p:spTree>
+    <p:extLst>
+      <p:ext uri="{BB962C8B-B14F-4D97-AF65-F5344CB8AC3E}">
+        <p14:creationId xmlns:p14="http://schemas.microsoft.com/office/powerpoint/2010/main" val="1232174483"/>
+      </p:ext>
+    </p:extLst>
+  </p:cSld>
+  <p:clrMapOvr>
+    <a:masterClrMapping/>
+  </p:clrMapOvr>
+</p:notes>
+</file>
+
 <file path=ppt/notesSlides/notesSlide2.xml><?xml version="1.0" encoding="utf-8"?>
 <p:notes xmlns:a="http://schemas.openxmlformats.org/drawingml/2006/main" xmlns:r="http://schemas.openxmlformats.org/officeDocument/2006/relationships" xmlns:p="http://schemas.openxmlformats.org/presentationml/2006/main">
   <p:cSld>
@@ -760,35 +1311,6 @@
           <a:bodyPr/>
           <a:lstStyle/>
           <a:p>
-            <a:pPr marL="0" indent="0">
-              <a:buFont typeface="+mj-lt"/>
-              <a:buNone/>
-            </a:pPr>
-            <a:r>
-              <a:rPr lang="en-US" b="0" dirty="0">
-                <a:solidFill>
-                  <a:srgbClr val="CCCCCC"/>
-                </a:solidFill>
-                <a:effectLst/>
-                <a:latin typeface="Menlo" panose="020B0609030804020204" pitchFamily="49" charset="0"/>
-              </a:rPr>
-              <a:t>Cell loss presumably explains higher than expected loss/gain of vars over time (loss could be death or swapping cell sort), loss/gain could also be due to insufficient sampling</a:t>
-            </a:r>
-          </a:p>
-          <a:p>
-            <a:pPr marL="0" indent="0">
-              <a:buFont typeface="+mj-lt"/>
-              <a:buNone/>
-            </a:pPr>
-            <a:endParaRPr lang="en-US" b="0" dirty="0">
-              <a:solidFill>
-                <a:srgbClr val="CCCCCC"/>
-              </a:solidFill>
-              <a:effectLst/>
-              <a:latin typeface="Menlo" panose="020B0609030804020204" pitchFamily="49" charset="0"/>
-            </a:endParaRPr>
-          </a:p>
-          <a:p>
             <a:pPr marL="0" marR="0" lvl="0" indent="0" algn="l" defTabSz="914400" rtl="0" eaLnBrk="1" fontAlgn="auto" latinLnBrk="0" hangingPunct="1">
               <a:lnSpc>
                 <a:spcPct val="100000"/>
@@ -807,398 +1329,14 @@
               <a:defRPr/>
             </a:pPr>
             <a:r>
-              <a:rPr lang="en-US" sz="1200" dirty="0">
-                <a:effectLst/>
-                <a:latin typeface="AdvPSA183"/>
-              </a:rPr>
-              <a:t>Only R in P452: “</a:t>
-            </a:r>
-            <a:r>
-              <a:rPr lang="en-US" sz="1200" dirty="0">
-                <a:effectLst/>
-                <a:latin typeface="Calibri" panose="020F0502020204030204" pitchFamily="34" charset="0"/>
-              </a:rPr>
-              <a:t>we first measured their bulk chromatin accessibility at baseline (Week 0/Visit 0) and 104 </a:t>
-            </a:r>
-            <a:r>
-              <a:rPr lang="en-US" sz="1200" dirty="0" err="1">
-                <a:effectLst/>
-                <a:latin typeface="Calibri" panose="020F0502020204030204" pitchFamily="34" charset="0"/>
-              </a:rPr>
-              <a:t>wk</a:t>
-            </a:r>
-            <a:r>
-              <a:rPr lang="en-US" sz="1200" dirty="0">
-                <a:effectLst/>
-                <a:latin typeface="Calibri" panose="020F0502020204030204" pitchFamily="34" charset="0"/>
-              </a:rPr>
-              <a:t> (Visit 30) post-treatment in alefacept responders (R, defined by C-peptide preservation) using ATAC-seq following sorting from PBMC (</a:t>
-            </a:r>
-            <a:r>
-              <a:rPr lang="en-US" sz="1200" dirty="0">
-                <a:effectLst/>
-                <a:latin typeface="Calibri,Bold"/>
-              </a:rPr>
-              <a:t>Figure 1A</a:t>
-            </a:r>
-            <a:r>
-              <a:rPr lang="en-US" sz="1200" dirty="0">
-                <a:effectLst/>
-                <a:latin typeface="Calibri" panose="020F0502020204030204" pitchFamily="34" charset="0"/>
-              </a:rPr>
-              <a:t>, Because cell population differences rather than treatment response differences were the focus of our investigation, we sequenced only alefacept responder (R) samples“</a:t>
-            </a:r>
-          </a:p>
-          <a:p>
-            <a:pPr marL="0" marR="0" lvl="0" indent="0" algn="l" defTabSz="914400" rtl="0" eaLnBrk="1" fontAlgn="auto" latinLnBrk="0" hangingPunct="1">
-              <a:lnSpc>
-                <a:spcPct val="100000"/>
-              </a:lnSpc>
-              <a:spcBef>
-                <a:spcPts val="0"/>
-              </a:spcBef>
-              <a:spcAft>
-                <a:spcPts val="0"/>
-              </a:spcAft>
-              <a:buClrTx/>
-              <a:buSzTx/>
-              <a:buFont typeface="+mj-lt"/>
-              <a:buNone/>
-              <a:tabLst/>
-              <a:defRPr/>
-            </a:pPr>
-            <a:endParaRPr lang="en-US" sz="1200" dirty="0">
-              <a:effectLst/>
-              <a:latin typeface="Calibri" panose="020F0502020204030204" pitchFamily="34" charset="0"/>
-            </a:endParaRPr>
-          </a:p>
-          <a:p>
-            <a:pPr marL="0" marR="0" lvl="0" indent="0" algn="l" defTabSz="914400" rtl="0" eaLnBrk="1" fontAlgn="auto" latinLnBrk="0" hangingPunct="1">
-              <a:lnSpc>
-                <a:spcPct val="100000"/>
-              </a:lnSpc>
-              <a:spcBef>
-                <a:spcPts val="0"/>
-              </a:spcBef>
-              <a:spcAft>
-                <a:spcPts val="0"/>
-              </a:spcAft>
-              <a:buClrTx/>
-              <a:buSzTx/>
-              <a:buFont typeface="+mj-lt"/>
-              <a:buNone/>
-              <a:tabLst/>
-              <a:defRPr/>
-            </a:pPr>
-            <a:r>
-              <a:rPr lang="en-US" sz="1200" dirty="0">
-                <a:effectLst/>
-                <a:latin typeface="Calibri" panose="020F0502020204030204" pitchFamily="34" charset="0"/>
-              </a:rPr>
-              <a:t>Updated to remove vars present in all sorts in a donor</a:t>
-            </a:r>
-          </a:p>
-          <a:p>
-            <a:pPr marL="0" marR="0" lvl="0" indent="0" algn="l" defTabSz="914400" rtl="0" eaLnBrk="1" fontAlgn="auto" latinLnBrk="0" hangingPunct="1">
-              <a:lnSpc>
-                <a:spcPct val="100000"/>
-              </a:lnSpc>
-              <a:spcBef>
-                <a:spcPts val="0"/>
-              </a:spcBef>
-              <a:spcAft>
-                <a:spcPts val="0"/>
-              </a:spcAft>
-              <a:buClrTx/>
-              <a:buSzTx/>
-              <a:buFont typeface="+mj-lt"/>
-              <a:buNone/>
-              <a:tabLst/>
-              <a:defRPr/>
-            </a:pPr>
-            <a:endParaRPr lang="en-US" sz="1200" dirty="0">
-              <a:effectLst/>
-              <a:latin typeface="Calibri" panose="020F0502020204030204" pitchFamily="34" charset="0"/>
-            </a:endParaRPr>
-          </a:p>
-          <a:p>
-            <a:r>
-              <a:rPr lang="en-US" dirty="0"/>
-              <a:t>MT notes:</a:t>
-            </a:r>
-          </a:p>
-          <a:p>
-            <a:pPr marL="0" marR="0" lvl="0" indent="0" algn="l" defTabSz="914400" rtl="0" eaLnBrk="1" fontAlgn="auto" latinLnBrk="0" hangingPunct="1">
-              <a:lnSpc>
-                <a:spcPct val="100000"/>
-              </a:lnSpc>
-              <a:spcBef>
-                <a:spcPts val="0"/>
-              </a:spcBef>
-              <a:spcAft>
-                <a:spcPts val="0"/>
-              </a:spcAft>
-              <a:buClrTx/>
-              <a:buSzTx/>
-              <a:buFontTx/>
-              <a:buNone/>
-              <a:tabLst/>
-              <a:defRPr/>
-            </a:pPr>
-            <a:r>
-              <a:rPr lang="en-US" sz="1200" dirty="0">
-                <a:effectLst/>
-                <a:latin typeface="AdvPSA183"/>
-              </a:rPr>
-              <a:t>Mitochondrial genomes have high copy number (100–1,000s)</a:t>
-            </a:r>
-          </a:p>
-          <a:p>
-            <a:pPr marL="0" marR="0" lvl="0" indent="0" algn="l" defTabSz="914400" rtl="0" eaLnBrk="1" fontAlgn="auto" latinLnBrk="0" hangingPunct="1">
-              <a:lnSpc>
-                <a:spcPct val="100000"/>
-              </a:lnSpc>
-              <a:spcBef>
-                <a:spcPts val="0"/>
-              </a:spcBef>
-              <a:spcAft>
-                <a:spcPts val="0"/>
-              </a:spcAft>
-              <a:buClrTx/>
-              <a:buSzTx/>
-              <a:buFontTx/>
-              <a:buNone/>
-              <a:tabLst/>
-              <a:defRPr/>
-            </a:pPr>
-            <a:endParaRPr lang="en-US" sz="1200" dirty="0">
-              <a:effectLst/>
-              <a:latin typeface="AdvPSA183"/>
-            </a:endParaRPr>
-          </a:p>
-          <a:p>
-            <a:pPr marL="0" marR="0" lvl="0" indent="0" algn="l" defTabSz="914400" rtl="0" eaLnBrk="1" fontAlgn="auto" latinLnBrk="0" hangingPunct="1">
-              <a:lnSpc>
-                <a:spcPct val="100000"/>
-              </a:lnSpc>
-              <a:spcBef>
-                <a:spcPts val="0"/>
-              </a:spcBef>
-              <a:spcAft>
-                <a:spcPts val="0"/>
-              </a:spcAft>
-              <a:buClrTx/>
-              <a:buSzTx/>
-              <a:buFontTx/>
-              <a:buNone/>
-              <a:tabLst/>
-              <a:defRPr/>
-            </a:pPr>
-            <a:r>
-              <a:rPr lang="en-US" sz="1200" b="0" i="0" u="none" strike="noStrike" dirty="0" err="1">
-                <a:solidFill>
-                  <a:srgbClr val="212121"/>
-                </a:solidFill>
-                <a:effectLst/>
-                <a:highlight>
-                  <a:srgbClr val="FFFFFF"/>
-                </a:highlight>
-                <a:latin typeface="Cambria" panose="02040503050406030204" pitchFamily="18" charset="0"/>
-              </a:rPr>
-              <a:t>homoplasmy</a:t>
-            </a:r>
-            <a:r>
               <a:rPr lang="en-US" sz="1200" b="0" i="0" u="none" strike="noStrike" dirty="0">
                 <a:solidFill>
                   <a:srgbClr val="212121"/>
                 </a:solidFill>
                 <a:effectLst/>
-                <a:highlight>
-                  <a:srgbClr val="FFFFFF"/>
-                </a:highlight>
-                <a:latin typeface="Cambria" panose="02040503050406030204" pitchFamily="18" charset="0"/>
+                <a:latin typeface="Aptos" panose="020B0004020202020204" pitchFamily="34" charset="0"/>
               </a:rPr>
-              <a:t> is when all copies of the mitochondrial genome in a cell are identical; </a:t>
-            </a:r>
-            <a:r>
-              <a:rPr lang="en-US" sz="1200" b="0" i="0" u="none" strike="noStrike" dirty="0" err="1">
-                <a:solidFill>
-                  <a:srgbClr val="212121"/>
-                </a:solidFill>
-                <a:effectLst/>
-                <a:highlight>
-                  <a:srgbClr val="FFFFFF"/>
-                </a:highlight>
-                <a:latin typeface="Cambria" panose="02040503050406030204" pitchFamily="18" charset="0"/>
-              </a:rPr>
-              <a:t>heteroplasmy</a:t>
-            </a:r>
-            <a:r>
-              <a:rPr lang="en-US" sz="1200" b="0" i="0" u="none" strike="noStrike" dirty="0">
-                <a:solidFill>
-                  <a:srgbClr val="212121"/>
-                </a:solidFill>
-                <a:effectLst/>
-                <a:highlight>
-                  <a:srgbClr val="FFFFFF"/>
-                </a:highlight>
-                <a:latin typeface="Cambria" panose="02040503050406030204" pitchFamily="18" charset="0"/>
-              </a:rPr>
-              <a:t> is when there is a mixture of two or more mitochondrial genotypes</a:t>
-            </a:r>
-            <a:endParaRPr lang="en-US" sz="1200" dirty="0">
-              <a:effectLst/>
-              <a:latin typeface="AdvPSA183"/>
-            </a:endParaRPr>
-          </a:p>
-          <a:p>
-            <a:pPr marL="0" marR="0" lvl="0" indent="0" algn="l" defTabSz="914400" rtl="0" eaLnBrk="1" fontAlgn="auto" latinLnBrk="0" hangingPunct="1">
-              <a:lnSpc>
-                <a:spcPct val="100000"/>
-              </a:lnSpc>
-              <a:spcBef>
-                <a:spcPts val="0"/>
-              </a:spcBef>
-              <a:spcAft>
-                <a:spcPts val="0"/>
-              </a:spcAft>
-              <a:buClrTx/>
-              <a:buSzTx/>
-              <a:buFontTx/>
-              <a:buNone/>
-              <a:tabLst/>
-              <a:defRPr/>
-            </a:pPr>
-            <a:endParaRPr lang="en-US" sz="1200" dirty="0">
-              <a:effectLst/>
-              <a:latin typeface="AdvPSA183"/>
-            </a:endParaRPr>
-          </a:p>
-          <a:p>
-            <a:pPr marL="0" marR="0" lvl="0" indent="0" algn="l" defTabSz="914400" rtl="0" eaLnBrk="1" fontAlgn="auto" latinLnBrk="0" hangingPunct="1">
-              <a:lnSpc>
-                <a:spcPct val="100000"/>
-              </a:lnSpc>
-              <a:spcBef>
-                <a:spcPts val="0"/>
-              </a:spcBef>
-              <a:spcAft>
-                <a:spcPts val="0"/>
-              </a:spcAft>
-              <a:buClrTx/>
-              <a:buSzTx/>
-              <a:buFontTx/>
-              <a:buNone/>
-              <a:tabLst/>
-              <a:defRPr/>
-            </a:pPr>
-            <a:r>
-              <a:rPr lang="en-US" sz="1200" dirty="0">
-                <a:effectLst/>
-                <a:latin typeface="AdvPSA183"/>
-              </a:rPr>
-              <a:t>mutations in </a:t>
-            </a:r>
-            <a:r>
-              <a:rPr lang="en-US" sz="1200" dirty="0" err="1">
-                <a:effectLst/>
-                <a:latin typeface="AdvPSA183"/>
-              </a:rPr>
-              <a:t>mtDNA</a:t>
-            </a:r>
-            <a:r>
-              <a:rPr lang="en-US" sz="1200" dirty="0">
-                <a:effectLst/>
-                <a:latin typeface="AdvPSA183"/>
-              </a:rPr>
-              <a:t> often reach high levels of </a:t>
-            </a:r>
-            <a:r>
-              <a:rPr lang="en-US" sz="1200" dirty="0" err="1">
-                <a:effectLst/>
-                <a:latin typeface="AdvPSA183"/>
-              </a:rPr>
-              <a:t>heteroplasmy</a:t>
-            </a:r>
-            <a:r>
-              <a:rPr lang="en-US" sz="1200" dirty="0">
-                <a:effectLst/>
-                <a:latin typeface="AdvPSA183"/>
-              </a:rPr>
-              <a:t> (proportion of mitochondrial genomes containing a specific mutation) due to a combination of vegetative segregation, random genetic drift, and relaxed replication </a:t>
-            </a:r>
-            <a:endParaRPr lang="en-US" b="0" i="0" u="none" strike="noStrike" dirty="0">
-              <a:solidFill>
-                <a:srgbClr val="212121"/>
-              </a:solidFill>
-              <a:effectLst/>
-              <a:highlight>
-                <a:srgbClr val="FFFCF0"/>
-              </a:highlight>
-              <a:latin typeface="Cambria" panose="02040503050406030204" pitchFamily="18" charset="0"/>
-            </a:endParaRPr>
-          </a:p>
-          <a:p>
-            <a:endParaRPr lang="en-US" dirty="0"/>
-          </a:p>
-          <a:p>
-            <a:r>
-              <a:rPr lang="en-US" b="0" i="0" u="none" strike="noStrike" dirty="0">
-                <a:solidFill>
-                  <a:srgbClr val="212121"/>
-                </a:solidFill>
-                <a:effectLst/>
-                <a:highlight>
-                  <a:srgbClr val="FFFCF0"/>
-                </a:highlight>
-                <a:latin typeface="Cambria" panose="02040503050406030204" pitchFamily="18" charset="0"/>
-              </a:rPr>
-              <a:t>Exclusively maternal inheritance</a:t>
-            </a:r>
-          </a:p>
-          <a:p>
-            <a:endParaRPr lang="en-US" b="0" i="0" u="none" strike="noStrike" dirty="0">
-              <a:solidFill>
-                <a:srgbClr val="212121"/>
-              </a:solidFill>
-              <a:effectLst/>
-              <a:highlight>
-                <a:srgbClr val="FFFFFF"/>
-              </a:highlight>
-              <a:latin typeface="Cambria" panose="02040503050406030204" pitchFamily="18" charset="0"/>
-            </a:endParaRPr>
-          </a:p>
-          <a:p>
-            <a:pPr marL="0" marR="0" lvl="0" indent="0" algn="l" defTabSz="914400" rtl="0" eaLnBrk="1" fontAlgn="auto" latinLnBrk="0" hangingPunct="1">
-              <a:lnSpc>
-                <a:spcPct val="100000"/>
-              </a:lnSpc>
-              <a:spcBef>
-                <a:spcPts val="0"/>
-              </a:spcBef>
-              <a:spcAft>
-                <a:spcPts val="0"/>
-              </a:spcAft>
-              <a:buClrTx/>
-              <a:buSzTx/>
-              <a:buFontTx/>
-              <a:buNone/>
-              <a:tabLst/>
-              <a:defRPr/>
-            </a:pPr>
-            <a:r>
-              <a:rPr lang="en-US" sz="1200" dirty="0" err="1">
-                <a:effectLst/>
-                <a:latin typeface="AdvPSA183"/>
-              </a:rPr>
-              <a:t>mtDNA</a:t>
-            </a:r>
-            <a:r>
-              <a:rPr lang="en-US" sz="1200" dirty="0">
-                <a:effectLst/>
-                <a:latin typeface="AdvPSA183"/>
-              </a:rPr>
-              <a:t> mutation rates are estimated to be 10- to 100-fold higher than for nuclear DNA</a:t>
+              <a:t>Perhaps that donor’s DNs were just much less DN and much more DP whatever than other donors’ DNs… hard to believe in bulk though…</a:t>
             </a:r>
           </a:p>
         </p:txBody>
@@ -1235,7 +1373,7 @@
     </p:spTree>
     <p:extLst>
       <p:ext uri="{BB962C8B-B14F-4D97-AF65-F5344CB8AC3E}">
-        <p14:creationId xmlns:p14="http://schemas.microsoft.com/office/powerpoint/2010/main" val="2452080432"/>
+        <p14:creationId xmlns:p14="http://schemas.microsoft.com/office/powerpoint/2010/main" val="3176869834"/>
       </p:ext>
     </p:extLst>
   </p:cSld>
@@ -1307,206 +1445,138 @@
           <a:bodyPr/>
           <a:lstStyle/>
           <a:p>
-            <a:pPr marL="0" indent="0">
+            <a:pPr marL="0" marR="0" lvl="0" indent="0" algn="l" defTabSz="914400" rtl="0" eaLnBrk="1" fontAlgn="auto" latinLnBrk="0" hangingPunct="1">
+              <a:lnSpc>
+                <a:spcPct val="100000"/>
+              </a:lnSpc>
+              <a:spcBef>
+                <a:spcPts val="0"/>
+              </a:spcBef>
+              <a:spcAft>
+                <a:spcPts val="0"/>
+              </a:spcAft>
+              <a:buClrTx/>
+              <a:buSzTx/>
               <a:buFont typeface="+mj-lt"/>
               <a:buNone/>
+              <a:tabLst/>
+              <a:defRPr/>
             </a:pPr>
             <a:r>
-              <a:rPr lang="en-US" b="0" i="0" u="none" strike="noStrike" dirty="0">
+              <a:rPr lang="en-US" sz="1200" b="0" i="0" u="none" strike="noStrike" dirty="0">
                 <a:solidFill>
-                  <a:srgbClr val="000000"/>
+                  <a:srgbClr val="212121"/>
                 </a:solidFill>
                 <a:effectLst/>
-                <a:latin typeface="-webkit-standard"/>
+                <a:latin typeface="Aptos" panose="020B0004020202020204" pitchFamily="34" charset="0"/>
               </a:rPr>
-              <a:t>Tested for significances already</a:t>
-            </a:r>
-          </a:p>
-          <a:p>
-            <a:pPr marL="0" indent="0">
+              <a:t>Perhaps that donor’s DNs were just much less DN and much more DP whatever than other donors’ DNs… hard to believe in bulk though…</a:t>
+            </a:r>
+          </a:p>
+          <a:p>
+            <a:pPr marL="0" marR="0" lvl="0" indent="0" algn="l" defTabSz="914400" rtl="0" eaLnBrk="1" fontAlgn="auto" latinLnBrk="0" hangingPunct="1">
+              <a:lnSpc>
+                <a:spcPct val="100000"/>
+              </a:lnSpc>
+              <a:spcBef>
+                <a:spcPts val="0"/>
+              </a:spcBef>
+              <a:spcAft>
+                <a:spcPts val="0"/>
+              </a:spcAft>
+              <a:buClrTx/>
+              <a:buSzTx/>
               <a:buFont typeface="+mj-lt"/>
               <a:buNone/>
+              <a:tabLst/>
+              <a:defRPr/>
             </a:pPr>
-            <a:endParaRPr lang="en-US" b="0" i="0" u="none" strike="noStrike" dirty="0">
+            <a:endParaRPr lang="en-US" sz="1200" b="0" i="0" u="none" strike="noStrike" dirty="0">
               <a:solidFill>
-                <a:srgbClr val="000000"/>
+                <a:srgbClr val="212121"/>
               </a:solidFill>
               <a:effectLst/>
-              <a:latin typeface="-webkit-standard"/>
+              <a:latin typeface="Aptos" panose="020B0004020202020204" pitchFamily="34" charset="0"/>
             </a:endParaRPr>
           </a:p>
           <a:p>
-            <a:pPr marL="0" indent="0">
+            <a:pPr marL="0" marR="0" lvl="0" indent="0" algn="l" defTabSz="914400" rtl="0" eaLnBrk="1" fontAlgn="auto" latinLnBrk="0" hangingPunct="1">
+              <a:lnSpc>
+                <a:spcPct val="100000"/>
+              </a:lnSpc>
+              <a:spcBef>
+                <a:spcPts val="0"/>
+              </a:spcBef>
+              <a:spcAft>
+                <a:spcPts val="0"/>
+              </a:spcAft>
+              <a:buClrTx/>
+              <a:buSzTx/>
               <a:buFont typeface="+mj-lt"/>
               <a:buNone/>
+              <a:tabLst/>
+              <a:defRPr/>
             </a:pPr>
             <a:r>
-              <a:rPr lang="en-US" b="0" i="0" u="none" strike="noStrike" dirty="0" err="1">
+              <a:rPr lang="en-US" sz="1200" b="0" i="0" u="none" strike="noStrike" dirty="0" err="1">
                 <a:solidFill>
-                  <a:srgbClr val="000000"/>
+                  <a:srgbClr val="212121"/>
                 </a:solidFill>
                 <a:effectLst/>
-                <a:latin typeface="-webkit-standard"/>
+                <a:latin typeface="Aptos" panose="020B0004020202020204" pitchFamily="34" charset="0"/>
               </a:rPr>
-              <a:t>PhenoPath</a:t>
-            </a:r>
-            <a:r>
-              <a:rPr lang="en-US" b="0" i="0" u="none" strike="noStrike" dirty="0">
+              <a:t>Diffbind</a:t>
+            </a:r>
+            <a:r>
+              <a:rPr lang="en-US" sz="1200" b="0" i="0" u="none" strike="noStrike" dirty="0">
                 <a:solidFill>
-                  <a:srgbClr val="000000"/>
+                  <a:srgbClr val="212121"/>
                 </a:solidFill>
                 <a:effectLst/>
-                <a:latin typeface="-webkit-standard"/>
+                <a:latin typeface="Aptos" panose="020B0004020202020204" pitchFamily="34" charset="0"/>
               </a:rPr>
-              <a:t> analyzes the accessibility of genomic regions (peaks) in your ATAC-seq data, modeling how these accessibilities change along a biological trajectory and how this trajectory is influenced by tissue type</a:t>
-            </a:r>
-          </a:p>
-          <a:p>
-            <a:pPr marL="0" indent="0">
-              <a:buFont typeface="+mj-lt"/>
-              <a:buNone/>
-            </a:pPr>
-            <a:endParaRPr lang="en-US" b="0" i="0" u="none" strike="noStrike" dirty="0">
-              <a:solidFill>
-                <a:srgbClr val="000000"/>
-              </a:solidFill>
-              <a:effectLst/>
-              <a:latin typeface="-webkit-standard"/>
-            </a:endParaRPr>
-          </a:p>
-          <a:p>
-            <a:pPr marL="0" indent="0">
-              <a:buFont typeface="+mj-lt"/>
-              <a:buNone/>
-            </a:pPr>
-            <a:r>
-              <a:rPr lang="en-US" b="0" i="0" u="none" strike="noStrike" dirty="0" err="1">
+              <a:t> did regress out/block for responder status (and replicate), replicate symmetric (not right word but mapped 1:1 to) with </a:t>
+            </a:r>
+            <a:r>
+              <a:rPr lang="en-US" sz="1200" b="0" i="0" u="none" strike="noStrike" dirty="0" err="1">
                 <a:solidFill>
-                  <a:srgbClr val="333333"/>
+                  <a:srgbClr val="212121"/>
                 </a:solidFill>
                 <a:effectLst/>
-                <a:highlight>
-                  <a:srgbClr val="FFFFFF"/>
-                </a:highlight>
-                <a:latin typeface="Arial" panose="020B0604020202020204" pitchFamily="34" charset="0"/>
+                <a:latin typeface="Aptos" panose="020B0004020202020204" pitchFamily="34" charset="0"/>
               </a:rPr>
-              <a:t>PhenoPath</a:t>
-            </a:r>
-            <a:r>
-              <a:rPr lang="en-US" b="0" i="0" u="none" strike="noStrike" dirty="0">
+              <a:t>donorId</a:t>
+            </a:r>
+            <a:r>
+              <a:rPr lang="en-US" sz="1200" b="0" i="0" u="none" strike="noStrike" dirty="0">
                 <a:solidFill>
-                  <a:srgbClr val="333333"/>
+                  <a:srgbClr val="212121"/>
                 </a:solidFill>
                 <a:effectLst/>
-                <a:highlight>
-                  <a:srgbClr val="FFFFFF"/>
-                </a:highlight>
-                <a:latin typeface="Arial" panose="020B0604020202020204" pitchFamily="34" charset="0"/>
+                <a:latin typeface="Aptos" panose="020B0004020202020204" pitchFamily="34" charset="0"/>
               </a:rPr>
-              <a:t> models gene expression expression </a:t>
-            </a:r>
-            <a:r>
-              <a:rPr lang="en-US" b="0" i="0" u="none" strike="noStrike" dirty="0">
+              <a:t>, so </a:t>
+            </a:r>
+            <a:r>
+              <a:rPr lang="en-US" sz="1200" b="0" i="0" u="none" strike="noStrike" dirty="0" err="1">
                 <a:solidFill>
-                  <a:srgbClr val="333333"/>
+                  <a:srgbClr val="212121"/>
                 </a:solidFill>
                 <a:effectLst/>
-                <a:latin typeface="STIXGeneral-Italic"/>
+                <a:latin typeface="Aptos" panose="020B0004020202020204" pitchFamily="34" charset="0"/>
               </a:rPr>
-              <a:t>𝑦</a:t>
-            </a:r>
-            <a:r>
-              <a:rPr lang="en-US" b="0" i="0" u="none" strike="noStrike" dirty="0">
+              <a:t>diffbind</a:t>
+            </a:r>
+            <a:r>
+              <a:rPr lang="en-US" sz="1200" b="0" i="0" u="none" strike="noStrike" dirty="0">
                 <a:solidFill>
-                  <a:srgbClr val="333333"/>
+                  <a:srgbClr val="212121"/>
                 </a:solidFill>
                 <a:effectLst/>
-                <a:highlight>
-                  <a:srgbClr val="FFFFFF"/>
-                </a:highlight>
-                <a:latin typeface="Arial" panose="020B0604020202020204" pitchFamily="34" charset="0"/>
+                <a:latin typeface="Aptos" panose="020B0004020202020204" pitchFamily="34" charset="0"/>
               </a:rPr>
-              <a:t> in terms of a latent pathway score (</a:t>
-            </a:r>
-            <a:r>
-              <a:rPr lang="en-US" b="0" i="0" u="none" strike="noStrike" dirty="0" err="1">
-                <a:solidFill>
-                  <a:srgbClr val="333333"/>
-                </a:solidFill>
-                <a:effectLst/>
-                <a:highlight>
-                  <a:srgbClr val="FFFFFF"/>
-                </a:highlight>
-                <a:latin typeface="Arial" panose="020B0604020202020204" pitchFamily="34" charset="0"/>
-              </a:rPr>
-              <a:t>pseudotime</a:t>
-            </a:r>
-            <a:r>
-              <a:rPr lang="en-US" b="0" i="0" u="none" strike="noStrike" dirty="0">
-                <a:solidFill>
-                  <a:srgbClr val="333333"/>
-                </a:solidFill>
-                <a:effectLst/>
-                <a:highlight>
-                  <a:srgbClr val="FFFFFF"/>
-                </a:highlight>
-                <a:latin typeface="Arial" panose="020B0604020202020204" pitchFamily="34" charset="0"/>
-              </a:rPr>
-              <a:t>) </a:t>
-            </a:r>
-            <a:r>
-              <a:rPr lang="en-US" b="0" i="0" u="none" strike="noStrike" dirty="0">
-                <a:solidFill>
-                  <a:srgbClr val="333333"/>
-                </a:solidFill>
-                <a:effectLst/>
-                <a:latin typeface="STIXGeneral-Italic"/>
-              </a:rPr>
-              <a:t>𝑧</a:t>
-            </a:r>
-            <a:r>
-              <a:rPr lang="en-US" b="0" i="0" u="none" strike="noStrike" dirty="0">
-                <a:solidFill>
-                  <a:srgbClr val="333333"/>
-                </a:solidFill>
-                <a:effectLst/>
-                <a:highlight>
-                  <a:srgbClr val="FFFFFF"/>
-                </a:highlight>
-                <a:latin typeface="Arial" panose="020B0604020202020204" pitchFamily="34" charset="0"/>
-              </a:rPr>
-              <a:t>. Uniquely, the evolution of genes along the trajectory isn’t common to each gene but can be perturbed by an additional sample-specific covariate </a:t>
-            </a:r>
-            <a:r>
-              <a:rPr lang="en-US" b="0" i="0" u="none" strike="noStrike" dirty="0">
-                <a:solidFill>
-                  <a:srgbClr val="333333"/>
-                </a:solidFill>
-                <a:effectLst/>
-                <a:latin typeface="STIXGeneral-Italic"/>
-              </a:rPr>
-              <a:t>𝛽</a:t>
-            </a:r>
-            <a:r>
-              <a:rPr lang="en-US" b="0" i="0" u="none" strike="noStrike" dirty="0">
-                <a:solidFill>
-                  <a:srgbClr val="333333"/>
-                </a:solidFill>
-                <a:effectLst/>
-                <a:highlight>
-                  <a:srgbClr val="FFFFFF"/>
-                </a:highlight>
-                <a:latin typeface="Arial" panose="020B0604020202020204" pitchFamily="34" charset="0"/>
-              </a:rPr>
-              <a:t> (cell sort here)</a:t>
-            </a:r>
-            <a:endParaRPr lang="en-US" b="0" dirty="0">
-              <a:solidFill>
-                <a:srgbClr val="CCCCCC"/>
-              </a:solidFill>
-              <a:effectLst/>
-              <a:latin typeface="Menlo" panose="020B0609030804020204" pitchFamily="49" charset="0"/>
-            </a:endParaRPr>
+              <a:t> regressing out/blocking is fine! It’s just that I forgot to do this in Seurat</a:t>
+            </a:r>
           </a:p>
         </p:txBody>
       </p:sp>
@@ -1542,7 +1612,7 @@
     </p:spTree>
     <p:extLst>
       <p:ext uri="{BB962C8B-B14F-4D97-AF65-F5344CB8AC3E}">
-        <p14:creationId xmlns:p14="http://schemas.microsoft.com/office/powerpoint/2010/main" val="12361104"/>
+        <p14:creationId xmlns:p14="http://schemas.microsoft.com/office/powerpoint/2010/main" val="1225739595"/>
       </p:ext>
     </p:extLst>
   </p:cSld>
@@ -1631,16 +1701,13 @@
               <a:tabLst/>
               <a:defRPr/>
             </a:pPr>
-            <a:r>
-              <a:rPr lang="en-US" sz="1200" b="0" i="0" u="none" strike="noStrike" dirty="0">
-                <a:solidFill>
-                  <a:srgbClr val="212121"/>
-                </a:solidFill>
-                <a:effectLst/>
-                <a:latin typeface="Aptos" panose="020B0004020202020204" pitchFamily="34" charset="0"/>
-              </a:rPr>
-              <a:t>Perhaps that donor’s DNs were just much less DN and much more DP whatever than other donors’ DNs… hard to believe in bulk though…</a:t>
-            </a:r>
+            <a:endParaRPr lang="en-US" sz="1200" b="0" i="0" u="none" strike="noStrike" dirty="0">
+              <a:solidFill>
+                <a:srgbClr val="212121"/>
+              </a:solidFill>
+              <a:effectLst/>
+              <a:latin typeface="Aptos" panose="020B0004020202020204" pitchFamily="34" charset="0"/>
+            </a:endParaRPr>
           </a:p>
         </p:txBody>
       </p:sp>
@@ -1676,7 +1743,7 @@
     </p:spTree>
     <p:extLst>
       <p:ext uri="{BB962C8B-B14F-4D97-AF65-F5344CB8AC3E}">
-        <p14:creationId xmlns:p14="http://schemas.microsoft.com/office/powerpoint/2010/main" val="3176869834"/>
+        <p14:creationId xmlns:p14="http://schemas.microsoft.com/office/powerpoint/2010/main" val="3917921235"/>
       </p:ext>
     </p:extLst>
   </p:cSld>
@@ -1765,6 +1832,183 @@
               <a:tabLst/>
               <a:defRPr/>
             </a:pPr>
+            <a:r>
+              <a:rPr lang="en-US" sz="1200" b="0" i="0" u="none" strike="noStrike" dirty="0">
+                <a:solidFill>
+                  <a:srgbClr val="212121"/>
+                </a:solidFill>
+                <a:effectLst/>
+                <a:latin typeface="Aptos" panose="020B0004020202020204" pitchFamily="34" charset="0"/>
+              </a:rPr>
+              <a:t>Not the most correct method here, summing peaks from 10 pairwise contrasts (to get ~1000 peaks) rather than the more correct way of finding variably accessible peaks from Seurat code stuffs, but this is consistent with Erin’s so not too worried</a:t>
+            </a:r>
+          </a:p>
+        </p:txBody>
+      </p:sp>
+      <p:sp>
+        <p:nvSpPr>
+          <p:cNvPr id="4" name="Slide Number Placeholder 3">
+            <a:extLst>
+              <a:ext uri="{FF2B5EF4-FFF2-40B4-BE49-F238E27FC236}">
+                <a16:creationId xmlns:a16="http://schemas.microsoft.com/office/drawing/2014/main" id="{9F3FD3E1-ECA8-7789-76B9-A150DB6276EE}"/>
+              </a:ext>
+            </a:extLst>
+          </p:cNvPr>
+          <p:cNvSpPr>
+            <a:spLocks noGrp="1"/>
+          </p:cNvSpPr>
+          <p:nvPr>
+            <p:ph type="sldNum" sz="quarter" idx="5"/>
+          </p:nvPr>
+        </p:nvSpPr>
+        <p:spPr/>
+        <p:txBody>
+          <a:bodyPr/>
+          <a:lstStyle/>
+          <a:p>
+            <a:fld id="{061BAA8C-FDC6-D345-B4E0-3B02449209FB}" type="slidenum">
+              <a:rPr lang="en-US" smtClean="0"/>
+              <a:t>6</a:t>
+            </a:fld>
+            <a:endParaRPr lang="en-US"/>
+          </a:p>
+        </p:txBody>
+      </p:sp>
+    </p:spTree>
+    <p:extLst>
+      <p:ext uri="{BB962C8B-B14F-4D97-AF65-F5344CB8AC3E}">
+        <p14:creationId xmlns:p14="http://schemas.microsoft.com/office/powerpoint/2010/main" val="1376663131"/>
+      </p:ext>
+    </p:extLst>
+  </p:cSld>
+  <p:clrMapOvr>
+    <a:masterClrMapping/>
+  </p:clrMapOvr>
+</p:notes>
+</file>
+
+<file path=ppt/notesSlides/notesSlide7.xml><?xml version="1.0" encoding="utf-8"?>
+<p:notes xmlns:a="http://schemas.openxmlformats.org/drawingml/2006/main" xmlns:r="http://schemas.openxmlformats.org/officeDocument/2006/relationships" xmlns:p="http://schemas.openxmlformats.org/presentationml/2006/main">
+  <p:cSld>
+    <p:spTree>
+      <p:nvGrpSpPr>
+        <p:cNvPr id="1" name="">
+          <a:extLst>
+            <a:ext uri="{FF2B5EF4-FFF2-40B4-BE49-F238E27FC236}">
+              <a16:creationId xmlns:a16="http://schemas.microsoft.com/office/drawing/2014/main" id="{3415C166-0F50-E043-8950-9F266C4565AE}"/>
+            </a:ext>
+          </a:extLst>
+        </p:cNvPr>
+        <p:cNvGrpSpPr/>
+        <p:nvPr/>
+      </p:nvGrpSpPr>
+      <p:grpSpPr>
+        <a:xfrm>
+          <a:off x="0" y="0"/>
+          <a:ext cx="0" cy="0"/>
+          <a:chOff x="0" y="0"/>
+          <a:chExt cx="0" cy="0"/>
+        </a:xfrm>
+      </p:grpSpPr>
+      <p:sp>
+        <p:nvSpPr>
+          <p:cNvPr id="2" name="Slide Image Placeholder 1">
+            <a:extLst>
+              <a:ext uri="{FF2B5EF4-FFF2-40B4-BE49-F238E27FC236}">
+                <a16:creationId xmlns:a16="http://schemas.microsoft.com/office/drawing/2014/main" id="{1E497E09-6D11-D0BA-D2D1-5B08FB997731}"/>
+              </a:ext>
+            </a:extLst>
+          </p:cNvPr>
+          <p:cNvSpPr>
+            <a:spLocks noGrp="1" noRot="1" noChangeAspect="1"/>
+          </p:cNvSpPr>
+          <p:nvPr>
+            <p:ph type="sldImg"/>
+          </p:nvPr>
+        </p:nvSpPr>
+        <p:spPr/>
+      </p:sp>
+      <p:sp>
+        <p:nvSpPr>
+          <p:cNvPr id="3" name="Notes Placeholder 2">
+            <a:extLst>
+              <a:ext uri="{FF2B5EF4-FFF2-40B4-BE49-F238E27FC236}">
+                <a16:creationId xmlns:a16="http://schemas.microsoft.com/office/drawing/2014/main" id="{9336C4A5-58A4-D062-54A6-1D67A978E992}"/>
+              </a:ext>
+            </a:extLst>
+          </p:cNvPr>
+          <p:cNvSpPr>
+            <a:spLocks noGrp="1"/>
+          </p:cNvSpPr>
+          <p:nvPr>
+            <p:ph type="body" idx="1"/>
+          </p:nvPr>
+        </p:nvSpPr>
+        <p:spPr/>
+        <p:txBody>
+          <a:bodyPr/>
+          <a:lstStyle/>
+          <a:p>
+            <a:pPr marL="0" marR="0" lvl="0" indent="0" algn="l" defTabSz="914400" rtl="0" eaLnBrk="1" fontAlgn="auto" latinLnBrk="0" hangingPunct="1">
+              <a:lnSpc>
+                <a:spcPct val="100000"/>
+              </a:lnSpc>
+              <a:spcBef>
+                <a:spcPts val="0"/>
+              </a:spcBef>
+              <a:spcAft>
+                <a:spcPts val="0"/>
+              </a:spcAft>
+              <a:buClrTx/>
+              <a:buSzTx/>
+              <a:buFont typeface="+mj-lt"/>
+              <a:buNone/>
+              <a:tabLst/>
+              <a:defRPr/>
+            </a:pPr>
+            <a:r>
+              <a:rPr lang="en-US" sz="1200" b="0" i="0" u="none" strike="noStrike" dirty="0">
+                <a:solidFill>
+                  <a:srgbClr val="212121"/>
+                </a:solidFill>
+                <a:effectLst/>
+                <a:latin typeface="Aptos" panose="020B0004020202020204" pitchFamily="34" charset="0"/>
+              </a:rPr>
+              <a:t>Not drawing a DN </a:t>
+            </a:r>
+            <a:r>
+              <a:rPr lang="en-US" sz="1200" b="0" i="0" u="none" strike="noStrike" dirty="0">
+                <a:solidFill>
+                  <a:srgbClr val="212121"/>
+                </a:solidFill>
+                <a:effectLst/>
+                <a:latin typeface="Aptos" panose="020B0004020202020204" pitchFamily="34" charset="0"/>
+                <a:sym typeface="Wingdings" pitchFamily="2" charset="2"/>
+              </a:rPr>
+              <a:t> </a:t>
+            </a:r>
+            <a:r>
+              <a:rPr lang="en-US" sz="1200" b="0" i="0" u="none" strike="noStrike" dirty="0" err="1">
+                <a:solidFill>
+                  <a:srgbClr val="212121"/>
+                </a:solidFill>
+                <a:effectLst/>
+                <a:latin typeface="Aptos" panose="020B0004020202020204" pitchFamily="34" charset="0"/>
+                <a:sym typeface="Wingdings" pitchFamily="2" charset="2"/>
+              </a:rPr>
+              <a:t>nonexh</a:t>
+            </a:r>
+            <a:r>
+              <a:rPr lang="en-US" sz="1200" b="0" i="0" u="none" strike="noStrike" dirty="0">
+                <a:solidFill>
+                  <a:srgbClr val="212121"/>
+                </a:solidFill>
+                <a:effectLst/>
+                <a:latin typeface="Aptos" panose="020B0004020202020204" pitchFamily="34" charset="0"/>
+                <a:sym typeface="Wingdings" pitchFamily="2" charset="2"/>
+              </a:rPr>
+              <a:t>  DPs linear path because we don’t observe that in UMAP/PCA plots, but it could also be possible…</a:t>
+            </a:r>
             <a:endParaRPr lang="en-US" sz="1200" b="0" i="0" u="none" strike="noStrike" dirty="0">
               <a:solidFill>
                 <a:srgbClr val="212121"/>
@@ -1798,7 +2042,138 @@
           <a:p>
             <a:fld id="{061BAA8C-FDC6-D345-B4E0-3B02449209FB}" type="slidenum">
               <a:rPr lang="en-US" smtClean="0"/>
-              <a:t>6</a:t>
+              <a:t>7</a:t>
+            </a:fld>
+            <a:endParaRPr lang="en-US"/>
+          </a:p>
+        </p:txBody>
+      </p:sp>
+    </p:spTree>
+    <p:extLst>
+      <p:ext uri="{BB962C8B-B14F-4D97-AF65-F5344CB8AC3E}">
+        <p14:creationId xmlns:p14="http://schemas.microsoft.com/office/powerpoint/2010/main" val="3544544526"/>
+      </p:ext>
+    </p:extLst>
+  </p:cSld>
+  <p:clrMapOvr>
+    <a:masterClrMapping/>
+  </p:clrMapOvr>
+</p:notes>
+</file>
+
+<file path=ppt/notesSlides/notesSlide8.xml><?xml version="1.0" encoding="utf-8"?>
+<p:notes xmlns:a="http://schemas.openxmlformats.org/drawingml/2006/main" xmlns:r="http://schemas.openxmlformats.org/officeDocument/2006/relationships" xmlns:p="http://schemas.openxmlformats.org/presentationml/2006/main">
+  <p:cSld>
+    <p:spTree>
+      <p:nvGrpSpPr>
+        <p:cNvPr id="1" name="">
+          <a:extLst>
+            <a:ext uri="{FF2B5EF4-FFF2-40B4-BE49-F238E27FC236}">
+              <a16:creationId xmlns:a16="http://schemas.microsoft.com/office/drawing/2014/main" id="{3415C166-0F50-E043-8950-9F266C4565AE}"/>
+            </a:ext>
+          </a:extLst>
+        </p:cNvPr>
+        <p:cNvGrpSpPr/>
+        <p:nvPr/>
+      </p:nvGrpSpPr>
+      <p:grpSpPr>
+        <a:xfrm>
+          <a:off x="0" y="0"/>
+          <a:ext cx="0" cy="0"/>
+          <a:chOff x="0" y="0"/>
+          <a:chExt cx="0" cy="0"/>
+        </a:xfrm>
+      </p:grpSpPr>
+      <p:sp>
+        <p:nvSpPr>
+          <p:cNvPr id="2" name="Slide Image Placeholder 1">
+            <a:extLst>
+              <a:ext uri="{FF2B5EF4-FFF2-40B4-BE49-F238E27FC236}">
+                <a16:creationId xmlns:a16="http://schemas.microsoft.com/office/drawing/2014/main" id="{1E497E09-6D11-D0BA-D2D1-5B08FB997731}"/>
+              </a:ext>
+            </a:extLst>
+          </p:cNvPr>
+          <p:cNvSpPr>
+            <a:spLocks noGrp="1" noRot="1" noChangeAspect="1"/>
+          </p:cNvSpPr>
+          <p:nvPr>
+            <p:ph type="sldImg"/>
+          </p:nvPr>
+        </p:nvSpPr>
+        <p:spPr/>
+      </p:sp>
+      <p:sp>
+        <p:nvSpPr>
+          <p:cNvPr id="3" name="Notes Placeholder 2">
+            <a:extLst>
+              <a:ext uri="{FF2B5EF4-FFF2-40B4-BE49-F238E27FC236}">
+                <a16:creationId xmlns:a16="http://schemas.microsoft.com/office/drawing/2014/main" id="{9336C4A5-58A4-D062-54A6-1D67A978E992}"/>
+              </a:ext>
+            </a:extLst>
+          </p:cNvPr>
+          <p:cNvSpPr>
+            <a:spLocks noGrp="1"/>
+          </p:cNvSpPr>
+          <p:nvPr>
+            <p:ph type="body" idx="1"/>
+          </p:nvPr>
+        </p:nvSpPr>
+        <p:spPr/>
+        <p:txBody>
+          <a:bodyPr/>
+          <a:lstStyle/>
+          <a:p>
+            <a:pPr marL="0" marR="0" lvl="0" indent="0" algn="l" defTabSz="914400" rtl="0" eaLnBrk="1" fontAlgn="auto" latinLnBrk="0" hangingPunct="1">
+              <a:lnSpc>
+                <a:spcPct val="100000"/>
+              </a:lnSpc>
+              <a:spcBef>
+                <a:spcPts val="0"/>
+              </a:spcBef>
+              <a:spcAft>
+                <a:spcPts val="0"/>
+              </a:spcAft>
+              <a:buClrTx/>
+              <a:buSzTx/>
+              <a:buFont typeface="+mj-lt"/>
+              <a:buNone/>
+              <a:tabLst/>
+              <a:defRPr/>
+            </a:pPr>
+            <a:endParaRPr lang="en-US" sz="1200" b="0" i="0" u="none" strike="noStrike" dirty="0">
+              <a:solidFill>
+                <a:srgbClr val="212121"/>
+              </a:solidFill>
+              <a:effectLst/>
+              <a:latin typeface="Aptos" panose="020B0004020202020204" pitchFamily="34" charset="0"/>
+            </a:endParaRPr>
+          </a:p>
+        </p:txBody>
+      </p:sp>
+      <p:sp>
+        <p:nvSpPr>
+          <p:cNvPr id="4" name="Slide Number Placeholder 3">
+            <a:extLst>
+              <a:ext uri="{FF2B5EF4-FFF2-40B4-BE49-F238E27FC236}">
+                <a16:creationId xmlns:a16="http://schemas.microsoft.com/office/drawing/2014/main" id="{9F3FD3E1-ECA8-7789-76B9-A150DB6276EE}"/>
+              </a:ext>
+            </a:extLst>
+          </p:cNvPr>
+          <p:cNvSpPr>
+            <a:spLocks noGrp="1"/>
+          </p:cNvSpPr>
+          <p:nvPr>
+            <p:ph type="sldNum" sz="quarter" idx="5"/>
+          </p:nvPr>
+        </p:nvSpPr>
+        <p:spPr/>
+        <p:txBody>
+          <a:bodyPr/>
+          <a:lstStyle/>
+          <a:p>
+            <a:fld id="{061BAA8C-FDC6-D345-B4E0-3B02449209FB}" type="slidenum">
+              <a:rPr lang="en-US" smtClean="0"/>
+              <a:t>8</a:t>
             </a:fld>
             <a:endParaRPr lang="en-US"/>
           </a:p>
@@ -1808,6 +2183,356 @@
     <p:extLst>
       <p:ext uri="{BB962C8B-B14F-4D97-AF65-F5344CB8AC3E}">
         <p14:creationId xmlns:p14="http://schemas.microsoft.com/office/powerpoint/2010/main" val="1970036607"/>
+      </p:ext>
+    </p:extLst>
+  </p:cSld>
+  <p:clrMapOvr>
+    <a:masterClrMapping/>
+  </p:clrMapOvr>
+</p:notes>
+</file>
+
+<file path=ppt/notesSlides/notesSlide9.xml><?xml version="1.0" encoding="utf-8"?>
+<p:notes xmlns:a="http://schemas.openxmlformats.org/drawingml/2006/main" xmlns:r="http://schemas.openxmlformats.org/officeDocument/2006/relationships" xmlns:p="http://schemas.openxmlformats.org/presentationml/2006/main">
+  <p:cSld>
+    <p:spTree>
+      <p:nvGrpSpPr>
+        <p:cNvPr id="1" name="">
+          <a:extLst>
+            <a:ext uri="{FF2B5EF4-FFF2-40B4-BE49-F238E27FC236}">
+              <a16:creationId xmlns:a16="http://schemas.microsoft.com/office/drawing/2014/main" id="{3415C166-0F50-E043-8950-9F266C4565AE}"/>
+            </a:ext>
+          </a:extLst>
+        </p:cNvPr>
+        <p:cNvGrpSpPr/>
+        <p:nvPr/>
+      </p:nvGrpSpPr>
+      <p:grpSpPr>
+        <a:xfrm>
+          <a:off x="0" y="0"/>
+          <a:ext cx="0" cy="0"/>
+          <a:chOff x="0" y="0"/>
+          <a:chExt cx="0" cy="0"/>
+        </a:xfrm>
+      </p:grpSpPr>
+      <p:sp>
+        <p:nvSpPr>
+          <p:cNvPr id="2" name="Slide Image Placeholder 1">
+            <a:extLst>
+              <a:ext uri="{FF2B5EF4-FFF2-40B4-BE49-F238E27FC236}">
+                <a16:creationId xmlns:a16="http://schemas.microsoft.com/office/drawing/2014/main" id="{1E497E09-6D11-D0BA-D2D1-5B08FB997731}"/>
+              </a:ext>
+            </a:extLst>
+          </p:cNvPr>
+          <p:cNvSpPr>
+            <a:spLocks noGrp="1" noRot="1" noChangeAspect="1"/>
+          </p:cNvSpPr>
+          <p:nvPr>
+            <p:ph type="sldImg"/>
+          </p:nvPr>
+        </p:nvSpPr>
+        <p:spPr/>
+      </p:sp>
+      <p:sp>
+        <p:nvSpPr>
+          <p:cNvPr id="3" name="Notes Placeholder 2">
+            <a:extLst>
+              <a:ext uri="{FF2B5EF4-FFF2-40B4-BE49-F238E27FC236}">
+                <a16:creationId xmlns:a16="http://schemas.microsoft.com/office/drawing/2014/main" id="{9336C4A5-58A4-D062-54A6-1D67A978E992}"/>
+              </a:ext>
+            </a:extLst>
+          </p:cNvPr>
+          <p:cNvSpPr>
+            <a:spLocks noGrp="1"/>
+          </p:cNvSpPr>
+          <p:nvPr>
+            <p:ph type="body" idx="1"/>
+          </p:nvPr>
+        </p:nvSpPr>
+        <p:spPr/>
+        <p:txBody>
+          <a:bodyPr/>
+          <a:lstStyle/>
+          <a:p>
+            <a:pPr marL="0" indent="0">
+              <a:buFont typeface="+mj-lt"/>
+              <a:buNone/>
+            </a:pPr>
+            <a:r>
+              <a:rPr lang="en-US" b="0" i="0" u="none" strike="noStrike" dirty="0">
+                <a:solidFill>
+                  <a:srgbClr val="000000"/>
+                </a:solidFill>
+                <a:effectLst/>
+                <a:latin typeface="-webkit-standard"/>
+              </a:rPr>
+              <a:t>Tested for significances already</a:t>
+            </a:r>
+          </a:p>
+          <a:p>
+            <a:pPr marL="0" indent="0">
+              <a:buFont typeface="+mj-lt"/>
+              <a:buNone/>
+            </a:pPr>
+            <a:endParaRPr lang="en-US" b="0" i="0" u="none" strike="noStrike" dirty="0">
+              <a:solidFill>
+                <a:srgbClr val="000000"/>
+              </a:solidFill>
+              <a:effectLst/>
+              <a:latin typeface="-webkit-standard"/>
+            </a:endParaRPr>
+          </a:p>
+          <a:p>
+            <a:pPr marL="0" marR="0" lvl="0" indent="0" algn="l" defTabSz="914400" rtl="0" eaLnBrk="1" fontAlgn="auto" latinLnBrk="0" hangingPunct="1">
+              <a:lnSpc>
+                <a:spcPct val="100000"/>
+              </a:lnSpc>
+              <a:spcBef>
+                <a:spcPts val="0"/>
+              </a:spcBef>
+              <a:spcAft>
+                <a:spcPts val="0"/>
+              </a:spcAft>
+              <a:buClrTx/>
+              <a:buSzTx/>
+              <a:buFont typeface="+mj-lt"/>
+              <a:buNone/>
+              <a:tabLst/>
+              <a:defRPr/>
+            </a:pPr>
+            <a:r>
+              <a:rPr lang="en-US" dirty="0"/>
+              <a:t>tried working from peak scores as well as Seurat scaled read counts in peak regions, different values but still 5 not different box plots</a:t>
+            </a:r>
+            <a:endParaRPr lang="en-US" b="0" i="0" u="none" strike="noStrike" dirty="0">
+              <a:solidFill>
+                <a:srgbClr val="000000"/>
+              </a:solidFill>
+              <a:effectLst/>
+              <a:latin typeface="-webkit-standard"/>
+            </a:endParaRPr>
+          </a:p>
+          <a:p>
+            <a:pPr marL="0" indent="0">
+              <a:buFont typeface="+mj-lt"/>
+              <a:buNone/>
+            </a:pPr>
+            <a:endParaRPr lang="en-US" b="0" i="0" u="none" strike="noStrike" dirty="0">
+              <a:solidFill>
+                <a:srgbClr val="000000"/>
+              </a:solidFill>
+              <a:effectLst/>
+              <a:latin typeface="-webkit-standard"/>
+            </a:endParaRPr>
+          </a:p>
+          <a:p>
+            <a:pPr marL="0" indent="0">
+              <a:buFont typeface="+mj-lt"/>
+              <a:buNone/>
+            </a:pPr>
+            <a:r>
+              <a:rPr lang="en-US" b="0" i="0" u="none" strike="noStrike" dirty="0" err="1">
+                <a:solidFill>
+                  <a:srgbClr val="000000"/>
+                </a:solidFill>
+                <a:effectLst/>
+                <a:latin typeface="-webkit-standard"/>
+              </a:rPr>
+              <a:t>PhenoPath</a:t>
+            </a:r>
+            <a:r>
+              <a:rPr lang="en-US" b="0" i="0" u="none" strike="noStrike" dirty="0">
+                <a:solidFill>
+                  <a:srgbClr val="000000"/>
+                </a:solidFill>
+                <a:effectLst/>
+                <a:latin typeface="-webkit-standard"/>
+              </a:rPr>
+              <a:t> analyzes the accessibility of genomic regions (peaks) in your ATAC-seq data, modeling how these accessibilities change along a biological trajectory and how this trajectory is influenced by tissue type</a:t>
+            </a:r>
+          </a:p>
+          <a:p>
+            <a:pPr marL="0" indent="0">
+              <a:buFont typeface="+mj-lt"/>
+              <a:buNone/>
+            </a:pPr>
+            <a:endParaRPr lang="en-US" b="0" i="0" u="none" strike="noStrike" dirty="0">
+              <a:solidFill>
+                <a:srgbClr val="000000"/>
+              </a:solidFill>
+              <a:effectLst/>
+              <a:latin typeface="-webkit-standard"/>
+            </a:endParaRPr>
+          </a:p>
+          <a:p>
+            <a:pPr marL="0" indent="0">
+              <a:buFont typeface="+mj-lt"/>
+              <a:buNone/>
+            </a:pPr>
+            <a:r>
+              <a:rPr lang="en-US" b="0" i="0" u="none" strike="noStrike" dirty="0" err="1">
+                <a:solidFill>
+                  <a:srgbClr val="333333"/>
+                </a:solidFill>
+                <a:effectLst/>
+                <a:highlight>
+                  <a:srgbClr val="FFFFFF"/>
+                </a:highlight>
+                <a:latin typeface="Arial" panose="020B0604020202020204" pitchFamily="34" charset="0"/>
+              </a:rPr>
+              <a:t>PhenoPath</a:t>
+            </a:r>
+            <a:r>
+              <a:rPr lang="en-US" b="0" i="0" u="none" strike="noStrike" dirty="0">
+                <a:solidFill>
+                  <a:srgbClr val="333333"/>
+                </a:solidFill>
+                <a:effectLst/>
+                <a:highlight>
+                  <a:srgbClr val="FFFFFF"/>
+                </a:highlight>
+                <a:latin typeface="Arial" panose="020B0604020202020204" pitchFamily="34" charset="0"/>
+              </a:rPr>
+              <a:t> models gene expression expression </a:t>
+            </a:r>
+            <a:r>
+              <a:rPr lang="en-US" b="0" i="0" u="none" strike="noStrike" dirty="0">
+                <a:solidFill>
+                  <a:srgbClr val="333333"/>
+                </a:solidFill>
+                <a:effectLst/>
+                <a:latin typeface="STIXGeneral-Italic"/>
+              </a:rPr>
+              <a:t>𝑦</a:t>
+            </a:r>
+            <a:r>
+              <a:rPr lang="en-US" b="0" i="0" u="none" strike="noStrike" dirty="0">
+                <a:solidFill>
+                  <a:srgbClr val="333333"/>
+                </a:solidFill>
+                <a:effectLst/>
+                <a:highlight>
+                  <a:srgbClr val="FFFFFF"/>
+                </a:highlight>
+                <a:latin typeface="Arial" panose="020B0604020202020204" pitchFamily="34" charset="0"/>
+              </a:rPr>
+              <a:t> in terms of a latent pathway score (</a:t>
+            </a:r>
+            <a:r>
+              <a:rPr lang="en-US" b="0" i="0" u="none" strike="noStrike" dirty="0" err="1">
+                <a:solidFill>
+                  <a:srgbClr val="333333"/>
+                </a:solidFill>
+                <a:effectLst/>
+                <a:highlight>
+                  <a:srgbClr val="FFFFFF"/>
+                </a:highlight>
+                <a:latin typeface="Arial" panose="020B0604020202020204" pitchFamily="34" charset="0"/>
+              </a:rPr>
+              <a:t>pseudotime</a:t>
+            </a:r>
+            <a:r>
+              <a:rPr lang="en-US" b="0" i="0" u="none" strike="noStrike" dirty="0">
+                <a:solidFill>
+                  <a:srgbClr val="333333"/>
+                </a:solidFill>
+                <a:effectLst/>
+                <a:highlight>
+                  <a:srgbClr val="FFFFFF"/>
+                </a:highlight>
+                <a:latin typeface="Arial" panose="020B0604020202020204" pitchFamily="34" charset="0"/>
+              </a:rPr>
+              <a:t>) </a:t>
+            </a:r>
+            <a:r>
+              <a:rPr lang="en-US" b="0" i="0" u="none" strike="noStrike" dirty="0">
+                <a:solidFill>
+                  <a:srgbClr val="333333"/>
+                </a:solidFill>
+                <a:effectLst/>
+                <a:latin typeface="STIXGeneral-Italic"/>
+              </a:rPr>
+              <a:t>𝑧</a:t>
+            </a:r>
+            <a:r>
+              <a:rPr lang="en-US" b="0" i="0" u="none" strike="noStrike" dirty="0">
+                <a:solidFill>
+                  <a:srgbClr val="333333"/>
+                </a:solidFill>
+                <a:effectLst/>
+                <a:highlight>
+                  <a:srgbClr val="FFFFFF"/>
+                </a:highlight>
+                <a:latin typeface="Arial" panose="020B0604020202020204" pitchFamily="34" charset="0"/>
+              </a:rPr>
+              <a:t>. Uniquely, the evolution of genes along the trajectory isn’t common to each gene but can be perturbed by an additional sample-specific covariate </a:t>
+            </a:r>
+            <a:r>
+              <a:rPr lang="en-US" b="0" i="0" u="none" strike="noStrike" dirty="0">
+                <a:solidFill>
+                  <a:srgbClr val="333333"/>
+                </a:solidFill>
+                <a:effectLst/>
+                <a:latin typeface="STIXGeneral-Italic"/>
+              </a:rPr>
+              <a:t>𝛽</a:t>
+            </a:r>
+            <a:r>
+              <a:rPr lang="en-US" b="0" i="0" u="none" strike="noStrike" dirty="0">
+                <a:solidFill>
+                  <a:srgbClr val="333333"/>
+                </a:solidFill>
+                <a:effectLst/>
+                <a:highlight>
+                  <a:srgbClr val="FFFFFF"/>
+                </a:highlight>
+                <a:latin typeface="Arial" panose="020B0604020202020204" pitchFamily="34" charset="0"/>
+              </a:rPr>
+              <a:t> (cell sort here)</a:t>
+            </a:r>
+            <a:endParaRPr lang="en-US" b="0" dirty="0">
+              <a:solidFill>
+                <a:srgbClr val="CCCCCC"/>
+              </a:solidFill>
+              <a:effectLst/>
+              <a:latin typeface="Menlo" panose="020B0609030804020204" pitchFamily="49" charset="0"/>
+            </a:endParaRPr>
+          </a:p>
+        </p:txBody>
+      </p:sp>
+      <p:sp>
+        <p:nvSpPr>
+          <p:cNvPr id="4" name="Slide Number Placeholder 3">
+            <a:extLst>
+              <a:ext uri="{FF2B5EF4-FFF2-40B4-BE49-F238E27FC236}">
+                <a16:creationId xmlns:a16="http://schemas.microsoft.com/office/drawing/2014/main" id="{9F3FD3E1-ECA8-7789-76B9-A150DB6276EE}"/>
+              </a:ext>
+            </a:extLst>
+          </p:cNvPr>
+          <p:cNvSpPr>
+            <a:spLocks noGrp="1"/>
+          </p:cNvSpPr>
+          <p:nvPr>
+            <p:ph type="sldNum" sz="quarter" idx="5"/>
+          </p:nvPr>
+        </p:nvSpPr>
+        <p:spPr/>
+        <p:txBody>
+          <a:bodyPr/>
+          <a:lstStyle/>
+          <a:p>
+            <a:fld id="{061BAA8C-FDC6-D345-B4E0-3B02449209FB}" type="slidenum">
+              <a:rPr lang="en-US" smtClean="0"/>
+              <a:t>9</a:t>
+            </a:fld>
+            <a:endParaRPr lang="en-US"/>
+          </a:p>
+        </p:txBody>
+      </p:sp>
+    </p:spTree>
+    <p:extLst>
+      <p:ext uri="{BB962C8B-B14F-4D97-AF65-F5344CB8AC3E}">
+        <p14:creationId xmlns:p14="http://schemas.microsoft.com/office/powerpoint/2010/main" val="1623334019"/>
       </p:ext>
     </p:extLst>
   </p:cSld>
@@ -1964,7 +2689,7 @@
           <a:p>
             <a:fld id="{80FC6068-BAFB-FC44-B9D8-F4B3BB105DE6}" type="datetimeFigureOut">
               <a:rPr lang="en-US" smtClean="0"/>
-              <a:t>8/5/24</a:t>
+              <a:t>8/6/24</a:t>
             </a:fld>
             <a:endParaRPr lang="en-US"/>
           </a:p>
@@ -2162,7 +2887,7 @@
           <a:p>
             <a:fld id="{80FC6068-BAFB-FC44-B9D8-F4B3BB105DE6}" type="datetimeFigureOut">
               <a:rPr lang="en-US" smtClean="0"/>
-              <a:t>8/5/24</a:t>
+              <a:t>8/6/24</a:t>
             </a:fld>
             <a:endParaRPr lang="en-US"/>
           </a:p>
@@ -2370,7 +3095,7 @@
           <a:p>
             <a:fld id="{80FC6068-BAFB-FC44-B9D8-F4B3BB105DE6}" type="datetimeFigureOut">
               <a:rPr lang="en-US" smtClean="0"/>
-              <a:t>8/5/24</a:t>
+              <a:t>8/6/24</a:t>
             </a:fld>
             <a:endParaRPr lang="en-US"/>
           </a:p>
@@ -2574,7 +3299,7 @@
           <a:p>
             <a:fld id="{80FC6068-BAFB-FC44-B9D8-F4B3BB105DE6}" type="datetimeFigureOut">
               <a:rPr lang="en-US" smtClean="0"/>
-              <a:t>8/5/24</a:t>
+              <a:t>8/6/24</a:t>
             </a:fld>
             <a:endParaRPr lang="en-US"/>
           </a:p>
@@ -2865,7 +3590,7 @@
           <a:p>
             <a:fld id="{80FC6068-BAFB-FC44-B9D8-F4B3BB105DE6}" type="datetimeFigureOut">
               <a:rPr lang="en-US" smtClean="0"/>
-              <a:t>8/5/24</a:t>
+              <a:t>8/6/24</a:t>
             </a:fld>
             <a:endParaRPr lang="en-US"/>
           </a:p>
@@ -3130,7 +3855,7 @@
           <a:p>
             <a:fld id="{80FC6068-BAFB-FC44-B9D8-F4B3BB105DE6}" type="datetimeFigureOut">
               <a:rPr lang="en-US" smtClean="0"/>
-              <a:t>8/5/24</a:t>
+              <a:t>8/6/24</a:t>
             </a:fld>
             <a:endParaRPr lang="en-US"/>
           </a:p>
@@ -3542,7 +4267,7 @@
           <a:p>
             <a:fld id="{80FC6068-BAFB-FC44-B9D8-F4B3BB105DE6}" type="datetimeFigureOut">
               <a:rPr lang="en-US" smtClean="0"/>
-              <a:t>8/5/24</a:t>
+              <a:t>8/6/24</a:t>
             </a:fld>
             <a:endParaRPr lang="en-US"/>
           </a:p>
@@ -3683,7 +4408,7 @@
           <a:p>
             <a:fld id="{80FC6068-BAFB-FC44-B9D8-F4B3BB105DE6}" type="datetimeFigureOut">
               <a:rPr lang="en-US" smtClean="0"/>
-              <a:t>8/5/24</a:t>
+              <a:t>8/6/24</a:t>
             </a:fld>
             <a:endParaRPr lang="en-US"/>
           </a:p>
@@ -3796,7 +4521,7 @@
           <a:p>
             <a:fld id="{80FC6068-BAFB-FC44-B9D8-F4B3BB105DE6}" type="datetimeFigureOut">
               <a:rPr lang="en-US" smtClean="0"/>
-              <a:t>8/5/24</a:t>
+              <a:t>8/6/24</a:t>
             </a:fld>
             <a:endParaRPr lang="en-US"/>
           </a:p>
@@ -4107,7 +4832,7 @@
           <a:p>
             <a:fld id="{80FC6068-BAFB-FC44-B9D8-F4B3BB105DE6}" type="datetimeFigureOut">
               <a:rPr lang="en-US" smtClean="0"/>
-              <a:t>8/5/24</a:t>
+              <a:t>8/6/24</a:t>
             </a:fld>
             <a:endParaRPr lang="en-US"/>
           </a:p>
@@ -4395,7 +5120,7 @@
           <a:p>
             <a:fld id="{80FC6068-BAFB-FC44-B9D8-F4B3BB105DE6}" type="datetimeFigureOut">
               <a:rPr lang="en-US" smtClean="0"/>
-              <a:t>8/5/24</a:t>
+              <a:t>8/6/24</a:t>
             </a:fld>
             <a:endParaRPr lang="en-US"/>
           </a:p>
@@ -4636,7 +5361,7 @@
           <a:p>
             <a:fld id="{80FC6068-BAFB-FC44-B9D8-F4B3BB105DE6}" type="datetimeFigureOut">
               <a:rPr lang="en-US" smtClean="0"/>
-              <a:t>8/5/24</a:t>
+              <a:t>8/6/24</a:t>
             </a:fld>
             <a:endParaRPr lang="en-US"/>
           </a:p>
@@ -5136,6 +5861,294 @@
 </p:sld>
 </file>
 
+<file path=ppt/slides/slide10.xml><?xml version="1.0" encoding="utf-8"?>
+<p:sld xmlns:a="http://schemas.openxmlformats.org/drawingml/2006/main" xmlns:r="http://schemas.openxmlformats.org/officeDocument/2006/relationships" xmlns:p="http://schemas.openxmlformats.org/presentationml/2006/main">
+  <p:cSld>
+    <p:spTree>
+      <p:nvGrpSpPr>
+        <p:cNvPr id="1" name="">
+          <a:extLst>
+            <a:ext uri="{FF2B5EF4-FFF2-40B4-BE49-F238E27FC236}">
+              <a16:creationId xmlns:a16="http://schemas.microsoft.com/office/drawing/2014/main" id="{5F63F271-7169-1115-1EF3-CE3BF477816E}"/>
+            </a:ext>
+          </a:extLst>
+        </p:cNvPr>
+        <p:cNvGrpSpPr/>
+        <p:nvPr/>
+      </p:nvGrpSpPr>
+      <p:grpSpPr>
+        <a:xfrm>
+          <a:off x="0" y="0"/>
+          <a:ext cx="0" cy="0"/>
+          <a:chOff x="0" y="0"/>
+          <a:chExt cx="0" cy="0"/>
+        </a:xfrm>
+      </p:grpSpPr>
+      <p:pic>
+        <p:nvPicPr>
+          <p:cNvPr id="8" name="Picture 7">
+            <a:extLst>
+              <a:ext uri="{FF2B5EF4-FFF2-40B4-BE49-F238E27FC236}">
+                <a16:creationId xmlns:a16="http://schemas.microsoft.com/office/drawing/2014/main" id="{3CAF5A3E-4D83-AA66-4ECA-C15C7E6F9F79}"/>
+              </a:ext>
+            </a:extLst>
+          </p:cNvPr>
+          <p:cNvPicPr>
+            <a:picLocks noChangeAspect="1"/>
+          </p:cNvPicPr>
+          <p:nvPr/>
+        </p:nvPicPr>
+        <p:blipFill>
+          <a:blip r:embed="rId3"/>
+          <a:stretch>
+            <a:fillRect/>
+          </a:stretch>
+        </p:blipFill>
+        <p:spPr>
+          <a:xfrm>
+            <a:off x="-1581" y="1300899"/>
+            <a:ext cx="3331546" cy="5557100"/>
+          </a:xfrm>
+          <a:prstGeom prst="rect">
+            <a:avLst/>
+          </a:prstGeom>
+        </p:spPr>
+      </p:pic>
+      <p:sp>
+        <p:nvSpPr>
+          <p:cNvPr id="6" name="Title 5">
+            <a:extLst>
+              <a:ext uri="{FF2B5EF4-FFF2-40B4-BE49-F238E27FC236}">
+                <a16:creationId xmlns:a16="http://schemas.microsoft.com/office/drawing/2014/main" id="{B9AD7D28-49C2-0B8B-79CB-FA2C8F40B6BC}"/>
+              </a:ext>
+            </a:extLst>
+          </p:cNvPr>
+          <p:cNvSpPr>
+            <a:spLocks noGrp="1"/>
+          </p:cNvSpPr>
+          <p:nvPr>
+            <p:ph type="title"/>
+          </p:nvPr>
+        </p:nvSpPr>
+        <p:spPr/>
+        <p:txBody>
+          <a:bodyPr/>
+          <a:lstStyle/>
+          <a:p>
+            <a:r>
+              <a:rPr lang="en-US" dirty="0"/>
+              <a:t>P452 (T1DAL): faceting MT variant analysis by timepoint</a:t>
+            </a:r>
+          </a:p>
+        </p:txBody>
+      </p:sp>
+      <p:sp>
+        <p:nvSpPr>
+          <p:cNvPr id="7" name="TextBox 6">
+            <a:extLst>
+              <a:ext uri="{FF2B5EF4-FFF2-40B4-BE49-F238E27FC236}">
+                <a16:creationId xmlns:a16="http://schemas.microsoft.com/office/drawing/2014/main" id="{707DDD4F-FEE9-2F37-D73B-8E4F915BB589}"/>
+              </a:ext>
+            </a:extLst>
+          </p:cNvPr>
+          <p:cNvSpPr txBox="1"/>
+          <p:nvPr/>
+        </p:nvSpPr>
+        <p:spPr>
+          <a:xfrm>
+            <a:off x="2831828" y="6308209"/>
+            <a:ext cx="1609544" cy="369332"/>
+          </a:xfrm>
+          <a:prstGeom prst="rect">
+            <a:avLst/>
+          </a:prstGeom>
+          <a:noFill/>
+        </p:spPr>
+        <p:txBody>
+          <a:bodyPr wrap="square" rtlCol="0">
+            <a:spAutoFit/>
+          </a:bodyPr>
+          <a:lstStyle/>
+          <a:p>
+            <a:r>
+              <a:rPr lang="en-US" dirty="0"/>
+              <a:t>n = 4 (donors)</a:t>
+            </a:r>
+          </a:p>
+        </p:txBody>
+      </p:sp>
+      <p:sp>
+        <p:nvSpPr>
+          <p:cNvPr id="13" name="TextBox 12">
+            <a:extLst>
+              <a:ext uri="{FF2B5EF4-FFF2-40B4-BE49-F238E27FC236}">
+                <a16:creationId xmlns:a16="http://schemas.microsoft.com/office/drawing/2014/main" id="{20715B3E-708F-0E30-3EFC-C97CE4955250}"/>
+              </a:ext>
+            </a:extLst>
+          </p:cNvPr>
+          <p:cNvSpPr txBox="1"/>
+          <p:nvPr/>
+        </p:nvSpPr>
+        <p:spPr>
+          <a:xfrm>
+            <a:off x="7694779" y="4826675"/>
+            <a:ext cx="4637988" cy="2031325"/>
+          </a:xfrm>
+          <a:prstGeom prst="rect">
+            <a:avLst/>
+          </a:prstGeom>
+          <a:noFill/>
+        </p:spPr>
+        <p:txBody>
+          <a:bodyPr wrap="square" rtlCol="0">
+            <a:spAutoFit/>
+          </a:bodyPr>
+          <a:lstStyle/>
+          <a:p>
+            <a:r>
+              <a:rPr lang="en-US" dirty="0"/>
+              <a:t>Takeaways:</a:t>
+            </a:r>
+          </a:p>
+          <a:p>
+            <a:r>
+              <a:rPr lang="en-US" dirty="0"/>
+              <a:t> - no significant differences in variant counts by timepoint within each sort</a:t>
+            </a:r>
+          </a:p>
+          <a:p>
+            <a:r>
+              <a:rPr lang="en-US" dirty="0"/>
+              <a:t> - substantial variant loss/gain over time (more sharing in CD57s ~30% vs. ~20% for others)</a:t>
+            </a:r>
+          </a:p>
+          <a:p>
+            <a:r>
+              <a:rPr lang="en-US" dirty="0"/>
+              <a:t> - not very different filtering for high </a:t>
+            </a:r>
+            <a:r>
+              <a:rPr lang="en-US" dirty="0" err="1"/>
+              <a:t>freq</a:t>
+            </a:r>
+            <a:r>
+              <a:rPr lang="en-US" dirty="0"/>
+              <a:t> vars (most here are high </a:t>
+            </a:r>
+            <a:r>
+              <a:rPr lang="en-US" dirty="0" err="1"/>
+              <a:t>freq</a:t>
+            </a:r>
+            <a:r>
+              <a:rPr lang="en-US" dirty="0"/>
+              <a:t>)</a:t>
+            </a:r>
+          </a:p>
+        </p:txBody>
+      </p:sp>
+      <p:pic>
+        <p:nvPicPr>
+          <p:cNvPr id="5" name="Picture 4">
+            <a:extLst>
+              <a:ext uri="{FF2B5EF4-FFF2-40B4-BE49-F238E27FC236}">
+                <a16:creationId xmlns:a16="http://schemas.microsoft.com/office/drawing/2014/main" id="{67BBACDF-3C74-72D2-7D8B-B2C05E2D5C3A}"/>
+              </a:ext>
+            </a:extLst>
+          </p:cNvPr>
+          <p:cNvPicPr>
+            <a:picLocks noChangeAspect="1"/>
+          </p:cNvPicPr>
+          <p:nvPr/>
+        </p:nvPicPr>
+        <p:blipFill>
+          <a:blip r:embed="rId4"/>
+          <a:stretch>
+            <a:fillRect/>
+          </a:stretch>
+        </p:blipFill>
+        <p:spPr>
+          <a:xfrm>
+            <a:off x="4169746" y="1653752"/>
+            <a:ext cx="3550920" cy="2281633"/>
+          </a:xfrm>
+          <a:prstGeom prst="rect">
+            <a:avLst/>
+          </a:prstGeom>
+        </p:spPr>
+      </p:pic>
+      <p:pic>
+        <p:nvPicPr>
+          <p:cNvPr id="9" name="Picture 8">
+            <a:extLst>
+              <a:ext uri="{FF2B5EF4-FFF2-40B4-BE49-F238E27FC236}">
+                <a16:creationId xmlns:a16="http://schemas.microsoft.com/office/drawing/2014/main" id="{C0AF5C14-8A13-C4F7-B465-F213C864F2FF}"/>
+              </a:ext>
+            </a:extLst>
+          </p:cNvPr>
+          <p:cNvPicPr>
+            <a:picLocks noChangeAspect="1"/>
+          </p:cNvPicPr>
+          <p:nvPr/>
+        </p:nvPicPr>
+        <p:blipFill>
+          <a:blip r:embed="rId5"/>
+          <a:stretch>
+            <a:fillRect/>
+          </a:stretch>
+        </p:blipFill>
+        <p:spPr>
+          <a:xfrm>
+            <a:off x="8142307" y="1653752"/>
+            <a:ext cx="3550920" cy="2453263"/>
+          </a:xfrm>
+          <a:prstGeom prst="rect">
+            <a:avLst/>
+          </a:prstGeom>
+        </p:spPr>
+      </p:pic>
+      <p:pic>
+        <p:nvPicPr>
+          <p:cNvPr id="10" name="Picture 9">
+            <a:extLst>
+              <a:ext uri="{FF2B5EF4-FFF2-40B4-BE49-F238E27FC236}">
+                <a16:creationId xmlns:a16="http://schemas.microsoft.com/office/drawing/2014/main" id="{0017A5F9-AE1B-6394-E977-5C52C34F5FE5}"/>
+              </a:ext>
+            </a:extLst>
+          </p:cNvPr>
+          <p:cNvPicPr>
+            <a:picLocks noChangeAspect="1"/>
+          </p:cNvPicPr>
+          <p:nvPr/>
+        </p:nvPicPr>
+        <p:blipFill>
+          <a:blip r:embed="rId6"/>
+          <a:stretch>
+            <a:fillRect/>
+          </a:stretch>
+        </p:blipFill>
+        <p:spPr>
+          <a:xfrm>
+            <a:off x="4220546" y="4228982"/>
+            <a:ext cx="3525033" cy="2448559"/>
+          </a:xfrm>
+          <a:prstGeom prst="rect">
+            <a:avLst/>
+          </a:prstGeom>
+        </p:spPr>
+      </p:pic>
+    </p:spTree>
+    <p:extLst>
+      <p:ext uri="{BB962C8B-B14F-4D97-AF65-F5344CB8AC3E}">
+        <p14:creationId xmlns:p14="http://schemas.microsoft.com/office/powerpoint/2010/main" val="738971182"/>
+      </p:ext>
+    </p:extLst>
+  </p:cSld>
+  <p:clrMapOvr>
+    <a:masterClrMapping/>
+  </p:clrMapOvr>
+</p:sld>
+</file>
+
 <file path=ppt/slides/slide2.xml><?xml version="1.0" encoding="utf-8"?>
 <p:sld xmlns:a="http://schemas.openxmlformats.org/drawingml/2006/main" xmlns:r="http://schemas.openxmlformats.org/officeDocument/2006/relationships" xmlns:p="http://schemas.openxmlformats.org/presentationml/2006/main">
   <p:cSld>
@@ -5226,7 +6239,14 @@
               <a:buFont typeface="+mj-lt"/>
               <a:buAutoNum type="arabicPeriod"/>
             </a:pPr>
-            <a:endParaRPr lang="en-US" dirty="0"/>
+            <a:r>
+              <a:rPr lang="en-US" dirty="0" err="1"/>
+              <a:t>AbATE</a:t>
+            </a:r>
+            <a:r>
+              <a:rPr lang="en-US" dirty="0"/>
+              <a:t> DN outlier analyses</a:t>
+            </a:r>
           </a:p>
         </p:txBody>
       </p:sp>
@@ -5266,12 +6286,67 @@
           <a:chExt cx="0" cy="0"/>
         </a:xfrm>
       </p:grpSpPr>
+      <p:sp>
+        <p:nvSpPr>
+          <p:cNvPr id="6" name="Title 5">
+            <a:extLst>
+              <a:ext uri="{FF2B5EF4-FFF2-40B4-BE49-F238E27FC236}">
+                <a16:creationId xmlns:a16="http://schemas.microsoft.com/office/drawing/2014/main" id="{B9AD7D28-49C2-0B8B-79CB-FA2C8F40B6BC}"/>
+              </a:ext>
+            </a:extLst>
+          </p:cNvPr>
+          <p:cNvSpPr>
+            <a:spLocks noGrp="1"/>
+          </p:cNvSpPr>
+          <p:nvPr>
+            <p:ph type="title"/>
+          </p:nvPr>
+        </p:nvSpPr>
+        <p:spPr>
+          <a:xfrm>
+            <a:off x="838200" y="365125"/>
+            <a:ext cx="10279455" cy="1825625"/>
+          </a:xfrm>
+        </p:spPr>
+        <p:txBody>
+          <a:bodyPr>
+            <a:normAutofit/>
+          </a:bodyPr>
+          <a:lstStyle/>
+          <a:p>
+            <a:r>
+              <a:rPr lang="en-US" dirty="0"/>
+              <a:t>Outlier DN (</a:t>
+            </a:r>
+            <a:r>
+              <a:rPr lang="en-US" dirty="0" err="1"/>
+              <a:t>donorId</a:t>
+            </a:r>
+            <a:r>
+              <a:rPr lang="en-US" dirty="0"/>
+              <a:t> </a:t>
+            </a:r>
+            <a:r>
+              <a:rPr lang="en-US" dirty="0">
+                <a:solidFill>
+                  <a:srgbClr val="FFC0CB"/>
+                </a:solidFill>
+              </a:rPr>
+              <a:t>002011</a:t>
+            </a:r>
+            <a:r>
+              <a:rPr lang="en-US" dirty="0"/>
+              <a:t>): 4/5 donor sorts cluster ~closer than other donors’ sorts</a:t>
+            </a:r>
+          </a:p>
+        </p:txBody>
+      </p:sp>
       <p:pic>
         <p:nvPicPr>
-          <p:cNvPr id="8" name="Picture 7">
-            <a:extLst>
-              <a:ext uri="{FF2B5EF4-FFF2-40B4-BE49-F238E27FC236}">
-                <a16:creationId xmlns:a16="http://schemas.microsoft.com/office/drawing/2014/main" id="{3CAF5A3E-4D83-AA66-4ECA-C15C7E6F9F79}"/>
+          <p:cNvPr id="13" name="Picture 12">
+            <a:extLst>
+              <a:ext uri="{FF2B5EF4-FFF2-40B4-BE49-F238E27FC236}">
+                <a16:creationId xmlns:a16="http://schemas.microsoft.com/office/drawing/2014/main" id="{C3FE35DA-6147-ADC2-995F-91356D0CEF7F}"/>
               </a:ext>
             </a:extLst>
           </p:cNvPr>
@@ -5288,152 +6363,20 @@
         </p:blipFill>
         <p:spPr>
           <a:xfrm>
-            <a:off x="-1581" y="1300899"/>
-            <a:ext cx="3331546" cy="5557100"/>
+            <a:off x="5850467" y="2163888"/>
+            <a:ext cx="6096000" cy="3799989"/>
           </a:xfrm>
           <a:prstGeom prst="rect">
             <a:avLst/>
           </a:prstGeom>
         </p:spPr>
       </p:pic>
-      <p:sp>
-        <p:nvSpPr>
-          <p:cNvPr id="6" name="Title 5">
-            <a:extLst>
-              <a:ext uri="{FF2B5EF4-FFF2-40B4-BE49-F238E27FC236}">
-                <a16:creationId xmlns:a16="http://schemas.microsoft.com/office/drawing/2014/main" id="{B9AD7D28-49C2-0B8B-79CB-FA2C8F40B6BC}"/>
-              </a:ext>
-            </a:extLst>
-          </p:cNvPr>
-          <p:cNvSpPr>
-            <a:spLocks noGrp="1"/>
-          </p:cNvSpPr>
-          <p:nvPr>
-            <p:ph type="title"/>
-          </p:nvPr>
-        </p:nvSpPr>
-        <p:spPr/>
-        <p:txBody>
-          <a:bodyPr/>
-          <a:lstStyle/>
-          <a:p>
-            <a:r>
-              <a:rPr lang="en-US" dirty="0"/>
-              <a:t>P452 (T1DAL): faceting MT variant analysis by timepoint</a:t>
-            </a:r>
-          </a:p>
-        </p:txBody>
-      </p:sp>
-      <p:sp>
-        <p:nvSpPr>
-          <p:cNvPr id="7" name="TextBox 6">
-            <a:extLst>
-              <a:ext uri="{FF2B5EF4-FFF2-40B4-BE49-F238E27FC236}">
-                <a16:creationId xmlns:a16="http://schemas.microsoft.com/office/drawing/2014/main" id="{707DDD4F-FEE9-2F37-D73B-8E4F915BB589}"/>
-              </a:ext>
-            </a:extLst>
-          </p:cNvPr>
-          <p:cNvSpPr txBox="1"/>
-          <p:nvPr/>
-        </p:nvSpPr>
-        <p:spPr>
-          <a:xfrm>
-            <a:off x="2831828" y="6308209"/>
-            <a:ext cx="1609544" cy="369332"/>
-          </a:xfrm>
-          <a:prstGeom prst="rect">
-            <a:avLst/>
-          </a:prstGeom>
-          <a:noFill/>
-        </p:spPr>
-        <p:txBody>
-          <a:bodyPr wrap="square" rtlCol="0">
-            <a:spAutoFit/>
-          </a:bodyPr>
-          <a:lstStyle/>
-          <a:p>
-            <a:r>
-              <a:rPr lang="en-US" dirty="0"/>
-              <a:t>n = 4 (donors)</a:t>
-            </a:r>
-          </a:p>
-        </p:txBody>
-      </p:sp>
-      <p:sp>
-        <p:nvSpPr>
-          <p:cNvPr id="13" name="TextBox 12">
-            <a:extLst>
-              <a:ext uri="{FF2B5EF4-FFF2-40B4-BE49-F238E27FC236}">
-                <a16:creationId xmlns:a16="http://schemas.microsoft.com/office/drawing/2014/main" id="{20715B3E-708F-0E30-3EFC-C97CE4955250}"/>
-              </a:ext>
-            </a:extLst>
-          </p:cNvPr>
-          <p:cNvSpPr txBox="1"/>
-          <p:nvPr/>
-        </p:nvSpPr>
-        <p:spPr>
-          <a:xfrm>
-            <a:off x="7694779" y="4826675"/>
-            <a:ext cx="4637988" cy="2031325"/>
-          </a:xfrm>
-          <a:prstGeom prst="rect">
-            <a:avLst/>
-          </a:prstGeom>
-          <a:noFill/>
-        </p:spPr>
-        <p:txBody>
-          <a:bodyPr wrap="square" rtlCol="0">
-            <a:spAutoFit/>
-          </a:bodyPr>
-          <a:lstStyle/>
-          <a:p>
-            <a:r>
-              <a:rPr lang="en-US" dirty="0"/>
-              <a:t>Takeaways:</a:t>
-            </a:r>
-          </a:p>
-          <a:p>
-            <a:r>
-              <a:rPr lang="en-US" dirty="0"/>
-              <a:t> - no significant differences in variant counts by timepoint within each sort</a:t>
-            </a:r>
-          </a:p>
-          <a:p>
-            <a:r>
-              <a:rPr lang="en-US" dirty="0"/>
-              <a:t> - substantial variant loss/gain over time (more sharing in CD57s ~30% vs. ~20% for others)</a:t>
-            </a:r>
-          </a:p>
-          <a:p>
-            <a:r>
-              <a:rPr lang="en-US" dirty="0"/>
-              <a:t> - not very different filtering for high </a:t>
-            </a:r>
-            <a:r>
-              <a:rPr lang="en-US" dirty="0" err="1"/>
-              <a:t>freq</a:t>
-            </a:r>
-            <a:r>
-              <a:rPr lang="en-US" dirty="0"/>
-              <a:t> vars (most here are high </a:t>
-            </a:r>
-            <a:r>
-              <a:rPr lang="en-US" dirty="0" err="1"/>
-              <a:t>freq</a:t>
-            </a:r>
-            <a:r>
-              <a:rPr lang="en-US" dirty="0"/>
-              <a:t>)</a:t>
-            </a:r>
-          </a:p>
-        </p:txBody>
-      </p:sp>
       <p:pic>
         <p:nvPicPr>
-          <p:cNvPr id="5" name="Picture 4">
-            <a:extLst>
-              <a:ext uri="{FF2B5EF4-FFF2-40B4-BE49-F238E27FC236}">
-                <a16:creationId xmlns:a16="http://schemas.microsoft.com/office/drawing/2014/main" id="{67BBACDF-3C74-72D2-7D8B-B2C05E2D5C3A}"/>
+          <p:cNvPr id="16" name="Picture 15">
+            <a:extLst>
+              <a:ext uri="{FF2B5EF4-FFF2-40B4-BE49-F238E27FC236}">
+                <a16:creationId xmlns:a16="http://schemas.microsoft.com/office/drawing/2014/main" id="{6732F781-B019-1686-C305-0A98DEF92E5F}"/>
               </a:ext>
             </a:extLst>
           </p:cNvPr>
@@ -5450,68 +6393,8 @@
         </p:blipFill>
         <p:spPr>
           <a:xfrm>
-            <a:off x="4169746" y="1653752"/>
-            <a:ext cx="3550920" cy="2281633"/>
-          </a:xfrm>
-          <a:prstGeom prst="rect">
-            <a:avLst/>
-          </a:prstGeom>
-        </p:spPr>
-      </p:pic>
-      <p:pic>
-        <p:nvPicPr>
-          <p:cNvPr id="9" name="Picture 8">
-            <a:extLst>
-              <a:ext uri="{FF2B5EF4-FFF2-40B4-BE49-F238E27FC236}">
-                <a16:creationId xmlns:a16="http://schemas.microsoft.com/office/drawing/2014/main" id="{C0AF5C14-8A13-C4F7-B465-F213C864F2FF}"/>
-              </a:ext>
-            </a:extLst>
-          </p:cNvPr>
-          <p:cNvPicPr>
-            <a:picLocks noChangeAspect="1"/>
-          </p:cNvPicPr>
-          <p:nvPr/>
-        </p:nvPicPr>
-        <p:blipFill>
-          <a:blip r:embed="rId5"/>
-          <a:stretch>
-            <a:fillRect/>
-          </a:stretch>
-        </p:blipFill>
-        <p:spPr>
-          <a:xfrm>
-            <a:off x="8142307" y="1653752"/>
-            <a:ext cx="3550920" cy="2453263"/>
-          </a:xfrm>
-          <a:prstGeom prst="rect">
-            <a:avLst/>
-          </a:prstGeom>
-        </p:spPr>
-      </p:pic>
-      <p:pic>
-        <p:nvPicPr>
-          <p:cNvPr id="10" name="Picture 9">
-            <a:extLst>
-              <a:ext uri="{FF2B5EF4-FFF2-40B4-BE49-F238E27FC236}">
-                <a16:creationId xmlns:a16="http://schemas.microsoft.com/office/drawing/2014/main" id="{0017A5F9-AE1B-6394-E977-5C52C34F5FE5}"/>
-              </a:ext>
-            </a:extLst>
-          </p:cNvPr>
-          <p:cNvPicPr>
-            <a:picLocks noChangeAspect="1"/>
-          </p:cNvPicPr>
-          <p:nvPr/>
-        </p:nvPicPr>
-        <p:blipFill>
-          <a:blip r:embed="rId6"/>
-          <a:stretch>
-            <a:fillRect/>
-          </a:stretch>
-        </p:blipFill>
-        <p:spPr>
-          <a:xfrm>
-            <a:off x="4220546" y="4228982"/>
-            <a:ext cx="3525033" cy="2448559"/>
+            <a:off x="0" y="2190750"/>
+            <a:ext cx="5850467" cy="3773127"/>
           </a:xfrm>
           <a:prstGeom prst="rect">
             <a:avLst/>
@@ -5521,7 +6404,7 @@
     </p:spTree>
     <p:extLst>
       <p:ext uri="{BB962C8B-B14F-4D97-AF65-F5344CB8AC3E}">
-        <p14:creationId xmlns:p14="http://schemas.microsoft.com/office/powerpoint/2010/main" val="2478623003"/>
+        <p14:creationId xmlns:p14="http://schemas.microsoft.com/office/powerpoint/2010/main" val="3773983348"/>
       </p:ext>
     </p:extLst>
   </p:cSld>
@@ -5570,40 +6453,117 @@
             <p:ph type="title"/>
           </p:nvPr>
         </p:nvSpPr>
-        <p:spPr/>
-        <p:txBody>
-          <a:bodyPr/>
+        <p:spPr>
+          <a:xfrm>
+            <a:off x="838200" y="365125"/>
+            <a:ext cx="10279455" cy="1825625"/>
+          </a:xfrm>
+        </p:spPr>
+        <p:txBody>
+          <a:bodyPr>
+            <a:normAutofit/>
+          </a:bodyPr>
           <a:lstStyle/>
           <a:p>
             <a:r>
               <a:rPr lang="en-US" dirty="0"/>
-              <a:t>P576 (</a:t>
+              <a:t>Regressing out </a:t>
             </a:r>
             <a:r>
               <a:rPr lang="en-US" dirty="0" err="1"/>
-              <a:t>AbATE</a:t>
+              <a:t>donorId</a:t>
             </a:r>
             <a:r>
               <a:rPr lang="en-US" dirty="0"/>
-              <a:t>): don’t observe </a:t>
+              <a:t> and responder status (had done in </a:t>
             </a:r>
             <a:r>
               <a:rPr lang="en-US" dirty="0" err="1"/>
-              <a:t>pseudotime</a:t>
+              <a:t>DiffBind</a:t>
             </a:r>
             <a:r>
               <a:rPr lang="en-US" dirty="0"/>
-              <a:t> associating with cell sort</a:t>
+              <a:t> but hadn’t done in Seurat)</a:t>
+            </a:r>
+          </a:p>
+        </p:txBody>
+      </p:sp>
+      <p:sp>
+        <p:nvSpPr>
+          <p:cNvPr id="2" name="TextBox 1">
+            <a:extLst>
+              <a:ext uri="{FF2B5EF4-FFF2-40B4-BE49-F238E27FC236}">
+                <a16:creationId xmlns:a16="http://schemas.microsoft.com/office/drawing/2014/main" id="{8776CCF0-4CD6-BE54-CECF-5ECBF2A4872E}"/>
+              </a:ext>
+            </a:extLst>
+          </p:cNvPr>
+          <p:cNvSpPr txBox="1"/>
+          <p:nvPr/>
+        </p:nvSpPr>
+        <p:spPr>
+          <a:xfrm>
+            <a:off x="1508936" y="6487910"/>
+            <a:ext cx="1869807" cy="369332"/>
+          </a:xfrm>
+          <a:prstGeom prst="rect">
+            <a:avLst/>
+          </a:prstGeom>
+          <a:noFill/>
+        </p:spPr>
+        <p:txBody>
+          <a:bodyPr wrap="none" rtlCol="0">
+            <a:spAutoFit/>
+          </a:bodyPr>
+          <a:lstStyle/>
+          <a:p>
+            <a:r>
+              <a:rPr lang="en-US" dirty="0"/>
+              <a:t>Not regressed out</a:t>
+            </a:r>
+          </a:p>
+        </p:txBody>
+      </p:sp>
+      <p:sp>
+        <p:nvSpPr>
+          <p:cNvPr id="3" name="TextBox 2">
+            <a:extLst>
+              <a:ext uri="{FF2B5EF4-FFF2-40B4-BE49-F238E27FC236}">
+                <a16:creationId xmlns:a16="http://schemas.microsoft.com/office/drawing/2014/main" id="{B15A9E20-9D2B-482A-E362-88A720EC2133}"/>
+              </a:ext>
+            </a:extLst>
+          </p:cNvPr>
+          <p:cNvSpPr txBox="1"/>
+          <p:nvPr/>
+        </p:nvSpPr>
+        <p:spPr>
+          <a:xfrm>
+            <a:off x="7581096" y="6482266"/>
+            <a:ext cx="1512915" cy="369332"/>
+          </a:xfrm>
+          <a:prstGeom prst="rect">
+            <a:avLst/>
+          </a:prstGeom>
+          <a:noFill/>
+        </p:spPr>
+        <p:txBody>
+          <a:bodyPr wrap="none" rtlCol="0">
+            <a:spAutoFit/>
+          </a:bodyPr>
+          <a:lstStyle/>
+          <a:p>
+            <a:r>
+              <a:rPr lang="en-US" dirty="0"/>
+              <a:t>Regressed out</a:t>
             </a:r>
           </a:p>
         </p:txBody>
       </p:sp>
       <p:pic>
         <p:nvPicPr>
-          <p:cNvPr id="3" name="Picture 2">
-            <a:extLst>
-              <a:ext uri="{FF2B5EF4-FFF2-40B4-BE49-F238E27FC236}">
-                <a16:creationId xmlns:a16="http://schemas.microsoft.com/office/drawing/2014/main" id="{2C88E40D-2471-9509-3EB6-1A6FDAA65C94}"/>
+          <p:cNvPr id="4" name="Picture 3">
+            <a:extLst>
+              <a:ext uri="{FF2B5EF4-FFF2-40B4-BE49-F238E27FC236}">
+                <a16:creationId xmlns:a16="http://schemas.microsoft.com/office/drawing/2014/main" id="{4A0552D2-90F8-704C-5E2C-4D9A3CF3FAC1}"/>
               </a:ext>
             </a:extLst>
           </p:cNvPr>
@@ -5620,8 +6580,98 @@
         </p:blipFill>
         <p:spPr>
           <a:xfrm>
-            <a:off x="1498600" y="1507009"/>
-            <a:ext cx="8732520" cy="5350991"/>
+            <a:off x="744139" y="1725319"/>
+            <a:ext cx="3960829" cy="2469827"/>
+          </a:xfrm>
+          <a:prstGeom prst="rect">
+            <a:avLst/>
+          </a:prstGeom>
+        </p:spPr>
+      </p:pic>
+      <p:pic>
+        <p:nvPicPr>
+          <p:cNvPr id="5" name="Picture 4">
+            <a:extLst>
+              <a:ext uri="{FF2B5EF4-FFF2-40B4-BE49-F238E27FC236}">
+                <a16:creationId xmlns:a16="http://schemas.microsoft.com/office/drawing/2014/main" id="{E6FB21FD-A985-1A04-40BE-D169BE6D0607}"/>
+              </a:ext>
+            </a:extLst>
+          </p:cNvPr>
+          <p:cNvPicPr>
+            <a:picLocks noChangeAspect="1"/>
+          </p:cNvPicPr>
+          <p:nvPr/>
+        </p:nvPicPr>
+        <p:blipFill>
+          <a:blip r:embed="rId4"/>
+          <a:stretch>
+            <a:fillRect/>
+          </a:stretch>
+        </p:blipFill>
+        <p:spPr>
+          <a:xfrm>
+            <a:off x="838200" y="4134860"/>
+            <a:ext cx="3772706" cy="2353050"/>
+          </a:xfrm>
+          <a:prstGeom prst="rect">
+            <a:avLst/>
+          </a:prstGeom>
+        </p:spPr>
+      </p:pic>
+      <p:pic>
+        <p:nvPicPr>
+          <p:cNvPr id="7" name="Picture 6">
+            <a:extLst>
+              <a:ext uri="{FF2B5EF4-FFF2-40B4-BE49-F238E27FC236}">
+                <a16:creationId xmlns:a16="http://schemas.microsoft.com/office/drawing/2014/main" id="{6DC0944F-8A4F-0F68-1AAC-3060EF8F9DF3}"/>
+              </a:ext>
+            </a:extLst>
+          </p:cNvPr>
+          <p:cNvPicPr>
+            <a:picLocks noChangeAspect="1"/>
+          </p:cNvPicPr>
+          <p:nvPr/>
+        </p:nvPicPr>
+        <p:blipFill>
+          <a:blip r:embed="rId5"/>
+          <a:stretch>
+            <a:fillRect/>
+          </a:stretch>
+        </p:blipFill>
+        <p:spPr>
+          <a:xfrm>
+            <a:off x="6096000" y="1767651"/>
+            <a:ext cx="4022959" cy="2469828"/>
+          </a:xfrm>
+          <a:prstGeom prst="rect">
+            <a:avLst/>
+          </a:prstGeom>
+        </p:spPr>
+      </p:pic>
+      <p:pic>
+        <p:nvPicPr>
+          <p:cNvPr id="8" name="Picture 7">
+            <a:extLst>
+              <a:ext uri="{FF2B5EF4-FFF2-40B4-BE49-F238E27FC236}">
+                <a16:creationId xmlns:a16="http://schemas.microsoft.com/office/drawing/2014/main" id="{5F7AD56A-40AD-130F-DE7E-EC21F1320796}"/>
+              </a:ext>
+            </a:extLst>
+          </p:cNvPr>
+          <p:cNvPicPr>
+            <a:picLocks noChangeAspect="1"/>
+          </p:cNvPicPr>
+          <p:nvPr/>
+        </p:nvPicPr>
+        <p:blipFill>
+          <a:blip r:embed="rId6"/>
+          <a:stretch>
+            <a:fillRect/>
+          </a:stretch>
+        </p:blipFill>
+        <p:spPr>
+          <a:xfrm>
+            <a:off x="6276238" y="4018082"/>
+            <a:ext cx="4051695" cy="2469828"/>
           </a:xfrm>
           <a:prstGeom prst="rect">
             <a:avLst/>
@@ -5631,7 +6681,7 @@
     </p:spTree>
     <p:extLst>
       <p:ext uri="{BB962C8B-B14F-4D97-AF65-F5344CB8AC3E}">
-        <p14:creationId xmlns:p14="http://schemas.microsoft.com/office/powerpoint/2010/main" val="1249952467"/>
+        <p14:creationId xmlns:p14="http://schemas.microsoft.com/office/powerpoint/2010/main" val="860156919"/>
       </p:ext>
     </p:extLst>
   </p:cSld>
@@ -5694,377 +6744,153 @@
           <a:p>
             <a:r>
               <a:rPr lang="en-US" dirty="0"/>
-              <a:t>Conclusions</a:t>
-            </a:r>
-          </a:p>
-        </p:txBody>
-      </p:sp>
-      <p:sp>
-        <p:nvSpPr>
-          <p:cNvPr id="2" name="Content Placeholder 2">
-            <a:extLst>
-              <a:ext uri="{FF2B5EF4-FFF2-40B4-BE49-F238E27FC236}">
-                <a16:creationId xmlns:a16="http://schemas.microsoft.com/office/drawing/2014/main" id="{090FDFCF-AEFD-6D7B-6B89-12A07B49703B}"/>
-              </a:ext>
-            </a:extLst>
-          </p:cNvPr>
-          <p:cNvSpPr>
-            <a:spLocks noGrp="1"/>
-          </p:cNvSpPr>
-          <p:nvPr>
-            <p:ph idx="1"/>
-          </p:nvPr>
+              <a:t>Outlier DN still outlier when looking at top 2000 variably accessible regions in high dimensional space, even after regressing out </a:t>
+            </a:r>
+            <a:r>
+              <a:rPr lang="en-US" dirty="0" err="1"/>
+              <a:t>donorId</a:t>
+            </a:r>
+            <a:r>
+              <a:rPr lang="en-US" dirty="0"/>
+              <a:t> &amp; responder status</a:t>
+            </a:r>
+          </a:p>
+        </p:txBody>
+      </p:sp>
+      <p:sp>
+        <p:nvSpPr>
+          <p:cNvPr id="2" name="TextBox 1">
+            <a:extLst>
+              <a:ext uri="{FF2B5EF4-FFF2-40B4-BE49-F238E27FC236}">
+                <a16:creationId xmlns:a16="http://schemas.microsoft.com/office/drawing/2014/main" id="{8776CCF0-4CD6-BE54-CECF-5ECBF2A4872E}"/>
+              </a:ext>
+            </a:extLst>
+          </p:cNvPr>
+          <p:cNvSpPr txBox="1"/>
+          <p:nvPr/>
         </p:nvSpPr>
         <p:spPr>
           <a:xfrm>
-            <a:off x="838200" y="1919289"/>
-            <a:ext cx="5806440" cy="4499440"/>
+            <a:off x="1508936" y="6487910"/>
+            <a:ext cx="1869807" cy="369332"/>
           </a:xfrm>
+          <a:prstGeom prst="rect">
+            <a:avLst/>
+          </a:prstGeom>
+          <a:noFill/>
         </p:spPr>
         <p:txBody>
-          <a:bodyPr>
-            <a:normAutofit/>
+          <a:bodyPr wrap="none" rtlCol="0">
+            <a:spAutoFit/>
           </a:bodyPr>
           <a:lstStyle/>
           <a:p>
-            <a:pPr marL="514350" indent="-514350">
-              <a:buFont typeface="+mj-lt"/>
-              <a:buAutoNum type="arabicPeriod"/>
-            </a:pPr>
             <a:r>
               <a:rPr lang="en-US" dirty="0"/>
-              <a:t>PCA/UMAP outlier DN actually had most reads of any R DN…</a:t>
-            </a:r>
-          </a:p>
-        </p:txBody>
-      </p:sp>
-      <p:grpSp>
-        <p:nvGrpSpPr>
-          <p:cNvPr id="3" name="Group 2">
-            <a:extLst>
-              <a:ext uri="{FF2B5EF4-FFF2-40B4-BE49-F238E27FC236}">
-                <a16:creationId xmlns:a16="http://schemas.microsoft.com/office/drawing/2014/main" id="{80486C2F-5803-AF9D-B36F-5FAC2C99D231}"/>
-              </a:ext>
-            </a:extLst>
-          </p:cNvPr>
-          <p:cNvGrpSpPr/>
+              <a:t>Not regressed out</a:t>
+            </a:r>
+          </a:p>
+        </p:txBody>
+      </p:sp>
+      <p:sp>
+        <p:nvSpPr>
+          <p:cNvPr id="3" name="TextBox 2">
+            <a:extLst>
+              <a:ext uri="{FF2B5EF4-FFF2-40B4-BE49-F238E27FC236}">
+                <a16:creationId xmlns:a16="http://schemas.microsoft.com/office/drawing/2014/main" id="{B15A9E20-9D2B-482A-E362-88A720EC2133}"/>
+              </a:ext>
+            </a:extLst>
+          </p:cNvPr>
+          <p:cNvSpPr txBox="1"/>
           <p:nvPr/>
-        </p:nvGrpSpPr>
-        <p:grpSpPr>
+        </p:nvSpPr>
+        <p:spPr>
           <a:xfrm>
-            <a:off x="6746488" y="0"/>
-            <a:ext cx="5445512" cy="6858000"/>
-            <a:chOff x="0" y="0"/>
-            <a:chExt cx="5445512" cy="6858000"/>
+            <a:off x="7581096" y="6482266"/>
+            <a:ext cx="1512915" cy="369332"/>
           </a:xfrm>
-        </p:grpSpPr>
-        <p:pic>
-          <p:nvPicPr>
-            <p:cNvPr id="4" name="Picture 3">
-              <a:extLst>
-                <a:ext uri="{FF2B5EF4-FFF2-40B4-BE49-F238E27FC236}">
-                  <a16:creationId xmlns:a16="http://schemas.microsoft.com/office/drawing/2014/main" id="{3AE0BCEB-956C-42F7-2687-7AD4130D68BE}"/>
-                </a:ext>
-              </a:extLst>
-            </p:cNvPr>
-            <p:cNvPicPr>
-              <a:picLocks noChangeAspect="1"/>
-            </p:cNvPicPr>
-            <p:nvPr/>
-          </p:nvPicPr>
-          <p:blipFill>
-            <a:blip r:embed="rId3"/>
-            <a:stretch>
-              <a:fillRect/>
-            </a:stretch>
-          </p:blipFill>
-          <p:spPr>
-            <a:xfrm>
-              <a:off x="0" y="0"/>
-              <a:ext cx="5445512" cy="6858000"/>
-            </a:xfrm>
-            <a:prstGeom prst="rect">
-              <a:avLst/>
-            </a:prstGeom>
-          </p:spPr>
-        </p:pic>
-        <p:sp>
-          <p:nvSpPr>
-            <p:cNvPr id="5" name="TextBox 4">
-              <a:extLst>
-                <a:ext uri="{FF2B5EF4-FFF2-40B4-BE49-F238E27FC236}">
-                  <a16:creationId xmlns:a16="http://schemas.microsoft.com/office/drawing/2014/main" id="{9B6136EE-A522-CF27-6F9C-77EDD267C325}"/>
-                </a:ext>
-              </a:extLst>
-            </p:cNvPr>
-            <p:cNvSpPr txBox="1"/>
-            <p:nvPr/>
-          </p:nvSpPr>
-          <p:spPr>
-            <a:xfrm>
-              <a:off x="1333583" y="29207"/>
-              <a:ext cx="750334" cy="784830"/>
-            </a:xfrm>
-            <a:prstGeom prst="rect">
-              <a:avLst/>
-            </a:prstGeom>
-            <a:noFill/>
-          </p:spPr>
-          <p:txBody>
-            <a:bodyPr wrap="none" rtlCol="0">
-              <a:spAutoFit/>
-            </a:bodyPr>
-            <a:lstStyle/>
-            <a:p>
-              <a:r>
-                <a:rPr lang="en-US" sz="1500" dirty="0"/>
-                <a:t>TIGIT</a:t>
-              </a:r>
-              <a:r>
-                <a:rPr lang="en-US" sz="1500" baseline="30000" dirty="0"/>
-                <a:t>+</a:t>
-              </a:r>
-            </a:p>
-            <a:p>
-              <a:r>
-                <a:rPr lang="en-US" sz="1500" dirty="0"/>
-                <a:t>KLRG1</a:t>
-              </a:r>
-              <a:r>
-                <a:rPr lang="en-US" sz="1500" baseline="30000" dirty="0"/>
-                <a:t>+</a:t>
-              </a:r>
-            </a:p>
-            <a:p>
-              <a:r>
-                <a:rPr lang="en-US" sz="1500" dirty="0"/>
-                <a:t>(DP)</a:t>
-              </a:r>
-            </a:p>
-          </p:txBody>
-        </p:sp>
-        <p:sp>
-          <p:nvSpPr>
-            <p:cNvPr id="7" name="TextBox 6">
-              <a:extLst>
-                <a:ext uri="{FF2B5EF4-FFF2-40B4-BE49-F238E27FC236}">
-                  <a16:creationId xmlns:a16="http://schemas.microsoft.com/office/drawing/2014/main" id="{43012635-6851-8862-3C9E-2CCD91F3C1E9}"/>
-                </a:ext>
-              </a:extLst>
-            </p:cNvPr>
-            <p:cNvSpPr txBox="1"/>
-            <p:nvPr/>
-          </p:nvSpPr>
-          <p:spPr>
-            <a:xfrm>
-              <a:off x="3279022" y="1046202"/>
-              <a:ext cx="763351" cy="553998"/>
-            </a:xfrm>
-            <a:prstGeom prst="rect">
-              <a:avLst/>
-            </a:prstGeom>
-            <a:noFill/>
-          </p:spPr>
-          <p:txBody>
-            <a:bodyPr wrap="none" rtlCol="0">
-              <a:spAutoFit/>
-            </a:bodyPr>
-            <a:lstStyle/>
-            <a:p>
-              <a:r>
-                <a:rPr lang="en-US" sz="1500" dirty="0"/>
-                <a:t>DP</a:t>
-              </a:r>
-            </a:p>
-            <a:p>
-              <a:r>
-                <a:rPr lang="en-US" sz="1500" dirty="0"/>
-                <a:t>CD127</a:t>
-              </a:r>
-              <a:r>
-                <a:rPr lang="en-US" sz="1500" baseline="30000" dirty="0"/>
-                <a:t>+</a:t>
-              </a:r>
-            </a:p>
-          </p:txBody>
-        </p:sp>
-        <p:sp>
-          <p:nvSpPr>
-            <p:cNvPr id="8" name="TextBox 7">
-              <a:extLst>
-                <a:ext uri="{FF2B5EF4-FFF2-40B4-BE49-F238E27FC236}">
-                  <a16:creationId xmlns:a16="http://schemas.microsoft.com/office/drawing/2014/main" id="{DC162431-0CA8-66D4-EEDE-CB159ACBA69D}"/>
-                </a:ext>
-              </a:extLst>
-            </p:cNvPr>
-            <p:cNvSpPr txBox="1"/>
-            <p:nvPr/>
-          </p:nvSpPr>
-          <p:spPr>
-            <a:xfrm>
-              <a:off x="2632730" y="591578"/>
-              <a:ext cx="885179" cy="323165"/>
-            </a:xfrm>
-            <a:prstGeom prst="rect">
-              <a:avLst/>
-            </a:prstGeom>
-            <a:noFill/>
-          </p:spPr>
-          <p:txBody>
-            <a:bodyPr wrap="none" rtlCol="0">
-              <a:spAutoFit/>
-            </a:bodyPr>
-            <a:lstStyle/>
-            <a:p>
-              <a:r>
-                <a:rPr lang="en-US" sz="1500" dirty="0"/>
-                <a:t>DP PD-1</a:t>
-              </a:r>
-              <a:r>
-                <a:rPr lang="en-US" sz="1500" baseline="30000" dirty="0"/>
-                <a:t>+</a:t>
-              </a:r>
-            </a:p>
-          </p:txBody>
-        </p:sp>
-        <p:sp>
-          <p:nvSpPr>
-            <p:cNvPr id="9" name="TextBox 8">
-              <a:extLst>
-                <a:ext uri="{FF2B5EF4-FFF2-40B4-BE49-F238E27FC236}">
-                  <a16:creationId xmlns:a16="http://schemas.microsoft.com/office/drawing/2014/main" id="{128502BE-D508-7983-CDA9-470E45AE1BD0}"/>
-                </a:ext>
-              </a:extLst>
-            </p:cNvPr>
-            <p:cNvSpPr txBox="1"/>
-            <p:nvPr/>
-          </p:nvSpPr>
-          <p:spPr>
-            <a:xfrm>
-              <a:off x="3947160" y="591578"/>
-              <a:ext cx="926857" cy="323165"/>
-            </a:xfrm>
-            <a:prstGeom prst="rect">
-              <a:avLst/>
-            </a:prstGeom>
-            <a:noFill/>
-          </p:spPr>
-          <p:txBody>
-            <a:bodyPr wrap="none" rtlCol="0">
-              <a:spAutoFit/>
-            </a:bodyPr>
-            <a:lstStyle/>
-            <a:p>
-              <a:r>
-                <a:rPr lang="en-US" sz="1500" dirty="0"/>
-                <a:t>DP CD57</a:t>
-              </a:r>
-              <a:r>
-                <a:rPr lang="en-US" sz="1500" baseline="30000" dirty="0"/>
-                <a:t>+</a:t>
-              </a:r>
-            </a:p>
-          </p:txBody>
-        </p:sp>
-        <p:sp>
-          <p:nvSpPr>
-            <p:cNvPr id="10" name="TextBox 9">
-              <a:extLst>
-                <a:ext uri="{FF2B5EF4-FFF2-40B4-BE49-F238E27FC236}">
-                  <a16:creationId xmlns:a16="http://schemas.microsoft.com/office/drawing/2014/main" id="{7AAF3633-5CEF-4963-7B56-8EB9D15AE6C8}"/>
-                </a:ext>
-              </a:extLst>
-            </p:cNvPr>
-            <p:cNvSpPr txBox="1"/>
-            <p:nvPr/>
-          </p:nvSpPr>
-          <p:spPr>
-            <a:xfrm>
-              <a:off x="2083917" y="1739016"/>
-              <a:ext cx="724686" cy="553998"/>
-            </a:xfrm>
-            <a:prstGeom prst="rect">
-              <a:avLst/>
-            </a:prstGeom>
-            <a:noFill/>
-          </p:spPr>
-          <p:txBody>
-            <a:bodyPr wrap="none" rtlCol="0">
-              <a:spAutoFit/>
-            </a:bodyPr>
-            <a:lstStyle/>
-            <a:p>
-              <a:r>
-                <a:rPr lang="en-US" sz="1500" dirty="0"/>
-                <a:t>TIGIT</a:t>
-              </a:r>
-              <a:r>
-                <a:rPr lang="en-US" sz="1500" baseline="30000" dirty="0"/>
-                <a:t>-</a:t>
-              </a:r>
-            </a:p>
-            <a:p>
-              <a:r>
-                <a:rPr lang="en-US" sz="1500" dirty="0"/>
-                <a:t>KLRG1</a:t>
-              </a:r>
-              <a:r>
-                <a:rPr lang="en-US" sz="1500" baseline="30000" dirty="0"/>
-                <a:t>-</a:t>
-              </a:r>
-            </a:p>
-          </p:txBody>
-        </p:sp>
-        <p:sp>
-          <p:nvSpPr>
-            <p:cNvPr id="11" name="TextBox 10">
-              <a:extLst>
-                <a:ext uri="{FF2B5EF4-FFF2-40B4-BE49-F238E27FC236}">
-                  <a16:creationId xmlns:a16="http://schemas.microsoft.com/office/drawing/2014/main" id="{FCDA884C-2814-1AF1-7760-CC92E2577825}"/>
-                </a:ext>
-              </a:extLst>
-            </p:cNvPr>
-            <p:cNvSpPr txBox="1"/>
-            <p:nvPr/>
-          </p:nvSpPr>
-          <p:spPr>
-            <a:xfrm>
-              <a:off x="0" y="1600200"/>
-              <a:ext cx="1371786" cy="553998"/>
-            </a:xfrm>
-            <a:prstGeom prst="rect">
-              <a:avLst/>
-            </a:prstGeom>
-            <a:noFill/>
-          </p:spPr>
-          <p:txBody>
-            <a:bodyPr wrap="none" rtlCol="0">
-              <a:spAutoFit/>
-            </a:bodyPr>
-            <a:lstStyle/>
-            <a:p>
-              <a:r>
-                <a:rPr lang="en-US" sz="1500" dirty="0"/>
-                <a:t>Non-exhausted</a:t>
-              </a:r>
-            </a:p>
-            <a:p>
-              <a:r>
-                <a:rPr lang="en-US" sz="1500" dirty="0"/>
-                <a:t>CD127</a:t>
-              </a:r>
-              <a:r>
-                <a:rPr lang="en-US" sz="1500" baseline="30000" dirty="0"/>
-                <a:t>+</a:t>
-              </a:r>
-            </a:p>
-          </p:txBody>
-        </p:sp>
-      </p:grpSp>
+          <a:prstGeom prst="rect">
+            <a:avLst/>
+          </a:prstGeom>
+          <a:noFill/>
+        </p:spPr>
+        <p:txBody>
+          <a:bodyPr wrap="none" rtlCol="0">
+            <a:spAutoFit/>
+          </a:bodyPr>
+          <a:lstStyle/>
+          <a:p>
+            <a:r>
+              <a:rPr lang="en-US" dirty="0"/>
+              <a:t>Regressed out</a:t>
+            </a:r>
+          </a:p>
+        </p:txBody>
+      </p:sp>
+      <p:pic>
+        <p:nvPicPr>
+          <p:cNvPr id="9" name="Picture 8">
+            <a:extLst>
+              <a:ext uri="{FF2B5EF4-FFF2-40B4-BE49-F238E27FC236}">
+                <a16:creationId xmlns:a16="http://schemas.microsoft.com/office/drawing/2014/main" id="{0446A2EB-CD00-41CF-626C-E13F57B8E042}"/>
+              </a:ext>
+            </a:extLst>
+          </p:cNvPr>
+          <p:cNvPicPr>
+            <a:picLocks noChangeAspect="1"/>
+          </p:cNvPicPr>
+          <p:nvPr/>
+        </p:nvPicPr>
+        <p:blipFill>
+          <a:blip r:embed="rId3"/>
+          <a:stretch>
+            <a:fillRect/>
+          </a:stretch>
+        </p:blipFill>
+        <p:spPr>
+          <a:xfrm>
+            <a:off x="6048680" y="2198241"/>
+            <a:ext cx="5220453" cy="3934965"/>
+          </a:xfrm>
+          <a:prstGeom prst="rect">
+            <a:avLst/>
+          </a:prstGeom>
+        </p:spPr>
+      </p:pic>
+      <p:pic>
+        <p:nvPicPr>
+          <p:cNvPr id="11" name="Picture 10">
+            <a:extLst>
+              <a:ext uri="{FF2B5EF4-FFF2-40B4-BE49-F238E27FC236}">
+                <a16:creationId xmlns:a16="http://schemas.microsoft.com/office/drawing/2014/main" id="{C5C4A1D2-FE37-4D43-8EA1-6FB9DD9E7D12}"/>
+              </a:ext>
+            </a:extLst>
+          </p:cNvPr>
+          <p:cNvPicPr>
+            <a:picLocks noChangeAspect="1"/>
+          </p:cNvPicPr>
+          <p:nvPr/>
+        </p:nvPicPr>
+        <p:blipFill>
+          <a:blip r:embed="rId4"/>
+          <a:stretch>
+            <a:fillRect/>
+          </a:stretch>
+        </p:blipFill>
+        <p:spPr>
+          <a:xfrm>
+            <a:off x="460944" y="2191620"/>
+            <a:ext cx="5220454" cy="3941586"/>
+          </a:xfrm>
+          <a:prstGeom prst="rect">
+            <a:avLst/>
+          </a:prstGeom>
+        </p:spPr>
+      </p:pic>
     </p:spTree>
     <p:extLst>
       <p:ext uri="{BB962C8B-B14F-4D97-AF65-F5344CB8AC3E}">
-        <p14:creationId xmlns:p14="http://schemas.microsoft.com/office/powerpoint/2010/main" val="3773983348"/>
+        <p14:creationId xmlns:p14="http://schemas.microsoft.com/office/powerpoint/2010/main" val="549205245"/>
       </p:ext>
     </p:extLst>
   </p:cSld>
@@ -6116,6 +6942,814 @@
         <p:spPr>
           <a:xfrm>
             <a:off x="838200" y="365125"/>
+            <a:ext cx="6192290" cy="2479675"/>
+          </a:xfrm>
+        </p:spPr>
+        <p:txBody>
+          <a:bodyPr>
+            <a:normAutofit fontScale="90000"/>
+          </a:bodyPr>
+          <a:lstStyle/>
+          <a:p>
+            <a:r>
+              <a:rPr lang="en-US" dirty="0"/>
+              <a:t>Peaks near promoters related to positive regulation of NK/lymphocyte-mediated cytotoxicity/immunity more accessible in DP CD57</a:t>
+            </a:r>
+            <a:r>
+              <a:rPr lang="en-US" baseline="30000" dirty="0"/>
+              <a:t>+</a:t>
+            </a:r>
+            <a:r>
+              <a:rPr lang="en-US" dirty="0"/>
+              <a:t>/DP PD-1</a:t>
+            </a:r>
+            <a:r>
+              <a:rPr lang="en-US" baseline="30000" dirty="0"/>
+              <a:t>+</a:t>
+            </a:r>
+            <a:r>
+              <a:rPr lang="en-US" dirty="0"/>
+              <a:t> clusters</a:t>
+            </a:r>
+          </a:p>
+        </p:txBody>
+      </p:sp>
+      <p:pic>
+        <p:nvPicPr>
+          <p:cNvPr id="7" name="Picture 6">
+            <a:extLst>
+              <a:ext uri="{FF2B5EF4-FFF2-40B4-BE49-F238E27FC236}">
+                <a16:creationId xmlns:a16="http://schemas.microsoft.com/office/drawing/2014/main" id="{78874B6E-BD9A-3242-0DC5-0064549DF1D5}"/>
+              </a:ext>
+            </a:extLst>
+          </p:cNvPr>
+          <p:cNvPicPr>
+            <a:picLocks noChangeAspect="1"/>
+          </p:cNvPicPr>
+          <p:nvPr/>
+        </p:nvPicPr>
+        <p:blipFill>
+          <a:blip r:embed="rId3"/>
+          <a:stretch>
+            <a:fillRect/>
+          </a:stretch>
+        </p:blipFill>
+        <p:spPr>
+          <a:xfrm>
+            <a:off x="6583063" y="-1"/>
+            <a:ext cx="5141513" cy="6858000"/>
+          </a:xfrm>
+          <a:prstGeom prst="rect">
+            <a:avLst/>
+          </a:prstGeom>
+        </p:spPr>
+      </p:pic>
+      <p:sp>
+        <p:nvSpPr>
+          <p:cNvPr id="8" name="Content Placeholder 2">
+            <a:extLst>
+              <a:ext uri="{FF2B5EF4-FFF2-40B4-BE49-F238E27FC236}">
+                <a16:creationId xmlns:a16="http://schemas.microsoft.com/office/drawing/2014/main" id="{82A40516-AB98-C74A-602D-2C16C4596EC5}"/>
+              </a:ext>
+            </a:extLst>
+          </p:cNvPr>
+          <p:cNvSpPr>
+            <a:spLocks noGrp="1"/>
+          </p:cNvSpPr>
+          <p:nvPr>
+            <p:ph idx="1"/>
+          </p:nvPr>
+        </p:nvSpPr>
+        <p:spPr>
+          <a:xfrm>
+            <a:off x="838200" y="3066644"/>
+            <a:ext cx="5529148" cy="3573929"/>
+          </a:xfrm>
+        </p:spPr>
+        <p:txBody>
+          <a:bodyPr>
+            <a:normAutofit fontScale="92500" lnSpcReduction="10000"/>
+          </a:bodyPr>
+          <a:lstStyle/>
+          <a:p>
+            <a:pPr marL="514350" indent="-514350">
+              <a:buFont typeface="+mj-lt"/>
+              <a:buAutoNum type="arabicPeriod"/>
+            </a:pPr>
+            <a:r>
+              <a:rPr lang="en-US" dirty="0"/>
+              <a:t>Positive regulation of lymphocyte mediated immunity</a:t>
+            </a:r>
+          </a:p>
+          <a:p>
+            <a:pPr marL="971550" lvl="1" indent="-514350">
+              <a:buFont typeface="+mj-lt"/>
+              <a:buAutoNum type="alphaLcParenR"/>
+            </a:pPr>
+            <a:r>
+              <a:rPr lang="en-US" dirty="0"/>
+              <a:t>IL21, SH2D1A, RASGRP1, AP1G1, DENND1B (5/116)</a:t>
+            </a:r>
+          </a:p>
+          <a:p>
+            <a:pPr marL="971550" lvl="1" indent="-514350">
+              <a:buFont typeface="+mj-lt"/>
+              <a:buAutoNum type="alphaLcParenR"/>
+            </a:pPr>
+            <a:r>
+              <a:rPr lang="en-US" dirty="0"/>
+              <a:t>FDR: 0.02</a:t>
+            </a:r>
+          </a:p>
+          <a:p>
+            <a:pPr marL="514350" indent="-514350">
+              <a:buFont typeface="+mj-lt"/>
+              <a:buAutoNum type="arabicPeriod"/>
+            </a:pPr>
+            <a:r>
+              <a:rPr lang="en-US" dirty="0"/>
+              <a:t>Positive regulation of NK cell mediated cytotoxicity</a:t>
+            </a:r>
+          </a:p>
+          <a:p>
+            <a:pPr marL="971550" lvl="1" indent="-514350">
+              <a:buFont typeface="+mj-lt"/>
+              <a:buAutoNum type="alphaLcParenR"/>
+            </a:pPr>
+            <a:r>
+              <a:rPr lang="en-US" dirty="0"/>
+              <a:t>IL21, SH2D1A, RASGRP1, AP1G1 (4/27)</a:t>
+            </a:r>
+          </a:p>
+          <a:p>
+            <a:pPr marL="971550" lvl="1" indent="-514350">
+              <a:buFont typeface="+mj-lt"/>
+              <a:buAutoNum type="alphaLcParenR"/>
+            </a:pPr>
+            <a:r>
+              <a:rPr lang="en-US" dirty="0"/>
+              <a:t>FDR: 0.007</a:t>
+            </a:r>
+          </a:p>
+        </p:txBody>
+      </p:sp>
+      <p:pic>
+        <p:nvPicPr>
+          <p:cNvPr id="10" name="Picture 9">
+            <a:extLst>
+              <a:ext uri="{FF2B5EF4-FFF2-40B4-BE49-F238E27FC236}">
+                <a16:creationId xmlns:a16="http://schemas.microsoft.com/office/drawing/2014/main" id="{128B7A0E-75C7-BDC2-1DC7-CB4B3D05B27B}"/>
+              </a:ext>
+            </a:extLst>
+          </p:cNvPr>
+          <p:cNvPicPr>
+            <a:picLocks noChangeAspect="1"/>
+          </p:cNvPicPr>
+          <p:nvPr/>
+        </p:nvPicPr>
+        <p:blipFill>
+          <a:blip r:embed="rId4"/>
+          <a:stretch>
+            <a:fillRect/>
+          </a:stretch>
+        </p:blipFill>
+        <p:spPr>
+          <a:xfrm>
+            <a:off x="9173817" y="4603724"/>
+            <a:ext cx="3018183" cy="2254275"/>
+          </a:xfrm>
+          <a:prstGeom prst="rect">
+            <a:avLst/>
+          </a:prstGeom>
+        </p:spPr>
+      </p:pic>
+      <p:sp>
+        <p:nvSpPr>
+          <p:cNvPr id="13" name="TextBox 12">
+            <a:extLst>
+              <a:ext uri="{FF2B5EF4-FFF2-40B4-BE49-F238E27FC236}">
+                <a16:creationId xmlns:a16="http://schemas.microsoft.com/office/drawing/2014/main" id="{87BEAF69-0DC7-C627-A886-DDB2297BCA48}"/>
+              </a:ext>
+            </a:extLst>
+          </p:cNvPr>
+          <p:cNvSpPr txBox="1"/>
+          <p:nvPr/>
+        </p:nvSpPr>
+        <p:spPr>
+          <a:xfrm>
+            <a:off x="9767111" y="4484276"/>
+            <a:ext cx="2191177" cy="369332"/>
+          </a:xfrm>
+          <a:prstGeom prst="rect">
+            <a:avLst/>
+          </a:prstGeom>
+          <a:noFill/>
+        </p:spPr>
+        <p:txBody>
+          <a:bodyPr wrap="none" rtlCol="0">
+            <a:spAutoFit/>
+          </a:bodyPr>
+          <a:lstStyle/>
+          <a:p>
+            <a:r>
+              <a:rPr lang="en-US" dirty="0"/>
+              <a:t>Consistent with Erin’s</a:t>
+            </a:r>
+          </a:p>
+        </p:txBody>
+      </p:sp>
+      <p:sp>
+        <p:nvSpPr>
+          <p:cNvPr id="14" name="TextBox 13">
+            <a:extLst>
+              <a:ext uri="{FF2B5EF4-FFF2-40B4-BE49-F238E27FC236}">
+                <a16:creationId xmlns:a16="http://schemas.microsoft.com/office/drawing/2014/main" id="{83693513-2149-2F01-2B78-8AEB409AD08A}"/>
+              </a:ext>
+            </a:extLst>
+          </p:cNvPr>
+          <p:cNvSpPr txBox="1"/>
+          <p:nvPr/>
+        </p:nvSpPr>
+        <p:spPr>
+          <a:xfrm>
+            <a:off x="9071372" y="797419"/>
+            <a:ext cx="1391478" cy="923330"/>
+          </a:xfrm>
+          <a:prstGeom prst="rect">
+            <a:avLst/>
+          </a:prstGeom>
+          <a:noFill/>
+        </p:spPr>
+        <p:txBody>
+          <a:bodyPr wrap="square" rtlCol="0">
+            <a:spAutoFit/>
+          </a:bodyPr>
+          <a:lstStyle/>
+          <a:p>
+            <a:r>
+              <a:rPr lang="en-US" dirty="0"/>
+              <a:t>Enrichment in this top block</a:t>
+            </a:r>
+          </a:p>
+        </p:txBody>
+      </p:sp>
+    </p:spTree>
+    <p:extLst>
+      <p:ext uri="{BB962C8B-B14F-4D97-AF65-F5344CB8AC3E}">
+        <p14:creationId xmlns:p14="http://schemas.microsoft.com/office/powerpoint/2010/main" val="2536729026"/>
+      </p:ext>
+    </p:extLst>
+  </p:cSld>
+  <p:clrMapOvr>
+    <a:masterClrMapping/>
+  </p:clrMapOvr>
+</p:sld>
+</file>
+
+<file path=ppt/slides/slide7.xml><?xml version="1.0" encoding="utf-8"?>
+<p:sld xmlns:a="http://schemas.openxmlformats.org/drawingml/2006/main" xmlns:r="http://schemas.openxmlformats.org/officeDocument/2006/relationships" xmlns:p="http://schemas.openxmlformats.org/presentationml/2006/main">
+  <p:cSld>
+    <p:spTree>
+      <p:nvGrpSpPr>
+        <p:cNvPr id="1" name="">
+          <a:extLst>
+            <a:ext uri="{FF2B5EF4-FFF2-40B4-BE49-F238E27FC236}">
+              <a16:creationId xmlns:a16="http://schemas.microsoft.com/office/drawing/2014/main" id="{5F63F271-7169-1115-1EF3-CE3BF477816E}"/>
+            </a:ext>
+          </a:extLst>
+        </p:cNvPr>
+        <p:cNvGrpSpPr/>
+        <p:nvPr/>
+      </p:nvGrpSpPr>
+      <p:grpSpPr>
+        <a:xfrm>
+          <a:off x="0" y="0"/>
+          <a:ext cx="0" cy="0"/>
+          <a:chOff x="0" y="0"/>
+          <a:chExt cx="0" cy="0"/>
+        </a:xfrm>
+      </p:grpSpPr>
+      <p:pic>
+        <p:nvPicPr>
+          <p:cNvPr id="15" name="Picture 14">
+            <a:extLst>
+              <a:ext uri="{FF2B5EF4-FFF2-40B4-BE49-F238E27FC236}">
+                <a16:creationId xmlns:a16="http://schemas.microsoft.com/office/drawing/2014/main" id="{09DA334D-FE2A-6AF7-1A8F-1D85BBF967A5}"/>
+              </a:ext>
+            </a:extLst>
+          </p:cNvPr>
+          <p:cNvPicPr>
+            <a:picLocks noChangeAspect="1"/>
+          </p:cNvPicPr>
+          <p:nvPr/>
+        </p:nvPicPr>
+        <p:blipFill>
+          <a:blip r:embed="rId3"/>
+          <a:stretch>
+            <a:fillRect/>
+          </a:stretch>
+        </p:blipFill>
+        <p:spPr>
+          <a:xfrm>
+            <a:off x="6537375" y="-29207"/>
+            <a:ext cx="5683685" cy="6858000"/>
+          </a:xfrm>
+          <a:prstGeom prst="rect">
+            <a:avLst/>
+          </a:prstGeom>
+        </p:spPr>
+      </p:pic>
+      <p:sp>
+        <p:nvSpPr>
+          <p:cNvPr id="6" name="Title 5">
+            <a:extLst>
+              <a:ext uri="{FF2B5EF4-FFF2-40B4-BE49-F238E27FC236}">
+                <a16:creationId xmlns:a16="http://schemas.microsoft.com/office/drawing/2014/main" id="{B9AD7D28-49C2-0B8B-79CB-FA2C8F40B6BC}"/>
+              </a:ext>
+            </a:extLst>
+          </p:cNvPr>
+          <p:cNvSpPr>
+            <a:spLocks noGrp="1"/>
+          </p:cNvSpPr>
+          <p:nvPr>
+            <p:ph type="title"/>
+          </p:nvPr>
+        </p:nvSpPr>
+        <p:spPr>
+          <a:xfrm>
+            <a:off x="838200" y="365125"/>
+            <a:ext cx="10279455" cy="1825625"/>
+          </a:xfrm>
+        </p:spPr>
+        <p:txBody>
+          <a:bodyPr>
+            <a:normAutofit/>
+          </a:bodyPr>
+          <a:lstStyle/>
+          <a:p>
+            <a:r>
+              <a:rPr lang="en-US" dirty="0"/>
+              <a:t>Conclusions</a:t>
+            </a:r>
+          </a:p>
+        </p:txBody>
+      </p:sp>
+      <p:sp>
+        <p:nvSpPr>
+          <p:cNvPr id="2" name="Content Placeholder 2">
+            <a:extLst>
+              <a:ext uri="{FF2B5EF4-FFF2-40B4-BE49-F238E27FC236}">
+                <a16:creationId xmlns:a16="http://schemas.microsoft.com/office/drawing/2014/main" id="{090FDFCF-AEFD-6D7B-6B89-12A07B49703B}"/>
+              </a:ext>
+            </a:extLst>
+          </p:cNvPr>
+          <p:cNvSpPr>
+            <a:spLocks noGrp="1"/>
+          </p:cNvSpPr>
+          <p:nvPr>
+            <p:ph idx="1"/>
+          </p:nvPr>
+        </p:nvSpPr>
+        <p:spPr>
+          <a:xfrm>
+            <a:off x="838200" y="1919289"/>
+            <a:ext cx="5529148" cy="4909504"/>
+          </a:xfrm>
+        </p:spPr>
+        <p:txBody>
+          <a:bodyPr>
+            <a:normAutofit fontScale="85000" lnSpcReduction="20000"/>
+          </a:bodyPr>
+          <a:lstStyle/>
+          <a:p>
+            <a:pPr marL="514350" indent="-514350">
+              <a:buFont typeface="+mj-lt"/>
+              <a:buAutoNum type="arabicPeriod"/>
+            </a:pPr>
+            <a:r>
+              <a:rPr lang="en-US" dirty="0" err="1"/>
+              <a:t>AbATE</a:t>
+            </a:r>
+            <a:r>
+              <a:rPr lang="en-US" dirty="0"/>
+              <a:t>: still didn’t observe </a:t>
+            </a:r>
+            <a:r>
+              <a:rPr lang="en-US" dirty="0" err="1"/>
+              <a:t>pseudotime</a:t>
+            </a:r>
+            <a:r>
+              <a:rPr lang="en-US" dirty="0"/>
+              <a:t> associating with cell sort (data not shown)</a:t>
+            </a:r>
+          </a:p>
+          <a:p>
+            <a:pPr marL="514350" indent="-514350">
+              <a:buFont typeface="+mj-lt"/>
+              <a:buAutoNum type="arabicPeriod"/>
+            </a:pPr>
+            <a:r>
+              <a:rPr lang="en-US" dirty="0"/>
+              <a:t>T1DAL: var </a:t>
+            </a:r>
+            <a:r>
+              <a:rPr lang="en-US" dirty="0" err="1"/>
+              <a:t>freq</a:t>
+            </a:r>
+            <a:r>
+              <a:rPr lang="en-US" dirty="0"/>
+              <a:t> (high vs. low) didn’t matter much for sharing across time points (data not shown)</a:t>
+            </a:r>
+          </a:p>
+          <a:p>
+            <a:pPr marL="514350" indent="-514350">
+              <a:buFont typeface="+mj-lt"/>
+              <a:buAutoNum type="arabicPeriod"/>
+            </a:pPr>
+            <a:r>
+              <a:rPr lang="en-US" dirty="0"/>
+              <a:t>DP CD127</a:t>
+            </a:r>
+            <a:r>
+              <a:rPr lang="en-US" baseline="30000" dirty="0"/>
+              <a:t>+</a:t>
+            </a:r>
+            <a:r>
+              <a:rPr lang="en-US" dirty="0"/>
+              <a:t> being parent or sister to other DPs is ambiguous from nuclear </a:t>
+            </a:r>
+            <a:r>
+              <a:rPr lang="en-US" dirty="0" err="1"/>
+              <a:t>ATACseq</a:t>
+            </a:r>
+            <a:r>
+              <a:rPr lang="en-US" dirty="0"/>
+              <a:t> data, leaning sister from MT variants being no different between DP CD127</a:t>
+            </a:r>
+            <a:r>
+              <a:rPr lang="en-US" baseline="30000" dirty="0"/>
+              <a:t>+</a:t>
+            </a:r>
+            <a:r>
+              <a:rPr lang="en-US" dirty="0"/>
+              <a:t> &amp; DP PD-1</a:t>
+            </a:r>
+            <a:r>
+              <a:rPr lang="en-US" baseline="30000" dirty="0"/>
+              <a:t>+</a:t>
+            </a:r>
+            <a:r>
+              <a:rPr lang="en-US" dirty="0"/>
+              <a:t> (and this is consistent with IL7R blockade being efficacious in T1D)</a:t>
+            </a:r>
+          </a:p>
+          <a:p>
+            <a:pPr marL="514350" indent="-514350">
+              <a:buFont typeface="+mj-lt"/>
+              <a:buAutoNum type="arabicPeriod"/>
+            </a:pPr>
+            <a:r>
+              <a:rPr lang="en-US" dirty="0"/>
+              <a:t>Non-exhausted CD127</a:t>
+            </a:r>
+            <a:r>
+              <a:rPr lang="en-US" baseline="30000" dirty="0"/>
+              <a:t>+</a:t>
+            </a:r>
+            <a:r>
+              <a:rPr lang="en-US" dirty="0"/>
+              <a:t> or DN being parent/daughter is yet unknown (their MT variant levels aren’t different)</a:t>
+            </a:r>
+          </a:p>
+        </p:txBody>
+      </p:sp>
+      <p:sp>
+        <p:nvSpPr>
+          <p:cNvPr id="5" name="TextBox 4">
+            <a:extLst>
+              <a:ext uri="{FF2B5EF4-FFF2-40B4-BE49-F238E27FC236}">
+                <a16:creationId xmlns:a16="http://schemas.microsoft.com/office/drawing/2014/main" id="{9B6136EE-A522-CF27-6F9C-77EDD267C325}"/>
+              </a:ext>
+            </a:extLst>
+          </p:cNvPr>
+          <p:cNvSpPr txBox="1"/>
+          <p:nvPr/>
+        </p:nvSpPr>
+        <p:spPr>
+          <a:xfrm>
+            <a:off x="8628883" y="104140"/>
+            <a:ext cx="750334" cy="784830"/>
+          </a:xfrm>
+          <a:prstGeom prst="rect">
+            <a:avLst/>
+          </a:prstGeom>
+          <a:noFill/>
+        </p:spPr>
+        <p:txBody>
+          <a:bodyPr wrap="none" rtlCol="0">
+            <a:spAutoFit/>
+          </a:bodyPr>
+          <a:lstStyle/>
+          <a:p>
+            <a:r>
+              <a:rPr lang="en-US" sz="1500" dirty="0"/>
+              <a:t>TIGIT</a:t>
+            </a:r>
+            <a:r>
+              <a:rPr lang="en-US" sz="1500" baseline="30000" dirty="0"/>
+              <a:t>+</a:t>
+            </a:r>
+          </a:p>
+          <a:p>
+            <a:r>
+              <a:rPr lang="en-US" sz="1500" dirty="0"/>
+              <a:t>KLRG1</a:t>
+            </a:r>
+            <a:r>
+              <a:rPr lang="en-US" sz="1500" baseline="30000" dirty="0"/>
+              <a:t>+</a:t>
+            </a:r>
+          </a:p>
+          <a:p>
+            <a:r>
+              <a:rPr lang="en-US" sz="1500" dirty="0"/>
+              <a:t>(DP)</a:t>
+            </a:r>
+          </a:p>
+        </p:txBody>
+      </p:sp>
+      <p:sp>
+        <p:nvSpPr>
+          <p:cNvPr id="7" name="TextBox 6">
+            <a:extLst>
+              <a:ext uri="{FF2B5EF4-FFF2-40B4-BE49-F238E27FC236}">
+                <a16:creationId xmlns:a16="http://schemas.microsoft.com/office/drawing/2014/main" id="{43012635-6851-8862-3C9E-2CCD91F3C1E9}"/>
+              </a:ext>
+            </a:extLst>
+          </p:cNvPr>
+          <p:cNvSpPr txBox="1"/>
+          <p:nvPr/>
+        </p:nvSpPr>
+        <p:spPr>
+          <a:xfrm>
+            <a:off x="10524331" y="1365291"/>
+            <a:ext cx="763351" cy="553998"/>
+          </a:xfrm>
+          <a:prstGeom prst="rect">
+            <a:avLst/>
+          </a:prstGeom>
+          <a:noFill/>
+        </p:spPr>
+        <p:txBody>
+          <a:bodyPr wrap="none" rtlCol="0">
+            <a:spAutoFit/>
+          </a:bodyPr>
+          <a:lstStyle/>
+          <a:p>
+            <a:r>
+              <a:rPr lang="en-US" sz="1500" dirty="0"/>
+              <a:t>DP</a:t>
+            </a:r>
+          </a:p>
+          <a:p>
+            <a:r>
+              <a:rPr lang="en-US" sz="1500" dirty="0"/>
+              <a:t>CD127</a:t>
+            </a:r>
+            <a:r>
+              <a:rPr lang="en-US" sz="1500" baseline="30000" dirty="0"/>
+              <a:t>+</a:t>
+            </a:r>
+          </a:p>
+        </p:txBody>
+      </p:sp>
+      <p:sp>
+        <p:nvSpPr>
+          <p:cNvPr id="8" name="TextBox 7">
+            <a:extLst>
+              <a:ext uri="{FF2B5EF4-FFF2-40B4-BE49-F238E27FC236}">
+                <a16:creationId xmlns:a16="http://schemas.microsoft.com/office/drawing/2014/main" id="{DC162431-0CA8-66D4-EEDE-CB159ACBA69D}"/>
+              </a:ext>
+            </a:extLst>
+          </p:cNvPr>
+          <p:cNvSpPr txBox="1"/>
+          <p:nvPr/>
+        </p:nvSpPr>
+        <p:spPr>
+          <a:xfrm>
+            <a:off x="9831873" y="97368"/>
+            <a:ext cx="885179" cy="323165"/>
+          </a:xfrm>
+          <a:prstGeom prst="rect">
+            <a:avLst/>
+          </a:prstGeom>
+          <a:noFill/>
+        </p:spPr>
+        <p:txBody>
+          <a:bodyPr wrap="none" rtlCol="0">
+            <a:spAutoFit/>
+          </a:bodyPr>
+          <a:lstStyle/>
+          <a:p>
+            <a:r>
+              <a:rPr lang="en-US" sz="1500" dirty="0"/>
+              <a:t>DP PD-1</a:t>
+            </a:r>
+            <a:r>
+              <a:rPr lang="en-US" sz="1500" baseline="30000" dirty="0"/>
+              <a:t>+</a:t>
+            </a:r>
+          </a:p>
+        </p:txBody>
+      </p:sp>
+      <p:sp>
+        <p:nvSpPr>
+          <p:cNvPr id="9" name="TextBox 8">
+            <a:extLst>
+              <a:ext uri="{FF2B5EF4-FFF2-40B4-BE49-F238E27FC236}">
+                <a16:creationId xmlns:a16="http://schemas.microsoft.com/office/drawing/2014/main" id="{128502BE-D508-7983-CDA9-470E45AE1BD0}"/>
+              </a:ext>
+            </a:extLst>
+          </p:cNvPr>
+          <p:cNvSpPr txBox="1"/>
+          <p:nvPr/>
+        </p:nvSpPr>
+        <p:spPr>
+          <a:xfrm>
+            <a:off x="11169708" y="97367"/>
+            <a:ext cx="926857" cy="323165"/>
+          </a:xfrm>
+          <a:prstGeom prst="rect">
+            <a:avLst/>
+          </a:prstGeom>
+          <a:noFill/>
+        </p:spPr>
+        <p:txBody>
+          <a:bodyPr wrap="none" rtlCol="0">
+            <a:spAutoFit/>
+          </a:bodyPr>
+          <a:lstStyle/>
+          <a:p>
+            <a:r>
+              <a:rPr lang="en-US" sz="1500" dirty="0"/>
+              <a:t>DP CD57</a:t>
+            </a:r>
+            <a:r>
+              <a:rPr lang="en-US" sz="1500" baseline="30000" dirty="0"/>
+              <a:t>+</a:t>
+            </a:r>
+          </a:p>
+        </p:txBody>
+      </p:sp>
+      <p:sp>
+        <p:nvSpPr>
+          <p:cNvPr id="10" name="TextBox 9">
+            <a:extLst>
+              <a:ext uri="{FF2B5EF4-FFF2-40B4-BE49-F238E27FC236}">
+                <a16:creationId xmlns:a16="http://schemas.microsoft.com/office/drawing/2014/main" id="{7AAF3633-5CEF-4963-7B56-8EB9D15AE6C8}"/>
+              </a:ext>
+            </a:extLst>
+          </p:cNvPr>
+          <p:cNvSpPr txBox="1"/>
+          <p:nvPr/>
+        </p:nvSpPr>
+        <p:spPr>
+          <a:xfrm>
+            <a:off x="7702573" y="1456900"/>
+            <a:ext cx="724686" cy="553998"/>
+          </a:xfrm>
+          <a:prstGeom prst="rect">
+            <a:avLst/>
+          </a:prstGeom>
+          <a:noFill/>
+        </p:spPr>
+        <p:txBody>
+          <a:bodyPr wrap="none" rtlCol="0">
+            <a:spAutoFit/>
+          </a:bodyPr>
+          <a:lstStyle/>
+          <a:p>
+            <a:r>
+              <a:rPr lang="en-US" sz="1500" dirty="0"/>
+              <a:t>TIGIT</a:t>
+            </a:r>
+            <a:r>
+              <a:rPr lang="en-US" sz="1500" baseline="30000" dirty="0"/>
+              <a:t>-</a:t>
+            </a:r>
+          </a:p>
+          <a:p>
+            <a:r>
+              <a:rPr lang="en-US" sz="1500" dirty="0"/>
+              <a:t>KLRG1</a:t>
+            </a:r>
+            <a:r>
+              <a:rPr lang="en-US" sz="1500" baseline="30000" dirty="0"/>
+              <a:t>-</a:t>
+            </a:r>
+          </a:p>
+        </p:txBody>
+      </p:sp>
+      <p:sp>
+        <p:nvSpPr>
+          <p:cNvPr id="11" name="TextBox 10">
+            <a:extLst>
+              <a:ext uri="{FF2B5EF4-FFF2-40B4-BE49-F238E27FC236}">
+                <a16:creationId xmlns:a16="http://schemas.microsoft.com/office/drawing/2014/main" id="{FCDA884C-2814-1AF1-7760-CC92E2577825}"/>
+              </a:ext>
+            </a:extLst>
+          </p:cNvPr>
+          <p:cNvSpPr txBox="1"/>
+          <p:nvPr/>
+        </p:nvSpPr>
+        <p:spPr>
+          <a:xfrm>
+            <a:off x="6355214" y="1447906"/>
+            <a:ext cx="1371786" cy="553998"/>
+          </a:xfrm>
+          <a:prstGeom prst="rect">
+            <a:avLst/>
+          </a:prstGeom>
+          <a:noFill/>
+        </p:spPr>
+        <p:txBody>
+          <a:bodyPr wrap="none" rtlCol="0">
+            <a:spAutoFit/>
+          </a:bodyPr>
+          <a:lstStyle/>
+          <a:p>
+            <a:r>
+              <a:rPr lang="en-US" sz="1500" dirty="0"/>
+              <a:t>Non-exhausted</a:t>
+            </a:r>
+          </a:p>
+          <a:p>
+            <a:r>
+              <a:rPr lang="en-US" sz="1500" dirty="0"/>
+              <a:t>CD127</a:t>
+            </a:r>
+            <a:r>
+              <a:rPr lang="en-US" sz="1500" baseline="30000" dirty="0"/>
+              <a:t>+</a:t>
+            </a:r>
+          </a:p>
+        </p:txBody>
+      </p:sp>
+    </p:spTree>
+    <p:extLst>
+      <p:ext uri="{BB962C8B-B14F-4D97-AF65-F5344CB8AC3E}">
+        <p14:creationId xmlns:p14="http://schemas.microsoft.com/office/powerpoint/2010/main" val="2010992850"/>
+      </p:ext>
+    </p:extLst>
+  </p:cSld>
+  <p:clrMapOvr>
+    <a:masterClrMapping/>
+  </p:clrMapOvr>
+</p:sld>
+</file>
+
+<file path=ppt/slides/slide8.xml><?xml version="1.0" encoding="utf-8"?>
+<p:sld xmlns:a="http://schemas.openxmlformats.org/drawingml/2006/main" xmlns:r="http://schemas.openxmlformats.org/officeDocument/2006/relationships" xmlns:p="http://schemas.openxmlformats.org/presentationml/2006/main">
+  <p:cSld>
+    <p:spTree>
+      <p:nvGrpSpPr>
+        <p:cNvPr id="1" name="">
+          <a:extLst>
+            <a:ext uri="{FF2B5EF4-FFF2-40B4-BE49-F238E27FC236}">
+              <a16:creationId xmlns:a16="http://schemas.microsoft.com/office/drawing/2014/main" id="{5F63F271-7169-1115-1EF3-CE3BF477816E}"/>
+            </a:ext>
+          </a:extLst>
+        </p:cNvPr>
+        <p:cNvGrpSpPr/>
+        <p:nvPr/>
+      </p:nvGrpSpPr>
+      <p:grpSpPr>
+        <a:xfrm>
+          <a:off x="0" y="0"/>
+          <a:ext cx="0" cy="0"/>
+          <a:chOff x="0" y="0"/>
+          <a:chExt cx="0" cy="0"/>
+        </a:xfrm>
+      </p:grpSpPr>
+      <p:sp>
+        <p:nvSpPr>
+          <p:cNvPr id="6" name="Title 5">
+            <a:extLst>
+              <a:ext uri="{FF2B5EF4-FFF2-40B4-BE49-F238E27FC236}">
+                <a16:creationId xmlns:a16="http://schemas.microsoft.com/office/drawing/2014/main" id="{B9AD7D28-49C2-0B8B-79CB-FA2C8F40B6BC}"/>
+              </a:ext>
+            </a:extLst>
+          </p:cNvPr>
+          <p:cNvSpPr>
+            <a:spLocks noGrp="1"/>
+          </p:cNvSpPr>
+          <p:nvPr>
+            <p:ph type="title"/>
+          </p:nvPr>
+        </p:nvSpPr>
+        <p:spPr>
+          <a:xfrm>
+            <a:off x="838200" y="365125"/>
             <a:ext cx="10279455" cy="1825625"/>
           </a:xfrm>
         </p:spPr>
@@ -6164,7 +7798,96 @@
               <a:buFont typeface="+mj-lt"/>
               <a:buAutoNum type="arabicPeriod"/>
             </a:pPr>
-            <a:endParaRPr lang="en-US" dirty="0"/>
+            <a:r>
+              <a:rPr lang="en-US" dirty="0"/>
+              <a:t>Analyzing additional </a:t>
+            </a:r>
+            <a:r>
+              <a:rPr lang="en-US" dirty="0" err="1"/>
+              <a:t>AbATE</a:t>
+            </a:r>
+            <a:r>
+              <a:rPr lang="en-US" dirty="0"/>
+              <a:t> reads as soon as sequenced/aligned</a:t>
+            </a:r>
+          </a:p>
+          <a:p>
+            <a:pPr marL="514350" indent="-514350">
+              <a:buFont typeface="+mj-lt"/>
+              <a:buAutoNum type="arabicPeriod"/>
+            </a:pPr>
+            <a:r>
+              <a:rPr lang="en-US" dirty="0"/>
+              <a:t>Preparing poster for BRI retreat (all abstracts make a poster?)</a:t>
+            </a:r>
+          </a:p>
+          <a:p>
+            <a:pPr marL="514350" indent="-514350">
+              <a:buFont typeface="+mj-lt"/>
+              <a:buAutoNum type="arabicPeriod"/>
+            </a:pPr>
+            <a:r>
+              <a:rPr lang="en-US" dirty="0" err="1"/>
+              <a:t>scATACseq</a:t>
+            </a:r>
+            <a:r>
+              <a:rPr lang="en-US" dirty="0"/>
+              <a:t> for MT variant-based lineage mapping</a:t>
+            </a:r>
+          </a:p>
+          <a:p>
+            <a:pPr marL="971550" lvl="1" indent="-514350">
+              <a:buFont typeface="+mj-lt"/>
+              <a:buAutoNum type="alphaLcParenR"/>
+            </a:pPr>
+            <a:r>
+              <a:rPr lang="en-US" dirty="0"/>
+              <a:t>authors from </a:t>
+            </a:r>
+            <a:r>
+              <a:rPr lang="en-US" dirty="0">
+                <a:hlinkClick r:id="rId3"/>
+              </a:rPr>
+              <a:t>this paper</a:t>
+            </a:r>
+            <a:r>
+              <a:rPr lang="en-US" dirty="0"/>
+              <a:t> recommended working backwards from rare variant frequency threshold to get cell numbers (i.e. with a lower bound variant frequency of 0.0005 then want 2,000 cells per sort per replicate, presumably?), that’s already lower bound than lowest bound I have looked at/showed results for… so maybe we don’t need (many) more cells for </a:t>
+            </a:r>
+            <a:r>
+              <a:rPr lang="en-US" dirty="0" err="1"/>
+              <a:t>scATACseq</a:t>
+            </a:r>
+            <a:r>
+              <a:rPr lang="en-US" dirty="0"/>
+              <a:t> than bulk </a:t>
+            </a:r>
+            <a:r>
+              <a:rPr lang="en-US" dirty="0" err="1"/>
+              <a:t>ATACseq</a:t>
+            </a:r>
+            <a:r>
+              <a:rPr lang="en-US" dirty="0"/>
+              <a:t>…</a:t>
+            </a:r>
+          </a:p>
+          <a:p>
+            <a:pPr marL="971550" lvl="1" indent="-514350">
+              <a:buFont typeface="+mj-lt"/>
+              <a:buAutoNum type="alphaLcParenR"/>
+            </a:pPr>
+            <a:r>
+              <a:rPr lang="en-US" dirty="0"/>
+              <a:t>might ask around BRI for/download public </a:t>
+            </a:r>
+            <a:r>
+              <a:rPr lang="en-US" dirty="0" err="1"/>
+              <a:t>scATACseq</a:t>
+            </a:r>
+            <a:r>
+              <a:rPr lang="en-US" dirty="0"/>
+              <a:t> data eventually to practice lineage mapping</a:t>
+            </a:r>
           </a:p>
         </p:txBody>
       </p:sp>
@@ -6172,6 +7895,116 @@
     <p:extLst>
       <p:ext uri="{BB962C8B-B14F-4D97-AF65-F5344CB8AC3E}">
         <p14:creationId xmlns:p14="http://schemas.microsoft.com/office/powerpoint/2010/main" val="4005091590"/>
+      </p:ext>
+    </p:extLst>
+  </p:cSld>
+  <p:clrMapOvr>
+    <a:masterClrMapping/>
+  </p:clrMapOvr>
+</p:sld>
+</file>
+
+<file path=ppt/slides/slide9.xml><?xml version="1.0" encoding="utf-8"?>
+<p:sld xmlns:a="http://schemas.openxmlformats.org/drawingml/2006/main" xmlns:r="http://schemas.openxmlformats.org/officeDocument/2006/relationships" xmlns:p="http://schemas.openxmlformats.org/presentationml/2006/main">
+  <p:cSld>
+    <p:spTree>
+      <p:nvGrpSpPr>
+        <p:cNvPr id="1" name="">
+          <a:extLst>
+            <a:ext uri="{FF2B5EF4-FFF2-40B4-BE49-F238E27FC236}">
+              <a16:creationId xmlns:a16="http://schemas.microsoft.com/office/drawing/2014/main" id="{5F63F271-7169-1115-1EF3-CE3BF477816E}"/>
+            </a:ext>
+          </a:extLst>
+        </p:cNvPr>
+        <p:cNvGrpSpPr/>
+        <p:nvPr/>
+      </p:nvGrpSpPr>
+      <p:grpSpPr>
+        <a:xfrm>
+          <a:off x="0" y="0"/>
+          <a:ext cx="0" cy="0"/>
+          <a:chOff x="0" y="0"/>
+          <a:chExt cx="0" cy="0"/>
+        </a:xfrm>
+      </p:grpSpPr>
+      <p:sp>
+        <p:nvSpPr>
+          <p:cNvPr id="6" name="Title 5">
+            <a:extLst>
+              <a:ext uri="{FF2B5EF4-FFF2-40B4-BE49-F238E27FC236}">
+                <a16:creationId xmlns:a16="http://schemas.microsoft.com/office/drawing/2014/main" id="{B9AD7D28-49C2-0B8B-79CB-FA2C8F40B6BC}"/>
+              </a:ext>
+            </a:extLst>
+          </p:cNvPr>
+          <p:cNvSpPr>
+            <a:spLocks noGrp="1"/>
+          </p:cNvSpPr>
+          <p:nvPr>
+            <p:ph type="title"/>
+          </p:nvPr>
+        </p:nvSpPr>
+        <p:spPr/>
+        <p:txBody>
+          <a:bodyPr/>
+          <a:lstStyle/>
+          <a:p>
+            <a:r>
+              <a:rPr lang="en-US" dirty="0"/>
+              <a:t>P576 (</a:t>
+            </a:r>
+            <a:r>
+              <a:rPr lang="en-US" dirty="0" err="1"/>
+              <a:t>AbATE</a:t>
+            </a:r>
+            <a:r>
+              <a:rPr lang="en-US" dirty="0"/>
+              <a:t>): don’t observe </a:t>
+            </a:r>
+            <a:r>
+              <a:rPr lang="en-US" dirty="0" err="1"/>
+              <a:t>pseudotime</a:t>
+            </a:r>
+            <a:r>
+              <a:rPr lang="en-US" dirty="0"/>
+              <a:t> associating with cell sort</a:t>
+            </a:r>
+          </a:p>
+        </p:txBody>
+      </p:sp>
+      <p:pic>
+        <p:nvPicPr>
+          <p:cNvPr id="3" name="Picture 2">
+            <a:extLst>
+              <a:ext uri="{FF2B5EF4-FFF2-40B4-BE49-F238E27FC236}">
+                <a16:creationId xmlns:a16="http://schemas.microsoft.com/office/drawing/2014/main" id="{2C88E40D-2471-9509-3EB6-1A6FDAA65C94}"/>
+              </a:ext>
+            </a:extLst>
+          </p:cNvPr>
+          <p:cNvPicPr>
+            <a:picLocks noChangeAspect="1"/>
+          </p:cNvPicPr>
+          <p:nvPr/>
+        </p:nvPicPr>
+        <p:blipFill>
+          <a:blip r:embed="rId3"/>
+          <a:stretch>
+            <a:fillRect/>
+          </a:stretch>
+        </p:blipFill>
+        <p:spPr>
+          <a:xfrm>
+            <a:off x="1285093" y="1437435"/>
+            <a:ext cx="8732520" cy="5350991"/>
+          </a:xfrm>
+          <a:prstGeom prst="rect">
+            <a:avLst/>
+          </a:prstGeom>
+        </p:spPr>
+      </p:pic>
+    </p:spTree>
+    <p:extLst>
+      <p:ext uri="{BB962C8B-B14F-4D97-AF65-F5344CB8AC3E}">
+        <p14:creationId xmlns:p14="http://schemas.microsoft.com/office/powerpoint/2010/main" val="4282640365"/>
       </p:ext>
     </p:extLst>
   </p:cSld>

--- a/presentations/weekly_meetings/8_8_24.pptx
+++ b/presentations/weekly_meetings/8_8_24.pptx
@@ -5,19 +5,20 @@
     <p:sldMasterId id="2147483648" r:id="rId1"/>
   </p:sldMasterIdLst>
   <p:notesMasterIdLst>
-    <p:notesMasterId r:id="rId12"/>
+    <p:notesMasterId r:id="rId13"/>
   </p:notesMasterIdLst>
   <p:sldIdLst>
     <p:sldId id="477" r:id="rId2"/>
     <p:sldId id="754" r:id="rId3"/>
-    <p:sldId id="756" r:id="rId4"/>
-    <p:sldId id="758" r:id="rId5"/>
-    <p:sldId id="759" r:id="rId6"/>
-    <p:sldId id="760" r:id="rId7"/>
-    <p:sldId id="757" r:id="rId8"/>
-    <p:sldId id="755" r:id="rId9"/>
-    <p:sldId id="751" r:id="rId10"/>
-    <p:sldId id="726" r:id="rId11"/>
+    <p:sldId id="762" r:id="rId4"/>
+    <p:sldId id="761" r:id="rId5"/>
+    <p:sldId id="758" r:id="rId6"/>
+    <p:sldId id="759" r:id="rId7"/>
+    <p:sldId id="760" r:id="rId8"/>
+    <p:sldId id="751" r:id="rId9"/>
+    <p:sldId id="757" r:id="rId10"/>
+    <p:sldId id="755" r:id="rId11"/>
+    <p:sldId id="726" r:id="rId12"/>
   </p:sldIdLst>
   <p:sldSz cx="12192000" cy="6858000"/>
   <p:notesSz cx="6858000" cy="9144000"/>
@@ -217,7 +218,7 @@
           <a:p>
             <a:fld id="{E933A773-0DCE-3544-BB67-D5FA58DF903C}" type="datetimeFigureOut">
               <a:rPr lang="en-US" smtClean="0"/>
-              <a:t>8/6/24</a:t>
+              <a:t>8/7/24</a:t>
             </a:fld>
             <a:endParaRPr lang="en-US"/>
           </a:p>
@@ -633,35 +634,6 @@
           <a:bodyPr/>
           <a:lstStyle/>
           <a:p>
-            <a:pPr marL="0" indent="0">
-              <a:buFont typeface="+mj-lt"/>
-              <a:buNone/>
-            </a:pPr>
-            <a:r>
-              <a:rPr lang="en-US" b="0" dirty="0">
-                <a:solidFill>
-                  <a:srgbClr val="CCCCCC"/>
-                </a:solidFill>
-                <a:effectLst/>
-                <a:latin typeface="Menlo" panose="020B0609030804020204" pitchFamily="49" charset="0"/>
-              </a:rPr>
-              <a:t>Cell loss presumably explains higher than expected loss/gain of vars over time (loss could be death or swapping cell sort), loss/gain could also be due to insufficient sampling</a:t>
-            </a:r>
-          </a:p>
-          <a:p>
-            <a:pPr marL="0" indent="0">
-              <a:buFont typeface="+mj-lt"/>
-              <a:buNone/>
-            </a:pPr>
-            <a:endParaRPr lang="en-US" b="0" dirty="0">
-              <a:solidFill>
-                <a:srgbClr val="CCCCCC"/>
-              </a:solidFill>
-              <a:effectLst/>
-              <a:latin typeface="Menlo" panose="020B0609030804020204" pitchFamily="49" charset="0"/>
-            </a:endParaRPr>
-          </a:p>
-          <a:p>
             <a:pPr marL="0" marR="0" lvl="0" indent="0" algn="l" defTabSz="914400" rtl="0" eaLnBrk="1" fontAlgn="auto" latinLnBrk="0" hangingPunct="1">
               <a:lnSpc>
                 <a:spcPct val="100000"/>
@@ -679,48 +651,147 @@
               <a:tabLst/>
               <a:defRPr/>
             </a:pPr>
-            <a:r>
-              <a:rPr lang="en-US" sz="1200" dirty="0">
+            <a:endParaRPr lang="en-US" sz="1200" b="0" i="0" u="none" strike="noStrike" dirty="0">
+              <a:solidFill>
+                <a:srgbClr val="212121"/>
+              </a:solidFill>
+              <a:effectLst/>
+              <a:latin typeface="Aptos" panose="020B0004020202020204" pitchFamily="34" charset="0"/>
+            </a:endParaRPr>
+          </a:p>
+        </p:txBody>
+      </p:sp>
+      <p:sp>
+        <p:nvSpPr>
+          <p:cNvPr id="4" name="Slide Number Placeholder 3">
+            <a:extLst>
+              <a:ext uri="{FF2B5EF4-FFF2-40B4-BE49-F238E27FC236}">
+                <a16:creationId xmlns:a16="http://schemas.microsoft.com/office/drawing/2014/main" id="{9F3FD3E1-ECA8-7789-76B9-A150DB6276EE}"/>
+              </a:ext>
+            </a:extLst>
+          </p:cNvPr>
+          <p:cNvSpPr>
+            <a:spLocks noGrp="1"/>
+          </p:cNvSpPr>
+          <p:nvPr>
+            <p:ph type="sldNum" sz="quarter" idx="5"/>
+          </p:nvPr>
+        </p:nvSpPr>
+        <p:spPr/>
+        <p:txBody>
+          <a:bodyPr/>
+          <a:lstStyle/>
+          <a:p>
+            <a:fld id="{061BAA8C-FDC6-D345-B4E0-3B02449209FB}" type="slidenum">
+              <a:rPr lang="en-US" smtClean="0"/>
+              <a:t>10</a:t>
+            </a:fld>
+            <a:endParaRPr lang="en-US"/>
+          </a:p>
+        </p:txBody>
+      </p:sp>
+    </p:spTree>
+    <p:extLst>
+      <p:ext uri="{BB962C8B-B14F-4D97-AF65-F5344CB8AC3E}">
+        <p14:creationId xmlns:p14="http://schemas.microsoft.com/office/powerpoint/2010/main" val="1970036607"/>
+      </p:ext>
+    </p:extLst>
+  </p:cSld>
+  <p:clrMapOvr>
+    <a:masterClrMapping/>
+  </p:clrMapOvr>
+</p:notes>
+</file>
+
+<file path=ppt/notesSlides/notesSlide11.xml><?xml version="1.0" encoding="utf-8"?>
+<p:notes xmlns:a="http://schemas.openxmlformats.org/drawingml/2006/main" xmlns:r="http://schemas.openxmlformats.org/officeDocument/2006/relationships" xmlns:p="http://schemas.openxmlformats.org/presentationml/2006/main">
+  <p:cSld>
+    <p:spTree>
+      <p:nvGrpSpPr>
+        <p:cNvPr id="1" name="">
+          <a:extLst>
+            <a:ext uri="{FF2B5EF4-FFF2-40B4-BE49-F238E27FC236}">
+              <a16:creationId xmlns:a16="http://schemas.microsoft.com/office/drawing/2014/main" id="{3415C166-0F50-E043-8950-9F266C4565AE}"/>
+            </a:ext>
+          </a:extLst>
+        </p:cNvPr>
+        <p:cNvGrpSpPr/>
+        <p:nvPr/>
+      </p:nvGrpSpPr>
+      <p:grpSpPr>
+        <a:xfrm>
+          <a:off x="0" y="0"/>
+          <a:ext cx="0" cy="0"/>
+          <a:chOff x="0" y="0"/>
+          <a:chExt cx="0" cy="0"/>
+        </a:xfrm>
+      </p:grpSpPr>
+      <p:sp>
+        <p:nvSpPr>
+          <p:cNvPr id="2" name="Slide Image Placeholder 1">
+            <a:extLst>
+              <a:ext uri="{FF2B5EF4-FFF2-40B4-BE49-F238E27FC236}">
+                <a16:creationId xmlns:a16="http://schemas.microsoft.com/office/drawing/2014/main" id="{1E497E09-6D11-D0BA-D2D1-5B08FB997731}"/>
+              </a:ext>
+            </a:extLst>
+          </p:cNvPr>
+          <p:cNvSpPr>
+            <a:spLocks noGrp="1" noRot="1" noChangeAspect="1"/>
+          </p:cNvSpPr>
+          <p:nvPr>
+            <p:ph type="sldImg"/>
+          </p:nvPr>
+        </p:nvSpPr>
+        <p:spPr/>
+      </p:sp>
+      <p:sp>
+        <p:nvSpPr>
+          <p:cNvPr id="3" name="Notes Placeholder 2">
+            <a:extLst>
+              <a:ext uri="{FF2B5EF4-FFF2-40B4-BE49-F238E27FC236}">
+                <a16:creationId xmlns:a16="http://schemas.microsoft.com/office/drawing/2014/main" id="{9336C4A5-58A4-D062-54A6-1D67A978E992}"/>
+              </a:ext>
+            </a:extLst>
+          </p:cNvPr>
+          <p:cNvSpPr>
+            <a:spLocks noGrp="1"/>
+          </p:cNvSpPr>
+          <p:nvPr>
+            <p:ph type="body" idx="1"/>
+          </p:nvPr>
+        </p:nvSpPr>
+        <p:spPr/>
+        <p:txBody>
+          <a:bodyPr/>
+          <a:lstStyle/>
+          <a:p>
+            <a:pPr marL="0" indent="0">
+              <a:buFont typeface="+mj-lt"/>
+              <a:buNone/>
+            </a:pPr>
+            <a:r>
+              <a:rPr lang="en-US" b="0" dirty="0">
+                <a:solidFill>
+                  <a:srgbClr val="CCCCCC"/>
+                </a:solidFill>
                 <a:effectLst/>
-                <a:latin typeface="AdvPSA183"/>
+                <a:latin typeface="Menlo" panose="020B0609030804020204" pitchFamily="49" charset="0"/>
               </a:rPr>
-              <a:t>Only R in P452: “</a:t>
-            </a:r>
-            <a:r>
-              <a:rPr lang="en-US" sz="1200" dirty="0">
-                <a:effectLst/>
-                <a:latin typeface="Calibri" panose="020F0502020204030204" pitchFamily="34" charset="0"/>
-              </a:rPr>
-              <a:t>we first measured their bulk chromatin accessibility at baseline (Week 0/Visit 0) and 104 </a:t>
-            </a:r>
-            <a:r>
-              <a:rPr lang="en-US" sz="1200" dirty="0" err="1">
-                <a:effectLst/>
-                <a:latin typeface="Calibri" panose="020F0502020204030204" pitchFamily="34" charset="0"/>
-              </a:rPr>
-              <a:t>wk</a:t>
-            </a:r>
-            <a:r>
-              <a:rPr lang="en-US" sz="1200" dirty="0">
-                <a:effectLst/>
-                <a:latin typeface="Calibri" panose="020F0502020204030204" pitchFamily="34" charset="0"/>
-              </a:rPr>
-              <a:t> (Visit 30) post-treatment in alefacept responders (R, defined by C-peptide preservation) using ATAC-seq following sorting from PBMC (</a:t>
-            </a:r>
-            <a:r>
-              <a:rPr lang="en-US" sz="1200" dirty="0">
-                <a:effectLst/>
-                <a:latin typeface="Calibri,Bold"/>
-              </a:rPr>
-              <a:t>Figure 1A</a:t>
-            </a:r>
-            <a:r>
-              <a:rPr lang="en-US" sz="1200" dirty="0">
-                <a:effectLst/>
-                <a:latin typeface="Calibri" panose="020F0502020204030204" pitchFamily="34" charset="0"/>
-              </a:rPr>
-              <a:t>, Because cell population differences rather than treatment response differences were the focus of our investigation, we sequenced only alefacept responder (R) samples“</a:t>
-            </a:r>
+              <a:t>Cell loss presumably explains higher than expected loss/gain of vars over time (loss could be death or swapping cell sort), loss/gain could also be due to insufficient sampling</a:t>
+            </a:r>
+          </a:p>
+          <a:p>
+            <a:pPr marL="0" indent="0">
+              <a:buFont typeface="+mj-lt"/>
+              <a:buNone/>
+            </a:pPr>
+            <a:endParaRPr lang="en-US" b="0" dirty="0">
+              <a:solidFill>
+                <a:srgbClr val="CCCCCC"/>
+              </a:solidFill>
+              <a:effectLst/>
+              <a:latin typeface="Menlo" panose="020B0609030804020204" pitchFamily="49" charset="0"/>
+            </a:endParaRPr>
           </a:p>
           <a:p>
             <a:pPr marL="0" marR="0" lvl="0" indent="0" algn="l" defTabSz="914400" rtl="0" eaLnBrk="1" fontAlgn="auto" latinLnBrk="0" hangingPunct="1">
@@ -740,10 +811,48 @@
               <a:tabLst/>
               <a:defRPr/>
             </a:pPr>
-            <a:endParaRPr lang="en-US" sz="1200" dirty="0">
-              <a:effectLst/>
-              <a:latin typeface="Calibri" panose="020F0502020204030204" pitchFamily="34" charset="0"/>
-            </a:endParaRPr>
+            <a:r>
+              <a:rPr lang="en-US" sz="1200" dirty="0">
+                <a:effectLst/>
+                <a:latin typeface="AdvPSA183"/>
+              </a:rPr>
+              <a:t>Only R in P452: “</a:t>
+            </a:r>
+            <a:r>
+              <a:rPr lang="en-US" sz="1200" dirty="0">
+                <a:effectLst/>
+                <a:latin typeface="Calibri" panose="020F0502020204030204" pitchFamily="34" charset="0"/>
+              </a:rPr>
+              <a:t>we first measured their bulk chromatin accessibility at baseline (Week 0/Visit 0) and 104 </a:t>
+            </a:r>
+            <a:r>
+              <a:rPr lang="en-US" sz="1200" dirty="0" err="1">
+                <a:effectLst/>
+                <a:latin typeface="Calibri" panose="020F0502020204030204" pitchFamily="34" charset="0"/>
+              </a:rPr>
+              <a:t>wk</a:t>
+            </a:r>
+            <a:r>
+              <a:rPr lang="en-US" sz="1200" dirty="0">
+                <a:effectLst/>
+                <a:latin typeface="Calibri" panose="020F0502020204030204" pitchFamily="34" charset="0"/>
+              </a:rPr>
+              <a:t> (Visit 30) post-treatment in alefacept responders (R, defined by C-peptide preservation) using ATAC-seq following sorting from PBMC (</a:t>
+            </a:r>
+            <a:r>
+              <a:rPr lang="en-US" sz="1200" dirty="0">
+                <a:effectLst/>
+                <a:latin typeface="Calibri,Bold"/>
+              </a:rPr>
+              <a:t>Figure 1A</a:t>
+            </a:r>
+            <a:r>
+              <a:rPr lang="en-US" sz="1200" dirty="0">
+                <a:effectLst/>
+                <a:latin typeface="Calibri" panose="020F0502020204030204" pitchFamily="34" charset="0"/>
+              </a:rPr>
+              <a:t>, Because cell population differences rather than treatment response differences were the focus of our investigation, we sequenced only alefacept responder (R) samples“</a:t>
+            </a:r>
           </a:p>
           <a:p>
             <a:pPr marL="0" marR="0" lvl="0" indent="0" algn="l" defTabSz="914400" rtl="0" eaLnBrk="1" fontAlgn="auto" latinLnBrk="0" hangingPunct="1">
@@ -763,13 +872,10 @@
               <a:tabLst/>
               <a:defRPr/>
             </a:pPr>
-            <a:r>
-              <a:rPr lang="en-US" sz="1200" dirty="0">
-                <a:effectLst/>
-                <a:latin typeface="Calibri" panose="020F0502020204030204" pitchFamily="34" charset="0"/>
-              </a:rPr>
-              <a:t>Updated to remove vars present in all sorts in a donor</a:t>
-            </a:r>
+            <a:endParaRPr lang="en-US" sz="1200" dirty="0">
+              <a:effectLst/>
+              <a:latin typeface="Calibri" panose="020F0502020204030204" pitchFamily="34" charset="0"/>
+            </a:endParaRPr>
           </a:p>
           <a:p>
             <a:pPr marL="0" marR="0" lvl="0" indent="0" algn="l" defTabSz="914400" rtl="0" eaLnBrk="1" fontAlgn="auto" latinLnBrk="0" hangingPunct="1">
@@ -789,6 +895,32 @@
               <a:tabLst/>
               <a:defRPr/>
             </a:pPr>
+            <a:r>
+              <a:rPr lang="en-US" sz="1200" dirty="0">
+                <a:effectLst/>
+                <a:latin typeface="Calibri" panose="020F0502020204030204" pitchFamily="34" charset="0"/>
+              </a:rPr>
+              <a:t>Updated to remove vars present in all sorts in a donor</a:t>
+            </a:r>
+          </a:p>
+          <a:p>
+            <a:pPr marL="0" marR="0" lvl="0" indent="0" algn="l" defTabSz="914400" rtl="0" eaLnBrk="1" fontAlgn="auto" latinLnBrk="0" hangingPunct="1">
+              <a:lnSpc>
+                <a:spcPct val="100000"/>
+              </a:lnSpc>
+              <a:spcBef>
+                <a:spcPts val="0"/>
+              </a:spcBef>
+              <a:spcAft>
+                <a:spcPts val="0"/>
+              </a:spcAft>
+              <a:buClrTx/>
+              <a:buSzTx/>
+              <a:buFont typeface="+mj-lt"/>
+              <a:buNone/>
+              <a:tabLst/>
+              <a:defRPr/>
+            </a:pPr>
             <a:endParaRPr lang="en-US" sz="1200" dirty="0">
               <a:effectLst/>
               <a:latin typeface="Calibri" panose="020F0502020204030204" pitchFamily="34" charset="0"/>
@@ -1099,7 +1231,7 @@
           <a:p>
             <a:fld id="{061BAA8C-FDC6-D345-B4E0-3B02449209FB}" type="slidenum">
               <a:rPr lang="en-US" smtClean="0"/>
-              <a:t>10</a:t>
+              <a:t>11</a:t>
             </a:fld>
             <a:endParaRPr lang="en-US"/>
           </a:p>
@@ -1329,14 +1461,8 @@
               <a:defRPr/>
             </a:pPr>
             <a:r>
-              <a:rPr lang="en-US" sz="1200" b="0" i="0" u="none" strike="noStrike" dirty="0">
-                <a:solidFill>
-                  <a:srgbClr val="212121"/>
-                </a:solidFill>
-                <a:effectLst/>
-                <a:latin typeface="Aptos" panose="020B0004020202020204" pitchFamily="34" charset="0"/>
-              </a:rPr>
-              <a:t>Perhaps that donor’s DNs were just much less DN and much more DP whatever than other donors’ DNs… hard to believe in bulk though…</a:t>
+              <a:rPr lang="en-US" dirty="0"/>
+              <a:t>There’s also few DP CD127+ CD57+ cells, supporting this bifurcation</a:t>
             </a:r>
           </a:p>
         </p:txBody>
@@ -1373,7 +1499,7 @@
     </p:spTree>
     <p:extLst>
       <p:ext uri="{BB962C8B-B14F-4D97-AF65-F5344CB8AC3E}">
-        <p14:creationId xmlns:p14="http://schemas.microsoft.com/office/powerpoint/2010/main" val="3176869834"/>
+        <p14:creationId xmlns:p14="http://schemas.microsoft.com/office/powerpoint/2010/main" val="46480118"/>
       </p:ext>
     </p:extLst>
   </p:cSld>
@@ -1462,35 +1588,6 @@
               <a:tabLst/>
               <a:defRPr/>
             </a:pPr>
-            <a:r>
-              <a:rPr lang="en-US" sz="1200" b="0" i="0" u="none" strike="noStrike" dirty="0">
-                <a:solidFill>
-                  <a:srgbClr val="212121"/>
-                </a:solidFill>
-                <a:effectLst/>
-                <a:latin typeface="Aptos" panose="020B0004020202020204" pitchFamily="34" charset="0"/>
-              </a:rPr>
-              <a:t>Perhaps that donor’s DNs were just much less DN and much more DP whatever than other donors’ DNs… hard to believe in bulk though…</a:t>
-            </a:r>
-          </a:p>
-          <a:p>
-            <a:pPr marL="0" marR="0" lvl="0" indent="0" algn="l" defTabSz="914400" rtl="0" eaLnBrk="1" fontAlgn="auto" latinLnBrk="0" hangingPunct="1">
-              <a:lnSpc>
-                <a:spcPct val="100000"/>
-              </a:lnSpc>
-              <a:spcBef>
-                <a:spcPts val="0"/>
-              </a:spcBef>
-              <a:spcAft>
-                <a:spcPts val="0"/>
-              </a:spcAft>
-              <a:buClrTx/>
-              <a:buSzTx/>
-              <a:buFont typeface="+mj-lt"/>
-              <a:buNone/>
-              <a:tabLst/>
-              <a:defRPr/>
-            </a:pPr>
             <a:endParaRPr lang="en-US" sz="1200" b="0" i="0" u="none" strike="noStrike" dirty="0">
               <a:solidFill>
                 <a:srgbClr val="212121"/>
@@ -1499,85 +1596,6 @@
               <a:latin typeface="Aptos" panose="020B0004020202020204" pitchFamily="34" charset="0"/>
             </a:endParaRPr>
           </a:p>
-          <a:p>
-            <a:pPr marL="0" marR="0" lvl="0" indent="0" algn="l" defTabSz="914400" rtl="0" eaLnBrk="1" fontAlgn="auto" latinLnBrk="0" hangingPunct="1">
-              <a:lnSpc>
-                <a:spcPct val="100000"/>
-              </a:lnSpc>
-              <a:spcBef>
-                <a:spcPts val="0"/>
-              </a:spcBef>
-              <a:spcAft>
-                <a:spcPts val="0"/>
-              </a:spcAft>
-              <a:buClrTx/>
-              <a:buSzTx/>
-              <a:buFont typeface="+mj-lt"/>
-              <a:buNone/>
-              <a:tabLst/>
-              <a:defRPr/>
-            </a:pPr>
-            <a:r>
-              <a:rPr lang="en-US" sz="1200" b="0" i="0" u="none" strike="noStrike" dirty="0" err="1">
-                <a:solidFill>
-                  <a:srgbClr val="212121"/>
-                </a:solidFill>
-                <a:effectLst/>
-                <a:latin typeface="Aptos" panose="020B0004020202020204" pitchFamily="34" charset="0"/>
-              </a:rPr>
-              <a:t>Diffbind</a:t>
-            </a:r>
-            <a:r>
-              <a:rPr lang="en-US" sz="1200" b="0" i="0" u="none" strike="noStrike" dirty="0">
-                <a:solidFill>
-                  <a:srgbClr val="212121"/>
-                </a:solidFill>
-                <a:effectLst/>
-                <a:latin typeface="Aptos" panose="020B0004020202020204" pitchFamily="34" charset="0"/>
-              </a:rPr>
-              <a:t> did regress out/block for responder status (and replicate), replicate symmetric (not right word but mapped 1:1 to) with </a:t>
-            </a:r>
-            <a:r>
-              <a:rPr lang="en-US" sz="1200" b="0" i="0" u="none" strike="noStrike" dirty="0" err="1">
-                <a:solidFill>
-                  <a:srgbClr val="212121"/>
-                </a:solidFill>
-                <a:effectLst/>
-                <a:latin typeface="Aptos" panose="020B0004020202020204" pitchFamily="34" charset="0"/>
-              </a:rPr>
-              <a:t>donorId</a:t>
-            </a:r>
-            <a:r>
-              <a:rPr lang="en-US" sz="1200" b="0" i="0" u="none" strike="noStrike" dirty="0">
-                <a:solidFill>
-                  <a:srgbClr val="212121"/>
-                </a:solidFill>
-                <a:effectLst/>
-                <a:latin typeface="Aptos" panose="020B0004020202020204" pitchFamily="34" charset="0"/>
-              </a:rPr>
-              <a:t>, so </a:t>
-            </a:r>
-            <a:r>
-              <a:rPr lang="en-US" sz="1200" b="0" i="0" u="none" strike="noStrike" dirty="0" err="1">
-                <a:solidFill>
-                  <a:srgbClr val="212121"/>
-                </a:solidFill>
-                <a:effectLst/>
-                <a:latin typeface="Aptos" panose="020B0004020202020204" pitchFamily="34" charset="0"/>
-              </a:rPr>
-              <a:t>diffbind</a:t>
-            </a:r>
-            <a:r>
-              <a:rPr lang="en-US" sz="1200" b="0" i="0" u="none" strike="noStrike" dirty="0">
-                <a:solidFill>
-                  <a:srgbClr val="212121"/>
-                </a:solidFill>
-                <a:effectLst/>
-                <a:latin typeface="Aptos" panose="020B0004020202020204" pitchFamily="34" charset="0"/>
-              </a:rPr>
-              <a:t> regressing out/blocking is fine! It’s just that I forgot to do this in Seurat</a:t>
-            </a:r>
-          </a:p>
         </p:txBody>
       </p:sp>
       <p:sp>
@@ -1612,7 +1630,7 @@
     </p:spTree>
     <p:extLst>
       <p:ext uri="{BB962C8B-B14F-4D97-AF65-F5344CB8AC3E}">
-        <p14:creationId xmlns:p14="http://schemas.microsoft.com/office/powerpoint/2010/main" val="1225739595"/>
+        <p14:creationId xmlns:p14="http://schemas.microsoft.com/office/powerpoint/2010/main" val="609775088"/>
       </p:ext>
     </p:extLst>
   </p:cSld>
@@ -1701,6 +1719,35 @@
               <a:tabLst/>
               <a:defRPr/>
             </a:pPr>
+            <a:r>
+              <a:rPr lang="en-US" sz="1200" b="0" i="0" u="none" strike="noStrike" dirty="0">
+                <a:solidFill>
+                  <a:srgbClr val="212121"/>
+                </a:solidFill>
+                <a:effectLst/>
+                <a:latin typeface="Aptos" panose="020B0004020202020204" pitchFamily="34" charset="0"/>
+              </a:rPr>
+              <a:t>Perhaps that donor’s DNs were just much less DN and much more DP whatever than other donors’ DNs… hard to believe in bulk though…</a:t>
+            </a:r>
+          </a:p>
+          <a:p>
+            <a:pPr marL="0" marR="0" lvl="0" indent="0" algn="l" defTabSz="914400" rtl="0" eaLnBrk="1" fontAlgn="auto" latinLnBrk="0" hangingPunct="1">
+              <a:lnSpc>
+                <a:spcPct val="100000"/>
+              </a:lnSpc>
+              <a:spcBef>
+                <a:spcPts val="0"/>
+              </a:spcBef>
+              <a:spcAft>
+                <a:spcPts val="0"/>
+              </a:spcAft>
+              <a:buClrTx/>
+              <a:buSzTx/>
+              <a:buFont typeface="+mj-lt"/>
+              <a:buNone/>
+              <a:tabLst/>
+              <a:defRPr/>
+            </a:pPr>
             <a:endParaRPr lang="en-US" sz="1200" b="0" i="0" u="none" strike="noStrike" dirty="0">
               <a:solidFill>
                 <a:srgbClr val="212121"/>
@@ -1709,6 +1756,85 @@
               <a:latin typeface="Aptos" panose="020B0004020202020204" pitchFamily="34" charset="0"/>
             </a:endParaRPr>
           </a:p>
+          <a:p>
+            <a:pPr marL="0" marR="0" lvl="0" indent="0" algn="l" defTabSz="914400" rtl="0" eaLnBrk="1" fontAlgn="auto" latinLnBrk="0" hangingPunct="1">
+              <a:lnSpc>
+                <a:spcPct val="100000"/>
+              </a:lnSpc>
+              <a:spcBef>
+                <a:spcPts val="0"/>
+              </a:spcBef>
+              <a:spcAft>
+                <a:spcPts val="0"/>
+              </a:spcAft>
+              <a:buClrTx/>
+              <a:buSzTx/>
+              <a:buFont typeface="+mj-lt"/>
+              <a:buNone/>
+              <a:tabLst/>
+              <a:defRPr/>
+            </a:pPr>
+            <a:r>
+              <a:rPr lang="en-US" sz="1200" b="0" i="0" u="none" strike="noStrike" dirty="0" err="1">
+                <a:solidFill>
+                  <a:srgbClr val="212121"/>
+                </a:solidFill>
+                <a:effectLst/>
+                <a:latin typeface="Aptos" panose="020B0004020202020204" pitchFamily="34" charset="0"/>
+              </a:rPr>
+              <a:t>Diffbind</a:t>
+            </a:r>
+            <a:r>
+              <a:rPr lang="en-US" sz="1200" b="0" i="0" u="none" strike="noStrike" dirty="0">
+                <a:solidFill>
+                  <a:srgbClr val="212121"/>
+                </a:solidFill>
+                <a:effectLst/>
+                <a:latin typeface="Aptos" panose="020B0004020202020204" pitchFamily="34" charset="0"/>
+              </a:rPr>
+              <a:t> did regress out/block for responder status (and replicate), replicate symmetric (not right word but mapped 1:1 to) with </a:t>
+            </a:r>
+            <a:r>
+              <a:rPr lang="en-US" sz="1200" b="0" i="0" u="none" strike="noStrike" dirty="0" err="1">
+                <a:solidFill>
+                  <a:srgbClr val="212121"/>
+                </a:solidFill>
+                <a:effectLst/>
+                <a:latin typeface="Aptos" panose="020B0004020202020204" pitchFamily="34" charset="0"/>
+              </a:rPr>
+              <a:t>donorId</a:t>
+            </a:r>
+            <a:r>
+              <a:rPr lang="en-US" sz="1200" b="0" i="0" u="none" strike="noStrike" dirty="0">
+                <a:solidFill>
+                  <a:srgbClr val="212121"/>
+                </a:solidFill>
+                <a:effectLst/>
+                <a:latin typeface="Aptos" panose="020B0004020202020204" pitchFamily="34" charset="0"/>
+              </a:rPr>
+              <a:t>, so </a:t>
+            </a:r>
+            <a:r>
+              <a:rPr lang="en-US" sz="1200" b="0" i="0" u="none" strike="noStrike" dirty="0" err="1">
+                <a:solidFill>
+                  <a:srgbClr val="212121"/>
+                </a:solidFill>
+                <a:effectLst/>
+                <a:latin typeface="Aptos" panose="020B0004020202020204" pitchFamily="34" charset="0"/>
+              </a:rPr>
+              <a:t>diffbind</a:t>
+            </a:r>
+            <a:r>
+              <a:rPr lang="en-US" sz="1200" b="0" i="0" u="none" strike="noStrike" dirty="0">
+                <a:solidFill>
+                  <a:srgbClr val="212121"/>
+                </a:solidFill>
+                <a:effectLst/>
+                <a:latin typeface="Aptos" panose="020B0004020202020204" pitchFamily="34" charset="0"/>
+              </a:rPr>
+              <a:t> regressing out/blocking is fine! It’s just that I forgot to do this in Seurat</a:t>
+            </a:r>
+          </a:p>
         </p:txBody>
       </p:sp>
       <p:sp>
@@ -1743,7 +1869,7 @@
     </p:spTree>
     <p:extLst>
       <p:ext uri="{BB962C8B-B14F-4D97-AF65-F5344CB8AC3E}">
-        <p14:creationId xmlns:p14="http://schemas.microsoft.com/office/powerpoint/2010/main" val="3917921235"/>
+        <p14:creationId xmlns:p14="http://schemas.microsoft.com/office/powerpoint/2010/main" val="1225739595"/>
       </p:ext>
     </p:extLst>
   </p:cSld>
@@ -1832,16 +1958,13 @@
               <a:tabLst/>
               <a:defRPr/>
             </a:pPr>
-            <a:r>
-              <a:rPr lang="en-US" sz="1200" b="0" i="0" u="none" strike="noStrike" dirty="0">
-                <a:solidFill>
-                  <a:srgbClr val="212121"/>
-                </a:solidFill>
-                <a:effectLst/>
-                <a:latin typeface="Aptos" panose="020B0004020202020204" pitchFamily="34" charset="0"/>
-              </a:rPr>
-              <a:t>Not the most correct method here, summing peaks from 10 pairwise contrasts (to get ~1000 peaks) rather than the more correct way of finding variably accessible peaks from Seurat code stuffs, but this is consistent with Erin’s so not too worried</a:t>
-            </a:r>
+            <a:endParaRPr lang="en-US" sz="1200" b="0" i="0" u="none" strike="noStrike" dirty="0">
+              <a:solidFill>
+                <a:srgbClr val="212121"/>
+              </a:solidFill>
+              <a:effectLst/>
+              <a:latin typeface="Aptos" panose="020B0004020202020204" pitchFamily="34" charset="0"/>
+            </a:endParaRPr>
           </a:p>
         </p:txBody>
       </p:sp>
@@ -1877,7 +2000,7 @@
     </p:spTree>
     <p:extLst>
       <p:ext uri="{BB962C8B-B14F-4D97-AF65-F5344CB8AC3E}">
-        <p14:creationId xmlns:p14="http://schemas.microsoft.com/office/powerpoint/2010/main" val="1376663131"/>
+        <p14:creationId xmlns:p14="http://schemas.microsoft.com/office/powerpoint/2010/main" val="3917921235"/>
       </p:ext>
     </p:extLst>
   </p:cSld>
@@ -1974,48 +2097,8 @@
                 <a:effectLst/>
                 <a:latin typeface="Aptos" panose="020B0004020202020204" pitchFamily="34" charset="0"/>
               </a:rPr>
-              <a:t>Not drawing a DN </a:t>
-            </a:r>
-            <a:r>
-              <a:rPr lang="en-US" sz="1200" b="0" i="0" u="none" strike="noStrike" dirty="0">
-                <a:solidFill>
-                  <a:srgbClr val="212121"/>
-                </a:solidFill>
-                <a:effectLst/>
-                <a:latin typeface="Aptos" panose="020B0004020202020204" pitchFamily="34" charset="0"/>
-                <a:sym typeface="Wingdings" pitchFamily="2" charset="2"/>
-              </a:rPr>
-              <a:t> </a:t>
-            </a:r>
-            <a:r>
-              <a:rPr lang="en-US" sz="1200" b="0" i="0" u="none" strike="noStrike" dirty="0" err="1">
-                <a:solidFill>
-                  <a:srgbClr val="212121"/>
-                </a:solidFill>
-                <a:effectLst/>
-                <a:latin typeface="Aptos" panose="020B0004020202020204" pitchFamily="34" charset="0"/>
-                <a:sym typeface="Wingdings" pitchFamily="2" charset="2"/>
-              </a:rPr>
-              <a:t>nonexh</a:t>
-            </a:r>
-            <a:r>
-              <a:rPr lang="en-US" sz="1200" b="0" i="0" u="none" strike="noStrike" dirty="0">
-                <a:solidFill>
-                  <a:srgbClr val="212121"/>
-                </a:solidFill>
-                <a:effectLst/>
-                <a:latin typeface="Aptos" panose="020B0004020202020204" pitchFamily="34" charset="0"/>
-                <a:sym typeface="Wingdings" pitchFamily="2" charset="2"/>
-              </a:rPr>
-              <a:t>  DPs linear path because we don’t observe that in UMAP/PCA plots, but it could also be possible…</a:t>
-            </a:r>
-            <a:endParaRPr lang="en-US" sz="1200" b="0" i="0" u="none" strike="noStrike" dirty="0">
-              <a:solidFill>
-                <a:srgbClr val="212121"/>
-              </a:solidFill>
-              <a:effectLst/>
-              <a:latin typeface="Aptos" panose="020B0004020202020204" pitchFamily="34" charset="0"/>
-            </a:endParaRPr>
+              <a:t>Not the most correct method here, summing peaks from 10 pairwise contrasts (to get ~1000 peaks) rather than the more correct way of finding variably accessible peaks from Seurat code stuffs, but this is consistent with Erin’s so not too worried</a:t>
+            </a:r>
           </a:p>
         </p:txBody>
       </p:sp>
@@ -2051,7 +2134,7 @@
     </p:spTree>
     <p:extLst>
       <p:ext uri="{BB962C8B-B14F-4D97-AF65-F5344CB8AC3E}">
-        <p14:creationId xmlns:p14="http://schemas.microsoft.com/office/powerpoint/2010/main" val="3544544526"/>
+        <p14:creationId xmlns:p14="http://schemas.microsoft.com/office/powerpoint/2010/main" val="1376663131"/>
       </p:ext>
     </p:extLst>
   </p:cSld>
@@ -2123,29 +2206,205 @@
           <a:bodyPr/>
           <a:lstStyle/>
           <a:p>
-            <a:pPr marL="0" marR="0" lvl="0" indent="0" algn="l" defTabSz="914400" rtl="0" eaLnBrk="1" fontAlgn="auto" latinLnBrk="0" hangingPunct="1">
-              <a:lnSpc>
-                <a:spcPct val="100000"/>
-              </a:lnSpc>
-              <a:spcBef>
-                <a:spcPts val="0"/>
-              </a:spcBef>
-              <a:spcAft>
-                <a:spcPts val="0"/>
-              </a:spcAft>
-              <a:buClrTx/>
-              <a:buSzTx/>
+            <a:pPr marL="0" indent="0">
               <a:buFont typeface="+mj-lt"/>
               <a:buNone/>
-              <a:tabLst/>
-              <a:defRPr/>
             </a:pPr>
-            <a:endParaRPr lang="en-US" sz="1200" b="0" i="0" u="none" strike="noStrike" dirty="0">
+            <a:r>
+              <a:rPr lang="en-US" b="0" i="0" u="none" strike="noStrike" dirty="0">
+                <a:solidFill>
+                  <a:srgbClr val="000000"/>
+                </a:solidFill>
+                <a:effectLst/>
+                <a:latin typeface="-webkit-standard"/>
+              </a:rPr>
+              <a:t>Tested for significances already</a:t>
+            </a:r>
+          </a:p>
+          <a:p>
+            <a:pPr marL="0" indent="0">
+              <a:buFont typeface="+mj-lt"/>
+              <a:buNone/>
+            </a:pPr>
+            <a:endParaRPr lang="en-US" b="0" i="0" u="none" strike="noStrike" dirty="0">
               <a:solidFill>
-                <a:srgbClr val="212121"/>
+                <a:srgbClr val="000000"/>
               </a:solidFill>
               <a:effectLst/>
-              <a:latin typeface="Aptos" panose="020B0004020202020204" pitchFamily="34" charset="0"/>
+              <a:latin typeface="-webkit-standard"/>
+            </a:endParaRPr>
+          </a:p>
+          <a:p>
+            <a:pPr marL="0" indent="0">
+              <a:buFont typeface="+mj-lt"/>
+              <a:buNone/>
+            </a:pPr>
+            <a:r>
+              <a:rPr lang="en-US" b="0" i="0" u="none" strike="noStrike" dirty="0" err="1">
+                <a:solidFill>
+                  <a:srgbClr val="000000"/>
+                </a:solidFill>
+                <a:effectLst/>
+                <a:latin typeface="-webkit-standard"/>
+              </a:rPr>
+              <a:t>PhenoPath</a:t>
+            </a:r>
+            <a:r>
+              <a:rPr lang="en-US" b="0" i="0" u="none" strike="noStrike" dirty="0">
+                <a:solidFill>
+                  <a:srgbClr val="000000"/>
+                </a:solidFill>
+                <a:effectLst/>
+                <a:latin typeface="-webkit-standard"/>
+              </a:rPr>
+              <a:t> analyzes the accessibility of genomic regions (peaks) in your ATAC-seq data, modeling how these accessibilities change along a biological trajectory and how this trajectory is influenced by tissue type</a:t>
+            </a:r>
+          </a:p>
+          <a:p>
+            <a:pPr marL="0" indent="0">
+              <a:buFont typeface="+mj-lt"/>
+              <a:buNone/>
+            </a:pPr>
+            <a:endParaRPr lang="en-US" b="0" i="0" u="none" strike="noStrike" dirty="0">
+              <a:solidFill>
+                <a:srgbClr val="000000"/>
+              </a:solidFill>
+              <a:effectLst/>
+              <a:latin typeface="-webkit-standard"/>
+            </a:endParaRPr>
+          </a:p>
+          <a:p>
+            <a:pPr marL="0" indent="0">
+              <a:buFont typeface="+mj-lt"/>
+              <a:buNone/>
+            </a:pPr>
+            <a:r>
+              <a:rPr lang="en-US" b="0" i="0" u="none" strike="noStrike" dirty="0" err="1">
+                <a:solidFill>
+                  <a:srgbClr val="333333"/>
+                </a:solidFill>
+                <a:effectLst/>
+                <a:highlight>
+                  <a:srgbClr val="FFFFFF"/>
+                </a:highlight>
+                <a:latin typeface="Arial" panose="020B0604020202020204" pitchFamily="34" charset="0"/>
+              </a:rPr>
+              <a:t>PhenoPath</a:t>
+            </a:r>
+            <a:r>
+              <a:rPr lang="en-US" b="0" i="0" u="none" strike="noStrike" dirty="0">
+                <a:solidFill>
+                  <a:srgbClr val="333333"/>
+                </a:solidFill>
+                <a:effectLst/>
+                <a:highlight>
+                  <a:srgbClr val="FFFFFF"/>
+                </a:highlight>
+                <a:latin typeface="Arial" panose="020B0604020202020204" pitchFamily="34" charset="0"/>
+              </a:rPr>
+              <a:t> models gene expression expression </a:t>
+            </a:r>
+            <a:r>
+              <a:rPr lang="en-US" b="0" i="0" u="none" strike="noStrike" dirty="0">
+                <a:solidFill>
+                  <a:srgbClr val="333333"/>
+                </a:solidFill>
+                <a:effectLst/>
+                <a:latin typeface="STIXGeneral-Italic"/>
+              </a:rPr>
+              <a:t>𝑦</a:t>
+            </a:r>
+            <a:r>
+              <a:rPr lang="en-US" b="0" i="0" u="none" strike="noStrike" dirty="0">
+                <a:solidFill>
+                  <a:srgbClr val="333333"/>
+                </a:solidFill>
+                <a:effectLst/>
+                <a:highlight>
+                  <a:srgbClr val="FFFFFF"/>
+                </a:highlight>
+                <a:latin typeface="Arial" panose="020B0604020202020204" pitchFamily="34" charset="0"/>
+              </a:rPr>
+              <a:t> in terms of a latent pathway score (</a:t>
+            </a:r>
+            <a:r>
+              <a:rPr lang="en-US" b="0" i="0" u="none" strike="noStrike" dirty="0" err="1">
+                <a:solidFill>
+                  <a:srgbClr val="333333"/>
+                </a:solidFill>
+                <a:effectLst/>
+                <a:highlight>
+                  <a:srgbClr val="FFFFFF"/>
+                </a:highlight>
+                <a:latin typeface="Arial" panose="020B0604020202020204" pitchFamily="34" charset="0"/>
+              </a:rPr>
+              <a:t>pseudotime</a:t>
+            </a:r>
+            <a:r>
+              <a:rPr lang="en-US" b="0" i="0" u="none" strike="noStrike" dirty="0">
+                <a:solidFill>
+                  <a:srgbClr val="333333"/>
+                </a:solidFill>
+                <a:effectLst/>
+                <a:highlight>
+                  <a:srgbClr val="FFFFFF"/>
+                </a:highlight>
+                <a:latin typeface="Arial" panose="020B0604020202020204" pitchFamily="34" charset="0"/>
+              </a:rPr>
+              <a:t>) </a:t>
+            </a:r>
+            <a:r>
+              <a:rPr lang="en-US" b="0" i="0" u="none" strike="noStrike" dirty="0">
+                <a:solidFill>
+                  <a:srgbClr val="333333"/>
+                </a:solidFill>
+                <a:effectLst/>
+                <a:latin typeface="STIXGeneral-Italic"/>
+              </a:rPr>
+              <a:t>𝑧</a:t>
+            </a:r>
+            <a:r>
+              <a:rPr lang="en-US" b="0" i="0" u="none" strike="noStrike" dirty="0">
+                <a:solidFill>
+                  <a:srgbClr val="333333"/>
+                </a:solidFill>
+                <a:effectLst/>
+                <a:highlight>
+                  <a:srgbClr val="FFFFFF"/>
+                </a:highlight>
+                <a:latin typeface="Arial" panose="020B0604020202020204" pitchFamily="34" charset="0"/>
+              </a:rPr>
+              <a:t>. Uniquely, the evolution of genes along the trajectory isn’t common to each gene but can be perturbed by an additional sample-specific covariate </a:t>
+            </a:r>
+            <a:r>
+              <a:rPr lang="en-US" b="0" i="0" u="none" strike="noStrike" dirty="0">
+                <a:solidFill>
+                  <a:srgbClr val="333333"/>
+                </a:solidFill>
+                <a:effectLst/>
+                <a:latin typeface="STIXGeneral-Italic"/>
+              </a:rPr>
+              <a:t>𝛽</a:t>
+            </a:r>
+            <a:r>
+              <a:rPr lang="en-US" b="0" i="0" u="none" strike="noStrike" dirty="0">
+                <a:solidFill>
+                  <a:srgbClr val="333333"/>
+                </a:solidFill>
+                <a:effectLst/>
+                <a:highlight>
+                  <a:srgbClr val="FFFFFF"/>
+                </a:highlight>
+                <a:latin typeface="Arial" panose="020B0604020202020204" pitchFamily="34" charset="0"/>
+              </a:rPr>
+              <a:t> (cell sort here)</a:t>
+            </a:r>
+            <a:endParaRPr lang="en-US" b="0" dirty="0">
+              <a:solidFill>
+                <a:srgbClr val="CCCCCC"/>
+              </a:solidFill>
+              <a:effectLst/>
+              <a:latin typeface="Menlo" panose="020B0609030804020204" pitchFamily="49" charset="0"/>
             </a:endParaRPr>
           </a:p>
         </p:txBody>
@@ -2182,7 +2441,7 @@
     </p:spTree>
     <p:extLst>
       <p:ext uri="{BB962C8B-B14F-4D97-AF65-F5344CB8AC3E}">
-        <p14:creationId xmlns:p14="http://schemas.microsoft.com/office/powerpoint/2010/main" val="1970036607"/>
+        <p14:creationId xmlns:p14="http://schemas.microsoft.com/office/powerpoint/2010/main" val="3777148753"/>
       </p:ext>
     </p:extLst>
   </p:cSld>
@@ -2254,35 +2513,6 @@
           <a:bodyPr/>
           <a:lstStyle/>
           <a:p>
-            <a:pPr marL="0" indent="0">
-              <a:buFont typeface="+mj-lt"/>
-              <a:buNone/>
-            </a:pPr>
-            <a:r>
-              <a:rPr lang="en-US" b="0" i="0" u="none" strike="noStrike" dirty="0">
-                <a:solidFill>
-                  <a:srgbClr val="000000"/>
-                </a:solidFill>
-                <a:effectLst/>
-                <a:latin typeface="-webkit-standard"/>
-              </a:rPr>
-              <a:t>Tested for significances already</a:t>
-            </a:r>
-          </a:p>
-          <a:p>
-            <a:pPr marL="0" indent="0">
-              <a:buFont typeface="+mj-lt"/>
-              <a:buNone/>
-            </a:pPr>
-            <a:endParaRPr lang="en-US" b="0" i="0" u="none" strike="noStrike" dirty="0">
-              <a:solidFill>
-                <a:srgbClr val="000000"/>
-              </a:solidFill>
-              <a:effectLst/>
-              <a:latin typeface="-webkit-standard"/>
-            </a:endParaRPr>
-          </a:p>
-          <a:p>
             <a:pPr marL="0" marR="0" lvl="0" indent="0" algn="l" defTabSz="914400" rtl="0" eaLnBrk="1" fontAlgn="auto" latinLnBrk="0" hangingPunct="1">
               <a:lnSpc>
                 <a:spcPct val="100000"/>
@@ -2301,202 +2531,98 @@
               <a:defRPr/>
             </a:pPr>
             <a:r>
-              <a:rPr lang="en-US" dirty="0"/>
-              <a:t>tried working from peak scores as well as Seurat scaled read counts in peak regions, different values but still 5 not different box plots</a:t>
-            </a:r>
-            <a:endParaRPr lang="en-US" b="0" i="0" u="none" strike="noStrike" dirty="0">
+              <a:rPr lang="en-US" sz="1200" b="0" i="0" u="none" strike="noStrike" dirty="0">
+                <a:solidFill>
+                  <a:srgbClr val="212121"/>
+                </a:solidFill>
+                <a:effectLst/>
+                <a:latin typeface="Aptos" panose="020B0004020202020204" pitchFamily="34" charset="0"/>
+              </a:rPr>
+              <a:t>Not drawing a DN </a:t>
+            </a:r>
+            <a:r>
+              <a:rPr lang="en-US" sz="1200" b="0" i="0" u="none" strike="noStrike" dirty="0">
+                <a:solidFill>
+                  <a:srgbClr val="212121"/>
+                </a:solidFill>
+                <a:effectLst/>
+                <a:latin typeface="Aptos" panose="020B0004020202020204" pitchFamily="34" charset="0"/>
+                <a:sym typeface="Wingdings" pitchFamily="2" charset="2"/>
+              </a:rPr>
+              <a:t> </a:t>
+            </a:r>
+            <a:r>
+              <a:rPr lang="en-US" sz="1200" b="0" i="0" u="none" strike="noStrike" dirty="0" err="1">
+                <a:solidFill>
+                  <a:srgbClr val="212121"/>
+                </a:solidFill>
+                <a:effectLst/>
+                <a:latin typeface="Aptos" panose="020B0004020202020204" pitchFamily="34" charset="0"/>
+                <a:sym typeface="Wingdings" pitchFamily="2" charset="2"/>
+              </a:rPr>
+              <a:t>nonexh</a:t>
+            </a:r>
+            <a:r>
+              <a:rPr lang="en-US" sz="1200" b="0" i="0" u="none" strike="noStrike" dirty="0">
+                <a:solidFill>
+                  <a:srgbClr val="212121"/>
+                </a:solidFill>
+                <a:effectLst/>
+                <a:latin typeface="Aptos" panose="020B0004020202020204" pitchFamily="34" charset="0"/>
+                <a:sym typeface="Wingdings" pitchFamily="2" charset="2"/>
+              </a:rPr>
+              <a:t>  DPs linear path because we don’t observe that in UMAP/PCA plots, but it could also be possible…</a:t>
+            </a:r>
+          </a:p>
+          <a:p>
+            <a:pPr marL="0" marR="0" lvl="0" indent="0" algn="l" defTabSz="914400" rtl="0" eaLnBrk="1" fontAlgn="auto" latinLnBrk="0" hangingPunct="1">
+              <a:lnSpc>
+                <a:spcPct val="100000"/>
+              </a:lnSpc>
+              <a:spcBef>
+                <a:spcPts val="0"/>
+              </a:spcBef>
+              <a:spcAft>
+                <a:spcPts val="0"/>
+              </a:spcAft>
+              <a:buClrTx/>
+              <a:buSzTx/>
+              <a:buFont typeface="+mj-lt"/>
+              <a:buNone/>
+              <a:tabLst/>
+              <a:defRPr/>
+            </a:pPr>
+            <a:endParaRPr lang="en-US" sz="1200" b="0" i="0" u="none" strike="noStrike" dirty="0">
               <a:solidFill>
-                <a:srgbClr val="000000"/>
+                <a:srgbClr val="212121"/>
               </a:solidFill>
               <a:effectLst/>
-              <a:latin typeface="-webkit-standard"/>
+              <a:latin typeface="Aptos" panose="020B0004020202020204" pitchFamily="34" charset="0"/>
+              <a:sym typeface="Wingdings" pitchFamily="2" charset="2"/>
             </a:endParaRPr>
           </a:p>
           <a:p>
-            <a:pPr marL="0" indent="0">
+            <a:pPr marL="0" marR="0" lvl="0" indent="0" algn="l" defTabSz="914400" rtl="0" eaLnBrk="1" fontAlgn="auto" latinLnBrk="0" hangingPunct="1">
+              <a:lnSpc>
+                <a:spcPct val="100000"/>
+              </a:lnSpc>
+              <a:spcBef>
+                <a:spcPts val="0"/>
+              </a:spcBef>
+              <a:spcAft>
+                <a:spcPts val="0"/>
+              </a:spcAft>
+              <a:buClrTx/>
+              <a:buSzTx/>
               <a:buFont typeface="+mj-lt"/>
               <a:buNone/>
+              <a:tabLst/>
+              <a:defRPr/>
             </a:pPr>
-            <a:endParaRPr lang="en-US" b="0" i="0" u="none" strike="noStrike" dirty="0">
-              <a:solidFill>
-                <a:srgbClr val="000000"/>
-              </a:solidFill>
-              <a:effectLst/>
-              <a:latin typeface="-webkit-standard"/>
-            </a:endParaRPr>
-          </a:p>
-          <a:p>
-            <a:pPr marL="0" indent="0">
-              <a:buFont typeface="+mj-lt"/>
-              <a:buNone/>
-            </a:pPr>
-            <a:r>
-              <a:rPr lang="en-US" b="0" i="0" u="none" strike="noStrike" dirty="0" err="1">
-                <a:solidFill>
-                  <a:srgbClr val="000000"/>
-                </a:solidFill>
-                <a:effectLst/>
-                <a:latin typeface="-webkit-standard"/>
-              </a:rPr>
-              <a:t>PhenoPath</a:t>
-            </a:r>
-            <a:r>
-              <a:rPr lang="en-US" b="0" i="0" u="none" strike="noStrike" dirty="0">
-                <a:solidFill>
-                  <a:srgbClr val="000000"/>
-                </a:solidFill>
-                <a:effectLst/>
-                <a:latin typeface="-webkit-standard"/>
-              </a:rPr>
-              <a:t> analyzes the accessibility of genomic regions (peaks) in your ATAC-seq data, modeling how these accessibilities change along a biological trajectory and how this trajectory is influenced by tissue type</a:t>
-            </a:r>
-          </a:p>
-          <a:p>
-            <a:pPr marL="0" indent="0">
-              <a:buFont typeface="+mj-lt"/>
-              <a:buNone/>
-            </a:pPr>
-            <a:endParaRPr lang="en-US" b="0" i="0" u="none" strike="noStrike" dirty="0">
-              <a:solidFill>
-                <a:srgbClr val="000000"/>
-              </a:solidFill>
-              <a:effectLst/>
-              <a:latin typeface="-webkit-standard"/>
-            </a:endParaRPr>
-          </a:p>
-          <a:p>
-            <a:pPr marL="0" indent="0">
-              <a:buFont typeface="+mj-lt"/>
-              <a:buNone/>
-            </a:pPr>
-            <a:r>
-              <a:rPr lang="en-US" b="0" i="0" u="none" strike="noStrike" dirty="0" err="1">
-                <a:solidFill>
-                  <a:srgbClr val="333333"/>
-                </a:solidFill>
-                <a:effectLst/>
-                <a:highlight>
-                  <a:srgbClr val="FFFFFF"/>
-                </a:highlight>
-                <a:latin typeface="Arial" panose="020B0604020202020204" pitchFamily="34" charset="0"/>
-              </a:rPr>
-              <a:t>PhenoPath</a:t>
-            </a:r>
-            <a:r>
-              <a:rPr lang="en-US" b="0" i="0" u="none" strike="noStrike" dirty="0">
-                <a:solidFill>
-                  <a:srgbClr val="333333"/>
-                </a:solidFill>
-                <a:effectLst/>
-                <a:highlight>
-                  <a:srgbClr val="FFFFFF"/>
-                </a:highlight>
-                <a:latin typeface="Arial" panose="020B0604020202020204" pitchFamily="34" charset="0"/>
-              </a:rPr>
-              <a:t> models gene expression expression </a:t>
-            </a:r>
-            <a:r>
-              <a:rPr lang="en-US" b="0" i="0" u="none" strike="noStrike" dirty="0">
-                <a:solidFill>
-                  <a:srgbClr val="333333"/>
-                </a:solidFill>
-                <a:effectLst/>
-                <a:latin typeface="STIXGeneral-Italic"/>
-              </a:rPr>
-              <a:t>𝑦</a:t>
-            </a:r>
-            <a:r>
-              <a:rPr lang="en-US" b="0" i="0" u="none" strike="noStrike" dirty="0">
-                <a:solidFill>
-                  <a:srgbClr val="333333"/>
-                </a:solidFill>
-                <a:effectLst/>
-                <a:highlight>
-                  <a:srgbClr val="FFFFFF"/>
-                </a:highlight>
-                <a:latin typeface="Arial" panose="020B0604020202020204" pitchFamily="34" charset="0"/>
-              </a:rPr>
-              <a:t> in terms of a latent pathway score (</a:t>
-            </a:r>
-            <a:r>
-              <a:rPr lang="en-US" b="0" i="0" u="none" strike="noStrike" dirty="0" err="1">
-                <a:solidFill>
-                  <a:srgbClr val="333333"/>
-                </a:solidFill>
-                <a:effectLst/>
-                <a:highlight>
-                  <a:srgbClr val="FFFFFF"/>
-                </a:highlight>
-                <a:latin typeface="Arial" panose="020B0604020202020204" pitchFamily="34" charset="0"/>
-              </a:rPr>
-              <a:t>pseudotime</a:t>
-            </a:r>
-            <a:r>
-              <a:rPr lang="en-US" b="0" i="0" u="none" strike="noStrike" dirty="0">
-                <a:solidFill>
-                  <a:srgbClr val="333333"/>
-                </a:solidFill>
-                <a:effectLst/>
-                <a:highlight>
-                  <a:srgbClr val="FFFFFF"/>
-                </a:highlight>
-                <a:latin typeface="Arial" panose="020B0604020202020204" pitchFamily="34" charset="0"/>
-              </a:rPr>
-              <a:t>) </a:t>
-            </a:r>
-            <a:r>
-              <a:rPr lang="en-US" b="0" i="0" u="none" strike="noStrike" dirty="0">
-                <a:solidFill>
-                  <a:srgbClr val="333333"/>
-                </a:solidFill>
-                <a:effectLst/>
-                <a:latin typeface="STIXGeneral-Italic"/>
-              </a:rPr>
-              <a:t>𝑧</a:t>
-            </a:r>
-            <a:r>
-              <a:rPr lang="en-US" b="0" i="0" u="none" strike="noStrike" dirty="0">
-                <a:solidFill>
-                  <a:srgbClr val="333333"/>
-                </a:solidFill>
-                <a:effectLst/>
-                <a:highlight>
-                  <a:srgbClr val="FFFFFF"/>
-                </a:highlight>
-                <a:latin typeface="Arial" panose="020B0604020202020204" pitchFamily="34" charset="0"/>
-              </a:rPr>
-              <a:t>. Uniquely, the evolution of genes along the trajectory isn’t common to each gene but can be perturbed by an additional sample-specific covariate </a:t>
-            </a:r>
-            <a:r>
-              <a:rPr lang="en-US" b="0" i="0" u="none" strike="noStrike" dirty="0">
-                <a:solidFill>
-                  <a:srgbClr val="333333"/>
-                </a:solidFill>
-                <a:effectLst/>
-                <a:latin typeface="STIXGeneral-Italic"/>
-              </a:rPr>
-              <a:t>𝛽</a:t>
-            </a:r>
-            <a:r>
-              <a:rPr lang="en-US" b="0" i="0" u="none" strike="noStrike" dirty="0">
-                <a:solidFill>
-                  <a:srgbClr val="333333"/>
-                </a:solidFill>
-                <a:effectLst/>
-                <a:highlight>
-                  <a:srgbClr val="FFFFFF"/>
-                </a:highlight>
-                <a:latin typeface="Arial" panose="020B0604020202020204" pitchFamily="34" charset="0"/>
-              </a:rPr>
-              <a:t> (cell sort here)</a:t>
-            </a:r>
-            <a:endParaRPr lang="en-US" b="0" dirty="0">
-              <a:solidFill>
-                <a:srgbClr val="CCCCCC"/>
-              </a:solidFill>
-              <a:effectLst/>
-              <a:latin typeface="Menlo" panose="020B0609030804020204" pitchFamily="49" charset="0"/>
-            </a:endParaRPr>
+            <a:r>
+              <a:rPr lang="en-US" dirty="0"/>
+              <a:t>There’s also few DP CD127+ CD57+ cells, supporting this bifurcation</a:t>
+            </a:r>
           </a:p>
         </p:txBody>
       </p:sp>
@@ -2532,7 +2658,7 @@
     </p:spTree>
     <p:extLst>
       <p:ext uri="{BB962C8B-B14F-4D97-AF65-F5344CB8AC3E}">
-        <p14:creationId xmlns:p14="http://schemas.microsoft.com/office/powerpoint/2010/main" val="1623334019"/>
+        <p14:creationId xmlns:p14="http://schemas.microsoft.com/office/powerpoint/2010/main" val="3544544526"/>
       </p:ext>
     </p:extLst>
   </p:cSld>
@@ -2689,7 +2815,7 @@
           <a:p>
             <a:fld id="{80FC6068-BAFB-FC44-B9D8-F4B3BB105DE6}" type="datetimeFigureOut">
               <a:rPr lang="en-US" smtClean="0"/>
-              <a:t>8/6/24</a:t>
+              <a:t>8/7/24</a:t>
             </a:fld>
             <a:endParaRPr lang="en-US"/>
           </a:p>
@@ -2887,7 +3013,7 @@
           <a:p>
             <a:fld id="{80FC6068-BAFB-FC44-B9D8-F4B3BB105DE6}" type="datetimeFigureOut">
               <a:rPr lang="en-US" smtClean="0"/>
-              <a:t>8/6/24</a:t>
+              <a:t>8/7/24</a:t>
             </a:fld>
             <a:endParaRPr lang="en-US"/>
           </a:p>
@@ -3095,7 +3221,7 @@
           <a:p>
             <a:fld id="{80FC6068-BAFB-FC44-B9D8-F4B3BB105DE6}" type="datetimeFigureOut">
               <a:rPr lang="en-US" smtClean="0"/>
-              <a:t>8/6/24</a:t>
+              <a:t>8/7/24</a:t>
             </a:fld>
             <a:endParaRPr lang="en-US"/>
           </a:p>
@@ -3299,7 +3425,7 @@
           <a:p>
             <a:fld id="{80FC6068-BAFB-FC44-B9D8-F4B3BB105DE6}" type="datetimeFigureOut">
               <a:rPr lang="en-US" smtClean="0"/>
-              <a:t>8/6/24</a:t>
+              <a:t>8/7/24</a:t>
             </a:fld>
             <a:endParaRPr lang="en-US"/>
           </a:p>
@@ -3590,7 +3716,7 @@
           <a:p>
             <a:fld id="{80FC6068-BAFB-FC44-B9D8-F4B3BB105DE6}" type="datetimeFigureOut">
               <a:rPr lang="en-US" smtClean="0"/>
-              <a:t>8/6/24</a:t>
+              <a:t>8/7/24</a:t>
             </a:fld>
             <a:endParaRPr lang="en-US"/>
           </a:p>
@@ -3855,7 +3981,7 @@
           <a:p>
             <a:fld id="{80FC6068-BAFB-FC44-B9D8-F4B3BB105DE6}" type="datetimeFigureOut">
               <a:rPr lang="en-US" smtClean="0"/>
-              <a:t>8/6/24</a:t>
+              <a:t>8/7/24</a:t>
             </a:fld>
             <a:endParaRPr lang="en-US"/>
           </a:p>
@@ -4267,7 +4393,7 @@
           <a:p>
             <a:fld id="{80FC6068-BAFB-FC44-B9D8-F4B3BB105DE6}" type="datetimeFigureOut">
               <a:rPr lang="en-US" smtClean="0"/>
-              <a:t>8/6/24</a:t>
+              <a:t>8/7/24</a:t>
             </a:fld>
             <a:endParaRPr lang="en-US"/>
           </a:p>
@@ -4408,7 +4534,7 @@
           <a:p>
             <a:fld id="{80FC6068-BAFB-FC44-B9D8-F4B3BB105DE6}" type="datetimeFigureOut">
               <a:rPr lang="en-US" smtClean="0"/>
-              <a:t>8/6/24</a:t>
+              <a:t>8/7/24</a:t>
             </a:fld>
             <a:endParaRPr lang="en-US"/>
           </a:p>
@@ -4521,7 +4647,7 @@
           <a:p>
             <a:fld id="{80FC6068-BAFB-FC44-B9D8-F4B3BB105DE6}" type="datetimeFigureOut">
               <a:rPr lang="en-US" smtClean="0"/>
-              <a:t>8/6/24</a:t>
+              <a:t>8/7/24</a:t>
             </a:fld>
             <a:endParaRPr lang="en-US"/>
           </a:p>
@@ -4832,7 +4958,7 @@
           <a:p>
             <a:fld id="{80FC6068-BAFB-FC44-B9D8-F4B3BB105DE6}" type="datetimeFigureOut">
               <a:rPr lang="en-US" smtClean="0"/>
-              <a:t>8/6/24</a:t>
+              <a:t>8/7/24</a:t>
             </a:fld>
             <a:endParaRPr lang="en-US"/>
           </a:p>
@@ -5120,7 +5246,7 @@
           <a:p>
             <a:fld id="{80FC6068-BAFB-FC44-B9D8-F4B3BB105DE6}" type="datetimeFigureOut">
               <a:rPr lang="en-US" smtClean="0"/>
-              <a:t>8/6/24</a:t>
+              <a:t>8/7/24</a:t>
             </a:fld>
             <a:endParaRPr lang="en-US"/>
           </a:p>
@@ -5361,7 +5487,7 @@
           <a:p>
             <a:fld id="{80FC6068-BAFB-FC44-B9D8-F4B3BB105DE6}" type="datetimeFigureOut">
               <a:rPr lang="en-US" smtClean="0"/>
-              <a:t>8/6/24</a:t>
+              <a:t>8/7/24</a:t>
             </a:fld>
             <a:endParaRPr lang="en-US"/>
           </a:p>
@@ -5884,6 +6010,202 @@
           <a:chExt cx="0" cy="0"/>
         </a:xfrm>
       </p:grpSpPr>
+      <p:sp>
+        <p:nvSpPr>
+          <p:cNvPr id="6" name="Title 5">
+            <a:extLst>
+              <a:ext uri="{FF2B5EF4-FFF2-40B4-BE49-F238E27FC236}">
+                <a16:creationId xmlns:a16="http://schemas.microsoft.com/office/drawing/2014/main" id="{B9AD7D28-49C2-0B8B-79CB-FA2C8F40B6BC}"/>
+              </a:ext>
+            </a:extLst>
+          </p:cNvPr>
+          <p:cNvSpPr>
+            <a:spLocks noGrp="1"/>
+          </p:cNvSpPr>
+          <p:nvPr>
+            <p:ph type="title"/>
+          </p:nvPr>
+        </p:nvSpPr>
+        <p:spPr>
+          <a:xfrm>
+            <a:off x="838200" y="365125"/>
+            <a:ext cx="10279455" cy="1825625"/>
+          </a:xfrm>
+        </p:spPr>
+        <p:txBody>
+          <a:bodyPr>
+            <a:normAutofit/>
+          </a:bodyPr>
+          <a:lstStyle/>
+          <a:p>
+            <a:r>
+              <a:rPr lang="en-US" dirty="0"/>
+              <a:t>Next steps</a:t>
+            </a:r>
+          </a:p>
+        </p:txBody>
+      </p:sp>
+      <p:sp>
+        <p:nvSpPr>
+          <p:cNvPr id="2" name="Content Placeholder 2">
+            <a:extLst>
+              <a:ext uri="{FF2B5EF4-FFF2-40B4-BE49-F238E27FC236}">
+                <a16:creationId xmlns:a16="http://schemas.microsoft.com/office/drawing/2014/main" id="{090FDFCF-AEFD-6D7B-6B89-12A07B49703B}"/>
+              </a:ext>
+            </a:extLst>
+          </p:cNvPr>
+          <p:cNvSpPr>
+            <a:spLocks noGrp="1"/>
+          </p:cNvSpPr>
+          <p:nvPr>
+            <p:ph idx="1"/>
+          </p:nvPr>
+        </p:nvSpPr>
+        <p:spPr>
+          <a:xfrm>
+            <a:off x="838200" y="1919289"/>
+            <a:ext cx="10771208" cy="4499440"/>
+          </a:xfrm>
+        </p:spPr>
+        <p:txBody>
+          <a:bodyPr>
+            <a:normAutofit lnSpcReduction="10000"/>
+          </a:bodyPr>
+          <a:lstStyle/>
+          <a:p>
+            <a:pPr marL="514350" indent="-514350">
+              <a:buFont typeface="+mj-lt"/>
+              <a:buAutoNum type="arabicPeriod"/>
+            </a:pPr>
+            <a:r>
+              <a:rPr lang="en-US" dirty="0"/>
+              <a:t>Analyzing additional </a:t>
+            </a:r>
+            <a:r>
+              <a:rPr lang="en-US" dirty="0" err="1"/>
+              <a:t>AbATE</a:t>
+            </a:r>
+            <a:r>
+              <a:rPr lang="en-US" dirty="0"/>
+              <a:t> reads as soon as run through alignment pipeline (expecting to begin by Monday)</a:t>
+            </a:r>
+          </a:p>
+          <a:p>
+            <a:pPr marL="514350" indent="-514350">
+              <a:buFont typeface="+mj-lt"/>
+              <a:buAutoNum type="arabicPeriod"/>
+            </a:pPr>
+            <a:r>
+              <a:rPr lang="en-US" dirty="0"/>
+              <a:t>Preparing poster for BRI retreat (all abstracts make a poster?)</a:t>
+            </a:r>
+          </a:p>
+          <a:p>
+            <a:pPr marL="514350" indent="-514350">
+              <a:buFont typeface="+mj-lt"/>
+              <a:buAutoNum type="arabicPeriod"/>
+            </a:pPr>
+            <a:r>
+              <a:rPr lang="en-US" dirty="0" err="1"/>
+              <a:t>scATACseq</a:t>
+            </a:r>
+            <a:r>
+              <a:rPr lang="en-US" dirty="0"/>
+              <a:t> for MT variant-based lineage mapping</a:t>
+            </a:r>
+          </a:p>
+          <a:p>
+            <a:pPr marL="971550" lvl="1" indent="-514350">
+              <a:buFont typeface="+mj-lt"/>
+              <a:buAutoNum type="alphaLcParenR"/>
+            </a:pPr>
+            <a:r>
+              <a:rPr lang="en-US" dirty="0"/>
+              <a:t>authors from </a:t>
+            </a:r>
+            <a:r>
+              <a:rPr lang="en-US" dirty="0">
+                <a:hlinkClick r:id="rId3"/>
+              </a:rPr>
+              <a:t>this paper</a:t>
+            </a:r>
+            <a:r>
+              <a:rPr lang="en-US" dirty="0"/>
+              <a:t> recommended working backwards from rare variant frequency threshold to get cell numbers (i.e. with a lower bound variant frequency of 0.0005 then want 2,000 cells per sort per replicate, presumably?), that’s already lower bound than lowest bound I have looked at/showed results for… so maybe we don’t need (many) more cells for </a:t>
+            </a:r>
+            <a:r>
+              <a:rPr lang="en-US" dirty="0" err="1"/>
+              <a:t>scATACseq</a:t>
+            </a:r>
+            <a:r>
+              <a:rPr lang="en-US" dirty="0"/>
+              <a:t> than bulk </a:t>
+            </a:r>
+            <a:r>
+              <a:rPr lang="en-US" dirty="0" err="1"/>
+              <a:t>ATACseq</a:t>
+            </a:r>
+            <a:r>
+              <a:rPr lang="en-US" dirty="0"/>
+              <a:t>…</a:t>
+            </a:r>
+          </a:p>
+          <a:p>
+            <a:pPr marL="971550" lvl="1" indent="-514350">
+              <a:buFont typeface="+mj-lt"/>
+              <a:buAutoNum type="alphaLcParenR"/>
+            </a:pPr>
+            <a:r>
+              <a:rPr lang="en-US" dirty="0"/>
+              <a:t>might ask around BRI for/download public </a:t>
+            </a:r>
+            <a:r>
+              <a:rPr lang="en-US" dirty="0" err="1"/>
+              <a:t>scATACseq</a:t>
+            </a:r>
+            <a:r>
+              <a:rPr lang="en-US" dirty="0"/>
+              <a:t> data eventually to practice lineage mapping</a:t>
+            </a:r>
+          </a:p>
+        </p:txBody>
+      </p:sp>
+    </p:spTree>
+    <p:extLst>
+      <p:ext uri="{BB962C8B-B14F-4D97-AF65-F5344CB8AC3E}">
+        <p14:creationId xmlns:p14="http://schemas.microsoft.com/office/powerpoint/2010/main" val="4005091590"/>
+      </p:ext>
+    </p:extLst>
+  </p:cSld>
+  <p:clrMapOvr>
+    <a:masterClrMapping/>
+  </p:clrMapOvr>
+</p:sld>
+</file>
+
+<file path=ppt/slides/slide11.xml><?xml version="1.0" encoding="utf-8"?>
+<p:sld xmlns:a="http://schemas.openxmlformats.org/drawingml/2006/main" xmlns:r="http://schemas.openxmlformats.org/officeDocument/2006/relationships" xmlns:p="http://schemas.openxmlformats.org/presentationml/2006/main">
+  <p:cSld>
+    <p:spTree>
+      <p:nvGrpSpPr>
+        <p:cNvPr id="1" name="">
+          <a:extLst>
+            <a:ext uri="{FF2B5EF4-FFF2-40B4-BE49-F238E27FC236}">
+              <a16:creationId xmlns:a16="http://schemas.microsoft.com/office/drawing/2014/main" id="{5F63F271-7169-1115-1EF3-CE3BF477816E}"/>
+            </a:ext>
+          </a:extLst>
+        </p:cNvPr>
+        <p:cNvGrpSpPr/>
+        <p:nvPr/>
+      </p:nvGrpSpPr>
+      <p:grpSpPr>
+        <a:xfrm>
+          <a:off x="0" y="0"/>
+          <a:ext cx="0" cy="0"/>
+          <a:chOff x="0" y="0"/>
+          <a:chExt cx="0" cy="0"/>
+        </a:xfrm>
+      </p:grpSpPr>
       <p:pic>
         <p:nvPicPr>
           <p:cNvPr id="8" name="Picture 7">
@@ -6240,6 +6562,16 @@
               <a:buAutoNum type="arabicPeriod"/>
             </a:pPr>
             <a:r>
+              <a:rPr lang="en-US" dirty="0"/>
+              <a:t>BRI retreat abstract</a:t>
+            </a:r>
+          </a:p>
+          <a:p>
+            <a:pPr marL="514350" indent="-514350">
+              <a:buFont typeface="+mj-lt"/>
+              <a:buAutoNum type="arabicPeriod"/>
+            </a:pPr>
+            <a:r>
               <a:rPr lang="en-US" dirty="0" err="1"/>
               <a:t>AbATE</a:t>
             </a:r>
@@ -6316,95 +6648,143 @@
           <a:p>
             <a:r>
               <a:rPr lang="en-US" dirty="0"/>
-              <a:t>Outlier DN (</a:t>
-            </a:r>
-            <a:r>
-              <a:rPr lang="en-US" dirty="0" err="1"/>
-              <a:t>donorId</a:t>
-            </a:r>
-            <a:r>
-              <a:rPr lang="en-US" dirty="0"/>
-              <a:t> </a:t>
-            </a:r>
-            <a:r>
-              <a:rPr lang="en-US" dirty="0">
-                <a:solidFill>
-                  <a:srgbClr val="FFC0CB"/>
-                </a:solidFill>
-              </a:rPr>
-              <a:t>002011</a:t>
-            </a:r>
-            <a:r>
-              <a:rPr lang="en-US" dirty="0"/>
-              <a:t>): 4/5 donor sorts cluster ~closer than other donors’ sorts</a:t>
-            </a:r>
-          </a:p>
-        </p:txBody>
-      </p:sp>
-      <p:pic>
-        <p:nvPicPr>
-          <p:cNvPr id="13" name="Picture 12">
-            <a:extLst>
-              <a:ext uri="{FF2B5EF4-FFF2-40B4-BE49-F238E27FC236}">
-                <a16:creationId xmlns:a16="http://schemas.microsoft.com/office/drawing/2014/main" id="{C3FE35DA-6147-ADC2-995F-91356D0CEF7F}"/>
-              </a:ext>
-            </a:extLst>
-          </p:cNvPr>
-          <p:cNvPicPr>
-            <a:picLocks noChangeAspect="1"/>
-          </p:cNvPicPr>
-          <p:nvPr/>
-        </p:nvPicPr>
-        <p:blipFill>
-          <a:blip r:embed="rId3"/>
-          <a:stretch>
-            <a:fillRect/>
-          </a:stretch>
-        </p:blipFill>
+              <a:t>BRI retreat: abstract + any authors needed on patient recruitment side?</a:t>
+            </a:r>
+          </a:p>
+        </p:txBody>
+      </p:sp>
+      <p:sp>
+        <p:nvSpPr>
+          <p:cNvPr id="2" name="Content Placeholder 2">
+            <a:extLst>
+              <a:ext uri="{FF2B5EF4-FFF2-40B4-BE49-F238E27FC236}">
+                <a16:creationId xmlns:a16="http://schemas.microsoft.com/office/drawing/2014/main" id="{090FDFCF-AEFD-6D7B-6B89-12A07B49703B}"/>
+              </a:ext>
+            </a:extLst>
+          </p:cNvPr>
+          <p:cNvSpPr>
+            <a:spLocks noGrp="1"/>
+          </p:cNvSpPr>
+          <p:nvPr>
+            <p:ph idx="1"/>
+          </p:nvPr>
+        </p:nvSpPr>
         <p:spPr>
           <a:xfrm>
-            <a:off x="5850467" y="2163888"/>
-            <a:ext cx="6096000" cy="3799989"/>
+            <a:off x="838200" y="1919288"/>
+            <a:ext cx="10771208" cy="4786311"/>
           </a:xfrm>
-          <a:prstGeom prst="rect">
-            <a:avLst/>
-          </a:prstGeom>
         </p:spPr>
-      </p:pic>
-      <p:pic>
-        <p:nvPicPr>
-          <p:cNvPr id="16" name="Picture 15">
-            <a:extLst>
-              <a:ext uri="{FF2B5EF4-FFF2-40B4-BE49-F238E27FC236}">
-                <a16:creationId xmlns:a16="http://schemas.microsoft.com/office/drawing/2014/main" id="{6732F781-B019-1686-C305-0A98DEF92E5F}"/>
-              </a:ext>
-            </a:extLst>
-          </p:cNvPr>
-          <p:cNvPicPr>
-            <a:picLocks noChangeAspect="1"/>
-          </p:cNvPicPr>
-          <p:nvPr/>
-        </p:nvPicPr>
-        <p:blipFill>
-          <a:blip r:embed="rId4"/>
-          <a:stretch>
-            <a:fillRect/>
-          </a:stretch>
-        </p:blipFill>
-        <p:spPr>
-          <a:xfrm>
-            <a:off x="0" y="2190750"/>
-            <a:ext cx="5850467" cy="3773127"/>
-          </a:xfrm>
-          <a:prstGeom prst="rect">
-            <a:avLst/>
-          </a:prstGeom>
-        </p:spPr>
-      </p:pic>
+        <p:txBody>
+          <a:bodyPr>
+            <a:normAutofit fontScale="55000" lnSpcReduction="20000"/>
+          </a:bodyPr>
+          <a:lstStyle/>
+          <a:p>
+            <a:pPr marL="0" indent="0">
+              <a:buNone/>
+            </a:pPr>
+            <a:r>
+              <a:rPr lang="en-US" dirty="0"/>
+              <a:t>T cell exhaustion, a state of reduced effector function, results from chronic stimulation from antigens that cannot be fully cleared.</a:t>
+            </a:r>
+          </a:p>
+          <a:p>
+            <a:pPr marL="0" indent="0">
+              <a:buNone/>
+            </a:pPr>
+            <a:r>
+              <a:rPr lang="en-US" dirty="0"/>
+              <a:t>In recent T1D studies, levels of TIGIT+KLRG1+ (DP) PD-1+ and DP CD57+ exhausted CD8s early after treatment have correlated with better response to therapy, consistent with the reduced effector function of these exhausted T cells.</a:t>
+            </a:r>
+          </a:p>
+          <a:p>
+            <a:pPr marL="0" indent="0">
+              <a:buNone/>
+            </a:pPr>
+            <a:r>
+              <a:rPr lang="en-US" dirty="0"/>
+              <a:t>However, levels of DP CD127+ exhausted CD8s may in fact correlate with worse outcome in T1D.</a:t>
+            </a:r>
+          </a:p>
+          <a:p>
+            <a:pPr marL="0" indent="0">
+              <a:buNone/>
+            </a:pPr>
+            <a:r>
+              <a:rPr lang="en-US" dirty="0"/>
+              <a:t>To investigate this heterogeneity in association with response to therapy amongst DP exhausted CD8s and given the epigenetic changes that characterize T cell exhaustion, here we profiled the epigenetic states of different non-naive CD8 populations from PBMCs of 10 T1D patients treated with teplizumab using bulk ATAC-seq.</a:t>
+            </a:r>
+          </a:p>
+          <a:p>
+            <a:pPr marL="0" indent="0">
+              <a:buNone/>
+            </a:pPr>
+            <a:r>
+              <a:rPr lang="en-US" dirty="0"/>
+              <a:t>We found that the epigenetic states of DP CD127+ CD8s were intermediate to that of other DP CD8s (PD-1+ and CD57+) and TIGIT+KLRG1+ CD8s.</a:t>
+            </a:r>
+          </a:p>
+          <a:p>
+            <a:pPr marL="0" indent="0">
+              <a:buNone/>
+            </a:pPr>
+            <a:r>
+              <a:rPr lang="en-US" dirty="0"/>
+              <a:t>We also analyzed mitochondrial-mapping ATAC-seq reads and found that the DP CD57+ CD8s had the most mitochondrial single nucleotide variants.</a:t>
+            </a:r>
+          </a:p>
+          <a:p>
+            <a:pPr marL="0" indent="0">
+              <a:buNone/>
+            </a:pPr>
+            <a:r>
+              <a:rPr lang="en-US" dirty="0"/>
+              <a:t>We hypothesize that a bifurcation occurs in non-naive CD8 differentiation where one branch leads to the DP CD127+ CD8s and the other branch leads to the DP PD-1+ CD8s and the more terminal, downstream DP CD57+ CD8s.</a:t>
+            </a:r>
+          </a:p>
+          <a:p>
+            <a:pPr marL="0" indent="0">
+              <a:buNone/>
+            </a:pPr>
+            <a:r>
+              <a:rPr lang="en-US" b="1" dirty="0"/>
+              <a:t>This separation of the DP CD127+ lineage from other DPs lineage is consistent with the observed heterogeneity in association with response to therapy and …</a:t>
+            </a:r>
+          </a:p>
+          <a:p>
+            <a:pPr marL="0" indent="0">
+              <a:buNone/>
+            </a:pPr>
+            <a:r>
+              <a:rPr lang="en-US" b="1" dirty="0"/>
+              <a:t>	the possible protective effect of IL7R blockade against autoimmune diabetes.</a:t>
+            </a:r>
+          </a:p>
+          <a:p>
+            <a:pPr marL="0" indent="0">
+              <a:buNone/>
+            </a:pPr>
+            <a:r>
+              <a:rPr lang="en-US" b="1" dirty="0"/>
+              <a:t>	the reversal of autoimmune diabetes with IL7R blockade in NOD mice.</a:t>
+            </a:r>
+          </a:p>
+          <a:p>
+            <a:pPr marL="0" indent="0">
+              <a:buNone/>
+            </a:pPr>
+            <a:r>
+              <a:rPr lang="en-US" b="1" dirty="0"/>
+              <a:t>	bodes well for new trials combining teplizumab and anti-IL7R.</a:t>
+            </a:r>
+          </a:p>
+        </p:txBody>
+      </p:sp>
     </p:spTree>
     <p:extLst>
       <p:ext uri="{BB962C8B-B14F-4D97-AF65-F5344CB8AC3E}">
-        <p14:creationId xmlns:p14="http://schemas.microsoft.com/office/powerpoint/2010/main" val="3773983348"/>
+        <p14:creationId xmlns:p14="http://schemas.microsoft.com/office/powerpoint/2010/main" val="152220352"/>
       </p:ext>
     </p:extLst>
   </p:cSld>
@@ -6455,6 +6835,107 @@
         </p:nvSpPr>
         <p:spPr>
           <a:xfrm>
+            <a:off x="838199" y="365125"/>
+            <a:ext cx="10420927" cy="1620693"/>
+          </a:xfrm>
+        </p:spPr>
+        <p:txBody>
+          <a:bodyPr>
+            <a:normAutofit/>
+          </a:bodyPr>
+          <a:lstStyle/>
+          <a:p>
+            <a:r>
+              <a:rPr lang="en-US" dirty="0"/>
+              <a:t>Additional QC check for biological sex (sex chr reads vs. metadata): all samples pass</a:t>
+            </a:r>
+          </a:p>
+        </p:txBody>
+      </p:sp>
+      <p:pic>
+        <p:nvPicPr>
+          <p:cNvPr id="5" name="Picture 4">
+            <a:extLst>
+              <a:ext uri="{FF2B5EF4-FFF2-40B4-BE49-F238E27FC236}">
+                <a16:creationId xmlns:a16="http://schemas.microsoft.com/office/drawing/2014/main" id="{3C6DE99D-601F-B013-0DF6-7633A5BB830D}"/>
+              </a:ext>
+            </a:extLst>
+          </p:cNvPr>
+          <p:cNvPicPr>
+            <a:picLocks noChangeAspect="1"/>
+          </p:cNvPicPr>
+          <p:nvPr/>
+        </p:nvPicPr>
+        <p:blipFill>
+          <a:blip r:embed="rId3"/>
+          <a:stretch>
+            <a:fillRect/>
+          </a:stretch>
+        </p:blipFill>
+        <p:spPr>
+          <a:xfrm>
+            <a:off x="1886528" y="1985818"/>
+            <a:ext cx="7772400" cy="4762999"/>
+          </a:xfrm>
+          <a:prstGeom prst="rect">
+            <a:avLst/>
+          </a:prstGeom>
+        </p:spPr>
+      </p:pic>
+    </p:spTree>
+    <p:extLst>
+      <p:ext uri="{BB962C8B-B14F-4D97-AF65-F5344CB8AC3E}">
+        <p14:creationId xmlns:p14="http://schemas.microsoft.com/office/powerpoint/2010/main" val="3018884978"/>
+      </p:ext>
+    </p:extLst>
+  </p:cSld>
+  <p:clrMapOvr>
+    <a:masterClrMapping/>
+  </p:clrMapOvr>
+</p:sld>
+</file>
+
+<file path=ppt/slides/slide5.xml><?xml version="1.0" encoding="utf-8"?>
+<p:sld xmlns:a="http://schemas.openxmlformats.org/drawingml/2006/main" xmlns:r="http://schemas.openxmlformats.org/officeDocument/2006/relationships" xmlns:p="http://schemas.openxmlformats.org/presentationml/2006/main">
+  <p:cSld>
+    <p:spTree>
+      <p:nvGrpSpPr>
+        <p:cNvPr id="1" name="">
+          <a:extLst>
+            <a:ext uri="{FF2B5EF4-FFF2-40B4-BE49-F238E27FC236}">
+              <a16:creationId xmlns:a16="http://schemas.microsoft.com/office/drawing/2014/main" id="{5F63F271-7169-1115-1EF3-CE3BF477816E}"/>
+            </a:ext>
+          </a:extLst>
+        </p:cNvPr>
+        <p:cNvGrpSpPr/>
+        <p:nvPr/>
+      </p:nvGrpSpPr>
+      <p:grpSpPr>
+        <a:xfrm>
+          <a:off x="0" y="0"/>
+          <a:ext cx="0" cy="0"/>
+          <a:chOff x="0" y="0"/>
+          <a:chExt cx="0" cy="0"/>
+        </a:xfrm>
+      </p:grpSpPr>
+      <p:sp>
+        <p:nvSpPr>
+          <p:cNvPr id="6" name="Title 5">
+            <a:extLst>
+              <a:ext uri="{FF2B5EF4-FFF2-40B4-BE49-F238E27FC236}">
+                <a16:creationId xmlns:a16="http://schemas.microsoft.com/office/drawing/2014/main" id="{B9AD7D28-49C2-0B8B-79CB-FA2C8F40B6BC}"/>
+              </a:ext>
+            </a:extLst>
+          </p:cNvPr>
+          <p:cNvSpPr>
+            <a:spLocks noGrp="1"/>
+          </p:cNvSpPr>
+          <p:nvPr>
+            <p:ph type="title"/>
+          </p:nvPr>
+        </p:nvSpPr>
+        <p:spPr>
+          <a:xfrm>
             <a:off x="838200" y="365125"/>
             <a:ext cx="10279455" cy="1825625"/>
           </a:xfrm>
@@ -6483,7 +6964,7 @@
             </a:r>
             <a:r>
               <a:rPr lang="en-US" dirty="0"/>
-              <a:t> but hadn’t done in Seurat)</a:t>
+              <a:t> but hadn’t done yet in Seurat)</a:t>
             </a:r>
           </a:p>
         </p:txBody>
@@ -6691,7 +7172,7 @@
 </p:sld>
 </file>
 
-<file path=ppt/slides/slide5.xml><?xml version="1.0" encoding="utf-8"?>
+<file path=ppt/slides/slide6.xml><?xml version="1.0" encoding="utf-8"?>
 <p:sld xmlns:a="http://schemas.openxmlformats.org/drawingml/2006/main" xmlns:r="http://schemas.openxmlformats.org/officeDocument/2006/relationships" xmlns:p="http://schemas.openxmlformats.org/presentationml/2006/main">
   <p:cSld>
     <p:spTree>
@@ -6744,7 +7225,7 @@
           <a:p>
             <a:r>
               <a:rPr lang="en-US" dirty="0"/>
-              <a:t>Outlier DN still outlier when looking at top 2000 variably accessible regions in high dimensional space, even after regressing out </a:t>
+              <a:t>Even after regressing out </a:t>
             </a:r>
             <a:r>
               <a:rPr lang="en-US" dirty="0" err="1"/>
@@ -6752,7 +7233,7 @@
             </a:r>
             <a:r>
               <a:rPr lang="en-US" dirty="0"/>
-              <a:t> &amp; responder status</a:t>
+              <a:t> &amp; responder status, outlier DN is still an outlier (UMAP hides this)</a:t>
             </a:r>
           </a:p>
         </p:txBody>
@@ -6900,312 +7381,6 @@
 </p:sld>
 </file>
 
-<file path=ppt/slides/slide6.xml><?xml version="1.0" encoding="utf-8"?>
-<p:sld xmlns:a="http://schemas.openxmlformats.org/drawingml/2006/main" xmlns:r="http://schemas.openxmlformats.org/officeDocument/2006/relationships" xmlns:p="http://schemas.openxmlformats.org/presentationml/2006/main">
-  <p:cSld>
-    <p:spTree>
-      <p:nvGrpSpPr>
-        <p:cNvPr id="1" name="">
-          <a:extLst>
-            <a:ext uri="{FF2B5EF4-FFF2-40B4-BE49-F238E27FC236}">
-              <a16:creationId xmlns:a16="http://schemas.microsoft.com/office/drawing/2014/main" id="{5F63F271-7169-1115-1EF3-CE3BF477816E}"/>
-            </a:ext>
-          </a:extLst>
-        </p:cNvPr>
-        <p:cNvGrpSpPr/>
-        <p:nvPr/>
-      </p:nvGrpSpPr>
-      <p:grpSpPr>
-        <a:xfrm>
-          <a:off x="0" y="0"/>
-          <a:ext cx="0" cy="0"/>
-          <a:chOff x="0" y="0"/>
-          <a:chExt cx="0" cy="0"/>
-        </a:xfrm>
-      </p:grpSpPr>
-      <p:sp>
-        <p:nvSpPr>
-          <p:cNvPr id="6" name="Title 5">
-            <a:extLst>
-              <a:ext uri="{FF2B5EF4-FFF2-40B4-BE49-F238E27FC236}">
-                <a16:creationId xmlns:a16="http://schemas.microsoft.com/office/drawing/2014/main" id="{B9AD7D28-49C2-0B8B-79CB-FA2C8F40B6BC}"/>
-              </a:ext>
-            </a:extLst>
-          </p:cNvPr>
-          <p:cNvSpPr>
-            <a:spLocks noGrp="1"/>
-          </p:cNvSpPr>
-          <p:nvPr>
-            <p:ph type="title"/>
-          </p:nvPr>
-        </p:nvSpPr>
-        <p:spPr>
-          <a:xfrm>
-            <a:off x="838200" y="365125"/>
-            <a:ext cx="6192290" cy="2479675"/>
-          </a:xfrm>
-        </p:spPr>
-        <p:txBody>
-          <a:bodyPr>
-            <a:normAutofit fontScale="90000"/>
-          </a:bodyPr>
-          <a:lstStyle/>
-          <a:p>
-            <a:r>
-              <a:rPr lang="en-US" dirty="0"/>
-              <a:t>Peaks near promoters related to positive regulation of NK/lymphocyte-mediated cytotoxicity/immunity more accessible in DP CD57</a:t>
-            </a:r>
-            <a:r>
-              <a:rPr lang="en-US" baseline="30000" dirty="0"/>
-              <a:t>+</a:t>
-            </a:r>
-            <a:r>
-              <a:rPr lang="en-US" dirty="0"/>
-              <a:t>/DP PD-1</a:t>
-            </a:r>
-            <a:r>
-              <a:rPr lang="en-US" baseline="30000" dirty="0"/>
-              <a:t>+</a:t>
-            </a:r>
-            <a:r>
-              <a:rPr lang="en-US" dirty="0"/>
-              <a:t> clusters</a:t>
-            </a:r>
-          </a:p>
-        </p:txBody>
-      </p:sp>
-      <p:pic>
-        <p:nvPicPr>
-          <p:cNvPr id="7" name="Picture 6">
-            <a:extLst>
-              <a:ext uri="{FF2B5EF4-FFF2-40B4-BE49-F238E27FC236}">
-                <a16:creationId xmlns:a16="http://schemas.microsoft.com/office/drawing/2014/main" id="{78874B6E-BD9A-3242-0DC5-0064549DF1D5}"/>
-              </a:ext>
-            </a:extLst>
-          </p:cNvPr>
-          <p:cNvPicPr>
-            <a:picLocks noChangeAspect="1"/>
-          </p:cNvPicPr>
-          <p:nvPr/>
-        </p:nvPicPr>
-        <p:blipFill>
-          <a:blip r:embed="rId3"/>
-          <a:stretch>
-            <a:fillRect/>
-          </a:stretch>
-        </p:blipFill>
-        <p:spPr>
-          <a:xfrm>
-            <a:off x="6583063" y="-1"/>
-            <a:ext cx="5141513" cy="6858000"/>
-          </a:xfrm>
-          <a:prstGeom prst="rect">
-            <a:avLst/>
-          </a:prstGeom>
-        </p:spPr>
-      </p:pic>
-      <p:sp>
-        <p:nvSpPr>
-          <p:cNvPr id="8" name="Content Placeholder 2">
-            <a:extLst>
-              <a:ext uri="{FF2B5EF4-FFF2-40B4-BE49-F238E27FC236}">
-                <a16:creationId xmlns:a16="http://schemas.microsoft.com/office/drawing/2014/main" id="{82A40516-AB98-C74A-602D-2C16C4596EC5}"/>
-              </a:ext>
-            </a:extLst>
-          </p:cNvPr>
-          <p:cNvSpPr>
-            <a:spLocks noGrp="1"/>
-          </p:cNvSpPr>
-          <p:nvPr>
-            <p:ph idx="1"/>
-          </p:nvPr>
-        </p:nvSpPr>
-        <p:spPr>
-          <a:xfrm>
-            <a:off x="838200" y="3066644"/>
-            <a:ext cx="5529148" cy="3573929"/>
-          </a:xfrm>
-        </p:spPr>
-        <p:txBody>
-          <a:bodyPr>
-            <a:normAutofit fontScale="92500" lnSpcReduction="10000"/>
-          </a:bodyPr>
-          <a:lstStyle/>
-          <a:p>
-            <a:pPr marL="514350" indent="-514350">
-              <a:buFont typeface="+mj-lt"/>
-              <a:buAutoNum type="arabicPeriod"/>
-            </a:pPr>
-            <a:r>
-              <a:rPr lang="en-US" dirty="0"/>
-              <a:t>Positive regulation of lymphocyte mediated immunity</a:t>
-            </a:r>
-          </a:p>
-          <a:p>
-            <a:pPr marL="971550" lvl="1" indent="-514350">
-              <a:buFont typeface="+mj-lt"/>
-              <a:buAutoNum type="alphaLcParenR"/>
-            </a:pPr>
-            <a:r>
-              <a:rPr lang="en-US" dirty="0"/>
-              <a:t>IL21, SH2D1A, RASGRP1, AP1G1, DENND1B (5/116)</a:t>
-            </a:r>
-          </a:p>
-          <a:p>
-            <a:pPr marL="971550" lvl="1" indent="-514350">
-              <a:buFont typeface="+mj-lt"/>
-              <a:buAutoNum type="alphaLcParenR"/>
-            </a:pPr>
-            <a:r>
-              <a:rPr lang="en-US" dirty="0"/>
-              <a:t>FDR: 0.02</a:t>
-            </a:r>
-          </a:p>
-          <a:p>
-            <a:pPr marL="514350" indent="-514350">
-              <a:buFont typeface="+mj-lt"/>
-              <a:buAutoNum type="arabicPeriod"/>
-            </a:pPr>
-            <a:r>
-              <a:rPr lang="en-US" dirty="0"/>
-              <a:t>Positive regulation of NK cell mediated cytotoxicity</a:t>
-            </a:r>
-          </a:p>
-          <a:p>
-            <a:pPr marL="971550" lvl="1" indent="-514350">
-              <a:buFont typeface="+mj-lt"/>
-              <a:buAutoNum type="alphaLcParenR"/>
-            </a:pPr>
-            <a:r>
-              <a:rPr lang="en-US" dirty="0"/>
-              <a:t>IL21, SH2D1A, RASGRP1, AP1G1 (4/27)</a:t>
-            </a:r>
-          </a:p>
-          <a:p>
-            <a:pPr marL="971550" lvl="1" indent="-514350">
-              <a:buFont typeface="+mj-lt"/>
-              <a:buAutoNum type="alphaLcParenR"/>
-            </a:pPr>
-            <a:r>
-              <a:rPr lang="en-US" dirty="0"/>
-              <a:t>FDR: 0.007</a:t>
-            </a:r>
-          </a:p>
-        </p:txBody>
-      </p:sp>
-      <p:pic>
-        <p:nvPicPr>
-          <p:cNvPr id="10" name="Picture 9">
-            <a:extLst>
-              <a:ext uri="{FF2B5EF4-FFF2-40B4-BE49-F238E27FC236}">
-                <a16:creationId xmlns:a16="http://schemas.microsoft.com/office/drawing/2014/main" id="{128B7A0E-75C7-BDC2-1DC7-CB4B3D05B27B}"/>
-              </a:ext>
-            </a:extLst>
-          </p:cNvPr>
-          <p:cNvPicPr>
-            <a:picLocks noChangeAspect="1"/>
-          </p:cNvPicPr>
-          <p:nvPr/>
-        </p:nvPicPr>
-        <p:blipFill>
-          <a:blip r:embed="rId4"/>
-          <a:stretch>
-            <a:fillRect/>
-          </a:stretch>
-        </p:blipFill>
-        <p:spPr>
-          <a:xfrm>
-            <a:off x="9173817" y="4603724"/>
-            <a:ext cx="3018183" cy="2254275"/>
-          </a:xfrm>
-          <a:prstGeom prst="rect">
-            <a:avLst/>
-          </a:prstGeom>
-        </p:spPr>
-      </p:pic>
-      <p:sp>
-        <p:nvSpPr>
-          <p:cNvPr id="13" name="TextBox 12">
-            <a:extLst>
-              <a:ext uri="{FF2B5EF4-FFF2-40B4-BE49-F238E27FC236}">
-                <a16:creationId xmlns:a16="http://schemas.microsoft.com/office/drawing/2014/main" id="{87BEAF69-0DC7-C627-A886-DDB2297BCA48}"/>
-              </a:ext>
-            </a:extLst>
-          </p:cNvPr>
-          <p:cNvSpPr txBox="1"/>
-          <p:nvPr/>
-        </p:nvSpPr>
-        <p:spPr>
-          <a:xfrm>
-            <a:off x="9767111" y="4484276"/>
-            <a:ext cx="2191177" cy="369332"/>
-          </a:xfrm>
-          <a:prstGeom prst="rect">
-            <a:avLst/>
-          </a:prstGeom>
-          <a:noFill/>
-        </p:spPr>
-        <p:txBody>
-          <a:bodyPr wrap="none" rtlCol="0">
-            <a:spAutoFit/>
-          </a:bodyPr>
-          <a:lstStyle/>
-          <a:p>
-            <a:r>
-              <a:rPr lang="en-US" dirty="0"/>
-              <a:t>Consistent with Erin’s</a:t>
-            </a:r>
-          </a:p>
-        </p:txBody>
-      </p:sp>
-      <p:sp>
-        <p:nvSpPr>
-          <p:cNvPr id="14" name="TextBox 13">
-            <a:extLst>
-              <a:ext uri="{FF2B5EF4-FFF2-40B4-BE49-F238E27FC236}">
-                <a16:creationId xmlns:a16="http://schemas.microsoft.com/office/drawing/2014/main" id="{83693513-2149-2F01-2B78-8AEB409AD08A}"/>
-              </a:ext>
-            </a:extLst>
-          </p:cNvPr>
-          <p:cNvSpPr txBox="1"/>
-          <p:nvPr/>
-        </p:nvSpPr>
-        <p:spPr>
-          <a:xfrm>
-            <a:off x="9071372" y="797419"/>
-            <a:ext cx="1391478" cy="923330"/>
-          </a:xfrm>
-          <a:prstGeom prst="rect">
-            <a:avLst/>
-          </a:prstGeom>
-          <a:noFill/>
-        </p:spPr>
-        <p:txBody>
-          <a:bodyPr wrap="square" rtlCol="0">
-            <a:spAutoFit/>
-          </a:bodyPr>
-          <a:lstStyle/>
-          <a:p>
-            <a:r>
-              <a:rPr lang="en-US" dirty="0"/>
-              <a:t>Enrichment in this top block</a:t>
-            </a:r>
-          </a:p>
-        </p:txBody>
-      </p:sp>
-    </p:spTree>
-    <p:extLst>
-      <p:ext uri="{BB962C8B-B14F-4D97-AF65-F5344CB8AC3E}">
-        <p14:creationId xmlns:p14="http://schemas.microsoft.com/office/powerpoint/2010/main" val="2536729026"/>
-      </p:ext>
-    </p:extLst>
-  </p:cSld>
-  <p:clrMapOvr>
-    <a:masterClrMapping/>
-  </p:clrMapOvr>
-</p:sld>
-</file>
-
 <file path=ppt/slides/slide7.xml><?xml version="1.0" encoding="utf-8"?>
 <p:sld xmlns:a="http://schemas.openxmlformats.org/drawingml/2006/main" xmlns:r="http://schemas.openxmlformats.org/officeDocument/2006/relationships" xmlns:p="http://schemas.openxmlformats.org/presentationml/2006/main">
   <p:cSld>
@@ -7229,12 +7404,63 @@
           <a:chExt cx="0" cy="0"/>
         </a:xfrm>
       </p:grpSpPr>
+      <p:sp>
+        <p:nvSpPr>
+          <p:cNvPr id="6" name="Title 5">
+            <a:extLst>
+              <a:ext uri="{FF2B5EF4-FFF2-40B4-BE49-F238E27FC236}">
+                <a16:creationId xmlns:a16="http://schemas.microsoft.com/office/drawing/2014/main" id="{B9AD7D28-49C2-0B8B-79CB-FA2C8F40B6BC}"/>
+              </a:ext>
+            </a:extLst>
+          </p:cNvPr>
+          <p:cNvSpPr>
+            <a:spLocks noGrp="1"/>
+          </p:cNvSpPr>
+          <p:nvPr>
+            <p:ph type="title"/>
+          </p:nvPr>
+        </p:nvSpPr>
+        <p:spPr>
+          <a:xfrm>
+            <a:off x="838200" y="365125"/>
+            <a:ext cx="6192290" cy="2479675"/>
+          </a:xfrm>
+        </p:spPr>
+        <p:txBody>
+          <a:bodyPr>
+            <a:normAutofit fontScale="90000"/>
+          </a:bodyPr>
+          <a:lstStyle/>
+          <a:p>
+            <a:r>
+              <a:rPr lang="en-US" dirty="0"/>
+              <a:t>Peaks near promoters related to positive regulation of NK/lymphocyte-mediated cytotoxicity/immunity more accessible in DP CD57</a:t>
+            </a:r>
+            <a:r>
+              <a:rPr lang="en-US" baseline="30000" dirty="0"/>
+              <a:t>+</a:t>
+            </a:r>
+            <a:r>
+              <a:rPr lang="en-US" dirty="0"/>
+              <a:t>/DP PD-1</a:t>
+            </a:r>
+            <a:r>
+              <a:rPr lang="en-US" baseline="30000" dirty="0"/>
+              <a:t>+</a:t>
+            </a:r>
+            <a:r>
+              <a:rPr lang="en-US" dirty="0"/>
+              <a:t> clusters</a:t>
+            </a:r>
+          </a:p>
+        </p:txBody>
+      </p:sp>
       <p:pic>
         <p:nvPicPr>
-          <p:cNvPr id="15" name="Picture 14">
-            <a:extLst>
-              <a:ext uri="{FF2B5EF4-FFF2-40B4-BE49-F238E27FC236}">
-                <a16:creationId xmlns:a16="http://schemas.microsoft.com/office/drawing/2014/main" id="{09DA334D-FE2A-6AF7-1A8F-1D85BBF967A5}"/>
+          <p:cNvPr id="7" name="Picture 6">
+            <a:extLst>
+              <a:ext uri="{FF2B5EF4-FFF2-40B4-BE49-F238E27FC236}">
+                <a16:creationId xmlns:a16="http://schemas.microsoft.com/office/drawing/2014/main" id="{78874B6E-BD9A-3242-0DC5-0064549DF1D5}"/>
               </a:ext>
             </a:extLst>
           </p:cNvPr>
@@ -7251,8 +7477,8 @@
         </p:blipFill>
         <p:spPr>
           <a:xfrm>
-            <a:off x="6537375" y="-29207"/>
-            <a:ext cx="5683685" cy="6858000"/>
+            <a:off x="6583063" y="-1"/>
+            <a:ext cx="5141513" cy="6858000"/>
           </a:xfrm>
           <a:prstGeom prst="rect">
             <a:avLst/>
@@ -7261,64 +7487,29 @@
       </p:pic>
       <p:sp>
         <p:nvSpPr>
-          <p:cNvPr id="6" name="Title 5">
-            <a:extLst>
-              <a:ext uri="{FF2B5EF4-FFF2-40B4-BE49-F238E27FC236}">
-                <a16:creationId xmlns:a16="http://schemas.microsoft.com/office/drawing/2014/main" id="{B9AD7D28-49C2-0B8B-79CB-FA2C8F40B6BC}"/>
-              </a:ext>
-            </a:extLst>
-          </p:cNvPr>
-          <p:cNvSpPr>
-            <a:spLocks noGrp="1"/>
-          </p:cNvSpPr>
-          <p:nvPr>
-            <p:ph type="title"/>
+          <p:cNvPr id="8" name="Content Placeholder 2">
+            <a:extLst>
+              <a:ext uri="{FF2B5EF4-FFF2-40B4-BE49-F238E27FC236}">
+                <a16:creationId xmlns:a16="http://schemas.microsoft.com/office/drawing/2014/main" id="{82A40516-AB98-C74A-602D-2C16C4596EC5}"/>
+              </a:ext>
+            </a:extLst>
+          </p:cNvPr>
+          <p:cNvSpPr>
+            <a:spLocks noGrp="1"/>
+          </p:cNvSpPr>
+          <p:nvPr>
+            <p:ph idx="1"/>
           </p:nvPr>
         </p:nvSpPr>
         <p:spPr>
           <a:xfrm>
-            <a:off x="838200" y="365125"/>
-            <a:ext cx="10279455" cy="1825625"/>
+            <a:off x="838200" y="3066644"/>
+            <a:ext cx="5529148" cy="3573929"/>
           </a:xfrm>
         </p:spPr>
         <p:txBody>
           <a:bodyPr>
-            <a:normAutofit/>
-          </a:bodyPr>
-          <a:lstStyle/>
-          <a:p>
-            <a:r>
-              <a:rPr lang="en-US" dirty="0"/>
-              <a:t>Conclusions</a:t>
-            </a:r>
-          </a:p>
-        </p:txBody>
-      </p:sp>
-      <p:sp>
-        <p:nvSpPr>
-          <p:cNvPr id="2" name="Content Placeholder 2">
-            <a:extLst>
-              <a:ext uri="{FF2B5EF4-FFF2-40B4-BE49-F238E27FC236}">
-                <a16:creationId xmlns:a16="http://schemas.microsoft.com/office/drawing/2014/main" id="{090FDFCF-AEFD-6D7B-6B89-12A07B49703B}"/>
-              </a:ext>
-            </a:extLst>
-          </p:cNvPr>
-          <p:cNvSpPr>
-            <a:spLocks noGrp="1"/>
-          </p:cNvSpPr>
-          <p:nvPr>
-            <p:ph idx="1"/>
-          </p:nvPr>
-        </p:nvSpPr>
-        <p:spPr>
-          <a:xfrm>
-            <a:off x="838200" y="1919289"/>
-            <a:ext cx="5529148" cy="4909504"/>
-          </a:xfrm>
-        </p:spPr>
-        <p:txBody>
-          <a:bodyPr>
-            <a:normAutofit fontScale="85000" lnSpcReduction="20000"/>
+            <a:normAutofit fontScale="92500" lnSpcReduction="10000"/>
           </a:bodyPr>
           <a:lstStyle/>
           <a:p>
@@ -7327,20 +7518,28 @@
               <a:buAutoNum type="arabicPeriod"/>
             </a:pPr>
             <a:r>
-              <a:rPr lang="en-US" dirty="0" err="1"/>
-              <a:t>AbATE</a:t>
-            </a:r>
-            <a:r>
               <a:rPr lang="en-US" dirty="0"/>
-              <a:t>: still didn’t observe </a:t>
-            </a:r>
-            <a:r>
-              <a:rPr lang="en-US" dirty="0" err="1"/>
-              <a:t>pseudotime</a:t>
-            </a:r>
+              <a:t>Positive regulation of lymphocyte mediated immunity</a:t>
+            </a:r>
+          </a:p>
+          <a:p>
+            <a:pPr marL="971550" lvl="1" indent="-514350">
+              <a:buFont typeface="+mj-lt"/>
+              <a:buAutoNum type="alphaLcParenR"/>
+            </a:pPr>
             <a:r>
               <a:rPr lang="en-US" dirty="0"/>
-              <a:t> associating with cell sort (data not shown)</a:t>
+              <a:t>IL21, SH2D1A, RASGRP1, AP1G1, DENND1B (5/116)</a:t>
+            </a:r>
+          </a:p>
+          <a:p>
+            <a:pPr marL="971550" lvl="1" indent="-514350">
+              <a:buFont typeface="+mj-lt"/>
+              <a:buAutoNum type="alphaLcParenR"/>
+            </a:pPr>
+            <a:r>
+              <a:rPr lang="en-US" dirty="0"/>
+              <a:t>FDR: 0.02</a:t>
             </a:r>
           </a:p>
           <a:p>
@@ -7350,85 +7549,67 @@
             </a:pPr>
             <a:r>
               <a:rPr lang="en-US" dirty="0"/>
-              <a:t>T1DAL: var </a:t>
-            </a:r>
-            <a:r>
-              <a:rPr lang="en-US" dirty="0" err="1"/>
-              <a:t>freq</a:t>
-            </a:r>
+              <a:t>Positive regulation of NK cell mediated cytotoxicity</a:t>
+            </a:r>
+          </a:p>
+          <a:p>
+            <a:pPr marL="971550" lvl="1" indent="-514350">
+              <a:buFont typeface="+mj-lt"/>
+              <a:buAutoNum type="alphaLcParenR"/>
+            </a:pPr>
             <a:r>
               <a:rPr lang="en-US" dirty="0"/>
-              <a:t> (high vs. low) didn’t matter much for sharing across time points (data not shown)</a:t>
-            </a:r>
-          </a:p>
-          <a:p>
-            <a:pPr marL="514350" indent="-514350">
+              <a:t>IL21, SH2D1A, RASGRP1, AP1G1 (4/27)</a:t>
+            </a:r>
+          </a:p>
+          <a:p>
+            <a:pPr marL="971550" lvl="1" indent="-514350">
               <a:buFont typeface="+mj-lt"/>
-              <a:buAutoNum type="arabicPeriod"/>
+              <a:buAutoNum type="alphaLcParenR"/>
             </a:pPr>
             <a:r>
               <a:rPr lang="en-US" dirty="0"/>
-              <a:t>DP CD127</a:t>
-            </a:r>
-            <a:r>
-              <a:rPr lang="en-US" baseline="30000" dirty="0"/>
-              <a:t>+</a:t>
-            </a:r>
-            <a:r>
-              <a:rPr lang="en-US" dirty="0"/>
-              <a:t> being parent or sister to other DPs is ambiguous from nuclear </a:t>
-            </a:r>
-            <a:r>
-              <a:rPr lang="en-US" dirty="0" err="1"/>
-              <a:t>ATACseq</a:t>
-            </a:r>
-            <a:r>
-              <a:rPr lang="en-US" dirty="0"/>
-              <a:t> data, leaning sister from MT variants being no different between DP CD127</a:t>
-            </a:r>
-            <a:r>
-              <a:rPr lang="en-US" baseline="30000" dirty="0"/>
-              <a:t>+</a:t>
-            </a:r>
-            <a:r>
-              <a:rPr lang="en-US" dirty="0"/>
-              <a:t> &amp; DP PD-1</a:t>
-            </a:r>
-            <a:r>
-              <a:rPr lang="en-US" baseline="30000" dirty="0"/>
-              <a:t>+</a:t>
-            </a:r>
-            <a:r>
-              <a:rPr lang="en-US" dirty="0"/>
-              <a:t> (and this is consistent with IL7R blockade being efficacious in T1D)</a:t>
-            </a:r>
-          </a:p>
-          <a:p>
-            <a:pPr marL="514350" indent="-514350">
-              <a:buFont typeface="+mj-lt"/>
-              <a:buAutoNum type="arabicPeriod"/>
-            </a:pPr>
-            <a:r>
-              <a:rPr lang="en-US" dirty="0"/>
-              <a:t>Non-exhausted CD127</a:t>
-            </a:r>
-            <a:r>
-              <a:rPr lang="en-US" baseline="30000" dirty="0"/>
-              <a:t>+</a:t>
-            </a:r>
-            <a:r>
-              <a:rPr lang="en-US" dirty="0"/>
-              <a:t> or DN being parent/daughter is yet unknown (their MT variant levels aren’t different)</a:t>
-            </a:r>
-          </a:p>
-        </p:txBody>
-      </p:sp>
-      <p:sp>
-        <p:nvSpPr>
-          <p:cNvPr id="5" name="TextBox 4">
-            <a:extLst>
-              <a:ext uri="{FF2B5EF4-FFF2-40B4-BE49-F238E27FC236}">
-                <a16:creationId xmlns:a16="http://schemas.microsoft.com/office/drawing/2014/main" id="{9B6136EE-A522-CF27-6F9C-77EDD267C325}"/>
+              <a:t>FDR: 0.007</a:t>
+            </a:r>
+          </a:p>
+        </p:txBody>
+      </p:sp>
+      <p:pic>
+        <p:nvPicPr>
+          <p:cNvPr id="10" name="Picture 9">
+            <a:extLst>
+              <a:ext uri="{FF2B5EF4-FFF2-40B4-BE49-F238E27FC236}">
+                <a16:creationId xmlns:a16="http://schemas.microsoft.com/office/drawing/2014/main" id="{128B7A0E-75C7-BDC2-1DC7-CB4B3D05B27B}"/>
+              </a:ext>
+            </a:extLst>
+          </p:cNvPr>
+          <p:cNvPicPr>
+            <a:picLocks noChangeAspect="1"/>
+          </p:cNvPicPr>
+          <p:nvPr/>
+        </p:nvPicPr>
+        <p:blipFill>
+          <a:blip r:embed="rId4"/>
+          <a:stretch>
+            <a:fillRect/>
+          </a:stretch>
+        </p:blipFill>
+        <p:spPr>
+          <a:xfrm>
+            <a:off x="9173817" y="4603724"/>
+            <a:ext cx="3018183" cy="2254275"/>
+          </a:xfrm>
+          <a:prstGeom prst="rect">
+            <a:avLst/>
+          </a:prstGeom>
+        </p:spPr>
+      </p:pic>
+      <p:sp>
+        <p:nvSpPr>
+          <p:cNvPr id="13" name="TextBox 12">
+            <a:extLst>
+              <a:ext uri="{FF2B5EF4-FFF2-40B4-BE49-F238E27FC236}">
+                <a16:creationId xmlns:a16="http://schemas.microsoft.com/office/drawing/2014/main" id="{87BEAF69-0DC7-C627-A886-DDB2297BCA48}"/>
               </a:ext>
             </a:extLst>
           </p:cNvPr>
@@ -7437,8 +7618,8 @@
         </p:nvSpPr>
         <p:spPr>
           <a:xfrm>
-            <a:off x="8628883" y="104140"/>
-            <a:ext cx="750334" cy="784830"/>
+            <a:off x="9767111" y="4484276"/>
+            <a:ext cx="2191177" cy="369332"/>
           </a:xfrm>
           <a:prstGeom prst="rect">
             <a:avLst/>
@@ -7452,38 +7633,18 @@
           <a:lstStyle/>
           <a:p>
             <a:r>
-              <a:rPr lang="en-US" sz="1500" dirty="0"/>
-              <a:t>TIGIT</a:t>
-            </a:r>
-            <a:r>
-              <a:rPr lang="en-US" sz="1500" baseline="30000" dirty="0"/>
-              <a:t>+</a:t>
-            </a:r>
-          </a:p>
-          <a:p>
-            <a:r>
-              <a:rPr lang="en-US" sz="1500" dirty="0"/>
-              <a:t>KLRG1</a:t>
-            </a:r>
-            <a:r>
-              <a:rPr lang="en-US" sz="1500" baseline="30000" dirty="0"/>
-              <a:t>+</a:t>
-            </a:r>
-          </a:p>
-          <a:p>
-            <a:r>
-              <a:rPr lang="en-US" sz="1500" dirty="0"/>
-              <a:t>(DP)</a:t>
-            </a:r>
-          </a:p>
-        </p:txBody>
-      </p:sp>
-      <p:sp>
-        <p:nvSpPr>
-          <p:cNvPr id="7" name="TextBox 6">
-            <a:extLst>
-              <a:ext uri="{FF2B5EF4-FFF2-40B4-BE49-F238E27FC236}">
-                <a16:creationId xmlns:a16="http://schemas.microsoft.com/office/drawing/2014/main" id="{43012635-6851-8862-3C9E-2CCD91F3C1E9}"/>
+              <a:rPr lang="en-US" dirty="0"/>
+              <a:t>Consistent with Erin’s</a:t>
+            </a:r>
+          </a:p>
+        </p:txBody>
+      </p:sp>
+      <p:sp>
+        <p:nvSpPr>
+          <p:cNvPr id="14" name="TextBox 13">
+            <a:extLst>
+              <a:ext uri="{FF2B5EF4-FFF2-40B4-BE49-F238E27FC236}">
+                <a16:creationId xmlns:a16="http://schemas.microsoft.com/office/drawing/2014/main" id="{83693513-2149-2F01-2B78-8AEB409AD08A}"/>
               </a:ext>
             </a:extLst>
           </p:cNvPr>
@@ -7492,8 +7653,8 @@
         </p:nvSpPr>
         <p:spPr>
           <a:xfrm>
-            <a:off x="10524331" y="1365291"/>
-            <a:ext cx="763351" cy="553998"/>
+            <a:off x="9071372" y="797419"/>
+            <a:ext cx="1391478" cy="923330"/>
           </a:xfrm>
           <a:prstGeom prst="rect">
             <a:avLst/>
@@ -7501,196 +7662,14 @@
           <a:noFill/>
         </p:spPr>
         <p:txBody>
-          <a:bodyPr wrap="none" rtlCol="0">
+          <a:bodyPr wrap="square" rtlCol="0">
             <a:spAutoFit/>
           </a:bodyPr>
           <a:lstStyle/>
           <a:p>
             <a:r>
-              <a:rPr lang="en-US" sz="1500" dirty="0"/>
-              <a:t>DP</a:t>
-            </a:r>
-          </a:p>
-          <a:p>
-            <a:r>
-              <a:rPr lang="en-US" sz="1500" dirty="0"/>
-              <a:t>CD127</a:t>
-            </a:r>
-            <a:r>
-              <a:rPr lang="en-US" sz="1500" baseline="30000" dirty="0"/>
-              <a:t>+</a:t>
-            </a:r>
-          </a:p>
-        </p:txBody>
-      </p:sp>
-      <p:sp>
-        <p:nvSpPr>
-          <p:cNvPr id="8" name="TextBox 7">
-            <a:extLst>
-              <a:ext uri="{FF2B5EF4-FFF2-40B4-BE49-F238E27FC236}">
-                <a16:creationId xmlns:a16="http://schemas.microsoft.com/office/drawing/2014/main" id="{DC162431-0CA8-66D4-EEDE-CB159ACBA69D}"/>
-              </a:ext>
-            </a:extLst>
-          </p:cNvPr>
-          <p:cNvSpPr txBox="1"/>
-          <p:nvPr/>
-        </p:nvSpPr>
-        <p:spPr>
-          <a:xfrm>
-            <a:off x="9831873" y="97368"/>
-            <a:ext cx="885179" cy="323165"/>
-          </a:xfrm>
-          <a:prstGeom prst="rect">
-            <a:avLst/>
-          </a:prstGeom>
-          <a:noFill/>
-        </p:spPr>
-        <p:txBody>
-          <a:bodyPr wrap="none" rtlCol="0">
-            <a:spAutoFit/>
-          </a:bodyPr>
-          <a:lstStyle/>
-          <a:p>
-            <a:r>
-              <a:rPr lang="en-US" sz="1500" dirty="0"/>
-              <a:t>DP PD-1</a:t>
-            </a:r>
-            <a:r>
-              <a:rPr lang="en-US" sz="1500" baseline="30000" dirty="0"/>
-              <a:t>+</a:t>
-            </a:r>
-          </a:p>
-        </p:txBody>
-      </p:sp>
-      <p:sp>
-        <p:nvSpPr>
-          <p:cNvPr id="9" name="TextBox 8">
-            <a:extLst>
-              <a:ext uri="{FF2B5EF4-FFF2-40B4-BE49-F238E27FC236}">
-                <a16:creationId xmlns:a16="http://schemas.microsoft.com/office/drawing/2014/main" id="{128502BE-D508-7983-CDA9-470E45AE1BD0}"/>
-              </a:ext>
-            </a:extLst>
-          </p:cNvPr>
-          <p:cNvSpPr txBox="1"/>
-          <p:nvPr/>
-        </p:nvSpPr>
-        <p:spPr>
-          <a:xfrm>
-            <a:off x="11169708" y="97367"/>
-            <a:ext cx="926857" cy="323165"/>
-          </a:xfrm>
-          <a:prstGeom prst="rect">
-            <a:avLst/>
-          </a:prstGeom>
-          <a:noFill/>
-        </p:spPr>
-        <p:txBody>
-          <a:bodyPr wrap="none" rtlCol="0">
-            <a:spAutoFit/>
-          </a:bodyPr>
-          <a:lstStyle/>
-          <a:p>
-            <a:r>
-              <a:rPr lang="en-US" sz="1500" dirty="0"/>
-              <a:t>DP CD57</a:t>
-            </a:r>
-            <a:r>
-              <a:rPr lang="en-US" sz="1500" baseline="30000" dirty="0"/>
-              <a:t>+</a:t>
-            </a:r>
-          </a:p>
-        </p:txBody>
-      </p:sp>
-      <p:sp>
-        <p:nvSpPr>
-          <p:cNvPr id="10" name="TextBox 9">
-            <a:extLst>
-              <a:ext uri="{FF2B5EF4-FFF2-40B4-BE49-F238E27FC236}">
-                <a16:creationId xmlns:a16="http://schemas.microsoft.com/office/drawing/2014/main" id="{7AAF3633-5CEF-4963-7B56-8EB9D15AE6C8}"/>
-              </a:ext>
-            </a:extLst>
-          </p:cNvPr>
-          <p:cNvSpPr txBox="1"/>
-          <p:nvPr/>
-        </p:nvSpPr>
-        <p:spPr>
-          <a:xfrm>
-            <a:off x="7702573" y="1456900"/>
-            <a:ext cx="724686" cy="553998"/>
-          </a:xfrm>
-          <a:prstGeom prst="rect">
-            <a:avLst/>
-          </a:prstGeom>
-          <a:noFill/>
-        </p:spPr>
-        <p:txBody>
-          <a:bodyPr wrap="none" rtlCol="0">
-            <a:spAutoFit/>
-          </a:bodyPr>
-          <a:lstStyle/>
-          <a:p>
-            <a:r>
-              <a:rPr lang="en-US" sz="1500" dirty="0"/>
-              <a:t>TIGIT</a:t>
-            </a:r>
-            <a:r>
-              <a:rPr lang="en-US" sz="1500" baseline="30000" dirty="0"/>
-              <a:t>-</a:t>
-            </a:r>
-          </a:p>
-          <a:p>
-            <a:r>
-              <a:rPr lang="en-US" sz="1500" dirty="0"/>
-              <a:t>KLRG1</a:t>
-            </a:r>
-            <a:r>
-              <a:rPr lang="en-US" sz="1500" baseline="30000" dirty="0"/>
-              <a:t>-</a:t>
-            </a:r>
-          </a:p>
-        </p:txBody>
-      </p:sp>
-      <p:sp>
-        <p:nvSpPr>
-          <p:cNvPr id="11" name="TextBox 10">
-            <a:extLst>
-              <a:ext uri="{FF2B5EF4-FFF2-40B4-BE49-F238E27FC236}">
-                <a16:creationId xmlns:a16="http://schemas.microsoft.com/office/drawing/2014/main" id="{FCDA884C-2814-1AF1-7760-CC92E2577825}"/>
-              </a:ext>
-            </a:extLst>
-          </p:cNvPr>
-          <p:cNvSpPr txBox="1"/>
-          <p:nvPr/>
-        </p:nvSpPr>
-        <p:spPr>
-          <a:xfrm>
-            <a:off x="6355214" y="1447906"/>
-            <a:ext cx="1371786" cy="553998"/>
-          </a:xfrm>
-          <a:prstGeom prst="rect">
-            <a:avLst/>
-          </a:prstGeom>
-          <a:noFill/>
-        </p:spPr>
-        <p:txBody>
-          <a:bodyPr wrap="none" rtlCol="0">
-            <a:spAutoFit/>
-          </a:bodyPr>
-          <a:lstStyle/>
-          <a:p>
-            <a:r>
-              <a:rPr lang="en-US" sz="1500" dirty="0"/>
-              <a:t>Non-exhausted</a:t>
-            </a:r>
-          </a:p>
-          <a:p>
-            <a:r>
-              <a:rPr lang="en-US" sz="1500" dirty="0"/>
-              <a:t>CD127</a:t>
-            </a:r>
-            <a:r>
-              <a:rPr lang="en-US" sz="1500" baseline="30000" dirty="0"/>
-              <a:t>+</a:t>
+              <a:rPr lang="en-US" dirty="0"/>
+              <a:t>Enrichment in this top block</a:t>
             </a:r>
           </a:p>
         </p:txBody>
@@ -7698,7 +7677,7 @@
     </p:spTree>
     <p:extLst>
       <p:ext uri="{BB962C8B-B14F-4D97-AF65-F5344CB8AC3E}">
-        <p14:creationId xmlns:p14="http://schemas.microsoft.com/office/powerpoint/2010/main" val="2010992850"/>
+        <p14:creationId xmlns:p14="http://schemas.microsoft.com/office/powerpoint/2010/main" val="2536729026"/>
       </p:ext>
     </p:extLst>
   </p:cSld>
@@ -7747,146 +7726,87 @@
             <p:ph type="title"/>
           </p:nvPr>
         </p:nvSpPr>
+        <p:spPr/>
+        <p:txBody>
+          <a:bodyPr/>
+          <a:lstStyle/>
+          <a:p>
+            <a:r>
+              <a:rPr lang="en-US" dirty="0"/>
+              <a:t>Don’t observe </a:t>
+            </a:r>
+            <a:r>
+              <a:rPr lang="en-US" dirty="0" err="1"/>
+              <a:t>pseudotime</a:t>
+            </a:r>
+            <a:r>
+              <a:rPr lang="en-US" dirty="0"/>
+              <a:t> associating with cell sort</a:t>
+            </a:r>
+          </a:p>
+        </p:txBody>
+      </p:sp>
+      <p:pic>
+        <p:nvPicPr>
+          <p:cNvPr id="3" name="Picture 2">
+            <a:extLst>
+              <a:ext uri="{FF2B5EF4-FFF2-40B4-BE49-F238E27FC236}">
+                <a16:creationId xmlns:a16="http://schemas.microsoft.com/office/drawing/2014/main" id="{2C88E40D-2471-9509-3EB6-1A6FDAA65C94}"/>
+              </a:ext>
+            </a:extLst>
+          </p:cNvPr>
+          <p:cNvPicPr>
+            <a:picLocks noChangeAspect="1"/>
+          </p:cNvPicPr>
+          <p:nvPr/>
+        </p:nvPicPr>
+        <p:blipFill>
+          <a:blip r:embed="rId3"/>
+          <a:stretch>
+            <a:fillRect/>
+          </a:stretch>
+        </p:blipFill>
         <p:spPr>
           <a:xfrm>
-            <a:off x="838200" y="365125"/>
-            <a:ext cx="10279455" cy="1825625"/>
+            <a:off x="185966" y="1437435"/>
+            <a:ext cx="8732520" cy="5350991"/>
           </a:xfrm>
+          <a:prstGeom prst="rect">
+            <a:avLst/>
+          </a:prstGeom>
         </p:spPr>
-        <p:txBody>
-          <a:bodyPr>
-            <a:normAutofit/>
-          </a:bodyPr>
-          <a:lstStyle/>
-          <a:p>
-            <a:r>
-              <a:rPr lang="en-US" dirty="0"/>
-              <a:t>Next steps</a:t>
-            </a:r>
-          </a:p>
-        </p:txBody>
-      </p:sp>
-      <p:sp>
-        <p:nvSpPr>
-          <p:cNvPr id="2" name="Content Placeholder 2">
-            <a:extLst>
-              <a:ext uri="{FF2B5EF4-FFF2-40B4-BE49-F238E27FC236}">
-                <a16:creationId xmlns:a16="http://schemas.microsoft.com/office/drawing/2014/main" id="{090FDFCF-AEFD-6D7B-6B89-12A07B49703B}"/>
-              </a:ext>
-            </a:extLst>
-          </p:cNvPr>
-          <p:cNvSpPr>
-            <a:spLocks noGrp="1"/>
-          </p:cNvSpPr>
-          <p:nvPr>
-            <p:ph idx="1"/>
-          </p:nvPr>
+      </p:pic>
+      <p:sp>
+        <p:nvSpPr>
+          <p:cNvPr id="2" name="TextBox 1">
+            <a:extLst>
+              <a:ext uri="{FF2B5EF4-FFF2-40B4-BE49-F238E27FC236}">
+                <a16:creationId xmlns:a16="http://schemas.microsoft.com/office/drawing/2014/main" id="{309B43DF-5B54-81CF-DA61-03960B3F7654}"/>
+              </a:ext>
+            </a:extLst>
+          </p:cNvPr>
+          <p:cNvSpPr txBox="1"/>
+          <p:nvPr/>
         </p:nvSpPr>
         <p:spPr>
           <a:xfrm>
-            <a:off x="838200" y="1919289"/>
-            <a:ext cx="10771208" cy="4499440"/>
+            <a:off x="9374909" y="5569545"/>
+            <a:ext cx="2456873" cy="923330"/>
           </a:xfrm>
+          <a:prstGeom prst="rect">
+            <a:avLst/>
+          </a:prstGeom>
+          <a:noFill/>
         </p:spPr>
         <p:txBody>
-          <a:bodyPr>
-            <a:normAutofit/>
+          <a:bodyPr wrap="square" rtlCol="0">
+            <a:spAutoFit/>
           </a:bodyPr>
           <a:lstStyle/>
           <a:p>
-            <a:pPr marL="514350" indent="-514350">
-              <a:buFont typeface="+mj-lt"/>
-              <a:buAutoNum type="arabicPeriod"/>
-            </a:pPr>
             <a:r>
               <a:rPr lang="en-US" dirty="0"/>
-              <a:t>Analyzing additional </a:t>
-            </a:r>
-            <a:r>
-              <a:rPr lang="en-US" dirty="0" err="1"/>
-              <a:t>AbATE</a:t>
-            </a:r>
-            <a:r>
-              <a:rPr lang="en-US" dirty="0"/>
-              <a:t> reads as soon as sequenced/aligned</a:t>
-            </a:r>
-          </a:p>
-          <a:p>
-            <a:pPr marL="514350" indent="-514350">
-              <a:buFont typeface="+mj-lt"/>
-              <a:buAutoNum type="arabicPeriod"/>
-            </a:pPr>
-            <a:r>
-              <a:rPr lang="en-US" dirty="0"/>
-              <a:t>Preparing poster for BRI retreat (all abstracts make a poster?)</a:t>
-            </a:r>
-          </a:p>
-          <a:p>
-            <a:pPr marL="514350" indent="-514350">
-              <a:buFont typeface="+mj-lt"/>
-              <a:buAutoNum type="arabicPeriod"/>
-            </a:pPr>
-            <a:r>
-              <a:rPr lang="en-US" dirty="0" err="1"/>
-              <a:t>scATACseq</a:t>
-            </a:r>
-            <a:r>
-              <a:rPr lang="en-US" dirty="0"/>
-              <a:t> for MT variant-based lineage mapping</a:t>
-            </a:r>
-          </a:p>
-          <a:p>
-            <a:pPr marL="971550" lvl="1" indent="-514350">
-              <a:buFont typeface="+mj-lt"/>
-              <a:buAutoNum type="alphaLcParenR"/>
-            </a:pPr>
-            <a:r>
-              <a:rPr lang="en-US" dirty="0"/>
-              <a:t>authors from </a:t>
-            </a:r>
-            <a:r>
-              <a:rPr lang="en-US" dirty="0">
-                <a:hlinkClick r:id="rId3"/>
-              </a:rPr>
-              <a:t>this paper</a:t>
-            </a:r>
-            <a:r>
-              <a:rPr lang="en-US" dirty="0"/>
-              <a:t> recommended working backwards from rare variant frequency threshold to get cell numbers (i.e. with a lower bound variant frequency of 0.0005 then want 2,000 cells per sort per replicate, presumably?), that’s already lower bound than lowest bound I have looked at/showed results for… so maybe we don’t need (many) more cells for </a:t>
-            </a:r>
-            <a:r>
-              <a:rPr lang="en-US" dirty="0" err="1"/>
-              <a:t>scATACseq</a:t>
-            </a:r>
-            <a:r>
-              <a:rPr lang="en-US" dirty="0"/>
-              <a:t> than bulk </a:t>
-            </a:r>
-            <a:r>
-              <a:rPr lang="en-US" dirty="0" err="1"/>
-              <a:t>ATACseq</a:t>
-            </a:r>
-            <a:r>
-              <a:rPr lang="en-US" dirty="0"/>
-              <a:t>…</a:t>
-            </a:r>
-          </a:p>
-          <a:p>
-            <a:pPr marL="971550" lvl="1" indent="-514350">
-              <a:buFont typeface="+mj-lt"/>
-              <a:buAutoNum type="alphaLcParenR"/>
-            </a:pPr>
-            <a:r>
-              <a:rPr lang="en-US" dirty="0"/>
-              <a:t>might ask around BRI for/download public </a:t>
-            </a:r>
-            <a:r>
-              <a:rPr lang="en-US" dirty="0" err="1"/>
-              <a:t>scATACseq</a:t>
-            </a:r>
-            <a:r>
-              <a:rPr lang="en-US" dirty="0"/>
-              <a:t> data eventually to practice lineage mapping</a:t>
+              <a:t>tried using scaled read counts and peak scores as inputs</a:t>
             </a:r>
           </a:p>
         </p:txBody>
@@ -7894,7 +7814,7 @@
     </p:spTree>
     <p:extLst>
       <p:ext uri="{BB962C8B-B14F-4D97-AF65-F5344CB8AC3E}">
-        <p14:creationId xmlns:p14="http://schemas.microsoft.com/office/powerpoint/2010/main" val="4005091590"/>
+        <p14:creationId xmlns:p14="http://schemas.microsoft.com/office/powerpoint/2010/main" val="3565730250"/>
       </p:ext>
     </p:extLst>
   </p:cSld>
@@ -7927,56 +7847,12 @@
           <a:chExt cx="0" cy="0"/>
         </a:xfrm>
       </p:grpSpPr>
-      <p:sp>
-        <p:nvSpPr>
-          <p:cNvPr id="6" name="Title 5">
-            <a:extLst>
-              <a:ext uri="{FF2B5EF4-FFF2-40B4-BE49-F238E27FC236}">
-                <a16:creationId xmlns:a16="http://schemas.microsoft.com/office/drawing/2014/main" id="{B9AD7D28-49C2-0B8B-79CB-FA2C8F40B6BC}"/>
-              </a:ext>
-            </a:extLst>
-          </p:cNvPr>
-          <p:cNvSpPr>
-            <a:spLocks noGrp="1"/>
-          </p:cNvSpPr>
-          <p:nvPr>
-            <p:ph type="title"/>
-          </p:nvPr>
-        </p:nvSpPr>
-        <p:spPr/>
-        <p:txBody>
-          <a:bodyPr/>
-          <a:lstStyle/>
-          <a:p>
-            <a:r>
-              <a:rPr lang="en-US" dirty="0"/>
-              <a:t>P576 (</a:t>
-            </a:r>
-            <a:r>
-              <a:rPr lang="en-US" dirty="0" err="1"/>
-              <a:t>AbATE</a:t>
-            </a:r>
-            <a:r>
-              <a:rPr lang="en-US" dirty="0"/>
-              <a:t>): don’t observe </a:t>
-            </a:r>
-            <a:r>
-              <a:rPr lang="en-US" dirty="0" err="1"/>
-              <a:t>pseudotime</a:t>
-            </a:r>
-            <a:r>
-              <a:rPr lang="en-US" dirty="0"/>
-              <a:t> associating with cell sort</a:t>
-            </a:r>
-          </a:p>
-        </p:txBody>
-      </p:sp>
       <p:pic>
         <p:nvPicPr>
-          <p:cNvPr id="3" name="Picture 2">
-            <a:extLst>
-              <a:ext uri="{FF2B5EF4-FFF2-40B4-BE49-F238E27FC236}">
-                <a16:creationId xmlns:a16="http://schemas.microsoft.com/office/drawing/2014/main" id="{2C88E40D-2471-9509-3EB6-1A6FDAA65C94}"/>
+          <p:cNvPr id="15" name="Picture 14">
+            <a:extLst>
+              <a:ext uri="{FF2B5EF4-FFF2-40B4-BE49-F238E27FC236}">
+                <a16:creationId xmlns:a16="http://schemas.microsoft.com/office/drawing/2014/main" id="{09DA334D-FE2A-6AF7-1A8F-1D85BBF967A5}"/>
               </a:ext>
             </a:extLst>
           </p:cNvPr>
@@ -7993,18 +7869,744 @@
         </p:blipFill>
         <p:spPr>
           <a:xfrm>
-            <a:off x="1285093" y="1437435"/>
-            <a:ext cx="8732520" cy="5350991"/>
+            <a:off x="6537375" y="-29207"/>
+            <a:ext cx="5683685" cy="6858000"/>
           </a:xfrm>
           <a:prstGeom prst="rect">
             <a:avLst/>
           </a:prstGeom>
         </p:spPr>
       </p:pic>
+      <p:sp>
+        <p:nvSpPr>
+          <p:cNvPr id="6" name="Title 5">
+            <a:extLst>
+              <a:ext uri="{FF2B5EF4-FFF2-40B4-BE49-F238E27FC236}">
+                <a16:creationId xmlns:a16="http://schemas.microsoft.com/office/drawing/2014/main" id="{B9AD7D28-49C2-0B8B-79CB-FA2C8F40B6BC}"/>
+              </a:ext>
+            </a:extLst>
+          </p:cNvPr>
+          <p:cNvSpPr>
+            <a:spLocks noGrp="1"/>
+          </p:cNvSpPr>
+          <p:nvPr>
+            <p:ph type="title"/>
+          </p:nvPr>
+        </p:nvSpPr>
+        <p:spPr>
+          <a:xfrm>
+            <a:off x="838200" y="365125"/>
+            <a:ext cx="10279455" cy="1825625"/>
+          </a:xfrm>
+        </p:spPr>
+        <p:txBody>
+          <a:bodyPr>
+            <a:normAutofit/>
+          </a:bodyPr>
+          <a:lstStyle/>
+          <a:p>
+            <a:r>
+              <a:rPr lang="en-US" dirty="0"/>
+              <a:t>Conclusions</a:t>
+            </a:r>
+          </a:p>
+        </p:txBody>
+      </p:sp>
+      <p:sp>
+        <p:nvSpPr>
+          <p:cNvPr id="2" name="Content Placeholder 2">
+            <a:extLst>
+              <a:ext uri="{FF2B5EF4-FFF2-40B4-BE49-F238E27FC236}">
+                <a16:creationId xmlns:a16="http://schemas.microsoft.com/office/drawing/2014/main" id="{090FDFCF-AEFD-6D7B-6B89-12A07B49703B}"/>
+              </a:ext>
+            </a:extLst>
+          </p:cNvPr>
+          <p:cNvSpPr>
+            <a:spLocks noGrp="1"/>
+          </p:cNvSpPr>
+          <p:nvPr>
+            <p:ph idx="1"/>
+          </p:nvPr>
+        </p:nvSpPr>
+        <p:spPr>
+          <a:xfrm>
+            <a:off x="838200" y="1919289"/>
+            <a:ext cx="5529148" cy="4909504"/>
+          </a:xfrm>
+        </p:spPr>
+        <p:txBody>
+          <a:bodyPr>
+            <a:normAutofit/>
+          </a:bodyPr>
+          <a:lstStyle/>
+          <a:p>
+            <a:pPr marL="514350" indent="-514350">
+              <a:buFont typeface="+mj-lt"/>
+              <a:buAutoNum type="arabicPeriod"/>
+            </a:pPr>
+            <a:r>
+              <a:rPr lang="en-US" dirty="0"/>
+              <a:t>T1DAL: var </a:t>
+            </a:r>
+            <a:r>
+              <a:rPr lang="en-US" dirty="0" err="1"/>
+              <a:t>freq</a:t>
+            </a:r>
+            <a:r>
+              <a:rPr lang="en-US" dirty="0"/>
+              <a:t> (high vs. low) didn’t matter much for sharing across time points (data not shown)</a:t>
+            </a:r>
+          </a:p>
+        </p:txBody>
+      </p:sp>
+      <p:sp>
+        <p:nvSpPr>
+          <p:cNvPr id="5" name="TextBox 4">
+            <a:extLst>
+              <a:ext uri="{FF2B5EF4-FFF2-40B4-BE49-F238E27FC236}">
+                <a16:creationId xmlns:a16="http://schemas.microsoft.com/office/drawing/2014/main" id="{9B6136EE-A522-CF27-6F9C-77EDD267C325}"/>
+              </a:ext>
+            </a:extLst>
+          </p:cNvPr>
+          <p:cNvSpPr txBox="1"/>
+          <p:nvPr/>
+        </p:nvSpPr>
+        <p:spPr>
+          <a:xfrm>
+            <a:off x="8628883" y="104140"/>
+            <a:ext cx="750334" cy="784830"/>
+          </a:xfrm>
+          <a:prstGeom prst="rect">
+            <a:avLst/>
+          </a:prstGeom>
+          <a:noFill/>
+        </p:spPr>
+        <p:txBody>
+          <a:bodyPr wrap="none" rtlCol="0">
+            <a:spAutoFit/>
+          </a:bodyPr>
+          <a:lstStyle/>
+          <a:p>
+            <a:r>
+              <a:rPr lang="en-US" sz="1500" dirty="0"/>
+              <a:t>TIGIT</a:t>
+            </a:r>
+            <a:r>
+              <a:rPr lang="en-US" sz="1500" baseline="30000" dirty="0"/>
+              <a:t>+</a:t>
+            </a:r>
+          </a:p>
+          <a:p>
+            <a:r>
+              <a:rPr lang="en-US" sz="1500" dirty="0"/>
+              <a:t>KLRG1</a:t>
+            </a:r>
+            <a:r>
+              <a:rPr lang="en-US" sz="1500" baseline="30000" dirty="0"/>
+              <a:t>+</a:t>
+            </a:r>
+          </a:p>
+          <a:p>
+            <a:r>
+              <a:rPr lang="en-US" sz="1500" dirty="0"/>
+              <a:t>(DP)</a:t>
+            </a:r>
+          </a:p>
+        </p:txBody>
+      </p:sp>
+      <p:sp>
+        <p:nvSpPr>
+          <p:cNvPr id="7" name="TextBox 6">
+            <a:extLst>
+              <a:ext uri="{FF2B5EF4-FFF2-40B4-BE49-F238E27FC236}">
+                <a16:creationId xmlns:a16="http://schemas.microsoft.com/office/drawing/2014/main" id="{43012635-6851-8862-3C9E-2CCD91F3C1E9}"/>
+              </a:ext>
+            </a:extLst>
+          </p:cNvPr>
+          <p:cNvSpPr txBox="1"/>
+          <p:nvPr/>
+        </p:nvSpPr>
+        <p:spPr>
+          <a:xfrm>
+            <a:off x="10524331" y="1365291"/>
+            <a:ext cx="763351" cy="553998"/>
+          </a:xfrm>
+          <a:prstGeom prst="rect">
+            <a:avLst/>
+          </a:prstGeom>
+          <a:noFill/>
+        </p:spPr>
+        <p:txBody>
+          <a:bodyPr wrap="none" rtlCol="0">
+            <a:spAutoFit/>
+          </a:bodyPr>
+          <a:lstStyle/>
+          <a:p>
+            <a:r>
+              <a:rPr lang="en-US" sz="1500" dirty="0"/>
+              <a:t>DP</a:t>
+            </a:r>
+          </a:p>
+          <a:p>
+            <a:r>
+              <a:rPr lang="en-US" sz="1500" dirty="0"/>
+              <a:t>CD127</a:t>
+            </a:r>
+            <a:r>
+              <a:rPr lang="en-US" sz="1500" baseline="30000" dirty="0"/>
+              <a:t>+</a:t>
+            </a:r>
+          </a:p>
+        </p:txBody>
+      </p:sp>
+      <p:sp>
+        <p:nvSpPr>
+          <p:cNvPr id="8" name="TextBox 7">
+            <a:extLst>
+              <a:ext uri="{FF2B5EF4-FFF2-40B4-BE49-F238E27FC236}">
+                <a16:creationId xmlns:a16="http://schemas.microsoft.com/office/drawing/2014/main" id="{DC162431-0CA8-66D4-EEDE-CB159ACBA69D}"/>
+              </a:ext>
+            </a:extLst>
+          </p:cNvPr>
+          <p:cNvSpPr txBox="1"/>
+          <p:nvPr/>
+        </p:nvSpPr>
+        <p:spPr>
+          <a:xfrm>
+            <a:off x="9831873" y="97368"/>
+            <a:ext cx="885179" cy="323165"/>
+          </a:xfrm>
+          <a:prstGeom prst="rect">
+            <a:avLst/>
+          </a:prstGeom>
+          <a:noFill/>
+        </p:spPr>
+        <p:txBody>
+          <a:bodyPr wrap="none" rtlCol="0">
+            <a:spAutoFit/>
+          </a:bodyPr>
+          <a:lstStyle/>
+          <a:p>
+            <a:r>
+              <a:rPr lang="en-US" sz="1500" dirty="0"/>
+              <a:t>DP PD-1</a:t>
+            </a:r>
+            <a:r>
+              <a:rPr lang="en-US" sz="1500" baseline="30000" dirty="0"/>
+              <a:t>+</a:t>
+            </a:r>
+          </a:p>
+        </p:txBody>
+      </p:sp>
+      <p:sp>
+        <p:nvSpPr>
+          <p:cNvPr id="9" name="TextBox 8">
+            <a:extLst>
+              <a:ext uri="{FF2B5EF4-FFF2-40B4-BE49-F238E27FC236}">
+                <a16:creationId xmlns:a16="http://schemas.microsoft.com/office/drawing/2014/main" id="{128502BE-D508-7983-CDA9-470E45AE1BD0}"/>
+              </a:ext>
+            </a:extLst>
+          </p:cNvPr>
+          <p:cNvSpPr txBox="1"/>
+          <p:nvPr/>
+        </p:nvSpPr>
+        <p:spPr>
+          <a:xfrm>
+            <a:off x="11169708" y="97367"/>
+            <a:ext cx="926857" cy="323165"/>
+          </a:xfrm>
+          <a:prstGeom prst="rect">
+            <a:avLst/>
+          </a:prstGeom>
+          <a:noFill/>
+        </p:spPr>
+        <p:txBody>
+          <a:bodyPr wrap="none" rtlCol="0">
+            <a:spAutoFit/>
+          </a:bodyPr>
+          <a:lstStyle/>
+          <a:p>
+            <a:r>
+              <a:rPr lang="en-US" sz="1500" dirty="0"/>
+              <a:t>DP CD57</a:t>
+            </a:r>
+            <a:r>
+              <a:rPr lang="en-US" sz="1500" baseline="30000" dirty="0"/>
+              <a:t>+</a:t>
+            </a:r>
+          </a:p>
+        </p:txBody>
+      </p:sp>
+      <p:sp>
+        <p:nvSpPr>
+          <p:cNvPr id="10" name="TextBox 9">
+            <a:extLst>
+              <a:ext uri="{FF2B5EF4-FFF2-40B4-BE49-F238E27FC236}">
+                <a16:creationId xmlns:a16="http://schemas.microsoft.com/office/drawing/2014/main" id="{7AAF3633-5CEF-4963-7B56-8EB9D15AE6C8}"/>
+              </a:ext>
+            </a:extLst>
+          </p:cNvPr>
+          <p:cNvSpPr txBox="1"/>
+          <p:nvPr/>
+        </p:nvSpPr>
+        <p:spPr>
+          <a:xfrm>
+            <a:off x="7702573" y="1456900"/>
+            <a:ext cx="724686" cy="553998"/>
+          </a:xfrm>
+          <a:prstGeom prst="rect">
+            <a:avLst/>
+          </a:prstGeom>
+          <a:noFill/>
+        </p:spPr>
+        <p:txBody>
+          <a:bodyPr wrap="none" rtlCol="0">
+            <a:spAutoFit/>
+          </a:bodyPr>
+          <a:lstStyle/>
+          <a:p>
+            <a:r>
+              <a:rPr lang="en-US" sz="1500" dirty="0"/>
+              <a:t>TIGIT</a:t>
+            </a:r>
+            <a:r>
+              <a:rPr lang="en-US" sz="1500" baseline="30000" dirty="0"/>
+              <a:t>-</a:t>
+            </a:r>
+          </a:p>
+          <a:p>
+            <a:r>
+              <a:rPr lang="en-US" sz="1500" dirty="0"/>
+              <a:t>KLRG1</a:t>
+            </a:r>
+            <a:r>
+              <a:rPr lang="en-US" sz="1500" baseline="30000" dirty="0"/>
+              <a:t>-</a:t>
+            </a:r>
+          </a:p>
+        </p:txBody>
+      </p:sp>
+      <p:sp>
+        <p:nvSpPr>
+          <p:cNvPr id="11" name="TextBox 10">
+            <a:extLst>
+              <a:ext uri="{FF2B5EF4-FFF2-40B4-BE49-F238E27FC236}">
+                <a16:creationId xmlns:a16="http://schemas.microsoft.com/office/drawing/2014/main" id="{FCDA884C-2814-1AF1-7760-CC92E2577825}"/>
+              </a:ext>
+            </a:extLst>
+          </p:cNvPr>
+          <p:cNvSpPr txBox="1"/>
+          <p:nvPr/>
+        </p:nvSpPr>
+        <p:spPr>
+          <a:xfrm>
+            <a:off x="6355214" y="1447906"/>
+            <a:ext cx="1371786" cy="553998"/>
+          </a:xfrm>
+          <a:prstGeom prst="rect">
+            <a:avLst/>
+          </a:prstGeom>
+          <a:noFill/>
+        </p:spPr>
+        <p:txBody>
+          <a:bodyPr wrap="none" rtlCol="0">
+            <a:spAutoFit/>
+          </a:bodyPr>
+          <a:lstStyle/>
+          <a:p>
+            <a:r>
+              <a:rPr lang="en-US" sz="1500" dirty="0"/>
+              <a:t>Non-exhausted</a:t>
+            </a:r>
+          </a:p>
+          <a:p>
+            <a:r>
+              <a:rPr lang="en-US" sz="1500" dirty="0"/>
+              <a:t>CD127</a:t>
+            </a:r>
+            <a:r>
+              <a:rPr lang="en-US" sz="1500" baseline="30000" dirty="0"/>
+              <a:t>+</a:t>
+            </a:r>
+          </a:p>
+        </p:txBody>
+      </p:sp>
+      <p:pic>
+        <p:nvPicPr>
+          <p:cNvPr id="4" name="Picture 3">
+            <a:extLst>
+              <a:ext uri="{FF2B5EF4-FFF2-40B4-BE49-F238E27FC236}">
+                <a16:creationId xmlns:a16="http://schemas.microsoft.com/office/drawing/2014/main" id="{31085466-2CB8-7C1C-7609-7AA4C87F9918}"/>
+              </a:ext>
+            </a:extLst>
+          </p:cNvPr>
+          <p:cNvPicPr>
+            <a:picLocks noChangeAspect="1"/>
+          </p:cNvPicPr>
+          <p:nvPr/>
+        </p:nvPicPr>
+        <p:blipFill>
+          <a:blip r:embed="rId4"/>
+          <a:stretch>
+            <a:fillRect/>
+          </a:stretch>
+        </p:blipFill>
+        <p:spPr>
+          <a:xfrm>
+            <a:off x="1227946" y="3987224"/>
+            <a:ext cx="876300" cy="901700"/>
+          </a:xfrm>
+          <a:prstGeom prst="rect">
+            <a:avLst/>
+          </a:prstGeom>
+        </p:spPr>
+      </p:pic>
+      <p:pic>
+        <p:nvPicPr>
+          <p:cNvPr id="12" name="Picture 11">
+            <a:extLst>
+              <a:ext uri="{FF2B5EF4-FFF2-40B4-BE49-F238E27FC236}">
+                <a16:creationId xmlns:a16="http://schemas.microsoft.com/office/drawing/2014/main" id="{FD4BAD93-0BFA-4C3A-73D8-2A17609DE074}"/>
+              </a:ext>
+            </a:extLst>
+          </p:cNvPr>
+          <p:cNvPicPr>
+            <a:picLocks noChangeAspect="1"/>
+          </p:cNvPicPr>
+          <p:nvPr/>
+        </p:nvPicPr>
+        <p:blipFill>
+          <a:blip r:embed="rId5"/>
+          <a:stretch>
+            <a:fillRect/>
+          </a:stretch>
+        </p:blipFill>
+        <p:spPr>
+          <a:xfrm>
+            <a:off x="1218701" y="4755753"/>
+            <a:ext cx="927100" cy="863600"/>
+          </a:xfrm>
+          <a:prstGeom prst="rect">
+            <a:avLst/>
+          </a:prstGeom>
+        </p:spPr>
+      </p:pic>
+      <p:pic>
+        <p:nvPicPr>
+          <p:cNvPr id="16" name="Picture 15">
+            <a:extLst>
+              <a:ext uri="{FF2B5EF4-FFF2-40B4-BE49-F238E27FC236}">
+                <a16:creationId xmlns:a16="http://schemas.microsoft.com/office/drawing/2014/main" id="{DDE91737-0187-F07C-6174-8022B5CE4976}"/>
+              </a:ext>
+            </a:extLst>
+          </p:cNvPr>
+          <p:cNvPicPr>
+            <a:picLocks noChangeAspect="1"/>
+          </p:cNvPicPr>
+          <p:nvPr/>
+        </p:nvPicPr>
+        <p:blipFill>
+          <a:blip r:embed="rId6"/>
+          <a:stretch>
+            <a:fillRect/>
+          </a:stretch>
+        </p:blipFill>
+        <p:spPr>
+          <a:xfrm>
+            <a:off x="2930367" y="3905541"/>
+            <a:ext cx="939800" cy="1003300"/>
+          </a:xfrm>
+          <a:prstGeom prst="rect">
+            <a:avLst/>
+          </a:prstGeom>
+        </p:spPr>
+      </p:pic>
+      <p:pic>
+        <p:nvPicPr>
+          <p:cNvPr id="17" name="Picture 16">
+            <a:extLst>
+              <a:ext uri="{FF2B5EF4-FFF2-40B4-BE49-F238E27FC236}">
+                <a16:creationId xmlns:a16="http://schemas.microsoft.com/office/drawing/2014/main" id="{F22A0192-4B25-6937-4964-6CBBE75BF6D9}"/>
+              </a:ext>
+            </a:extLst>
+          </p:cNvPr>
+          <p:cNvPicPr>
+            <a:picLocks noChangeAspect="1"/>
+          </p:cNvPicPr>
+          <p:nvPr/>
+        </p:nvPicPr>
+        <p:blipFill>
+          <a:blip r:embed="rId7"/>
+          <a:stretch>
+            <a:fillRect/>
+          </a:stretch>
+        </p:blipFill>
+        <p:spPr>
+          <a:xfrm>
+            <a:off x="2953830" y="4755753"/>
+            <a:ext cx="774700" cy="977900"/>
+          </a:xfrm>
+          <a:prstGeom prst="rect">
+            <a:avLst/>
+          </a:prstGeom>
+        </p:spPr>
+      </p:pic>
+      <p:pic>
+        <p:nvPicPr>
+          <p:cNvPr id="18" name="Picture 17">
+            <a:extLst>
+              <a:ext uri="{FF2B5EF4-FFF2-40B4-BE49-F238E27FC236}">
+                <a16:creationId xmlns:a16="http://schemas.microsoft.com/office/drawing/2014/main" id="{D9D6CC25-C6FA-57B4-36BB-B372537D726F}"/>
+              </a:ext>
+            </a:extLst>
+          </p:cNvPr>
+          <p:cNvPicPr>
+            <a:picLocks noChangeAspect="1"/>
+          </p:cNvPicPr>
+          <p:nvPr/>
+        </p:nvPicPr>
+        <p:blipFill>
+          <a:blip r:embed="rId8"/>
+          <a:stretch>
+            <a:fillRect/>
+          </a:stretch>
+        </p:blipFill>
+        <p:spPr>
+          <a:xfrm>
+            <a:off x="4536559" y="4399974"/>
+            <a:ext cx="1054100" cy="977900"/>
+          </a:xfrm>
+          <a:prstGeom prst="rect">
+            <a:avLst/>
+          </a:prstGeom>
+        </p:spPr>
+      </p:pic>
+      <p:cxnSp>
+        <p:nvCxnSpPr>
+          <p:cNvPr id="20" name="Straight Arrow Connector 19">
+            <a:extLst>
+              <a:ext uri="{FF2B5EF4-FFF2-40B4-BE49-F238E27FC236}">
+                <a16:creationId xmlns:a16="http://schemas.microsoft.com/office/drawing/2014/main" id="{4A03D47B-1563-DB80-94BE-91C2448975CE}"/>
+              </a:ext>
+            </a:extLst>
+          </p:cNvPr>
+          <p:cNvCxnSpPr/>
+          <p:nvPr/>
+        </p:nvCxnSpPr>
+        <p:spPr>
+          <a:xfrm>
+            <a:off x="1376218" y="6114473"/>
+            <a:ext cx="3879273" cy="0"/>
+          </a:xfrm>
+          <a:prstGeom prst="straightConnector1">
+            <a:avLst/>
+          </a:prstGeom>
+          <a:ln w="38100">
+            <a:solidFill>
+              <a:schemeClr val="tx1"/>
+            </a:solidFill>
+            <a:tailEnd type="triangle"/>
+          </a:ln>
+        </p:spPr>
+        <p:style>
+          <a:lnRef idx="1">
+            <a:schemeClr val="accent1"/>
+          </a:lnRef>
+          <a:fillRef idx="0">
+            <a:schemeClr val="accent1"/>
+          </a:fillRef>
+          <a:effectRef idx="0">
+            <a:schemeClr val="accent1"/>
+          </a:effectRef>
+          <a:fontRef idx="minor">
+            <a:schemeClr val="tx1"/>
+          </a:fontRef>
+        </p:style>
+      </p:cxnSp>
+      <p:sp>
+        <p:nvSpPr>
+          <p:cNvPr id="21" name="TextBox 20">
+            <a:extLst>
+              <a:ext uri="{FF2B5EF4-FFF2-40B4-BE49-F238E27FC236}">
+                <a16:creationId xmlns:a16="http://schemas.microsoft.com/office/drawing/2014/main" id="{BCC4D935-6604-E949-9220-855F72588C76}"/>
+              </a:ext>
+            </a:extLst>
+          </p:cNvPr>
+          <p:cNvSpPr txBox="1"/>
+          <p:nvPr/>
+        </p:nvSpPr>
+        <p:spPr>
+          <a:xfrm>
+            <a:off x="2235200" y="6214533"/>
+            <a:ext cx="1931170" cy="369332"/>
+          </a:xfrm>
+          <a:prstGeom prst="rect">
+            <a:avLst/>
+          </a:prstGeom>
+          <a:noFill/>
+        </p:spPr>
+        <p:txBody>
+          <a:bodyPr wrap="none" rtlCol="0">
+            <a:spAutoFit/>
+          </a:bodyPr>
+          <a:lstStyle/>
+          <a:p>
+            <a:r>
+              <a:rPr lang="en-US" dirty="0"/>
+              <a:t>Increasing MT vars</a:t>
+            </a:r>
+          </a:p>
+        </p:txBody>
+      </p:sp>
+      <p:sp>
+        <p:nvSpPr>
+          <p:cNvPr id="22" name="TextBox 21">
+            <a:extLst>
+              <a:ext uri="{FF2B5EF4-FFF2-40B4-BE49-F238E27FC236}">
+                <a16:creationId xmlns:a16="http://schemas.microsoft.com/office/drawing/2014/main" id="{CA1F9007-3337-176C-D15D-E0A4AD755CCB}"/>
+              </a:ext>
+            </a:extLst>
+          </p:cNvPr>
+          <p:cNvSpPr txBox="1"/>
+          <p:nvPr/>
+        </p:nvSpPr>
+        <p:spPr>
+          <a:xfrm>
+            <a:off x="-27130" y="4407191"/>
+            <a:ext cx="1504948" cy="1200329"/>
+          </a:xfrm>
+          <a:prstGeom prst="rect">
+            <a:avLst/>
+          </a:prstGeom>
+          <a:noFill/>
+        </p:spPr>
+        <p:txBody>
+          <a:bodyPr wrap="square" rtlCol="0">
+            <a:spAutoFit/>
+          </a:bodyPr>
+          <a:lstStyle/>
+          <a:p>
+            <a:r>
+              <a:rPr lang="en-US" dirty="0"/>
+              <a:t>DN and non-</a:t>
+            </a:r>
+            <a:r>
+              <a:rPr lang="en-US" dirty="0" err="1"/>
+              <a:t>exh</a:t>
+            </a:r>
+            <a:r>
+              <a:rPr lang="en-US" dirty="0"/>
+              <a:t> CD127</a:t>
+            </a:r>
+            <a:r>
+              <a:rPr lang="en-US" baseline="30000" dirty="0"/>
+              <a:t>+</a:t>
+            </a:r>
+            <a:r>
+              <a:rPr lang="en-US" dirty="0"/>
+              <a:t> epigenetically similar</a:t>
+            </a:r>
+          </a:p>
+        </p:txBody>
+      </p:sp>
+      <p:sp>
+        <p:nvSpPr>
+          <p:cNvPr id="23" name="TextBox 22">
+            <a:extLst>
+              <a:ext uri="{FF2B5EF4-FFF2-40B4-BE49-F238E27FC236}">
+                <a16:creationId xmlns:a16="http://schemas.microsoft.com/office/drawing/2014/main" id="{7E821539-824D-5B8F-9FD0-D754177D352D}"/>
+              </a:ext>
+            </a:extLst>
+          </p:cNvPr>
+          <p:cNvSpPr txBox="1"/>
+          <p:nvPr/>
+        </p:nvSpPr>
+        <p:spPr>
+          <a:xfrm>
+            <a:off x="3453417" y="3217274"/>
+            <a:ext cx="2410690" cy="923330"/>
+          </a:xfrm>
+          <a:prstGeom prst="rect">
+            <a:avLst/>
+          </a:prstGeom>
+          <a:noFill/>
+        </p:spPr>
+        <p:txBody>
+          <a:bodyPr wrap="square" rtlCol="0">
+            <a:spAutoFit/>
+          </a:bodyPr>
+          <a:lstStyle/>
+          <a:p>
+            <a:r>
+              <a:rPr lang="en-US" dirty="0"/>
+              <a:t>DP CD127</a:t>
+            </a:r>
+            <a:r>
+              <a:rPr lang="en-US" baseline="30000" dirty="0"/>
+              <a:t>+</a:t>
+            </a:r>
+            <a:r>
+              <a:rPr lang="en-US" dirty="0"/>
+              <a:t> more epigenetically intermediate</a:t>
+            </a:r>
+          </a:p>
+        </p:txBody>
+      </p:sp>
+      <p:sp>
+        <p:nvSpPr>
+          <p:cNvPr id="24" name="TextBox 23">
+            <a:extLst>
+              <a:ext uri="{FF2B5EF4-FFF2-40B4-BE49-F238E27FC236}">
+                <a16:creationId xmlns:a16="http://schemas.microsoft.com/office/drawing/2014/main" id="{2D3E5C2C-9A6E-50EB-6801-9F2BF66D204F}"/>
+              </a:ext>
+            </a:extLst>
+          </p:cNvPr>
+          <p:cNvSpPr txBox="1"/>
+          <p:nvPr/>
+        </p:nvSpPr>
+        <p:spPr>
+          <a:xfrm>
+            <a:off x="3609552" y="5135443"/>
+            <a:ext cx="2118573" cy="923330"/>
+          </a:xfrm>
+          <a:prstGeom prst="rect">
+            <a:avLst/>
+          </a:prstGeom>
+          <a:noFill/>
+        </p:spPr>
+        <p:txBody>
+          <a:bodyPr wrap="square" rtlCol="0">
+            <a:spAutoFit/>
+          </a:bodyPr>
+          <a:lstStyle/>
+          <a:p>
+            <a:r>
+              <a:rPr lang="en-US" dirty="0"/>
+              <a:t>DP PD-1</a:t>
+            </a:r>
+            <a:r>
+              <a:rPr lang="en-US" baseline="30000" dirty="0"/>
+              <a:t>+</a:t>
+            </a:r>
+            <a:r>
+              <a:rPr lang="en-US" dirty="0"/>
+              <a:t> and DP CD57</a:t>
+            </a:r>
+            <a:r>
+              <a:rPr lang="en-US" baseline="30000" dirty="0"/>
+              <a:t>+</a:t>
+            </a:r>
+            <a:r>
+              <a:rPr lang="en-US" dirty="0"/>
+              <a:t> epigenetically similar</a:t>
+            </a:r>
+          </a:p>
+        </p:txBody>
+      </p:sp>
     </p:spTree>
     <p:extLst>
       <p:ext uri="{BB962C8B-B14F-4D97-AF65-F5344CB8AC3E}">
-        <p14:creationId xmlns:p14="http://schemas.microsoft.com/office/powerpoint/2010/main" val="4282640365"/>
+        <p14:creationId xmlns:p14="http://schemas.microsoft.com/office/powerpoint/2010/main" val="2010992850"/>
       </p:ext>
     </p:extLst>
   </p:cSld>

--- a/presentations/weekly_meetings/8_8_24.pptx
+++ b/presentations/weekly_meetings/8_8_24.pptx
@@ -11,14 +11,14 @@
     <p:sldId id="477" r:id="rId2"/>
     <p:sldId id="754" r:id="rId3"/>
     <p:sldId id="762" r:id="rId4"/>
-    <p:sldId id="761" r:id="rId5"/>
-    <p:sldId id="758" r:id="rId6"/>
-    <p:sldId id="759" r:id="rId7"/>
-    <p:sldId id="760" r:id="rId8"/>
-    <p:sldId id="751" r:id="rId9"/>
-    <p:sldId id="757" r:id="rId10"/>
-    <p:sldId id="755" r:id="rId11"/>
-    <p:sldId id="726" r:id="rId12"/>
+    <p:sldId id="758" r:id="rId5"/>
+    <p:sldId id="759" r:id="rId6"/>
+    <p:sldId id="760" r:id="rId7"/>
+    <p:sldId id="751" r:id="rId8"/>
+    <p:sldId id="757" r:id="rId9"/>
+    <p:sldId id="755" r:id="rId10"/>
+    <p:sldId id="726" r:id="rId11"/>
+    <p:sldId id="761" r:id="rId12"/>
   </p:sldIdLst>
   <p:sldSz cx="12192000" cy="6858000"/>
   <p:notesSz cx="6858000" cy="9144000"/>
@@ -218,7 +218,7 @@
           <a:p>
             <a:fld id="{E933A773-0DCE-3544-BB67-D5FA58DF903C}" type="datetimeFigureOut">
               <a:rPr lang="en-US" smtClean="0"/>
-              <a:t>8/7/24</a:t>
+              <a:t>8/8/24</a:t>
             </a:fld>
             <a:endParaRPr lang="en-US"/>
           </a:p>
@@ -634,6 +634,35 @@
           <a:bodyPr/>
           <a:lstStyle/>
           <a:p>
+            <a:pPr marL="0" indent="0">
+              <a:buFont typeface="+mj-lt"/>
+              <a:buNone/>
+            </a:pPr>
+            <a:r>
+              <a:rPr lang="en-US" b="0" dirty="0">
+                <a:solidFill>
+                  <a:srgbClr val="CCCCCC"/>
+                </a:solidFill>
+                <a:effectLst/>
+                <a:latin typeface="Menlo" panose="020B0609030804020204" pitchFamily="49" charset="0"/>
+              </a:rPr>
+              <a:t>Cell loss presumably explains higher than expected loss/gain of vars over time (loss could be death or swapping cell sort), loss/gain could also be due to insufficient sampling</a:t>
+            </a:r>
+          </a:p>
+          <a:p>
+            <a:pPr marL="0" indent="0">
+              <a:buFont typeface="+mj-lt"/>
+              <a:buNone/>
+            </a:pPr>
+            <a:endParaRPr lang="en-US" b="0" dirty="0">
+              <a:solidFill>
+                <a:srgbClr val="CCCCCC"/>
+              </a:solidFill>
+              <a:effectLst/>
+              <a:latin typeface="Menlo" panose="020B0609030804020204" pitchFamily="49" charset="0"/>
+            </a:endParaRPr>
+          </a:p>
+          <a:p>
             <a:pPr marL="0" marR="0" lvl="0" indent="0" algn="l" defTabSz="914400" rtl="0" eaLnBrk="1" fontAlgn="auto" latinLnBrk="0" hangingPunct="1">
               <a:lnSpc>
                 <a:spcPct val="100000"/>
@@ -651,13 +680,400 @@
               <a:tabLst/>
               <a:defRPr/>
             </a:pPr>
-            <a:endParaRPr lang="en-US" sz="1200" b="0" i="0" u="none" strike="noStrike" dirty="0">
+            <a:r>
+              <a:rPr lang="en-US" sz="1200" dirty="0">
+                <a:effectLst/>
+                <a:latin typeface="AdvPSA183"/>
+              </a:rPr>
+              <a:t>Only R in P452: “</a:t>
+            </a:r>
+            <a:r>
+              <a:rPr lang="en-US" sz="1200" dirty="0">
+                <a:effectLst/>
+                <a:latin typeface="Calibri" panose="020F0502020204030204" pitchFamily="34" charset="0"/>
+              </a:rPr>
+              <a:t>we first measured their bulk chromatin accessibility at baseline (Week 0/Visit 0) and 104 </a:t>
+            </a:r>
+            <a:r>
+              <a:rPr lang="en-US" sz="1200" dirty="0" err="1">
+                <a:effectLst/>
+                <a:latin typeface="Calibri" panose="020F0502020204030204" pitchFamily="34" charset="0"/>
+              </a:rPr>
+              <a:t>wk</a:t>
+            </a:r>
+            <a:r>
+              <a:rPr lang="en-US" sz="1200" dirty="0">
+                <a:effectLst/>
+                <a:latin typeface="Calibri" panose="020F0502020204030204" pitchFamily="34" charset="0"/>
+              </a:rPr>
+              <a:t> (Visit 30) post-treatment in alefacept responders (R, defined by C-peptide preservation) using ATAC-seq following sorting from PBMC (</a:t>
+            </a:r>
+            <a:r>
+              <a:rPr lang="en-US" sz="1200" dirty="0">
+                <a:effectLst/>
+                <a:latin typeface="Calibri,Bold"/>
+              </a:rPr>
+              <a:t>Figure 1A</a:t>
+            </a:r>
+            <a:r>
+              <a:rPr lang="en-US" sz="1200" dirty="0">
+                <a:effectLst/>
+                <a:latin typeface="Calibri" panose="020F0502020204030204" pitchFamily="34" charset="0"/>
+              </a:rPr>
+              <a:t>, Because cell population differences rather than treatment response differences were the focus of our investigation, we sequenced only alefacept responder (R) samples“</a:t>
+            </a:r>
+          </a:p>
+          <a:p>
+            <a:pPr marL="0" marR="0" lvl="0" indent="0" algn="l" defTabSz="914400" rtl="0" eaLnBrk="1" fontAlgn="auto" latinLnBrk="0" hangingPunct="1">
+              <a:lnSpc>
+                <a:spcPct val="100000"/>
+              </a:lnSpc>
+              <a:spcBef>
+                <a:spcPts val="0"/>
+              </a:spcBef>
+              <a:spcAft>
+                <a:spcPts val="0"/>
+              </a:spcAft>
+              <a:buClrTx/>
+              <a:buSzTx/>
+              <a:buFont typeface="+mj-lt"/>
+              <a:buNone/>
+              <a:tabLst/>
+              <a:defRPr/>
+            </a:pPr>
+            <a:endParaRPr lang="en-US" sz="1200" dirty="0">
+              <a:effectLst/>
+              <a:latin typeface="Calibri" panose="020F0502020204030204" pitchFamily="34" charset="0"/>
+            </a:endParaRPr>
+          </a:p>
+          <a:p>
+            <a:pPr marL="0" marR="0" lvl="0" indent="0" algn="l" defTabSz="914400" rtl="0" eaLnBrk="1" fontAlgn="auto" latinLnBrk="0" hangingPunct="1">
+              <a:lnSpc>
+                <a:spcPct val="100000"/>
+              </a:lnSpc>
+              <a:spcBef>
+                <a:spcPts val="0"/>
+              </a:spcBef>
+              <a:spcAft>
+                <a:spcPts val="0"/>
+              </a:spcAft>
+              <a:buClrTx/>
+              <a:buSzTx/>
+              <a:buFont typeface="+mj-lt"/>
+              <a:buNone/>
+              <a:tabLst/>
+              <a:defRPr/>
+            </a:pPr>
+            <a:r>
+              <a:rPr lang="en-US" sz="1200" dirty="0">
+                <a:effectLst/>
+                <a:latin typeface="Calibri" panose="020F0502020204030204" pitchFamily="34" charset="0"/>
+              </a:rPr>
+              <a:t>Updated to remove vars present in all sorts in a donor</a:t>
+            </a:r>
+          </a:p>
+          <a:p>
+            <a:pPr marL="0" marR="0" lvl="0" indent="0" algn="l" defTabSz="914400" rtl="0" eaLnBrk="1" fontAlgn="auto" latinLnBrk="0" hangingPunct="1">
+              <a:lnSpc>
+                <a:spcPct val="100000"/>
+              </a:lnSpc>
+              <a:spcBef>
+                <a:spcPts val="0"/>
+              </a:spcBef>
+              <a:spcAft>
+                <a:spcPts val="0"/>
+              </a:spcAft>
+              <a:buClrTx/>
+              <a:buSzTx/>
+              <a:buFont typeface="+mj-lt"/>
+              <a:buNone/>
+              <a:tabLst/>
+              <a:defRPr/>
+            </a:pPr>
+            <a:endParaRPr lang="en-US" sz="1200" dirty="0">
+              <a:effectLst/>
+              <a:latin typeface="Calibri" panose="020F0502020204030204" pitchFamily="34" charset="0"/>
+            </a:endParaRPr>
+          </a:p>
+          <a:p>
+            <a:r>
+              <a:rPr lang="en-US" dirty="0"/>
+              <a:t>MT notes:</a:t>
+            </a:r>
+          </a:p>
+          <a:p>
+            <a:pPr marL="0" marR="0" lvl="0" indent="0" algn="l" defTabSz="914400" rtl="0" eaLnBrk="1" fontAlgn="auto" latinLnBrk="0" hangingPunct="1">
+              <a:lnSpc>
+                <a:spcPct val="100000"/>
+              </a:lnSpc>
+              <a:spcBef>
+                <a:spcPts val="0"/>
+              </a:spcBef>
+              <a:spcAft>
+                <a:spcPts val="0"/>
+              </a:spcAft>
+              <a:buClrTx/>
+              <a:buSzTx/>
+              <a:buFontTx/>
+              <a:buNone/>
+              <a:tabLst/>
+              <a:defRPr/>
+            </a:pPr>
+            <a:r>
+              <a:rPr lang="en-US" sz="1200" dirty="0">
+                <a:effectLst/>
+                <a:latin typeface="AdvPSA183"/>
+              </a:rPr>
+              <a:t>Mitochondrial genomes have high copy number (100–1,000s)</a:t>
+            </a:r>
+          </a:p>
+          <a:p>
+            <a:pPr marL="0" marR="0" lvl="0" indent="0" algn="l" defTabSz="914400" rtl="0" eaLnBrk="1" fontAlgn="auto" latinLnBrk="0" hangingPunct="1">
+              <a:lnSpc>
+                <a:spcPct val="100000"/>
+              </a:lnSpc>
+              <a:spcBef>
+                <a:spcPts val="0"/>
+              </a:spcBef>
+              <a:spcAft>
+                <a:spcPts val="0"/>
+              </a:spcAft>
+              <a:buClrTx/>
+              <a:buSzTx/>
+              <a:buFontTx/>
+              <a:buNone/>
+              <a:tabLst/>
+              <a:defRPr/>
+            </a:pPr>
+            <a:endParaRPr lang="en-US" sz="1200" dirty="0">
+              <a:effectLst/>
+              <a:latin typeface="AdvPSA183"/>
+            </a:endParaRPr>
+          </a:p>
+          <a:p>
+            <a:pPr marL="0" marR="0" lvl="0" indent="0" algn="l" defTabSz="914400" rtl="0" eaLnBrk="1" fontAlgn="auto" latinLnBrk="0" hangingPunct="1">
+              <a:lnSpc>
+                <a:spcPct val="100000"/>
+              </a:lnSpc>
+              <a:spcBef>
+                <a:spcPts val="0"/>
+              </a:spcBef>
+              <a:spcAft>
+                <a:spcPts val="0"/>
+              </a:spcAft>
+              <a:buClrTx/>
+              <a:buSzTx/>
+              <a:buFontTx/>
+              <a:buNone/>
+              <a:tabLst/>
+              <a:defRPr/>
+            </a:pPr>
+            <a:r>
+              <a:rPr lang="en-US" sz="1200" b="0" i="0" u="none" strike="noStrike" dirty="0" err="1">
+                <a:solidFill>
+                  <a:srgbClr val="212121"/>
+                </a:solidFill>
+                <a:effectLst/>
+                <a:highlight>
+                  <a:srgbClr val="FFFFFF"/>
+                </a:highlight>
+                <a:latin typeface="Cambria" panose="02040503050406030204" pitchFamily="18" charset="0"/>
+              </a:rPr>
+              <a:t>homoplasmy</a:t>
+            </a:r>
+            <a:r>
+              <a:rPr lang="en-US" sz="1200" b="0" i="0" u="none" strike="noStrike" dirty="0">
+                <a:solidFill>
+                  <a:srgbClr val="212121"/>
+                </a:solidFill>
+                <a:effectLst/>
+                <a:highlight>
+                  <a:srgbClr val="FFFFFF"/>
+                </a:highlight>
+                <a:latin typeface="Cambria" panose="02040503050406030204" pitchFamily="18" charset="0"/>
+              </a:rPr>
+              <a:t> is when all copies of the mitochondrial genome in a cell are identical; </a:t>
+            </a:r>
+            <a:r>
+              <a:rPr lang="en-US" sz="1200" b="0" i="0" u="none" strike="noStrike" dirty="0" err="1">
+                <a:solidFill>
+                  <a:srgbClr val="212121"/>
+                </a:solidFill>
+                <a:effectLst/>
+                <a:highlight>
+                  <a:srgbClr val="FFFFFF"/>
+                </a:highlight>
+                <a:latin typeface="Cambria" panose="02040503050406030204" pitchFamily="18" charset="0"/>
+              </a:rPr>
+              <a:t>heteroplasmy</a:t>
+            </a:r>
+            <a:r>
+              <a:rPr lang="en-US" sz="1200" b="0" i="0" u="none" strike="noStrike" dirty="0">
+                <a:solidFill>
+                  <a:srgbClr val="212121"/>
+                </a:solidFill>
+                <a:effectLst/>
+                <a:highlight>
+                  <a:srgbClr val="FFFFFF"/>
+                </a:highlight>
+                <a:latin typeface="Cambria" panose="02040503050406030204" pitchFamily="18" charset="0"/>
+              </a:rPr>
+              <a:t> is when there is a mixture of two or more mitochondrial genotypes</a:t>
+            </a:r>
+            <a:endParaRPr lang="en-US" sz="1200" dirty="0">
+              <a:effectLst/>
+              <a:latin typeface="AdvPSA183"/>
+            </a:endParaRPr>
+          </a:p>
+          <a:p>
+            <a:pPr marL="0" marR="0" lvl="0" indent="0" algn="l" defTabSz="914400" rtl="0" eaLnBrk="1" fontAlgn="auto" latinLnBrk="0" hangingPunct="1">
+              <a:lnSpc>
+                <a:spcPct val="100000"/>
+              </a:lnSpc>
+              <a:spcBef>
+                <a:spcPts val="0"/>
+              </a:spcBef>
+              <a:spcAft>
+                <a:spcPts val="0"/>
+              </a:spcAft>
+              <a:buClrTx/>
+              <a:buSzTx/>
+              <a:buFontTx/>
+              <a:buNone/>
+              <a:tabLst/>
+              <a:defRPr/>
+            </a:pPr>
+            <a:endParaRPr lang="en-US" sz="1200" dirty="0">
+              <a:effectLst/>
+              <a:latin typeface="AdvPSA183"/>
+            </a:endParaRPr>
+          </a:p>
+          <a:p>
+            <a:pPr marL="0" marR="0" lvl="0" indent="0" algn="l" defTabSz="914400" rtl="0" eaLnBrk="1" fontAlgn="auto" latinLnBrk="0" hangingPunct="1">
+              <a:lnSpc>
+                <a:spcPct val="100000"/>
+              </a:lnSpc>
+              <a:spcBef>
+                <a:spcPts val="0"/>
+              </a:spcBef>
+              <a:spcAft>
+                <a:spcPts val="0"/>
+              </a:spcAft>
+              <a:buClrTx/>
+              <a:buSzTx/>
+              <a:buFontTx/>
+              <a:buNone/>
+              <a:tabLst/>
+              <a:defRPr/>
+            </a:pPr>
+            <a:r>
+              <a:rPr lang="en-US" sz="1200" dirty="0">
+                <a:effectLst/>
+                <a:latin typeface="AdvPSA183"/>
+              </a:rPr>
+              <a:t>mutations in </a:t>
+            </a:r>
+            <a:r>
+              <a:rPr lang="en-US" sz="1200" dirty="0" err="1">
+                <a:effectLst/>
+                <a:latin typeface="AdvPSA183"/>
+              </a:rPr>
+              <a:t>mtDNA</a:t>
+            </a:r>
+            <a:r>
+              <a:rPr lang="en-US" sz="1200" dirty="0">
+                <a:effectLst/>
+                <a:latin typeface="AdvPSA183"/>
+              </a:rPr>
+              <a:t> often reach high levels of </a:t>
+            </a:r>
+            <a:r>
+              <a:rPr lang="en-US" sz="1200" dirty="0" err="1">
+                <a:effectLst/>
+                <a:latin typeface="AdvPSA183"/>
+              </a:rPr>
+              <a:t>heteroplasmy</a:t>
+            </a:r>
+            <a:r>
+              <a:rPr lang="en-US" sz="1200" dirty="0">
+                <a:effectLst/>
+                <a:latin typeface="AdvPSA183"/>
+              </a:rPr>
+              <a:t> (proportion of mitochondrial genomes containing a specific mutation) due to a combination of vegetative segregation, random genetic drift, and relaxed replication </a:t>
+            </a:r>
+            <a:endParaRPr lang="en-US" b="0" i="0" u="none" strike="noStrike" dirty="0">
               <a:solidFill>
                 <a:srgbClr val="212121"/>
               </a:solidFill>
               <a:effectLst/>
-              <a:latin typeface="Aptos" panose="020B0004020202020204" pitchFamily="34" charset="0"/>
+              <a:highlight>
+                <a:srgbClr val="FFFCF0"/>
+              </a:highlight>
+              <a:latin typeface="Cambria" panose="02040503050406030204" pitchFamily="18" charset="0"/>
             </a:endParaRPr>
+          </a:p>
+          <a:p>
+            <a:endParaRPr lang="en-US" dirty="0"/>
+          </a:p>
+          <a:p>
+            <a:r>
+              <a:rPr lang="en-US" b="0" i="0" u="none" strike="noStrike" dirty="0">
+                <a:solidFill>
+                  <a:srgbClr val="212121"/>
+                </a:solidFill>
+                <a:effectLst/>
+                <a:highlight>
+                  <a:srgbClr val="FFFCF0"/>
+                </a:highlight>
+                <a:latin typeface="Cambria" panose="02040503050406030204" pitchFamily="18" charset="0"/>
+              </a:rPr>
+              <a:t>Exclusively maternal inheritance</a:t>
+            </a:r>
+          </a:p>
+          <a:p>
+            <a:endParaRPr lang="en-US" b="0" i="0" u="none" strike="noStrike" dirty="0">
+              <a:solidFill>
+                <a:srgbClr val="212121"/>
+              </a:solidFill>
+              <a:effectLst/>
+              <a:highlight>
+                <a:srgbClr val="FFFFFF"/>
+              </a:highlight>
+              <a:latin typeface="Cambria" panose="02040503050406030204" pitchFamily="18" charset="0"/>
+            </a:endParaRPr>
+          </a:p>
+          <a:p>
+            <a:pPr marL="0" marR="0" lvl="0" indent="0" algn="l" defTabSz="914400" rtl="0" eaLnBrk="1" fontAlgn="auto" latinLnBrk="0" hangingPunct="1">
+              <a:lnSpc>
+                <a:spcPct val="100000"/>
+              </a:lnSpc>
+              <a:spcBef>
+                <a:spcPts val="0"/>
+              </a:spcBef>
+              <a:spcAft>
+                <a:spcPts val="0"/>
+              </a:spcAft>
+              <a:buClrTx/>
+              <a:buSzTx/>
+              <a:buFontTx/>
+              <a:buNone/>
+              <a:tabLst/>
+              <a:defRPr/>
+            </a:pPr>
+            <a:r>
+              <a:rPr lang="en-US" sz="1200" dirty="0" err="1">
+                <a:effectLst/>
+                <a:latin typeface="AdvPSA183"/>
+              </a:rPr>
+              <a:t>mtDNA</a:t>
+            </a:r>
+            <a:r>
+              <a:rPr lang="en-US" sz="1200" dirty="0">
+                <a:effectLst/>
+                <a:latin typeface="AdvPSA183"/>
+              </a:rPr>
+              <a:t> mutation rates are estimated to be 10- to 100-fold higher than for nuclear DNA</a:t>
+            </a:r>
           </a:p>
         </p:txBody>
       </p:sp>
@@ -693,7 +1109,7 @@
     </p:spTree>
     <p:extLst>
       <p:ext uri="{BB962C8B-B14F-4D97-AF65-F5344CB8AC3E}">
-        <p14:creationId xmlns:p14="http://schemas.microsoft.com/office/powerpoint/2010/main" val="1970036607"/>
+        <p14:creationId xmlns:p14="http://schemas.microsoft.com/office/powerpoint/2010/main" val="1232174483"/>
       </p:ext>
     </p:extLst>
   </p:cSld>
@@ -765,35 +1181,6 @@
           <a:bodyPr/>
           <a:lstStyle/>
           <a:p>
-            <a:pPr marL="0" indent="0">
-              <a:buFont typeface="+mj-lt"/>
-              <a:buNone/>
-            </a:pPr>
-            <a:r>
-              <a:rPr lang="en-US" b="0" dirty="0">
-                <a:solidFill>
-                  <a:srgbClr val="CCCCCC"/>
-                </a:solidFill>
-                <a:effectLst/>
-                <a:latin typeface="Menlo" panose="020B0609030804020204" pitchFamily="49" charset="0"/>
-              </a:rPr>
-              <a:t>Cell loss presumably explains higher than expected loss/gain of vars over time (loss could be death or swapping cell sort), loss/gain could also be due to insufficient sampling</a:t>
-            </a:r>
-          </a:p>
-          <a:p>
-            <a:pPr marL="0" indent="0">
-              <a:buFont typeface="+mj-lt"/>
-              <a:buNone/>
-            </a:pPr>
-            <a:endParaRPr lang="en-US" b="0" dirty="0">
-              <a:solidFill>
-                <a:srgbClr val="CCCCCC"/>
-              </a:solidFill>
-              <a:effectLst/>
-              <a:latin typeface="Menlo" panose="020B0609030804020204" pitchFamily="49" charset="0"/>
-            </a:endParaRPr>
-          </a:p>
-          <a:p>
             <a:pPr marL="0" marR="0" lvl="0" indent="0" algn="l" defTabSz="914400" rtl="0" eaLnBrk="1" fontAlgn="auto" latinLnBrk="0" hangingPunct="1">
               <a:lnSpc>
                 <a:spcPct val="100000"/>
@@ -811,400 +1198,13 @@
               <a:tabLst/>
               <a:defRPr/>
             </a:pPr>
-            <a:r>
-              <a:rPr lang="en-US" sz="1200" dirty="0">
-                <a:effectLst/>
-                <a:latin typeface="AdvPSA183"/>
-              </a:rPr>
-              <a:t>Only R in P452: “</a:t>
-            </a:r>
-            <a:r>
-              <a:rPr lang="en-US" sz="1200" dirty="0">
-                <a:effectLst/>
-                <a:latin typeface="Calibri" panose="020F0502020204030204" pitchFamily="34" charset="0"/>
-              </a:rPr>
-              <a:t>we first measured their bulk chromatin accessibility at baseline (Week 0/Visit 0) and 104 </a:t>
-            </a:r>
-            <a:r>
-              <a:rPr lang="en-US" sz="1200" dirty="0" err="1">
-                <a:effectLst/>
-                <a:latin typeface="Calibri" panose="020F0502020204030204" pitchFamily="34" charset="0"/>
-              </a:rPr>
-              <a:t>wk</a:t>
-            </a:r>
-            <a:r>
-              <a:rPr lang="en-US" sz="1200" dirty="0">
-                <a:effectLst/>
-                <a:latin typeface="Calibri" panose="020F0502020204030204" pitchFamily="34" charset="0"/>
-              </a:rPr>
-              <a:t> (Visit 30) post-treatment in alefacept responders (R, defined by C-peptide preservation) using ATAC-seq following sorting from PBMC (</a:t>
-            </a:r>
-            <a:r>
-              <a:rPr lang="en-US" sz="1200" dirty="0">
-                <a:effectLst/>
-                <a:latin typeface="Calibri,Bold"/>
-              </a:rPr>
-              <a:t>Figure 1A</a:t>
-            </a:r>
-            <a:r>
-              <a:rPr lang="en-US" sz="1200" dirty="0">
-                <a:effectLst/>
-                <a:latin typeface="Calibri" panose="020F0502020204030204" pitchFamily="34" charset="0"/>
-              </a:rPr>
-              <a:t>, Because cell population differences rather than treatment response differences were the focus of our investigation, we sequenced only alefacept responder (R) samples“</a:t>
-            </a:r>
-          </a:p>
-          <a:p>
-            <a:pPr marL="0" marR="0" lvl="0" indent="0" algn="l" defTabSz="914400" rtl="0" eaLnBrk="1" fontAlgn="auto" latinLnBrk="0" hangingPunct="1">
-              <a:lnSpc>
-                <a:spcPct val="100000"/>
-              </a:lnSpc>
-              <a:spcBef>
-                <a:spcPts val="0"/>
-              </a:spcBef>
-              <a:spcAft>
-                <a:spcPts val="0"/>
-              </a:spcAft>
-              <a:buClrTx/>
-              <a:buSzTx/>
-              <a:buFont typeface="+mj-lt"/>
-              <a:buNone/>
-              <a:tabLst/>
-              <a:defRPr/>
-            </a:pPr>
-            <a:endParaRPr lang="en-US" sz="1200" dirty="0">
-              <a:effectLst/>
-              <a:latin typeface="Calibri" panose="020F0502020204030204" pitchFamily="34" charset="0"/>
-            </a:endParaRPr>
-          </a:p>
-          <a:p>
-            <a:pPr marL="0" marR="0" lvl="0" indent="0" algn="l" defTabSz="914400" rtl="0" eaLnBrk="1" fontAlgn="auto" latinLnBrk="0" hangingPunct="1">
-              <a:lnSpc>
-                <a:spcPct val="100000"/>
-              </a:lnSpc>
-              <a:spcBef>
-                <a:spcPts val="0"/>
-              </a:spcBef>
-              <a:spcAft>
-                <a:spcPts val="0"/>
-              </a:spcAft>
-              <a:buClrTx/>
-              <a:buSzTx/>
-              <a:buFont typeface="+mj-lt"/>
-              <a:buNone/>
-              <a:tabLst/>
-              <a:defRPr/>
-            </a:pPr>
-            <a:r>
-              <a:rPr lang="en-US" sz="1200" dirty="0">
-                <a:effectLst/>
-                <a:latin typeface="Calibri" panose="020F0502020204030204" pitchFamily="34" charset="0"/>
-              </a:rPr>
-              <a:t>Updated to remove vars present in all sorts in a donor</a:t>
-            </a:r>
-          </a:p>
-          <a:p>
-            <a:pPr marL="0" marR="0" lvl="0" indent="0" algn="l" defTabSz="914400" rtl="0" eaLnBrk="1" fontAlgn="auto" latinLnBrk="0" hangingPunct="1">
-              <a:lnSpc>
-                <a:spcPct val="100000"/>
-              </a:lnSpc>
-              <a:spcBef>
-                <a:spcPts val="0"/>
-              </a:spcBef>
-              <a:spcAft>
-                <a:spcPts val="0"/>
-              </a:spcAft>
-              <a:buClrTx/>
-              <a:buSzTx/>
-              <a:buFont typeface="+mj-lt"/>
-              <a:buNone/>
-              <a:tabLst/>
-              <a:defRPr/>
-            </a:pPr>
-            <a:endParaRPr lang="en-US" sz="1200" dirty="0">
-              <a:effectLst/>
-              <a:latin typeface="Calibri" panose="020F0502020204030204" pitchFamily="34" charset="0"/>
-            </a:endParaRPr>
-          </a:p>
-          <a:p>
-            <a:r>
-              <a:rPr lang="en-US" dirty="0"/>
-              <a:t>MT notes:</a:t>
-            </a:r>
-          </a:p>
-          <a:p>
-            <a:pPr marL="0" marR="0" lvl="0" indent="0" algn="l" defTabSz="914400" rtl="0" eaLnBrk="1" fontAlgn="auto" latinLnBrk="0" hangingPunct="1">
-              <a:lnSpc>
-                <a:spcPct val="100000"/>
-              </a:lnSpc>
-              <a:spcBef>
-                <a:spcPts val="0"/>
-              </a:spcBef>
-              <a:spcAft>
-                <a:spcPts val="0"/>
-              </a:spcAft>
-              <a:buClrTx/>
-              <a:buSzTx/>
-              <a:buFontTx/>
-              <a:buNone/>
-              <a:tabLst/>
-              <a:defRPr/>
-            </a:pPr>
-            <a:r>
-              <a:rPr lang="en-US" sz="1200" dirty="0">
-                <a:effectLst/>
-                <a:latin typeface="AdvPSA183"/>
-              </a:rPr>
-              <a:t>Mitochondrial genomes have high copy number (100–1,000s)</a:t>
-            </a:r>
-          </a:p>
-          <a:p>
-            <a:pPr marL="0" marR="0" lvl="0" indent="0" algn="l" defTabSz="914400" rtl="0" eaLnBrk="1" fontAlgn="auto" latinLnBrk="0" hangingPunct="1">
-              <a:lnSpc>
-                <a:spcPct val="100000"/>
-              </a:lnSpc>
-              <a:spcBef>
-                <a:spcPts val="0"/>
-              </a:spcBef>
-              <a:spcAft>
-                <a:spcPts val="0"/>
-              </a:spcAft>
-              <a:buClrTx/>
-              <a:buSzTx/>
-              <a:buFontTx/>
-              <a:buNone/>
-              <a:tabLst/>
-              <a:defRPr/>
-            </a:pPr>
-            <a:endParaRPr lang="en-US" sz="1200" dirty="0">
-              <a:effectLst/>
-              <a:latin typeface="AdvPSA183"/>
-            </a:endParaRPr>
-          </a:p>
-          <a:p>
-            <a:pPr marL="0" marR="0" lvl="0" indent="0" algn="l" defTabSz="914400" rtl="0" eaLnBrk="1" fontAlgn="auto" latinLnBrk="0" hangingPunct="1">
-              <a:lnSpc>
-                <a:spcPct val="100000"/>
-              </a:lnSpc>
-              <a:spcBef>
-                <a:spcPts val="0"/>
-              </a:spcBef>
-              <a:spcAft>
-                <a:spcPts val="0"/>
-              </a:spcAft>
-              <a:buClrTx/>
-              <a:buSzTx/>
-              <a:buFontTx/>
-              <a:buNone/>
-              <a:tabLst/>
-              <a:defRPr/>
-            </a:pPr>
-            <a:r>
-              <a:rPr lang="en-US" sz="1200" b="0" i="0" u="none" strike="noStrike" dirty="0" err="1">
-                <a:solidFill>
-                  <a:srgbClr val="212121"/>
-                </a:solidFill>
-                <a:effectLst/>
-                <a:highlight>
-                  <a:srgbClr val="FFFFFF"/>
-                </a:highlight>
-                <a:latin typeface="Cambria" panose="02040503050406030204" pitchFamily="18" charset="0"/>
-              </a:rPr>
-              <a:t>homoplasmy</a:t>
-            </a:r>
-            <a:r>
-              <a:rPr lang="en-US" sz="1200" b="0" i="0" u="none" strike="noStrike" dirty="0">
-                <a:solidFill>
-                  <a:srgbClr val="212121"/>
-                </a:solidFill>
-                <a:effectLst/>
-                <a:highlight>
-                  <a:srgbClr val="FFFFFF"/>
-                </a:highlight>
-                <a:latin typeface="Cambria" panose="02040503050406030204" pitchFamily="18" charset="0"/>
-              </a:rPr>
-              <a:t> is when all copies of the mitochondrial genome in a cell are identical; </a:t>
-            </a:r>
-            <a:r>
-              <a:rPr lang="en-US" sz="1200" b="0" i="0" u="none" strike="noStrike" dirty="0" err="1">
-                <a:solidFill>
-                  <a:srgbClr val="212121"/>
-                </a:solidFill>
-                <a:effectLst/>
-                <a:highlight>
-                  <a:srgbClr val="FFFFFF"/>
-                </a:highlight>
-                <a:latin typeface="Cambria" panose="02040503050406030204" pitchFamily="18" charset="0"/>
-              </a:rPr>
-              <a:t>heteroplasmy</a:t>
-            </a:r>
-            <a:r>
-              <a:rPr lang="en-US" sz="1200" b="0" i="0" u="none" strike="noStrike" dirty="0">
-                <a:solidFill>
-                  <a:srgbClr val="212121"/>
-                </a:solidFill>
-                <a:effectLst/>
-                <a:highlight>
-                  <a:srgbClr val="FFFFFF"/>
-                </a:highlight>
-                <a:latin typeface="Cambria" panose="02040503050406030204" pitchFamily="18" charset="0"/>
-              </a:rPr>
-              <a:t> is when there is a mixture of two or more mitochondrial genotypes</a:t>
-            </a:r>
-            <a:endParaRPr lang="en-US" sz="1200" dirty="0">
-              <a:effectLst/>
-              <a:latin typeface="AdvPSA183"/>
-            </a:endParaRPr>
-          </a:p>
-          <a:p>
-            <a:pPr marL="0" marR="0" lvl="0" indent="0" algn="l" defTabSz="914400" rtl="0" eaLnBrk="1" fontAlgn="auto" latinLnBrk="0" hangingPunct="1">
-              <a:lnSpc>
-                <a:spcPct val="100000"/>
-              </a:lnSpc>
-              <a:spcBef>
-                <a:spcPts val="0"/>
-              </a:spcBef>
-              <a:spcAft>
-                <a:spcPts val="0"/>
-              </a:spcAft>
-              <a:buClrTx/>
-              <a:buSzTx/>
-              <a:buFontTx/>
-              <a:buNone/>
-              <a:tabLst/>
-              <a:defRPr/>
-            </a:pPr>
-            <a:endParaRPr lang="en-US" sz="1200" dirty="0">
-              <a:effectLst/>
-              <a:latin typeface="AdvPSA183"/>
-            </a:endParaRPr>
-          </a:p>
-          <a:p>
-            <a:pPr marL="0" marR="0" lvl="0" indent="0" algn="l" defTabSz="914400" rtl="0" eaLnBrk="1" fontAlgn="auto" latinLnBrk="0" hangingPunct="1">
-              <a:lnSpc>
-                <a:spcPct val="100000"/>
-              </a:lnSpc>
-              <a:spcBef>
-                <a:spcPts val="0"/>
-              </a:spcBef>
-              <a:spcAft>
-                <a:spcPts val="0"/>
-              </a:spcAft>
-              <a:buClrTx/>
-              <a:buSzTx/>
-              <a:buFontTx/>
-              <a:buNone/>
-              <a:tabLst/>
-              <a:defRPr/>
-            </a:pPr>
-            <a:r>
-              <a:rPr lang="en-US" sz="1200" dirty="0">
-                <a:effectLst/>
-                <a:latin typeface="AdvPSA183"/>
-              </a:rPr>
-              <a:t>mutations in </a:t>
-            </a:r>
-            <a:r>
-              <a:rPr lang="en-US" sz="1200" dirty="0" err="1">
-                <a:effectLst/>
-                <a:latin typeface="AdvPSA183"/>
-              </a:rPr>
-              <a:t>mtDNA</a:t>
-            </a:r>
-            <a:r>
-              <a:rPr lang="en-US" sz="1200" dirty="0">
-                <a:effectLst/>
-                <a:latin typeface="AdvPSA183"/>
-              </a:rPr>
-              <a:t> often reach high levels of </a:t>
-            </a:r>
-            <a:r>
-              <a:rPr lang="en-US" sz="1200" dirty="0" err="1">
-                <a:effectLst/>
-                <a:latin typeface="AdvPSA183"/>
-              </a:rPr>
-              <a:t>heteroplasmy</a:t>
-            </a:r>
-            <a:r>
-              <a:rPr lang="en-US" sz="1200" dirty="0">
-                <a:effectLst/>
-                <a:latin typeface="AdvPSA183"/>
-              </a:rPr>
-              <a:t> (proportion of mitochondrial genomes containing a specific mutation) due to a combination of vegetative segregation, random genetic drift, and relaxed replication </a:t>
-            </a:r>
-            <a:endParaRPr lang="en-US" b="0" i="0" u="none" strike="noStrike" dirty="0">
+            <a:endParaRPr lang="en-US" sz="1200" b="0" i="0" u="none" strike="noStrike" dirty="0">
               <a:solidFill>
                 <a:srgbClr val="212121"/>
               </a:solidFill>
               <a:effectLst/>
-              <a:highlight>
-                <a:srgbClr val="FFFCF0"/>
-              </a:highlight>
-              <a:latin typeface="Cambria" panose="02040503050406030204" pitchFamily="18" charset="0"/>
+              <a:latin typeface="Aptos" panose="020B0004020202020204" pitchFamily="34" charset="0"/>
             </a:endParaRPr>
-          </a:p>
-          <a:p>
-            <a:endParaRPr lang="en-US" dirty="0"/>
-          </a:p>
-          <a:p>
-            <a:r>
-              <a:rPr lang="en-US" b="0" i="0" u="none" strike="noStrike" dirty="0">
-                <a:solidFill>
-                  <a:srgbClr val="212121"/>
-                </a:solidFill>
-                <a:effectLst/>
-                <a:highlight>
-                  <a:srgbClr val="FFFCF0"/>
-                </a:highlight>
-                <a:latin typeface="Cambria" panose="02040503050406030204" pitchFamily="18" charset="0"/>
-              </a:rPr>
-              <a:t>Exclusively maternal inheritance</a:t>
-            </a:r>
-          </a:p>
-          <a:p>
-            <a:endParaRPr lang="en-US" b="0" i="0" u="none" strike="noStrike" dirty="0">
-              <a:solidFill>
-                <a:srgbClr val="212121"/>
-              </a:solidFill>
-              <a:effectLst/>
-              <a:highlight>
-                <a:srgbClr val="FFFFFF"/>
-              </a:highlight>
-              <a:latin typeface="Cambria" panose="02040503050406030204" pitchFamily="18" charset="0"/>
-            </a:endParaRPr>
-          </a:p>
-          <a:p>
-            <a:pPr marL="0" marR="0" lvl="0" indent="0" algn="l" defTabSz="914400" rtl="0" eaLnBrk="1" fontAlgn="auto" latinLnBrk="0" hangingPunct="1">
-              <a:lnSpc>
-                <a:spcPct val="100000"/>
-              </a:lnSpc>
-              <a:spcBef>
-                <a:spcPts val="0"/>
-              </a:spcBef>
-              <a:spcAft>
-                <a:spcPts val="0"/>
-              </a:spcAft>
-              <a:buClrTx/>
-              <a:buSzTx/>
-              <a:buFontTx/>
-              <a:buNone/>
-              <a:tabLst/>
-              <a:defRPr/>
-            </a:pPr>
-            <a:r>
-              <a:rPr lang="en-US" sz="1200" dirty="0" err="1">
-                <a:effectLst/>
-                <a:latin typeface="AdvPSA183"/>
-              </a:rPr>
-              <a:t>mtDNA</a:t>
-            </a:r>
-            <a:r>
-              <a:rPr lang="en-US" sz="1200" dirty="0">
-                <a:effectLst/>
-                <a:latin typeface="AdvPSA183"/>
-              </a:rPr>
-              <a:t> mutation rates are estimated to be 10- to 100-fold higher than for nuclear DNA</a:t>
-            </a:r>
           </a:p>
         </p:txBody>
       </p:sp>
@@ -1240,7 +1240,7 @@
     </p:spTree>
     <p:extLst>
       <p:ext uri="{BB962C8B-B14F-4D97-AF65-F5344CB8AC3E}">
-        <p14:creationId xmlns:p14="http://schemas.microsoft.com/office/powerpoint/2010/main" val="1232174483"/>
+        <p14:creationId xmlns:p14="http://schemas.microsoft.com/office/powerpoint/2010/main" val="901387304"/>
       </p:ext>
     </p:extLst>
   </p:cSld>
@@ -1588,6 +1588,35 @@
               <a:tabLst/>
               <a:defRPr/>
             </a:pPr>
+            <a:r>
+              <a:rPr lang="en-US" sz="1200" b="0" i="0" u="none" strike="noStrike" dirty="0">
+                <a:solidFill>
+                  <a:srgbClr val="212121"/>
+                </a:solidFill>
+                <a:effectLst/>
+                <a:latin typeface="Aptos" panose="020B0004020202020204" pitchFamily="34" charset="0"/>
+              </a:rPr>
+              <a:t>Perhaps that donor’s DNs were just much less DN and much more DP whatever than other donors’ DNs… hard to believe in bulk though…</a:t>
+            </a:r>
+          </a:p>
+          <a:p>
+            <a:pPr marL="0" marR="0" lvl="0" indent="0" algn="l" defTabSz="914400" rtl="0" eaLnBrk="1" fontAlgn="auto" latinLnBrk="0" hangingPunct="1">
+              <a:lnSpc>
+                <a:spcPct val="100000"/>
+              </a:lnSpc>
+              <a:spcBef>
+                <a:spcPts val="0"/>
+              </a:spcBef>
+              <a:spcAft>
+                <a:spcPts val="0"/>
+              </a:spcAft>
+              <a:buClrTx/>
+              <a:buSzTx/>
+              <a:buFont typeface="+mj-lt"/>
+              <a:buNone/>
+              <a:tabLst/>
+              <a:defRPr/>
+            </a:pPr>
             <a:endParaRPr lang="en-US" sz="1200" b="0" i="0" u="none" strike="noStrike" dirty="0">
               <a:solidFill>
                 <a:srgbClr val="212121"/>
@@ -1596,6 +1625,85 @@
               <a:latin typeface="Aptos" panose="020B0004020202020204" pitchFamily="34" charset="0"/>
             </a:endParaRPr>
           </a:p>
+          <a:p>
+            <a:pPr marL="0" marR="0" lvl="0" indent="0" algn="l" defTabSz="914400" rtl="0" eaLnBrk="1" fontAlgn="auto" latinLnBrk="0" hangingPunct="1">
+              <a:lnSpc>
+                <a:spcPct val="100000"/>
+              </a:lnSpc>
+              <a:spcBef>
+                <a:spcPts val="0"/>
+              </a:spcBef>
+              <a:spcAft>
+                <a:spcPts val="0"/>
+              </a:spcAft>
+              <a:buClrTx/>
+              <a:buSzTx/>
+              <a:buFont typeface="+mj-lt"/>
+              <a:buNone/>
+              <a:tabLst/>
+              <a:defRPr/>
+            </a:pPr>
+            <a:r>
+              <a:rPr lang="en-US" sz="1200" b="0" i="0" u="none" strike="noStrike" dirty="0" err="1">
+                <a:solidFill>
+                  <a:srgbClr val="212121"/>
+                </a:solidFill>
+                <a:effectLst/>
+                <a:latin typeface="Aptos" panose="020B0004020202020204" pitchFamily="34" charset="0"/>
+              </a:rPr>
+              <a:t>Diffbind</a:t>
+            </a:r>
+            <a:r>
+              <a:rPr lang="en-US" sz="1200" b="0" i="0" u="none" strike="noStrike" dirty="0">
+                <a:solidFill>
+                  <a:srgbClr val="212121"/>
+                </a:solidFill>
+                <a:effectLst/>
+                <a:latin typeface="Aptos" panose="020B0004020202020204" pitchFamily="34" charset="0"/>
+              </a:rPr>
+              <a:t> did regress out/block for responder status (and replicate), replicate symmetric (not right word but mapped 1:1 to) with </a:t>
+            </a:r>
+            <a:r>
+              <a:rPr lang="en-US" sz="1200" b="0" i="0" u="none" strike="noStrike" dirty="0" err="1">
+                <a:solidFill>
+                  <a:srgbClr val="212121"/>
+                </a:solidFill>
+                <a:effectLst/>
+                <a:latin typeface="Aptos" panose="020B0004020202020204" pitchFamily="34" charset="0"/>
+              </a:rPr>
+              <a:t>donorId</a:t>
+            </a:r>
+            <a:r>
+              <a:rPr lang="en-US" sz="1200" b="0" i="0" u="none" strike="noStrike" dirty="0">
+                <a:solidFill>
+                  <a:srgbClr val="212121"/>
+                </a:solidFill>
+                <a:effectLst/>
+                <a:latin typeface="Aptos" panose="020B0004020202020204" pitchFamily="34" charset="0"/>
+              </a:rPr>
+              <a:t>, so </a:t>
+            </a:r>
+            <a:r>
+              <a:rPr lang="en-US" sz="1200" b="0" i="0" u="none" strike="noStrike" dirty="0" err="1">
+                <a:solidFill>
+                  <a:srgbClr val="212121"/>
+                </a:solidFill>
+                <a:effectLst/>
+                <a:latin typeface="Aptos" panose="020B0004020202020204" pitchFamily="34" charset="0"/>
+              </a:rPr>
+              <a:t>diffbind</a:t>
+            </a:r>
+            <a:r>
+              <a:rPr lang="en-US" sz="1200" b="0" i="0" u="none" strike="noStrike" dirty="0">
+                <a:solidFill>
+                  <a:srgbClr val="212121"/>
+                </a:solidFill>
+                <a:effectLst/>
+                <a:latin typeface="Aptos" panose="020B0004020202020204" pitchFamily="34" charset="0"/>
+              </a:rPr>
+              <a:t> regressing out/blocking is fine! It’s just that I forgot to do this in Seurat</a:t>
+            </a:r>
+          </a:p>
         </p:txBody>
       </p:sp>
       <p:sp>
@@ -1630,7 +1738,7 @@
     </p:spTree>
     <p:extLst>
       <p:ext uri="{BB962C8B-B14F-4D97-AF65-F5344CB8AC3E}">
-        <p14:creationId xmlns:p14="http://schemas.microsoft.com/office/powerpoint/2010/main" val="609775088"/>
+        <p14:creationId xmlns:p14="http://schemas.microsoft.com/office/powerpoint/2010/main" val="1225739595"/>
       </p:ext>
     </p:extLst>
   </p:cSld>
@@ -1719,35 +1827,6 @@
               <a:tabLst/>
               <a:defRPr/>
             </a:pPr>
-            <a:r>
-              <a:rPr lang="en-US" sz="1200" b="0" i="0" u="none" strike="noStrike" dirty="0">
-                <a:solidFill>
-                  <a:srgbClr val="212121"/>
-                </a:solidFill>
-                <a:effectLst/>
-                <a:latin typeface="Aptos" panose="020B0004020202020204" pitchFamily="34" charset="0"/>
-              </a:rPr>
-              <a:t>Perhaps that donor’s DNs were just much less DN and much more DP whatever than other donors’ DNs… hard to believe in bulk though…</a:t>
-            </a:r>
-          </a:p>
-          <a:p>
-            <a:pPr marL="0" marR="0" lvl="0" indent="0" algn="l" defTabSz="914400" rtl="0" eaLnBrk="1" fontAlgn="auto" latinLnBrk="0" hangingPunct="1">
-              <a:lnSpc>
-                <a:spcPct val="100000"/>
-              </a:lnSpc>
-              <a:spcBef>
-                <a:spcPts val="0"/>
-              </a:spcBef>
-              <a:spcAft>
-                <a:spcPts val="0"/>
-              </a:spcAft>
-              <a:buClrTx/>
-              <a:buSzTx/>
-              <a:buFont typeface="+mj-lt"/>
-              <a:buNone/>
-              <a:tabLst/>
-              <a:defRPr/>
-            </a:pPr>
             <a:endParaRPr lang="en-US" sz="1200" b="0" i="0" u="none" strike="noStrike" dirty="0">
               <a:solidFill>
                 <a:srgbClr val="212121"/>
@@ -1756,85 +1835,6 @@
               <a:latin typeface="Aptos" panose="020B0004020202020204" pitchFamily="34" charset="0"/>
             </a:endParaRPr>
           </a:p>
-          <a:p>
-            <a:pPr marL="0" marR="0" lvl="0" indent="0" algn="l" defTabSz="914400" rtl="0" eaLnBrk="1" fontAlgn="auto" latinLnBrk="0" hangingPunct="1">
-              <a:lnSpc>
-                <a:spcPct val="100000"/>
-              </a:lnSpc>
-              <a:spcBef>
-                <a:spcPts val="0"/>
-              </a:spcBef>
-              <a:spcAft>
-                <a:spcPts val="0"/>
-              </a:spcAft>
-              <a:buClrTx/>
-              <a:buSzTx/>
-              <a:buFont typeface="+mj-lt"/>
-              <a:buNone/>
-              <a:tabLst/>
-              <a:defRPr/>
-            </a:pPr>
-            <a:r>
-              <a:rPr lang="en-US" sz="1200" b="0" i="0" u="none" strike="noStrike" dirty="0" err="1">
-                <a:solidFill>
-                  <a:srgbClr val="212121"/>
-                </a:solidFill>
-                <a:effectLst/>
-                <a:latin typeface="Aptos" panose="020B0004020202020204" pitchFamily="34" charset="0"/>
-              </a:rPr>
-              <a:t>Diffbind</a:t>
-            </a:r>
-            <a:r>
-              <a:rPr lang="en-US" sz="1200" b="0" i="0" u="none" strike="noStrike" dirty="0">
-                <a:solidFill>
-                  <a:srgbClr val="212121"/>
-                </a:solidFill>
-                <a:effectLst/>
-                <a:latin typeface="Aptos" panose="020B0004020202020204" pitchFamily="34" charset="0"/>
-              </a:rPr>
-              <a:t> did regress out/block for responder status (and replicate), replicate symmetric (not right word but mapped 1:1 to) with </a:t>
-            </a:r>
-            <a:r>
-              <a:rPr lang="en-US" sz="1200" b="0" i="0" u="none" strike="noStrike" dirty="0" err="1">
-                <a:solidFill>
-                  <a:srgbClr val="212121"/>
-                </a:solidFill>
-                <a:effectLst/>
-                <a:latin typeface="Aptos" panose="020B0004020202020204" pitchFamily="34" charset="0"/>
-              </a:rPr>
-              <a:t>donorId</a:t>
-            </a:r>
-            <a:r>
-              <a:rPr lang="en-US" sz="1200" b="0" i="0" u="none" strike="noStrike" dirty="0">
-                <a:solidFill>
-                  <a:srgbClr val="212121"/>
-                </a:solidFill>
-                <a:effectLst/>
-                <a:latin typeface="Aptos" panose="020B0004020202020204" pitchFamily="34" charset="0"/>
-              </a:rPr>
-              <a:t>, so </a:t>
-            </a:r>
-            <a:r>
-              <a:rPr lang="en-US" sz="1200" b="0" i="0" u="none" strike="noStrike" dirty="0" err="1">
-                <a:solidFill>
-                  <a:srgbClr val="212121"/>
-                </a:solidFill>
-                <a:effectLst/>
-                <a:latin typeface="Aptos" panose="020B0004020202020204" pitchFamily="34" charset="0"/>
-              </a:rPr>
-              <a:t>diffbind</a:t>
-            </a:r>
-            <a:r>
-              <a:rPr lang="en-US" sz="1200" b="0" i="0" u="none" strike="noStrike" dirty="0">
-                <a:solidFill>
-                  <a:srgbClr val="212121"/>
-                </a:solidFill>
-                <a:effectLst/>
-                <a:latin typeface="Aptos" panose="020B0004020202020204" pitchFamily="34" charset="0"/>
-              </a:rPr>
-              <a:t> regressing out/blocking is fine! It’s just that I forgot to do this in Seurat</a:t>
-            </a:r>
-          </a:p>
         </p:txBody>
       </p:sp>
       <p:sp>
@@ -1869,7 +1869,7 @@
     </p:spTree>
     <p:extLst>
       <p:ext uri="{BB962C8B-B14F-4D97-AF65-F5344CB8AC3E}">
-        <p14:creationId xmlns:p14="http://schemas.microsoft.com/office/powerpoint/2010/main" val="1225739595"/>
+        <p14:creationId xmlns:p14="http://schemas.microsoft.com/office/powerpoint/2010/main" val="3917921235"/>
       </p:ext>
     </p:extLst>
   </p:cSld>
@@ -1958,13 +1958,16 @@
               <a:tabLst/>
               <a:defRPr/>
             </a:pPr>
-            <a:endParaRPr lang="en-US" sz="1200" b="0" i="0" u="none" strike="noStrike" dirty="0">
-              <a:solidFill>
-                <a:srgbClr val="212121"/>
-              </a:solidFill>
-              <a:effectLst/>
-              <a:latin typeface="Aptos" panose="020B0004020202020204" pitchFamily="34" charset="0"/>
-            </a:endParaRPr>
+            <a:r>
+              <a:rPr lang="en-US" sz="1200" b="0" i="0" u="none" strike="noStrike" dirty="0">
+                <a:solidFill>
+                  <a:srgbClr val="212121"/>
+                </a:solidFill>
+                <a:effectLst/>
+                <a:latin typeface="Aptos" panose="020B0004020202020204" pitchFamily="34" charset="0"/>
+              </a:rPr>
+              <a:t>Not the most correct method here, summing peaks from 10 pairwise contrasts (to get ~1000 peaks) rather than the more correct way of finding variably accessible peaks from Seurat code stuffs, but this is consistent with Erin’s so not too worried</a:t>
+            </a:r>
           </a:p>
         </p:txBody>
       </p:sp>
@@ -2000,7 +2003,7 @@
     </p:spTree>
     <p:extLst>
       <p:ext uri="{BB962C8B-B14F-4D97-AF65-F5344CB8AC3E}">
-        <p14:creationId xmlns:p14="http://schemas.microsoft.com/office/powerpoint/2010/main" val="3917921235"/>
+        <p14:creationId xmlns:p14="http://schemas.microsoft.com/office/powerpoint/2010/main" val="1376663131"/>
       </p:ext>
     </p:extLst>
   </p:cSld>
@@ -2072,33 +2075,293 @@
           <a:bodyPr/>
           <a:lstStyle/>
           <a:p>
-            <a:pPr marL="0" marR="0" lvl="0" indent="0" algn="l" defTabSz="914400" rtl="0" eaLnBrk="1" fontAlgn="auto" latinLnBrk="0" hangingPunct="1">
-              <a:lnSpc>
-                <a:spcPct val="100000"/>
-              </a:lnSpc>
-              <a:spcBef>
-                <a:spcPts val="0"/>
-              </a:spcBef>
-              <a:spcAft>
-                <a:spcPts val="0"/>
-              </a:spcAft>
-              <a:buClrTx/>
-              <a:buSzTx/>
+            <a:pPr marL="0" indent="0">
               <a:buFont typeface="+mj-lt"/>
               <a:buNone/>
-              <a:tabLst/>
-              <a:defRPr/>
             </a:pPr>
             <a:r>
-              <a:rPr lang="en-US" sz="1200" b="0" i="0" u="none" strike="noStrike" dirty="0">
+              <a:rPr lang="en-US" b="0" i="0" u="none" strike="noStrike" dirty="0">
                 <a:solidFill>
-                  <a:srgbClr val="212121"/>
+                  <a:srgbClr val="000000"/>
                 </a:solidFill>
                 <a:effectLst/>
-                <a:latin typeface="Aptos" panose="020B0004020202020204" pitchFamily="34" charset="0"/>
+                <a:latin typeface="-webkit-standard"/>
               </a:rPr>
-              <a:t>Not the most correct method here, summing peaks from 10 pairwise contrasts (to get ~1000 peaks) rather than the more correct way of finding variably accessible peaks from Seurat code stuffs, but this is consistent with Erin’s so not too worried</a:t>
-            </a:r>
+              <a:t>Tested for significances already</a:t>
+            </a:r>
+          </a:p>
+          <a:p>
+            <a:pPr marL="0" indent="0">
+              <a:buFont typeface="+mj-lt"/>
+              <a:buNone/>
+            </a:pPr>
+            <a:endParaRPr lang="en-US" b="0" i="0" u="none" strike="noStrike" dirty="0">
+              <a:solidFill>
+                <a:srgbClr val="000000"/>
+              </a:solidFill>
+              <a:effectLst/>
+              <a:latin typeface="-webkit-standard"/>
+            </a:endParaRPr>
+          </a:p>
+          <a:p>
+            <a:pPr marL="0" indent="0">
+              <a:buFont typeface="+mj-lt"/>
+              <a:buNone/>
+            </a:pPr>
+            <a:r>
+              <a:rPr lang="en-US" b="0" i="0" u="none" strike="noStrike" dirty="0" err="1">
+                <a:solidFill>
+                  <a:srgbClr val="000000"/>
+                </a:solidFill>
+                <a:effectLst/>
+                <a:latin typeface="-webkit-standard"/>
+              </a:rPr>
+              <a:t>PhenoPath</a:t>
+            </a:r>
+            <a:r>
+              <a:rPr lang="en-US" b="0" i="0" u="none" strike="noStrike" dirty="0">
+                <a:solidFill>
+                  <a:srgbClr val="000000"/>
+                </a:solidFill>
+                <a:effectLst/>
+                <a:latin typeface="-webkit-standard"/>
+              </a:rPr>
+              <a:t> analyzes the accessibility of genomic regions (peaks) in your ATAC-seq data, modeling how these accessibilities change along a biological trajectory and how this trajectory is influenced by tissue type</a:t>
+            </a:r>
+          </a:p>
+          <a:p>
+            <a:pPr marL="0" indent="0">
+              <a:buFont typeface="+mj-lt"/>
+              <a:buNone/>
+            </a:pPr>
+            <a:endParaRPr lang="en-US" b="0" i="0" u="none" strike="noStrike" dirty="0">
+              <a:solidFill>
+                <a:srgbClr val="000000"/>
+              </a:solidFill>
+              <a:effectLst/>
+              <a:latin typeface="-webkit-standard"/>
+            </a:endParaRPr>
+          </a:p>
+          <a:p>
+            <a:pPr marL="0" indent="0">
+              <a:buFont typeface="+mj-lt"/>
+              <a:buNone/>
+            </a:pPr>
+            <a:r>
+              <a:rPr lang="en-US" b="0" i="0" u="none" strike="noStrike" dirty="0" err="1">
+                <a:solidFill>
+                  <a:srgbClr val="333333"/>
+                </a:solidFill>
+                <a:effectLst/>
+                <a:highlight>
+                  <a:srgbClr val="FFFFFF"/>
+                </a:highlight>
+                <a:latin typeface="Arial" panose="020B0604020202020204" pitchFamily="34" charset="0"/>
+              </a:rPr>
+              <a:t>PhenoPath</a:t>
+            </a:r>
+            <a:r>
+              <a:rPr lang="en-US" b="0" i="0" u="none" strike="noStrike" dirty="0">
+                <a:solidFill>
+                  <a:srgbClr val="333333"/>
+                </a:solidFill>
+                <a:effectLst/>
+                <a:highlight>
+                  <a:srgbClr val="FFFFFF"/>
+                </a:highlight>
+                <a:latin typeface="Arial" panose="020B0604020202020204" pitchFamily="34" charset="0"/>
+              </a:rPr>
+              <a:t> models gene expression expression </a:t>
+            </a:r>
+            <a:r>
+              <a:rPr lang="en-US" b="0" i="0" u="none" strike="noStrike" dirty="0">
+                <a:solidFill>
+                  <a:srgbClr val="333333"/>
+                </a:solidFill>
+                <a:effectLst/>
+                <a:latin typeface="STIXGeneral-Italic"/>
+              </a:rPr>
+              <a:t>𝑦</a:t>
+            </a:r>
+            <a:r>
+              <a:rPr lang="en-US" b="0" i="0" u="none" strike="noStrike" dirty="0">
+                <a:solidFill>
+                  <a:srgbClr val="333333"/>
+                </a:solidFill>
+                <a:effectLst/>
+                <a:highlight>
+                  <a:srgbClr val="FFFFFF"/>
+                </a:highlight>
+                <a:latin typeface="Arial" panose="020B0604020202020204" pitchFamily="34" charset="0"/>
+              </a:rPr>
+              <a:t> in terms of a latent pathway score (</a:t>
+            </a:r>
+            <a:r>
+              <a:rPr lang="en-US" b="0" i="0" u="none" strike="noStrike" dirty="0" err="1">
+                <a:solidFill>
+                  <a:srgbClr val="333333"/>
+                </a:solidFill>
+                <a:effectLst/>
+                <a:highlight>
+                  <a:srgbClr val="FFFFFF"/>
+                </a:highlight>
+                <a:latin typeface="Arial" panose="020B0604020202020204" pitchFamily="34" charset="0"/>
+              </a:rPr>
+              <a:t>pseudotime</a:t>
+            </a:r>
+            <a:r>
+              <a:rPr lang="en-US" b="0" i="0" u="none" strike="noStrike" dirty="0">
+                <a:solidFill>
+                  <a:srgbClr val="333333"/>
+                </a:solidFill>
+                <a:effectLst/>
+                <a:highlight>
+                  <a:srgbClr val="FFFFFF"/>
+                </a:highlight>
+                <a:latin typeface="Arial" panose="020B0604020202020204" pitchFamily="34" charset="0"/>
+              </a:rPr>
+              <a:t>) </a:t>
+            </a:r>
+            <a:r>
+              <a:rPr lang="en-US" b="0" i="0" u="none" strike="noStrike" dirty="0">
+                <a:solidFill>
+                  <a:srgbClr val="333333"/>
+                </a:solidFill>
+                <a:effectLst/>
+                <a:latin typeface="STIXGeneral-Italic"/>
+              </a:rPr>
+              <a:t>𝑧</a:t>
+            </a:r>
+            <a:r>
+              <a:rPr lang="en-US" b="0" i="0" u="none" strike="noStrike" dirty="0">
+                <a:solidFill>
+                  <a:srgbClr val="333333"/>
+                </a:solidFill>
+                <a:effectLst/>
+                <a:highlight>
+                  <a:srgbClr val="FFFFFF"/>
+                </a:highlight>
+                <a:latin typeface="Arial" panose="020B0604020202020204" pitchFamily="34" charset="0"/>
+              </a:rPr>
+              <a:t>. Uniquely, the evolution of genes along the trajectory isn’t common to each gene but can be perturbed by an additional sample-specific covariate </a:t>
+            </a:r>
+            <a:r>
+              <a:rPr lang="en-US" b="0" i="0" u="none" strike="noStrike" dirty="0">
+                <a:solidFill>
+                  <a:srgbClr val="333333"/>
+                </a:solidFill>
+                <a:effectLst/>
+                <a:latin typeface="STIXGeneral-Italic"/>
+              </a:rPr>
+              <a:t>𝛽</a:t>
+            </a:r>
+            <a:r>
+              <a:rPr lang="en-US" b="0" i="0" u="none" strike="noStrike" dirty="0">
+                <a:solidFill>
+                  <a:srgbClr val="333333"/>
+                </a:solidFill>
+                <a:effectLst/>
+                <a:highlight>
+                  <a:srgbClr val="FFFFFF"/>
+                </a:highlight>
+                <a:latin typeface="Arial" panose="020B0604020202020204" pitchFamily="34" charset="0"/>
+              </a:rPr>
+              <a:t> (cell sort here)</a:t>
+            </a:r>
+          </a:p>
+          <a:p>
+            <a:pPr marL="0" indent="0">
+              <a:buFont typeface="+mj-lt"/>
+              <a:buNone/>
+            </a:pPr>
+            <a:endParaRPr lang="en-US" b="0" i="0" u="none" strike="noStrike" dirty="0">
+              <a:solidFill>
+                <a:srgbClr val="333333"/>
+              </a:solidFill>
+              <a:effectLst/>
+              <a:highlight>
+                <a:srgbClr val="FFFFFF"/>
+              </a:highlight>
+              <a:latin typeface="Arial" panose="020B0604020202020204" pitchFamily="34" charset="0"/>
+            </a:endParaRPr>
+          </a:p>
+          <a:p>
+            <a:pPr marL="0" indent="0">
+              <a:buFont typeface="+mj-lt"/>
+              <a:buNone/>
+            </a:pPr>
+            <a:r>
+              <a:rPr lang="en-US" b="0" i="0" u="none" strike="noStrike" dirty="0">
+                <a:solidFill>
+                  <a:srgbClr val="333333"/>
+                </a:solidFill>
+                <a:effectLst/>
+                <a:highlight>
+                  <a:srgbClr val="FFF6EE"/>
+                </a:highlight>
+                <a:latin typeface="Arial" panose="020B0604020202020204" pitchFamily="34" charset="0"/>
+              </a:rPr>
+              <a:t>The default peak score for macs peaks is the "=-10*LOG10(</a:t>
+            </a:r>
+            <a:r>
+              <a:rPr lang="en-US" b="0" i="0" u="none" strike="noStrike" dirty="0" err="1">
+                <a:solidFill>
+                  <a:srgbClr val="333333"/>
+                </a:solidFill>
+                <a:effectLst/>
+                <a:highlight>
+                  <a:srgbClr val="FFF6EE"/>
+                </a:highlight>
+                <a:latin typeface="Arial" panose="020B0604020202020204" pitchFamily="34" charset="0"/>
+              </a:rPr>
+              <a:t>pvalue</a:t>
+            </a:r>
+            <a:r>
+              <a:rPr lang="en-US" b="0" i="0" u="none" strike="noStrike" dirty="0">
+                <a:solidFill>
+                  <a:srgbClr val="333333"/>
+                </a:solidFill>
+                <a:effectLst/>
+                <a:highlight>
+                  <a:srgbClr val="FFF6EE"/>
+                </a:highlight>
+                <a:latin typeface="Arial" panose="020B0604020202020204" pitchFamily="34" charset="0"/>
+              </a:rPr>
+              <a:t>)" value. It is </a:t>
+            </a:r>
+            <a:r>
+              <a:rPr lang="en-US" b="0" i="0" u="none" strike="noStrike" dirty="0" err="1">
+                <a:solidFill>
+                  <a:srgbClr val="333333"/>
+                </a:solidFill>
+                <a:effectLst/>
+                <a:highlight>
+                  <a:srgbClr val="FFF6EE"/>
+                </a:highlight>
+                <a:latin typeface="Arial" panose="020B0604020202020204" pitchFamily="34" charset="0"/>
+              </a:rPr>
+              <a:t>normalised</a:t>
+            </a:r>
+            <a:r>
+              <a:rPr lang="en-US" b="0" i="0" u="none" strike="noStrike" dirty="0">
+                <a:solidFill>
+                  <a:srgbClr val="333333"/>
+                </a:solidFill>
+                <a:effectLst/>
+                <a:highlight>
+                  <a:srgbClr val="FFF6EE"/>
+                </a:highlight>
+                <a:latin typeface="Arial" panose="020B0604020202020204" pitchFamily="34" charset="0"/>
+              </a:rPr>
+              <a:t> to a 0..1 scale by dividing the scores by the maximum score (so the max score gets a value of 1)</a:t>
+            </a:r>
+            <a:endParaRPr lang="en-US" b="0" dirty="0">
+              <a:solidFill>
+                <a:srgbClr val="CCCCCC"/>
+              </a:solidFill>
+              <a:effectLst/>
+              <a:latin typeface="Menlo" panose="020B0609030804020204" pitchFamily="49" charset="0"/>
+            </a:endParaRPr>
           </a:p>
         </p:txBody>
       </p:sp>
@@ -2134,7 +2397,7 @@
     </p:spTree>
     <p:extLst>
       <p:ext uri="{BB962C8B-B14F-4D97-AF65-F5344CB8AC3E}">
-        <p14:creationId xmlns:p14="http://schemas.microsoft.com/office/powerpoint/2010/main" val="1376663131"/>
+        <p14:creationId xmlns:p14="http://schemas.microsoft.com/office/powerpoint/2010/main" val="3777148753"/>
       </p:ext>
     </p:extLst>
   </p:cSld>
@@ -2206,206 +2469,317 @@
           <a:bodyPr/>
           <a:lstStyle/>
           <a:p>
-            <a:pPr marL="0" indent="0">
+            <a:pPr marL="0" marR="0" lvl="0" indent="0" algn="l" defTabSz="914400" rtl="0" eaLnBrk="1" fontAlgn="auto" latinLnBrk="0" hangingPunct="1">
+              <a:lnSpc>
+                <a:spcPct val="100000"/>
+              </a:lnSpc>
+              <a:spcBef>
+                <a:spcPts val="0"/>
+              </a:spcBef>
+              <a:spcAft>
+                <a:spcPts val="0"/>
+              </a:spcAft>
+              <a:buClrTx/>
+              <a:buSzTx/>
               <a:buFont typeface="+mj-lt"/>
               <a:buNone/>
+              <a:tabLst/>
+              <a:defRPr/>
+            </a:pPr>
+            <a:r>
+              <a:rPr lang="en-US" sz="1200" b="0" i="0" u="none" strike="noStrike" dirty="0">
+                <a:solidFill>
+                  <a:srgbClr val="212121"/>
+                </a:solidFill>
+                <a:effectLst/>
+                <a:latin typeface="Aptos" panose="020B0004020202020204" pitchFamily="34" charset="0"/>
+              </a:rPr>
+              <a:t>Not drawing a DN </a:t>
+            </a:r>
+            <a:r>
+              <a:rPr lang="en-US" sz="1200" b="0" i="0" u="none" strike="noStrike" dirty="0">
+                <a:solidFill>
+                  <a:srgbClr val="212121"/>
+                </a:solidFill>
+                <a:effectLst/>
+                <a:latin typeface="Aptos" panose="020B0004020202020204" pitchFamily="34" charset="0"/>
+                <a:sym typeface="Wingdings" pitchFamily="2" charset="2"/>
+              </a:rPr>
+              <a:t> </a:t>
+            </a:r>
+            <a:r>
+              <a:rPr lang="en-US" sz="1200" b="0" i="0" u="none" strike="noStrike" dirty="0" err="1">
+                <a:solidFill>
+                  <a:srgbClr val="212121"/>
+                </a:solidFill>
+                <a:effectLst/>
+                <a:latin typeface="Aptos" panose="020B0004020202020204" pitchFamily="34" charset="0"/>
+                <a:sym typeface="Wingdings" pitchFamily="2" charset="2"/>
+              </a:rPr>
+              <a:t>nonexh</a:t>
+            </a:r>
+            <a:r>
+              <a:rPr lang="en-US" sz="1200" b="0" i="0" u="none" strike="noStrike" dirty="0">
+                <a:solidFill>
+                  <a:srgbClr val="212121"/>
+                </a:solidFill>
+                <a:effectLst/>
+                <a:latin typeface="Aptos" panose="020B0004020202020204" pitchFamily="34" charset="0"/>
+                <a:sym typeface="Wingdings" pitchFamily="2" charset="2"/>
+              </a:rPr>
+              <a:t>  DPs linear path because we don’t observe that in UMAP/PCA plots, but it could also be possible…</a:t>
+            </a:r>
+          </a:p>
+          <a:p>
+            <a:pPr marL="0" marR="0" lvl="0" indent="0" algn="l" defTabSz="914400" rtl="0" eaLnBrk="1" fontAlgn="auto" latinLnBrk="0" hangingPunct="1">
+              <a:lnSpc>
+                <a:spcPct val="100000"/>
+              </a:lnSpc>
+              <a:spcBef>
+                <a:spcPts val="0"/>
+              </a:spcBef>
+              <a:spcAft>
+                <a:spcPts val="0"/>
+              </a:spcAft>
+              <a:buClrTx/>
+              <a:buSzTx/>
+              <a:buFont typeface="+mj-lt"/>
+              <a:buNone/>
+              <a:tabLst/>
+              <a:defRPr/>
+            </a:pPr>
+            <a:endParaRPr lang="en-US" sz="1200" b="0" i="0" u="none" strike="noStrike" dirty="0">
+              <a:solidFill>
+                <a:srgbClr val="212121"/>
+              </a:solidFill>
+              <a:effectLst/>
+              <a:latin typeface="Aptos" panose="020B0004020202020204" pitchFamily="34" charset="0"/>
+              <a:sym typeface="Wingdings" pitchFamily="2" charset="2"/>
+            </a:endParaRPr>
+          </a:p>
+          <a:p>
+            <a:pPr marL="0" marR="0" lvl="0" indent="0" algn="l" defTabSz="914400" rtl="0" eaLnBrk="1" fontAlgn="auto" latinLnBrk="0" hangingPunct="1">
+              <a:lnSpc>
+                <a:spcPct val="100000"/>
+              </a:lnSpc>
+              <a:spcBef>
+                <a:spcPts val="0"/>
+              </a:spcBef>
+              <a:spcAft>
+                <a:spcPts val="0"/>
+              </a:spcAft>
+              <a:buClrTx/>
+              <a:buSzTx/>
+              <a:buFont typeface="+mj-lt"/>
+              <a:buNone/>
+              <a:tabLst/>
+              <a:defRPr/>
+            </a:pPr>
+            <a:r>
+              <a:rPr lang="en-US" dirty="0"/>
+              <a:t>There’s also few DP CD127+ CD57+ cells in Long lab data, supporting this bifurcation</a:t>
+            </a:r>
+          </a:p>
+          <a:p>
+            <a:pPr marL="0" marR="0" lvl="0" indent="0" algn="l" defTabSz="914400" rtl="0" eaLnBrk="1" fontAlgn="auto" latinLnBrk="0" hangingPunct="1">
+              <a:lnSpc>
+                <a:spcPct val="100000"/>
+              </a:lnSpc>
+              <a:spcBef>
+                <a:spcPts val="0"/>
+              </a:spcBef>
+              <a:spcAft>
+                <a:spcPts val="0"/>
+              </a:spcAft>
+              <a:buClrTx/>
+              <a:buSzTx/>
+              <a:buFont typeface="+mj-lt"/>
+              <a:buNone/>
+              <a:tabLst/>
+              <a:defRPr/>
+            </a:pPr>
+            <a:r>
+              <a:rPr lang="en-US" b="0" i="0">
+                <a:solidFill>
+                  <a:srgbClr val="D1D2D3"/>
+                </a:solidFill>
+                <a:effectLst/>
+                <a:highlight>
+                  <a:srgbClr val="222529"/>
+                </a:highlight>
+                <a:latin typeface="Slack-Lato"/>
+              </a:rPr>
+              <a:t>From </a:t>
+            </a:r>
+            <a:r>
+              <a:rPr lang="en-US" b="0" i="0" dirty="0">
+                <a:solidFill>
+                  <a:srgbClr val="D1D2D3"/>
+                </a:solidFill>
+                <a:effectLst/>
+                <a:highlight>
+                  <a:srgbClr val="222529"/>
+                </a:highlight>
+                <a:latin typeface="Slack-Lato"/>
+              </a:rPr>
+              <a:t>Josh: “CD57+CD127+ population (less than 0.5% of total CD8s or 4% of DP). as for the CD127+PD1+ … about 1.5% of total CD8s (or 12.4% of DP).”</a:t>
+            </a:r>
+            <a:endParaRPr lang="en-US" dirty="0"/>
+          </a:p>
+          <a:p>
+            <a:pPr marL="0" marR="0" lvl="0" indent="0" algn="l" defTabSz="914400" rtl="0" eaLnBrk="1" fontAlgn="auto" latinLnBrk="0" hangingPunct="1">
+              <a:lnSpc>
+                <a:spcPct val="100000"/>
+              </a:lnSpc>
+              <a:spcBef>
+                <a:spcPts val="0"/>
+              </a:spcBef>
+              <a:spcAft>
+                <a:spcPts val="0"/>
+              </a:spcAft>
+              <a:buClrTx/>
+              <a:buSzTx/>
+              <a:buFont typeface="+mj-lt"/>
+              <a:buNone/>
+              <a:tabLst/>
+              <a:defRPr/>
+            </a:pPr>
+            <a:endParaRPr lang="en-US" dirty="0"/>
+          </a:p>
+          <a:p>
+            <a:pPr marL="0" marR="0" lvl="0" indent="0" algn="l" defTabSz="914400" rtl="0" eaLnBrk="1" fontAlgn="auto" latinLnBrk="0" hangingPunct="1">
+              <a:lnSpc>
+                <a:spcPct val="100000"/>
+              </a:lnSpc>
+              <a:spcBef>
+                <a:spcPts val="0"/>
+              </a:spcBef>
+              <a:spcAft>
+                <a:spcPts val="0"/>
+              </a:spcAft>
+              <a:buClrTx/>
+              <a:buSzTx/>
+              <a:buFont typeface="+mj-lt"/>
+              <a:buNone/>
+              <a:tabLst/>
+              <a:defRPr/>
             </a:pPr>
             <a:r>
               <a:rPr lang="en-US" b="0" i="0" u="none" strike="noStrike" dirty="0">
                 <a:solidFill>
-                  <a:srgbClr val="000000"/>
-                </a:solidFill>
-                <a:effectLst/>
-                <a:latin typeface="-webkit-standard"/>
-              </a:rPr>
-              <a:t>Tested for significances already</a:t>
-            </a:r>
-          </a:p>
-          <a:p>
-            <a:pPr marL="0" indent="0">
-              <a:buFont typeface="+mj-lt"/>
-              <a:buNone/>
-            </a:pPr>
-            <a:endParaRPr lang="en-US" b="0" i="0" u="none" strike="noStrike" dirty="0">
-              <a:solidFill>
-                <a:srgbClr val="000000"/>
-              </a:solidFill>
-              <a:effectLst/>
-              <a:latin typeface="-webkit-standard"/>
-            </a:endParaRPr>
-          </a:p>
-          <a:p>
-            <a:pPr marL="0" indent="0">
-              <a:buFont typeface="+mj-lt"/>
-              <a:buNone/>
-            </a:pPr>
-            <a:r>
-              <a:rPr lang="en-US" b="0" i="0" u="none" strike="noStrike" dirty="0" err="1">
-                <a:solidFill>
-                  <a:srgbClr val="000000"/>
-                </a:solidFill>
-                <a:effectLst/>
-                <a:latin typeface="-webkit-standard"/>
-              </a:rPr>
-              <a:t>PhenoPath</a:t>
-            </a:r>
-            <a:r>
-              <a:rPr lang="en-US" b="0" i="0" u="none" strike="noStrike" dirty="0">
-                <a:solidFill>
-                  <a:srgbClr val="000000"/>
-                </a:solidFill>
-                <a:effectLst/>
-                <a:latin typeface="-webkit-standard"/>
-              </a:rPr>
-              <a:t> analyzes the accessibility of genomic regions (peaks) in your ATAC-seq data, modeling how these accessibilities change along a biological trajectory and how this trajectory is influenced by tissue type</a:t>
-            </a:r>
-          </a:p>
-          <a:p>
-            <a:pPr marL="0" indent="0">
-              <a:buFont typeface="+mj-lt"/>
-              <a:buNone/>
-            </a:pPr>
-            <a:endParaRPr lang="en-US" b="0" i="0" u="none" strike="noStrike" dirty="0">
-              <a:solidFill>
-                <a:srgbClr val="000000"/>
-              </a:solidFill>
-              <a:effectLst/>
-              <a:latin typeface="-webkit-standard"/>
-            </a:endParaRPr>
-          </a:p>
-          <a:p>
-            <a:pPr marL="0" indent="0">
-              <a:buFont typeface="+mj-lt"/>
-              <a:buNone/>
-            </a:pPr>
-            <a:r>
-              <a:rPr lang="en-US" b="0" i="0" u="none" strike="noStrike" dirty="0" err="1">
-                <a:solidFill>
-                  <a:srgbClr val="333333"/>
+                  <a:srgbClr val="212121"/>
                 </a:solidFill>
                 <a:effectLst/>
                 <a:highlight>
                   <a:srgbClr val="FFFFFF"/>
                 </a:highlight>
-                <a:latin typeface="Arial" panose="020B0604020202020204" pitchFamily="34" charset="0"/>
+                <a:latin typeface="Cambria" panose="02040503050406030204" pitchFamily="18" charset="0"/>
               </a:rPr>
-              <a:t>PhenoPath</a:t>
+              <a:t>Additional evidence for bifurcation for CD127 and PD-1 split: “</a:t>
+            </a:r>
+            <a:r>
+              <a:rPr lang="en-US" b="0" dirty="0">
+                <a:solidFill>
+                  <a:srgbClr val="CCCCCC"/>
+                </a:solidFill>
+                <a:effectLst/>
+                <a:highlight>
+                  <a:srgbClr val="1F1F1F"/>
+                </a:highlight>
+                <a:latin typeface="Menlo" panose="020B0609030804020204" pitchFamily="49" charset="0"/>
+              </a:rPr>
+              <a:t>IL-7 suppressed PD-1 expression on activated T cells </a:t>
+            </a:r>
+            <a:r>
+              <a:rPr lang="en-US" b="0" i="1" dirty="0">
+                <a:solidFill>
+                  <a:srgbClr val="CCCCCC"/>
+                </a:solidFill>
+                <a:effectLst/>
+                <a:highlight>
+                  <a:srgbClr val="1F1F1F"/>
+                </a:highlight>
+                <a:latin typeface="Menlo" panose="020B0609030804020204" pitchFamily="49" charset="0"/>
+              </a:rPr>
+              <a:t>in vitro”</a:t>
             </a:r>
             <a:r>
               <a:rPr lang="en-US" b="0" i="0" u="none" strike="noStrike" dirty="0">
                 <a:solidFill>
-                  <a:srgbClr val="333333"/>
+                  <a:srgbClr val="CCCCCC"/>
+                </a:solidFill>
+                <a:effectLst/>
+                <a:highlight>
+                  <a:srgbClr val="1F1F1F"/>
+                </a:highlight>
+                <a:latin typeface="Menlo" panose="020B0609030804020204" pitchFamily="49" charset="0"/>
+              </a:rPr>
+              <a:t> </a:t>
+            </a:r>
+            <a:r>
+              <a:rPr lang="en-US" b="0" i="0" u="none" strike="noStrike" dirty="0">
+                <a:solidFill>
+                  <a:srgbClr val="212121"/>
                 </a:solidFill>
                 <a:effectLst/>
                 <a:highlight>
                   <a:srgbClr val="FFFFFF"/>
                 </a:highlight>
-                <a:latin typeface="Arial" panose="020B0604020202020204" pitchFamily="34" charset="0"/>
+                <a:latin typeface="Cambria" panose="02040503050406030204" pitchFamily="18" charset="0"/>
               </a:rPr>
-              <a:t> models gene expression expression </a:t>
-            </a:r>
-            <a:r>
-              <a:rPr lang="en-US" b="0" i="0" u="none" strike="noStrike" dirty="0">
+              <a:t>and “Interestingly, exhausted memory T cells show low IL-7R</a:t>
+            </a:r>
+            <a:r>
+              <a:rPr lang="el-GR" b="0" i="0" u="none" strike="noStrike" dirty="0">
                 <a:solidFill>
-                  <a:srgbClr val="333333"/>
-                </a:solidFill>
-                <a:effectLst/>
-                <a:latin typeface="STIXGeneral-Italic"/>
-              </a:rPr>
-              <a:t>𝑦</a:t>
-            </a:r>
-            <a:r>
-              <a:rPr lang="en-US" b="0" i="0" u="none" strike="noStrike" dirty="0">
-                <a:solidFill>
-                  <a:srgbClr val="333333"/>
+                  <a:srgbClr val="212121"/>
                 </a:solidFill>
                 <a:effectLst/>
                 <a:highlight>
                   <a:srgbClr val="FFFFFF"/>
                 </a:highlight>
-                <a:latin typeface="Arial" panose="020B0604020202020204" pitchFamily="34" charset="0"/>
+                <a:latin typeface="Cambria" panose="02040503050406030204" pitchFamily="18" charset="0"/>
               </a:rPr>
-              <a:t> in terms of a latent pathway score (</a:t>
-            </a:r>
-            <a:r>
-              <a:rPr lang="en-US" b="0" i="0" u="none" strike="noStrike" dirty="0" err="1">
+              <a:t>α </a:t>
+            </a:r>
+            <a:r>
+              <a:rPr lang="en-US" b="0" i="0" u="none" strike="noStrike" dirty="0">
                 <a:solidFill>
-                  <a:srgbClr val="333333"/>
+                  <a:srgbClr val="212121"/>
                 </a:solidFill>
                 <a:effectLst/>
                 <a:highlight>
                   <a:srgbClr val="FFFFFF"/>
                 </a:highlight>
-                <a:latin typeface="Arial" panose="020B0604020202020204" pitchFamily="34" charset="0"/>
+                <a:latin typeface="Cambria" panose="02040503050406030204" pitchFamily="18" charset="0"/>
               </a:rPr>
-              <a:t>pseudotime</a:t>
+              <a:t>expression (</a:t>
+            </a:r>
+            <a:r>
+              <a:rPr lang="en-US" b="0" i="0" u="sng" dirty="0">
+                <a:solidFill>
+                  <a:srgbClr val="4C2C92"/>
+                </a:solidFill>
+                <a:effectLst/>
+                <a:latin typeface="Cambria" panose="02040503050406030204" pitchFamily="18" charset="0"/>
+                <a:hlinkClick r:id="rId3"/>
+              </a:rPr>
+              <a:t>35</a:t>
             </a:r>
             <a:r>
               <a:rPr lang="en-US" b="0" i="0" u="none" strike="noStrike" dirty="0">
                 <a:solidFill>
-                  <a:srgbClr val="333333"/>
+                  <a:srgbClr val="212121"/>
                 </a:solidFill>
                 <a:effectLst/>
                 <a:highlight>
                   <a:srgbClr val="FFFFFF"/>
                 </a:highlight>
-                <a:latin typeface="Arial" panose="020B0604020202020204" pitchFamily="34" charset="0"/>
+                <a:latin typeface="Cambria" panose="02040503050406030204" pitchFamily="18" charset="0"/>
               </a:rPr>
-              <a:t>) </a:t>
-            </a:r>
-            <a:r>
-              <a:rPr lang="en-US" b="0" i="0" u="none" strike="noStrike" dirty="0">
-                <a:solidFill>
-                  <a:srgbClr val="333333"/>
-                </a:solidFill>
-                <a:effectLst/>
-                <a:latin typeface="STIXGeneral-Italic"/>
-              </a:rPr>
-              <a:t>𝑧</a:t>
-            </a:r>
-            <a:r>
-              <a:rPr lang="en-US" b="0" i="0" u="none" strike="noStrike" dirty="0">
-                <a:solidFill>
-                  <a:srgbClr val="333333"/>
-                </a:solidFill>
-                <a:effectLst/>
-                <a:highlight>
-                  <a:srgbClr val="FFFFFF"/>
-                </a:highlight>
-                <a:latin typeface="Arial" panose="020B0604020202020204" pitchFamily="34" charset="0"/>
-              </a:rPr>
-              <a:t>. Uniquely, the evolution of genes along the trajectory isn’t common to each gene but can be perturbed by an additional sample-specific covariate </a:t>
-            </a:r>
-            <a:r>
-              <a:rPr lang="en-US" b="0" i="0" u="none" strike="noStrike" dirty="0">
-                <a:solidFill>
-                  <a:srgbClr val="333333"/>
-                </a:solidFill>
-                <a:effectLst/>
-                <a:latin typeface="STIXGeneral-Italic"/>
-              </a:rPr>
-              <a:t>𝛽</a:t>
-            </a:r>
-            <a:r>
-              <a:rPr lang="en-US" b="0" i="0" u="none" strike="noStrike" dirty="0">
-                <a:solidFill>
-                  <a:srgbClr val="333333"/>
-                </a:solidFill>
-                <a:effectLst/>
-                <a:highlight>
-                  <a:srgbClr val="FFFFFF"/>
-                </a:highlight>
-                <a:latin typeface="Arial" panose="020B0604020202020204" pitchFamily="34" charset="0"/>
-              </a:rPr>
-              <a:t> (cell sort here)</a:t>
-            </a:r>
-            <a:endParaRPr lang="en-US" b="0" dirty="0">
-              <a:solidFill>
-                <a:srgbClr val="CCCCCC"/>
-              </a:solidFill>
-              <a:effectLst/>
-              <a:latin typeface="Menlo" panose="020B0609030804020204" pitchFamily="49" charset="0"/>
-            </a:endParaRPr>
+              <a:t>), and we speculate that a causal relation exists between the absence of IL-7 signals and the up-regulation of PD-1.” from PMC3411948</a:t>
+            </a:r>
+            <a:endParaRPr lang="en-US" dirty="0"/>
           </a:p>
         </p:txBody>
       </p:sp>
@@ -2441,7 +2815,7 @@
     </p:spTree>
     <p:extLst>
       <p:ext uri="{BB962C8B-B14F-4D97-AF65-F5344CB8AC3E}">
-        <p14:creationId xmlns:p14="http://schemas.microsoft.com/office/powerpoint/2010/main" val="3777148753"/>
+        <p14:creationId xmlns:p14="http://schemas.microsoft.com/office/powerpoint/2010/main" val="3544544526"/>
       </p:ext>
     </p:extLst>
   </p:cSld>
@@ -2530,99 +2904,13 @@
               <a:tabLst/>
               <a:defRPr/>
             </a:pPr>
-            <a:r>
-              <a:rPr lang="en-US" sz="1200" b="0" i="0" u="none" strike="noStrike" dirty="0">
-                <a:solidFill>
-                  <a:srgbClr val="212121"/>
-                </a:solidFill>
-                <a:effectLst/>
-                <a:latin typeface="Aptos" panose="020B0004020202020204" pitchFamily="34" charset="0"/>
-              </a:rPr>
-              <a:t>Not drawing a DN </a:t>
-            </a:r>
-            <a:r>
-              <a:rPr lang="en-US" sz="1200" b="0" i="0" u="none" strike="noStrike" dirty="0">
-                <a:solidFill>
-                  <a:srgbClr val="212121"/>
-                </a:solidFill>
-                <a:effectLst/>
-                <a:latin typeface="Aptos" panose="020B0004020202020204" pitchFamily="34" charset="0"/>
-                <a:sym typeface="Wingdings" pitchFamily="2" charset="2"/>
-              </a:rPr>
-              <a:t> </a:t>
-            </a:r>
-            <a:r>
-              <a:rPr lang="en-US" sz="1200" b="0" i="0" u="none" strike="noStrike" dirty="0" err="1">
-                <a:solidFill>
-                  <a:srgbClr val="212121"/>
-                </a:solidFill>
-                <a:effectLst/>
-                <a:latin typeface="Aptos" panose="020B0004020202020204" pitchFamily="34" charset="0"/>
-                <a:sym typeface="Wingdings" pitchFamily="2" charset="2"/>
-              </a:rPr>
-              <a:t>nonexh</a:t>
-            </a:r>
-            <a:r>
-              <a:rPr lang="en-US" sz="1200" b="0" i="0" u="none" strike="noStrike" dirty="0">
-                <a:solidFill>
-                  <a:srgbClr val="212121"/>
-                </a:solidFill>
-                <a:effectLst/>
-                <a:latin typeface="Aptos" panose="020B0004020202020204" pitchFamily="34" charset="0"/>
-                <a:sym typeface="Wingdings" pitchFamily="2" charset="2"/>
-              </a:rPr>
-              <a:t>  DPs linear path because we don’t observe that in UMAP/PCA plots, but it could also be possible…</a:t>
-            </a:r>
-          </a:p>
-          <a:p>
-            <a:pPr marL="0" marR="0" lvl="0" indent="0" algn="l" defTabSz="914400" rtl="0" eaLnBrk="1" fontAlgn="auto" latinLnBrk="0" hangingPunct="1">
-              <a:lnSpc>
-                <a:spcPct val="100000"/>
-              </a:lnSpc>
-              <a:spcBef>
-                <a:spcPts val="0"/>
-              </a:spcBef>
-              <a:spcAft>
-                <a:spcPts val="0"/>
-              </a:spcAft>
-              <a:buClrTx/>
-              <a:buSzTx/>
-              <a:buFont typeface="+mj-lt"/>
-              <a:buNone/>
-              <a:tabLst/>
-              <a:defRPr/>
-            </a:pPr>
             <a:endParaRPr lang="en-US" sz="1200" b="0" i="0" u="none" strike="noStrike" dirty="0">
               <a:solidFill>
                 <a:srgbClr val="212121"/>
               </a:solidFill>
               <a:effectLst/>
               <a:latin typeface="Aptos" panose="020B0004020202020204" pitchFamily="34" charset="0"/>
-              <a:sym typeface="Wingdings" pitchFamily="2" charset="2"/>
             </a:endParaRPr>
-          </a:p>
-          <a:p>
-            <a:pPr marL="0" marR="0" lvl="0" indent="0" algn="l" defTabSz="914400" rtl="0" eaLnBrk="1" fontAlgn="auto" latinLnBrk="0" hangingPunct="1">
-              <a:lnSpc>
-                <a:spcPct val="100000"/>
-              </a:lnSpc>
-              <a:spcBef>
-                <a:spcPts val="0"/>
-              </a:spcBef>
-              <a:spcAft>
-                <a:spcPts val="0"/>
-              </a:spcAft>
-              <a:buClrTx/>
-              <a:buSzTx/>
-              <a:buFont typeface="+mj-lt"/>
-              <a:buNone/>
-              <a:tabLst/>
-              <a:defRPr/>
-            </a:pPr>
-            <a:r>
-              <a:rPr lang="en-US" dirty="0"/>
-              <a:t>There’s also few DP CD127+ CD57+ cells, supporting this bifurcation</a:t>
-            </a:r>
           </a:p>
         </p:txBody>
       </p:sp>
@@ -2658,7 +2946,7 @@
     </p:spTree>
     <p:extLst>
       <p:ext uri="{BB962C8B-B14F-4D97-AF65-F5344CB8AC3E}">
-        <p14:creationId xmlns:p14="http://schemas.microsoft.com/office/powerpoint/2010/main" val="3544544526"/>
+        <p14:creationId xmlns:p14="http://schemas.microsoft.com/office/powerpoint/2010/main" val="1970036607"/>
       </p:ext>
     </p:extLst>
   </p:cSld>
@@ -2815,7 +3103,7 @@
           <a:p>
             <a:fld id="{80FC6068-BAFB-FC44-B9D8-F4B3BB105DE6}" type="datetimeFigureOut">
               <a:rPr lang="en-US" smtClean="0"/>
-              <a:t>8/7/24</a:t>
+              <a:t>8/8/24</a:t>
             </a:fld>
             <a:endParaRPr lang="en-US"/>
           </a:p>
@@ -3013,7 +3301,7 @@
           <a:p>
             <a:fld id="{80FC6068-BAFB-FC44-B9D8-F4B3BB105DE6}" type="datetimeFigureOut">
               <a:rPr lang="en-US" smtClean="0"/>
-              <a:t>8/7/24</a:t>
+              <a:t>8/8/24</a:t>
             </a:fld>
             <a:endParaRPr lang="en-US"/>
           </a:p>
@@ -3221,7 +3509,7 @@
           <a:p>
             <a:fld id="{80FC6068-BAFB-FC44-B9D8-F4B3BB105DE6}" type="datetimeFigureOut">
               <a:rPr lang="en-US" smtClean="0"/>
-              <a:t>8/7/24</a:t>
+              <a:t>8/8/24</a:t>
             </a:fld>
             <a:endParaRPr lang="en-US"/>
           </a:p>
@@ -3425,7 +3713,7 @@
           <a:p>
             <a:fld id="{80FC6068-BAFB-FC44-B9D8-F4B3BB105DE6}" type="datetimeFigureOut">
               <a:rPr lang="en-US" smtClean="0"/>
-              <a:t>8/7/24</a:t>
+              <a:t>8/8/24</a:t>
             </a:fld>
             <a:endParaRPr lang="en-US"/>
           </a:p>
@@ -3716,7 +4004,7 @@
           <a:p>
             <a:fld id="{80FC6068-BAFB-FC44-B9D8-F4B3BB105DE6}" type="datetimeFigureOut">
               <a:rPr lang="en-US" smtClean="0"/>
-              <a:t>8/7/24</a:t>
+              <a:t>8/8/24</a:t>
             </a:fld>
             <a:endParaRPr lang="en-US"/>
           </a:p>
@@ -3981,7 +4269,7 @@
           <a:p>
             <a:fld id="{80FC6068-BAFB-FC44-B9D8-F4B3BB105DE6}" type="datetimeFigureOut">
               <a:rPr lang="en-US" smtClean="0"/>
-              <a:t>8/7/24</a:t>
+              <a:t>8/8/24</a:t>
             </a:fld>
             <a:endParaRPr lang="en-US"/>
           </a:p>
@@ -4393,7 +4681,7 @@
           <a:p>
             <a:fld id="{80FC6068-BAFB-FC44-B9D8-F4B3BB105DE6}" type="datetimeFigureOut">
               <a:rPr lang="en-US" smtClean="0"/>
-              <a:t>8/7/24</a:t>
+              <a:t>8/8/24</a:t>
             </a:fld>
             <a:endParaRPr lang="en-US"/>
           </a:p>
@@ -4534,7 +4822,7 @@
           <a:p>
             <a:fld id="{80FC6068-BAFB-FC44-B9D8-F4B3BB105DE6}" type="datetimeFigureOut">
               <a:rPr lang="en-US" smtClean="0"/>
-              <a:t>8/7/24</a:t>
+              <a:t>8/8/24</a:t>
             </a:fld>
             <a:endParaRPr lang="en-US"/>
           </a:p>
@@ -4647,7 +4935,7 @@
           <a:p>
             <a:fld id="{80FC6068-BAFB-FC44-B9D8-F4B3BB105DE6}" type="datetimeFigureOut">
               <a:rPr lang="en-US" smtClean="0"/>
-              <a:t>8/7/24</a:t>
+              <a:t>8/8/24</a:t>
             </a:fld>
             <a:endParaRPr lang="en-US"/>
           </a:p>
@@ -4958,7 +5246,7 @@
           <a:p>
             <a:fld id="{80FC6068-BAFB-FC44-B9D8-F4B3BB105DE6}" type="datetimeFigureOut">
               <a:rPr lang="en-US" smtClean="0"/>
-              <a:t>8/7/24</a:t>
+              <a:t>8/8/24</a:t>
             </a:fld>
             <a:endParaRPr lang="en-US"/>
           </a:p>
@@ -5246,7 +5534,7 @@
           <a:p>
             <a:fld id="{80FC6068-BAFB-FC44-B9D8-F4B3BB105DE6}" type="datetimeFigureOut">
               <a:rPr lang="en-US" smtClean="0"/>
-              <a:t>8/7/24</a:t>
+              <a:t>8/8/24</a:t>
             </a:fld>
             <a:endParaRPr lang="en-US"/>
           </a:p>
@@ -5487,7 +5775,7 @@
           <a:p>
             <a:fld id="{80FC6068-BAFB-FC44-B9D8-F4B3BB105DE6}" type="datetimeFigureOut">
               <a:rPr lang="en-US" smtClean="0"/>
-              <a:t>8/7/24</a:t>
+              <a:t>8/8/24</a:t>
             </a:fld>
             <a:endParaRPr lang="en-US"/>
           </a:p>
@@ -6010,170 +6298,262 @@
           <a:chExt cx="0" cy="0"/>
         </a:xfrm>
       </p:grpSpPr>
-      <p:sp>
-        <p:nvSpPr>
-          <p:cNvPr id="6" name="Title 5">
-            <a:extLst>
-              <a:ext uri="{FF2B5EF4-FFF2-40B4-BE49-F238E27FC236}">
-                <a16:creationId xmlns:a16="http://schemas.microsoft.com/office/drawing/2014/main" id="{B9AD7D28-49C2-0B8B-79CB-FA2C8F40B6BC}"/>
-              </a:ext>
-            </a:extLst>
-          </p:cNvPr>
-          <p:cNvSpPr>
-            <a:spLocks noGrp="1"/>
-          </p:cNvSpPr>
-          <p:nvPr>
-            <p:ph type="title"/>
-          </p:nvPr>
-        </p:nvSpPr>
+      <p:pic>
+        <p:nvPicPr>
+          <p:cNvPr id="8" name="Picture 7">
+            <a:extLst>
+              <a:ext uri="{FF2B5EF4-FFF2-40B4-BE49-F238E27FC236}">
+                <a16:creationId xmlns:a16="http://schemas.microsoft.com/office/drawing/2014/main" id="{3CAF5A3E-4D83-AA66-4ECA-C15C7E6F9F79}"/>
+              </a:ext>
+            </a:extLst>
+          </p:cNvPr>
+          <p:cNvPicPr>
+            <a:picLocks noChangeAspect="1"/>
+          </p:cNvPicPr>
+          <p:nvPr/>
+        </p:nvPicPr>
+        <p:blipFill>
+          <a:blip r:embed="rId3"/>
+          <a:stretch>
+            <a:fillRect/>
+          </a:stretch>
+        </p:blipFill>
         <p:spPr>
           <a:xfrm>
-            <a:off x="838200" y="365125"/>
-            <a:ext cx="10279455" cy="1825625"/>
+            <a:off x="-1581" y="1300899"/>
+            <a:ext cx="3331546" cy="5557100"/>
           </a:xfrm>
+          <a:prstGeom prst="rect">
+            <a:avLst/>
+          </a:prstGeom>
         </p:spPr>
-        <p:txBody>
-          <a:bodyPr>
-            <a:normAutofit/>
-          </a:bodyPr>
+      </p:pic>
+      <p:sp>
+        <p:nvSpPr>
+          <p:cNvPr id="6" name="Title 5">
+            <a:extLst>
+              <a:ext uri="{FF2B5EF4-FFF2-40B4-BE49-F238E27FC236}">
+                <a16:creationId xmlns:a16="http://schemas.microsoft.com/office/drawing/2014/main" id="{B9AD7D28-49C2-0B8B-79CB-FA2C8F40B6BC}"/>
+              </a:ext>
+            </a:extLst>
+          </p:cNvPr>
+          <p:cNvSpPr>
+            <a:spLocks noGrp="1"/>
+          </p:cNvSpPr>
+          <p:nvPr>
+            <p:ph type="title"/>
+          </p:nvPr>
+        </p:nvSpPr>
+        <p:spPr/>
+        <p:txBody>
+          <a:bodyPr/>
           <a:lstStyle/>
           <a:p>
             <a:r>
               <a:rPr lang="en-US" dirty="0"/>
-              <a:t>Next steps</a:t>
-            </a:r>
-          </a:p>
-        </p:txBody>
-      </p:sp>
-      <p:sp>
-        <p:nvSpPr>
-          <p:cNvPr id="2" name="Content Placeholder 2">
-            <a:extLst>
-              <a:ext uri="{FF2B5EF4-FFF2-40B4-BE49-F238E27FC236}">
-                <a16:creationId xmlns:a16="http://schemas.microsoft.com/office/drawing/2014/main" id="{090FDFCF-AEFD-6D7B-6B89-12A07B49703B}"/>
-              </a:ext>
-            </a:extLst>
-          </p:cNvPr>
-          <p:cNvSpPr>
-            <a:spLocks noGrp="1"/>
-          </p:cNvSpPr>
-          <p:nvPr>
-            <p:ph idx="1"/>
-          </p:nvPr>
+              <a:t>P452 (T1DAL): faceting MT variant analysis by timepoint</a:t>
+            </a:r>
+          </a:p>
+        </p:txBody>
+      </p:sp>
+      <p:sp>
+        <p:nvSpPr>
+          <p:cNvPr id="7" name="TextBox 6">
+            <a:extLst>
+              <a:ext uri="{FF2B5EF4-FFF2-40B4-BE49-F238E27FC236}">
+                <a16:creationId xmlns:a16="http://schemas.microsoft.com/office/drawing/2014/main" id="{707DDD4F-FEE9-2F37-D73B-8E4F915BB589}"/>
+              </a:ext>
+            </a:extLst>
+          </p:cNvPr>
+          <p:cNvSpPr txBox="1"/>
+          <p:nvPr/>
         </p:nvSpPr>
         <p:spPr>
           <a:xfrm>
-            <a:off x="838200" y="1919289"/>
-            <a:ext cx="10771208" cy="4499440"/>
+            <a:off x="2831828" y="6308209"/>
+            <a:ext cx="1609544" cy="369332"/>
           </a:xfrm>
+          <a:prstGeom prst="rect">
+            <a:avLst/>
+          </a:prstGeom>
+          <a:noFill/>
         </p:spPr>
         <p:txBody>
-          <a:bodyPr>
-            <a:normAutofit lnSpcReduction="10000"/>
+          <a:bodyPr wrap="square" rtlCol="0">
+            <a:spAutoFit/>
           </a:bodyPr>
           <a:lstStyle/>
           <a:p>
-            <a:pPr marL="514350" indent="-514350">
-              <a:buFont typeface="+mj-lt"/>
-              <a:buAutoNum type="arabicPeriod"/>
-            </a:pPr>
             <a:r>
               <a:rPr lang="en-US" dirty="0"/>
-              <a:t>Analyzing additional </a:t>
+              <a:t>n = 4 (donors)</a:t>
+            </a:r>
+          </a:p>
+        </p:txBody>
+      </p:sp>
+      <p:sp>
+        <p:nvSpPr>
+          <p:cNvPr id="13" name="TextBox 12">
+            <a:extLst>
+              <a:ext uri="{FF2B5EF4-FFF2-40B4-BE49-F238E27FC236}">
+                <a16:creationId xmlns:a16="http://schemas.microsoft.com/office/drawing/2014/main" id="{20715B3E-708F-0E30-3EFC-C97CE4955250}"/>
+              </a:ext>
+            </a:extLst>
+          </p:cNvPr>
+          <p:cNvSpPr txBox="1"/>
+          <p:nvPr/>
+        </p:nvSpPr>
+        <p:spPr>
+          <a:xfrm>
+            <a:off x="7694779" y="4826675"/>
+            <a:ext cx="4637988" cy="2031325"/>
+          </a:xfrm>
+          <a:prstGeom prst="rect">
+            <a:avLst/>
+          </a:prstGeom>
+          <a:noFill/>
+        </p:spPr>
+        <p:txBody>
+          <a:bodyPr wrap="square" rtlCol="0">
+            <a:spAutoFit/>
+          </a:bodyPr>
+          <a:lstStyle/>
+          <a:p>
+            <a:r>
+              <a:rPr lang="en-US" dirty="0"/>
+              <a:t>Takeaways:</a:t>
+            </a:r>
+          </a:p>
+          <a:p>
+            <a:r>
+              <a:rPr lang="en-US" dirty="0"/>
+              <a:t> - no significant differences in variant counts by timepoint within each sort</a:t>
+            </a:r>
+          </a:p>
+          <a:p>
+            <a:r>
+              <a:rPr lang="en-US" dirty="0"/>
+              <a:t> - substantial variant loss/gain over time (more sharing in CD57s ~30% vs. ~20% for others)</a:t>
+            </a:r>
+          </a:p>
+          <a:p>
+            <a:r>
+              <a:rPr lang="en-US" dirty="0"/>
+              <a:t> - not very different filtering for high </a:t>
             </a:r>
             <a:r>
               <a:rPr lang="en-US" dirty="0" err="1"/>
-              <a:t>AbATE</a:t>
+              <a:t>freq</a:t>
             </a:r>
             <a:r>
               <a:rPr lang="en-US" dirty="0"/>
-              <a:t> reads as soon as run through alignment pipeline (expecting to begin by Monday)</a:t>
-            </a:r>
-          </a:p>
-          <a:p>
-            <a:pPr marL="514350" indent="-514350">
-              <a:buFont typeface="+mj-lt"/>
-              <a:buAutoNum type="arabicPeriod"/>
-            </a:pPr>
+              <a:t> vars (most here are high </a:t>
+            </a:r>
+            <a:r>
+              <a:rPr lang="en-US" dirty="0" err="1"/>
+              <a:t>freq</a:t>
+            </a:r>
             <a:r>
               <a:rPr lang="en-US" dirty="0"/>
-              <a:t>Preparing poster for BRI retreat (all abstracts make a poster?)</a:t>
-            </a:r>
-          </a:p>
-          <a:p>
-            <a:pPr marL="514350" indent="-514350">
-              <a:buFont typeface="+mj-lt"/>
-              <a:buAutoNum type="arabicPeriod"/>
-            </a:pPr>
-            <a:r>
-              <a:rPr lang="en-US" dirty="0" err="1"/>
-              <a:t>scATACseq</a:t>
-            </a:r>
-            <a:r>
-              <a:rPr lang="en-US" dirty="0"/>
-              <a:t> for MT variant-based lineage mapping</a:t>
-            </a:r>
-          </a:p>
-          <a:p>
-            <a:pPr marL="971550" lvl="1" indent="-514350">
-              <a:buFont typeface="+mj-lt"/>
-              <a:buAutoNum type="alphaLcParenR"/>
-            </a:pPr>
-            <a:r>
-              <a:rPr lang="en-US" dirty="0"/>
-              <a:t>authors from </a:t>
-            </a:r>
-            <a:r>
-              <a:rPr lang="en-US" dirty="0">
-                <a:hlinkClick r:id="rId3"/>
-              </a:rPr>
-              <a:t>this paper</a:t>
-            </a:r>
-            <a:r>
-              <a:rPr lang="en-US" dirty="0"/>
-              <a:t> recommended working backwards from rare variant frequency threshold to get cell numbers (i.e. with a lower bound variant frequency of 0.0005 then want 2,000 cells per sort per replicate, presumably?), that’s already lower bound than lowest bound I have looked at/showed results for… so maybe we don’t need (many) more cells for </a:t>
-            </a:r>
-            <a:r>
-              <a:rPr lang="en-US" dirty="0" err="1"/>
-              <a:t>scATACseq</a:t>
-            </a:r>
-            <a:r>
-              <a:rPr lang="en-US" dirty="0"/>
-              <a:t> than bulk </a:t>
-            </a:r>
-            <a:r>
-              <a:rPr lang="en-US" dirty="0" err="1"/>
-              <a:t>ATACseq</a:t>
-            </a:r>
-            <a:r>
-              <a:rPr lang="en-US" dirty="0"/>
-              <a:t>…</a:t>
-            </a:r>
-          </a:p>
-          <a:p>
-            <a:pPr marL="971550" lvl="1" indent="-514350">
-              <a:buFont typeface="+mj-lt"/>
-              <a:buAutoNum type="alphaLcParenR"/>
-            </a:pPr>
-            <a:r>
-              <a:rPr lang="en-US" dirty="0"/>
-              <a:t>might ask around BRI for/download public </a:t>
-            </a:r>
-            <a:r>
-              <a:rPr lang="en-US" dirty="0" err="1"/>
-              <a:t>scATACseq</a:t>
-            </a:r>
-            <a:r>
-              <a:rPr lang="en-US" dirty="0"/>
-              <a:t> data eventually to practice lineage mapping</a:t>
-            </a:r>
-          </a:p>
-        </p:txBody>
-      </p:sp>
+              <a:t>)</a:t>
+            </a:r>
+          </a:p>
+        </p:txBody>
+      </p:sp>
+      <p:pic>
+        <p:nvPicPr>
+          <p:cNvPr id="5" name="Picture 4">
+            <a:extLst>
+              <a:ext uri="{FF2B5EF4-FFF2-40B4-BE49-F238E27FC236}">
+                <a16:creationId xmlns:a16="http://schemas.microsoft.com/office/drawing/2014/main" id="{67BBACDF-3C74-72D2-7D8B-B2C05E2D5C3A}"/>
+              </a:ext>
+            </a:extLst>
+          </p:cNvPr>
+          <p:cNvPicPr>
+            <a:picLocks noChangeAspect="1"/>
+          </p:cNvPicPr>
+          <p:nvPr/>
+        </p:nvPicPr>
+        <p:blipFill>
+          <a:blip r:embed="rId4"/>
+          <a:stretch>
+            <a:fillRect/>
+          </a:stretch>
+        </p:blipFill>
+        <p:spPr>
+          <a:xfrm>
+            <a:off x="4169746" y="1653752"/>
+            <a:ext cx="3550920" cy="2281633"/>
+          </a:xfrm>
+          <a:prstGeom prst="rect">
+            <a:avLst/>
+          </a:prstGeom>
+        </p:spPr>
+      </p:pic>
+      <p:pic>
+        <p:nvPicPr>
+          <p:cNvPr id="9" name="Picture 8">
+            <a:extLst>
+              <a:ext uri="{FF2B5EF4-FFF2-40B4-BE49-F238E27FC236}">
+                <a16:creationId xmlns:a16="http://schemas.microsoft.com/office/drawing/2014/main" id="{C0AF5C14-8A13-C4F7-B465-F213C864F2FF}"/>
+              </a:ext>
+            </a:extLst>
+          </p:cNvPr>
+          <p:cNvPicPr>
+            <a:picLocks noChangeAspect="1"/>
+          </p:cNvPicPr>
+          <p:nvPr/>
+        </p:nvPicPr>
+        <p:blipFill>
+          <a:blip r:embed="rId5"/>
+          <a:stretch>
+            <a:fillRect/>
+          </a:stretch>
+        </p:blipFill>
+        <p:spPr>
+          <a:xfrm>
+            <a:off x="8142307" y="1653752"/>
+            <a:ext cx="3550920" cy="2453263"/>
+          </a:xfrm>
+          <a:prstGeom prst="rect">
+            <a:avLst/>
+          </a:prstGeom>
+        </p:spPr>
+      </p:pic>
+      <p:pic>
+        <p:nvPicPr>
+          <p:cNvPr id="10" name="Picture 9">
+            <a:extLst>
+              <a:ext uri="{FF2B5EF4-FFF2-40B4-BE49-F238E27FC236}">
+                <a16:creationId xmlns:a16="http://schemas.microsoft.com/office/drawing/2014/main" id="{0017A5F9-AE1B-6394-E977-5C52C34F5FE5}"/>
+              </a:ext>
+            </a:extLst>
+          </p:cNvPr>
+          <p:cNvPicPr>
+            <a:picLocks noChangeAspect="1"/>
+          </p:cNvPicPr>
+          <p:nvPr/>
+        </p:nvPicPr>
+        <p:blipFill>
+          <a:blip r:embed="rId6"/>
+          <a:stretch>
+            <a:fillRect/>
+          </a:stretch>
+        </p:blipFill>
+        <p:spPr>
+          <a:xfrm>
+            <a:off x="4220546" y="4228982"/>
+            <a:ext cx="3525033" cy="2448559"/>
+          </a:xfrm>
+          <a:prstGeom prst="rect">
+            <a:avLst/>
+          </a:prstGeom>
+        </p:spPr>
+      </p:pic>
     </p:spTree>
     <p:extLst>
       <p:ext uri="{BB962C8B-B14F-4D97-AF65-F5344CB8AC3E}">
-        <p14:creationId xmlns:p14="http://schemas.microsoft.com/office/powerpoint/2010/main" val="4005091590"/>
+        <p14:creationId xmlns:p14="http://schemas.microsoft.com/office/powerpoint/2010/main" val="738971182"/>
       </p:ext>
     </p:extLst>
   </p:cSld>
@@ -6206,12 +6586,47 @@
           <a:chExt cx="0" cy="0"/>
         </a:xfrm>
       </p:grpSpPr>
+      <p:sp>
+        <p:nvSpPr>
+          <p:cNvPr id="6" name="Title 5">
+            <a:extLst>
+              <a:ext uri="{FF2B5EF4-FFF2-40B4-BE49-F238E27FC236}">
+                <a16:creationId xmlns:a16="http://schemas.microsoft.com/office/drawing/2014/main" id="{B9AD7D28-49C2-0B8B-79CB-FA2C8F40B6BC}"/>
+              </a:ext>
+            </a:extLst>
+          </p:cNvPr>
+          <p:cNvSpPr>
+            <a:spLocks noGrp="1"/>
+          </p:cNvSpPr>
+          <p:nvPr>
+            <p:ph type="title"/>
+          </p:nvPr>
+        </p:nvSpPr>
+        <p:spPr>
+          <a:xfrm>
+            <a:off x="838199" y="365125"/>
+            <a:ext cx="10420927" cy="1620693"/>
+          </a:xfrm>
+        </p:spPr>
+        <p:txBody>
+          <a:bodyPr>
+            <a:normAutofit/>
+          </a:bodyPr>
+          <a:lstStyle/>
+          <a:p>
+            <a:r>
+              <a:rPr lang="en-US" dirty="0"/>
+              <a:t>Additional QC check for biological sex (sex chr reads vs. metadata): all samples pass</a:t>
+            </a:r>
+          </a:p>
+        </p:txBody>
+      </p:sp>
       <p:pic>
         <p:nvPicPr>
-          <p:cNvPr id="8" name="Picture 7">
-            <a:extLst>
-              <a:ext uri="{FF2B5EF4-FFF2-40B4-BE49-F238E27FC236}">
-                <a16:creationId xmlns:a16="http://schemas.microsoft.com/office/drawing/2014/main" id="{3CAF5A3E-4D83-AA66-4ECA-C15C7E6F9F79}"/>
+          <p:cNvPr id="5" name="Picture 4">
+            <a:extLst>
+              <a:ext uri="{FF2B5EF4-FFF2-40B4-BE49-F238E27FC236}">
+                <a16:creationId xmlns:a16="http://schemas.microsoft.com/office/drawing/2014/main" id="{3C6DE99D-601F-B013-0DF6-7633A5BB830D}"/>
               </a:ext>
             </a:extLst>
           </p:cNvPr>
@@ -6228,230 +6643,8 @@
         </p:blipFill>
         <p:spPr>
           <a:xfrm>
-            <a:off x="-1581" y="1300899"/>
-            <a:ext cx="3331546" cy="5557100"/>
-          </a:xfrm>
-          <a:prstGeom prst="rect">
-            <a:avLst/>
-          </a:prstGeom>
-        </p:spPr>
-      </p:pic>
-      <p:sp>
-        <p:nvSpPr>
-          <p:cNvPr id="6" name="Title 5">
-            <a:extLst>
-              <a:ext uri="{FF2B5EF4-FFF2-40B4-BE49-F238E27FC236}">
-                <a16:creationId xmlns:a16="http://schemas.microsoft.com/office/drawing/2014/main" id="{B9AD7D28-49C2-0B8B-79CB-FA2C8F40B6BC}"/>
-              </a:ext>
-            </a:extLst>
-          </p:cNvPr>
-          <p:cNvSpPr>
-            <a:spLocks noGrp="1"/>
-          </p:cNvSpPr>
-          <p:nvPr>
-            <p:ph type="title"/>
-          </p:nvPr>
-        </p:nvSpPr>
-        <p:spPr/>
-        <p:txBody>
-          <a:bodyPr/>
-          <a:lstStyle/>
-          <a:p>
-            <a:r>
-              <a:rPr lang="en-US" dirty="0"/>
-              <a:t>P452 (T1DAL): faceting MT variant analysis by timepoint</a:t>
-            </a:r>
-          </a:p>
-        </p:txBody>
-      </p:sp>
-      <p:sp>
-        <p:nvSpPr>
-          <p:cNvPr id="7" name="TextBox 6">
-            <a:extLst>
-              <a:ext uri="{FF2B5EF4-FFF2-40B4-BE49-F238E27FC236}">
-                <a16:creationId xmlns:a16="http://schemas.microsoft.com/office/drawing/2014/main" id="{707DDD4F-FEE9-2F37-D73B-8E4F915BB589}"/>
-              </a:ext>
-            </a:extLst>
-          </p:cNvPr>
-          <p:cNvSpPr txBox="1"/>
-          <p:nvPr/>
-        </p:nvSpPr>
-        <p:spPr>
-          <a:xfrm>
-            <a:off x="2831828" y="6308209"/>
-            <a:ext cx="1609544" cy="369332"/>
-          </a:xfrm>
-          <a:prstGeom prst="rect">
-            <a:avLst/>
-          </a:prstGeom>
-          <a:noFill/>
-        </p:spPr>
-        <p:txBody>
-          <a:bodyPr wrap="square" rtlCol="0">
-            <a:spAutoFit/>
-          </a:bodyPr>
-          <a:lstStyle/>
-          <a:p>
-            <a:r>
-              <a:rPr lang="en-US" dirty="0"/>
-              <a:t>n = 4 (donors)</a:t>
-            </a:r>
-          </a:p>
-        </p:txBody>
-      </p:sp>
-      <p:sp>
-        <p:nvSpPr>
-          <p:cNvPr id="13" name="TextBox 12">
-            <a:extLst>
-              <a:ext uri="{FF2B5EF4-FFF2-40B4-BE49-F238E27FC236}">
-                <a16:creationId xmlns:a16="http://schemas.microsoft.com/office/drawing/2014/main" id="{20715B3E-708F-0E30-3EFC-C97CE4955250}"/>
-              </a:ext>
-            </a:extLst>
-          </p:cNvPr>
-          <p:cNvSpPr txBox="1"/>
-          <p:nvPr/>
-        </p:nvSpPr>
-        <p:spPr>
-          <a:xfrm>
-            <a:off x="7694779" y="4826675"/>
-            <a:ext cx="4637988" cy="2031325"/>
-          </a:xfrm>
-          <a:prstGeom prst="rect">
-            <a:avLst/>
-          </a:prstGeom>
-          <a:noFill/>
-        </p:spPr>
-        <p:txBody>
-          <a:bodyPr wrap="square" rtlCol="0">
-            <a:spAutoFit/>
-          </a:bodyPr>
-          <a:lstStyle/>
-          <a:p>
-            <a:r>
-              <a:rPr lang="en-US" dirty="0"/>
-              <a:t>Takeaways:</a:t>
-            </a:r>
-          </a:p>
-          <a:p>
-            <a:r>
-              <a:rPr lang="en-US" dirty="0"/>
-              <a:t> - no significant differences in variant counts by timepoint within each sort</a:t>
-            </a:r>
-          </a:p>
-          <a:p>
-            <a:r>
-              <a:rPr lang="en-US" dirty="0"/>
-              <a:t> - substantial variant loss/gain over time (more sharing in CD57s ~30% vs. ~20% for others)</a:t>
-            </a:r>
-          </a:p>
-          <a:p>
-            <a:r>
-              <a:rPr lang="en-US" dirty="0"/>
-              <a:t> - not very different filtering for high </a:t>
-            </a:r>
-            <a:r>
-              <a:rPr lang="en-US" dirty="0" err="1"/>
-              <a:t>freq</a:t>
-            </a:r>
-            <a:r>
-              <a:rPr lang="en-US" dirty="0"/>
-              <a:t> vars (most here are high </a:t>
-            </a:r>
-            <a:r>
-              <a:rPr lang="en-US" dirty="0" err="1"/>
-              <a:t>freq</a:t>
-            </a:r>
-            <a:r>
-              <a:rPr lang="en-US" dirty="0"/>
-              <a:t>)</a:t>
-            </a:r>
-          </a:p>
-        </p:txBody>
-      </p:sp>
-      <p:pic>
-        <p:nvPicPr>
-          <p:cNvPr id="5" name="Picture 4">
-            <a:extLst>
-              <a:ext uri="{FF2B5EF4-FFF2-40B4-BE49-F238E27FC236}">
-                <a16:creationId xmlns:a16="http://schemas.microsoft.com/office/drawing/2014/main" id="{67BBACDF-3C74-72D2-7D8B-B2C05E2D5C3A}"/>
-              </a:ext>
-            </a:extLst>
-          </p:cNvPr>
-          <p:cNvPicPr>
-            <a:picLocks noChangeAspect="1"/>
-          </p:cNvPicPr>
-          <p:nvPr/>
-        </p:nvPicPr>
-        <p:blipFill>
-          <a:blip r:embed="rId4"/>
-          <a:stretch>
-            <a:fillRect/>
-          </a:stretch>
-        </p:blipFill>
-        <p:spPr>
-          <a:xfrm>
-            <a:off x="4169746" y="1653752"/>
-            <a:ext cx="3550920" cy="2281633"/>
-          </a:xfrm>
-          <a:prstGeom prst="rect">
-            <a:avLst/>
-          </a:prstGeom>
-        </p:spPr>
-      </p:pic>
-      <p:pic>
-        <p:nvPicPr>
-          <p:cNvPr id="9" name="Picture 8">
-            <a:extLst>
-              <a:ext uri="{FF2B5EF4-FFF2-40B4-BE49-F238E27FC236}">
-                <a16:creationId xmlns:a16="http://schemas.microsoft.com/office/drawing/2014/main" id="{C0AF5C14-8A13-C4F7-B465-F213C864F2FF}"/>
-              </a:ext>
-            </a:extLst>
-          </p:cNvPr>
-          <p:cNvPicPr>
-            <a:picLocks noChangeAspect="1"/>
-          </p:cNvPicPr>
-          <p:nvPr/>
-        </p:nvPicPr>
-        <p:blipFill>
-          <a:blip r:embed="rId5"/>
-          <a:stretch>
-            <a:fillRect/>
-          </a:stretch>
-        </p:blipFill>
-        <p:spPr>
-          <a:xfrm>
-            <a:off x="8142307" y="1653752"/>
-            <a:ext cx="3550920" cy="2453263"/>
-          </a:xfrm>
-          <a:prstGeom prst="rect">
-            <a:avLst/>
-          </a:prstGeom>
-        </p:spPr>
-      </p:pic>
-      <p:pic>
-        <p:nvPicPr>
-          <p:cNvPr id="10" name="Picture 9">
-            <a:extLst>
-              <a:ext uri="{FF2B5EF4-FFF2-40B4-BE49-F238E27FC236}">
-                <a16:creationId xmlns:a16="http://schemas.microsoft.com/office/drawing/2014/main" id="{0017A5F9-AE1B-6394-E977-5C52C34F5FE5}"/>
-              </a:ext>
-            </a:extLst>
-          </p:cNvPr>
-          <p:cNvPicPr>
-            <a:picLocks noChangeAspect="1"/>
-          </p:cNvPicPr>
-          <p:nvPr/>
-        </p:nvPicPr>
-        <p:blipFill>
-          <a:blip r:embed="rId6"/>
-          <a:stretch>
-            <a:fillRect/>
-          </a:stretch>
-        </p:blipFill>
-        <p:spPr>
-          <a:xfrm>
-            <a:off x="4220546" y="4228982"/>
-            <a:ext cx="3525033" cy="2448559"/>
+            <a:off x="1886528" y="1985818"/>
+            <a:ext cx="7772400" cy="4762999"/>
           </a:xfrm>
           <a:prstGeom prst="rect">
             <a:avLst/>
@@ -6461,7 +6654,7 @@
     </p:spTree>
     <p:extLst>
       <p:ext uri="{BB962C8B-B14F-4D97-AF65-F5344CB8AC3E}">
-        <p14:creationId xmlns:p14="http://schemas.microsoft.com/office/powerpoint/2010/main" val="738971182"/>
+        <p14:creationId xmlns:p14="http://schemas.microsoft.com/office/powerpoint/2010/main" val="1849050426"/>
       </p:ext>
     </p:extLst>
   </p:cSld>
@@ -6835,107 +7028,6 @@
         </p:nvSpPr>
         <p:spPr>
           <a:xfrm>
-            <a:off x="838199" y="365125"/>
-            <a:ext cx="10420927" cy="1620693"/>
-          </a:xfrm>
-        </p:spPr>
-        <p:txBody>
-          <a:bodyPr>
-            <a:normAutofit/>
-          </a:bodyPr>
-          <a:lstStyle/>
-          <a:p>
-            <a:r>
-              <a:rPr lang="en-US" dirty="0"/>
-              <a:t>Additional QC check for biological sex (sex chr reads vs. metadata): all samples pass</a:t>
-            </a:r>
-          </a:p>
-        </p:txBody>
-      </p:sp>
-      <p:pic>
-        <p:nvPicPr>
-          <p:cNvPr id="5" name="Picture 4">
-            <a:extLst>
-              <a:ext uri="{FF2B5EF4-FFF2-40B4-BE49-F238E27FC236}">
-                <a16:creationId xmlns:a16="http://schemas.microsoft.com/office/drawing/2014/main" id="{3C6DE99D-601F-B013-0DF6-7633A5BB830D}"/>
-              </a:ext>
-            </a:extLst>
-          </p:cNvPr>
-          <p:cNvPicPr>
-            <a:picLocks noChangeAspect="1"/>
-          </p:cNvPicPr>
-          <p:nvPr/>
-        </p:nvPicPr>
-        <p:blipFill>
-          <a:blip r:embed="rId3"/>
-          <a:stretch>
-            <a:fillRect/>
-          </a:stretch>
-        </p:blipFill>
-        <p:spPr>
-          <a:xfrm>
-            <a:off x="1886528" y="1985818"/>
-            <a:ext cx="7772400" cy="4762999"/>
-          </a:xfrm>
-          <a:prstGeom prst="rect">
-            <a:avLst/>
-          </a:prstGeom>
-        </p:spPr>
-      </p:pic>
-    </p:spTree>
-    <p:extLst>
-      <p:ext uri="{BB962C8B-B14F-4D97-AF65-F5344CB8AC3E}">
-        <p14:creationId xmlns:p14="http://schemas.microsoft.com/office/powerpoint/2010/main" val="3018884978"/>
-      </p:ext>
-    </p:extLst>
-  </p:cSld>
-  <p:clrMapOvr>
-    <a:masterClrMapping/>
-  </p:clrMapOvr>
-</p:sld>
-</file>
-
-<file path=ppt/slides/slide5.xml><?xml version="1.0" encoding="utf-8"?>
-<p:sld xmlns:a="http://schemas.openxmlformats.org/drawingml/2006/main" xmlns:r="http://schemas.openxmlformats.org/officeDocument/2006/relationships" xmlns:p="http://schemas.openxmlformats.org/presentationml/2006/main">
-  <p:cSld>
-    <p:spTree>
-      <p:nvGrpSpPr>
-        <p:cNvPr id="1" name="">
-          <a:extLst>
-            <a:ext uri="{FF2B5EF4-FFF2-40B4-BE49-F238E27FC236}">
-              <a16:creationId xmlns:a16="http://schemas.microsoft.com/office/drawing/2014/main" id="{5F63F271-7169-1115-1EF3-CE3BF477816E}"/>
-            </a:ext>
-          </a:extLst>
-        </p:cNvPr>
-        <p:cNvGrpSpPr/>
-        <p:nvPr/>
-      </p:nvGrpSpPr>
-      <p:grpSpPr>
-        <a:xfrm>
-          <a:off x="0" y="0"/>
-          <a:ext cx="0" cy="0"/>
-          <a:chOff x="0" y="0"/>
-          <a:chExt cx="0" cy="0"/>
-        </a:xfrm>
-      </p:grpSpPr>
-      <p:sp>
-        <p:nvSpPr>
-          <p:cNvPr id="6" name="Title 5">
-            <a:extLst>
-              <a:ext uri="{FF2B5EF4-FFF2-40B4-BE49-F238E27FC236}">
-                <a16:creationId xmlns:a16="http://schemas.microsoft.com/office/drawing/2014/main" id="{B9AD7D28-49C2-0B8B-79CB-FA2C8F40B6BC}"/>
-              </a:ext>
-            </a:extLst>
-          </p:cNvPr>
-          <p:cNvSpPr>
-            <a:spLocks noGrp="1"/>
-          </p:cNvSpPr>
-          <p:nvPr>
-            <p:ph type="title"/>
-          </p:nvPr>
-        </p:nvSpPr>
-        <p:spPr>
-          <a:xfrm>
             <a:off x="838200" y="365125"/>
             <a:ext cx="10279455" cy="1825625"/>
           </a:xfrm>
@@ -7172,7 +7264,7 @@
 </p:sld>
 </file>
 
-<file path=ppt/slides/slide6.xml><?xml version="1.0" encoding="utf-8"?>
+<file path=ppt/slides/slide5.xml><?xml version="1.0" encoding="utf-8"?>
 <p:sld xmlns:a="http://schemas.openxmlformats.org/drawingml/2006/main" xmlns:r="http://schemas.openxmlformats.org/officeDocument/2006/relationships" xmlns:p="http://schemas.openxmlformats.org/presentationml/2006/main">
   <p:cSld>
     <p:spTree>
@@ -7381,6 +7473,312 @@
 </p:sld>
 </file>
 
+<file path=ppt/slides/slide6.xml><?xml version="1.0" encoding="utf-8"?>
+<p:sld xmlns:a="http://schemas.openxmlformats.org/drawingml/2006/main" xmlns:r="http://schemas.openxmlformats.org/officeDocument/2006/relationships" xmlns:p="http://schemas.openxmlformats.org/presentationml/2006/main">
+  <p:cSld>
+    <p:spTree>
+      <p:nvGrpSpPr>
+        <p:cNvPr id="1" name="">
+          <a:extLst>
+            <a:ext uri="{FF2B5EF4-FFF2-40B4-BE49-F238E27FC236}">
+              <a16:creationId xmlns:a16="http://schemas.microsoft.com/office/drawing/2014/main" id="{5F63F271-7169-1115-1EF3-CE3BF477816E}"/>
+            </a:ext>
+          </a:extLst>
+        </p:cNvPr>
+        <p:cNvGrpSpPr/>
+        <p:nvPr/>
+      </p:nvGrpSpPr>
+      <p:grpSpPr>
+        <a:xfrm>
+          <a:off x="0" y="0"/>
+          <a:ext cx="0" cy="0"/>
+          <a:chOff x="0" y="0"/>
+          <a:chExt cx="0" cy="0"/>
+        </a:xfrm>
+      </p:grpSpPr>
+      <p:sp>
+        <p:nvSpPr>
+          <p:cNvPr id="6" name="Title 5">
+            <a:extLst>
+              <a:ext uri="{FF2B5EF4-FFF2-40B4-BE49-F238E27FC236}">
+                <a16:creationId xmlns:a16="http://schemas.microsoft.com/office/drawing/2014/main" id="{B9AD7D28-49C2-0B8B-79CB-FA2C8F40B6BC}"/>
+              </a:ext>
+            </a:extLst>
+          </p:cNvPr>
+          <p:cNvSpPr>
+            <a:spLocks noGrp="1"/>
+          </p:cNvSpPr>
+          <p:nvPr>
+            <p:ph type="title"/>
+          </p:nvPr>
+        </p:nvSpPr>
+        <p:spPr>
+          <a:xfrm>
+            <a:off x="838200" y="365125"/>
+            <a:ext cx="6192290" cy="2479675"/>
+          </a:xfrm>
+        </p:spPr>
+        <p:txBody>
+          <a:bodyPr>
+            <a:normAutofit fontScale="90000"/>
+          </a:bodyPr>
+          <a:lstStyle/>
+          <a:p>
+            <a:r>
+              <a:rPr lang="en-US" dirty="0"/>
+              <a:t>Peaks near promoters related to positive regulation of NK/lymphocyte-mediated cytotoxicity/immunity more accessible in DP CD57</a:t>
+            </a:r>
+            <a:r>
+              <a:rPr lang="en-US" baseline="30000" dirty="0"/>
+              <a:t>+</a:t>
+            </a:r>
+            <a:r>
+              <a:rPr lang="en-US" dirty="0"/>
+              <a:t>/DP PD-1</a:t>
+            </a:r>
+            <a:r>
+              <a:rPr lang="en-US" baseline="30000" dirty="0"/>
+              <a:t>+</a:t>
+            </a:r>
+            <a:r>
+              <a:rPr lang="en-US" dirty="0"/>
+              <a:t> clusters</a:t>
+            </a:r>
+          </a:p>
+        </p:txBody>
+      </p:sp>
+      <p:pic>
+        <p:nvPicPr>
+          <p:cNvPr id="7" name="Picture 6">
+            <a:extLst>
+              <a:ext uri="{FF2B5EF4-FFF2-40B4-BE49-F238E27FC236}">
+                <a16:creationId xmlns:a16="http://schemas.microsoft.com/office/drawing/2014/main" id="{78874B6E-BD9A-3242-0DC5-0064549DF1D5}"/>
+              </a:ext>
+            </a:extLst>
+          </p:cNvPr>
+          <p:cNvPicPr>
+            <a:picLocks noChangeAspect="1"/>
+          </p:cNvPicPr>
+          <p:nvPr/>
+        </p:nvPicPr>
+        <p:blipFill>
+          <a:blip r:embed="rId3"/>
+          <a:stretch>
+            <a:fillRect/>
+          </a:stretch>
+        </p:blipFill>
+        <p:spPr>
+          <a:xfrm>
+            <a:off x="6583063" y="-1"/>
+            <a:ext cx="5141513" cy="6858000"/>
+          </a:xfrm>
+          <a:prstGeom prst="rect">
+            <a:avLst/>
+          </a:prstGeom>
+        </p:spPr>
+      </p:pic>
+      <p:sp>
+        <p:nvSpPr>
+          <p:cNvPr id="8" name="Content Placeholder 2">
+            <a:extLst>
+              <a:ext uri="{FF2B5EF4-FFF2-40B4-BE49-F238E27FC236}">
+                <a16:creationId xmlns:a16="http://schemas.microsoft.com/office/drawing/2014/main" id="{82A40516-AB98-C74A-602D-2C16C4596EC5}"/>
+              </a:ext>
+            </a:extLst>
+          </p:cNvPr>
+          <p:cNvSpPr>
+            <a:spLocks noGrp="1"/>
+          </p:cNvSpPr>
+          <p:nvPr>
+            <p:ph idx="1"/>
+          </p:nvPr>
+        </p:nvSpPr>
+        <p:spPr>
+          <a:xfrm>
+            <a:off x="838200" y="3066644"/>
+            <a:ext cx="5529148" cy="3573929"/>
+          </a:xfrm>
+        </p:spPr>
+        <p:txBody>
+          <a:bodyPr>
+            <a:normAutofit fontScale="92500" lnSpcReduction="10000"/>
+          </a:bodyPr>
+          <a:lstStyle/>
+          <a:p>
+            <a:pPr marL="514350" indent="-514350">
+              <a:buFont typeface="+mj-lt"/>
+              <a:buAutoNum type="arabicPeriod"/>
+            </a:pPr>
+            <a:r>
+              <a:rPr lang="en-US" dirty="0"/>
+              <a:t>Positive regulation of lymphocyte mediated immunity</a:t>
+            </a:r>
+          </a:p>
+          <a:p>
+            <a:pPr marL="971550" lvl="1" indent="-514350">
+              <a:buFont typeface="+mj-lt"/>
+              <a:buAutoNum type="alphaLcParenR"/>
+            </a:pPr>
+            <a:r>
+              <a:rPr lang="en-US" dirty="0"/>
+              <a:t>IL21, SH2D1A, RASGRP1, AP1G1, DENND1B (5/116)</a:t>
+            </a:r>
+          </a:p>
+          <a:p>
+            <a:pPr marL="971550" lvl="1" indent="-514350">
+              <a:buFont typeface="+mj-lt"/>
+              <a:buAutoNum type="alphaLcParenR"/>
+            </a:pPr>
+            <a:r>
+              <a:rPr lang="en-US" dirty="0"/>
+              <a:t>FDR: 0.02</a:t>
+            </a:r>
+          </a:p>
+          <a:p>
+            <a:pPr marL="514350" indent="-514350">
+              <a:buFont typeface="+mj-lt"/>
+              <a:buAutoNum type="arabicPeriod"/>
+            </a:pPr>
+            <a:r>
+              <a:rPr lang="en-US" dirty="0"/>
+              <a:t>Positive regulation of NK cell mediated cytotoxicity</a:t>
+            </a:r>
+          </a:p>
+          <a:p>
+            <a:pPr marL="971550" lvl="1" indent="-514350">
+              <a:buFont typeface="+mj-lt"/>
+              <a:buAutoNum type="alphaLcParenR"/>
+            </a:pPr>
+            <a:r>
+              <a:rPr lang="en-US" dirty="0"/>
+              <a:t>IL21, SH2D1A, RASGRP1, AP1G1 (4/27)</a:t>
+            </a:r>
+          </a:p>
+          <a:p>
+            <a:pPr marL="971550" lvl="1" indent="-514350">
+              <a:buFont typeface="+mj-lt"/>
+              <a:buAutoNum type="alphaLcParenR"/>
+            </a:pPr>
+            <a:r>
+              <a:rPr lang="en-US" dirty="0"/>
+              <a:t>FDR: 0.007</a:t>
+            </a:r>
+          </a:p>
+        </p:txBody>
+      </p:sp>
+      <p:pic>
+        <p:nvPicPr>
+          <p:cNvPr id="10" name="Picture 9">
+            <a:extLst>
+              <a:ext uri="{FF2B5EF4-FFF2-40B4-BE49-F238E27FC236}">
+                <a16:creationId xmlns:a16="http://schemas.microsoft.com/office/drawing/2014/main" id="{128B7A0E-75C7-BDC2-1DC7-CB4B3D05B27B}"/>
+              </a:ext>
+            </a:extLst>
+          </p:cNvPr>
+          <p:cNvPicPr>
+            <a:picLocks noChangeAspect="1"/>
+          </p:cNvPicPr>
+          <p:nvPr/>
+        </p:nvPicPr>
+        <p:blipFill>
+          <a:blip r:embed="rId4"/>
+          <a:stretch>
+            <a:fillRect/>
+          </a:stretch>
+        </p:blipFill>
+        <p:spPr>
+          <a:xfrm>
+            <a:off x="9173817" y="4603724"/>
+            <a:ext cx="3018183" cy="2254275"/>
+          </a:xfrm>
+          <a:prstGeom prst="rect">
+            <a:avLst/>
+          </a:prstGeom>
+        </p:spPr>
+      </p:pic>
+      <p:sp>
+        <p:nvSpPr>
+          <p:cNvPr id="13" name="TextBox 12">
+            <a:extLst>
+              <a:ext uri="{FF2B5EF4-FFF2-40B4-BE49-F238E27FC236}">
+                <a16:creationId xmlns:a16="http://schemas.microsoft.com/office/drawing/2014/main" id="{87BEAF69-0DC7-C627-A886-DDB2297BCA48}"/>
+              </a:ext>
+            </a:extLst>
+          </p:cNvPr>
+          <p:cNvSpPr txBox="1"/>
+          <p:nvPr/>
+        </p:nvSpPr>
+        <p:spPr>
+          <a:xfrm>
+            <a:off x="9767111" y="4484276"/>
+            <a:ext cx="2191177" cy="369332"/>
+          </a:xfrm>
+          <a:prstGeom prst="rect">
+            <a:avLst/>
+          </a:prstGeom>
+          <a:noFill/>
+        </p:spPr>
+        <p:txBody>
+          <a:bodyPr wrap="none" rtlCol="0">
+            <a:spAutoFit/>
+          </a:bodyPr>
+          <a:lstStyle/>
+          <a:p>
+            <a:r>
+              <a:rPr lang="en-US" dirty="0"/>
+              <a:t>Consistent with Erin’s</a:t>
+            </a:r>
+          </a:p>
+        </p:txBody>
+      </p:sp>
+      <p:sp>
+        <p:nvSpPr>
+          <p:cNvPr id="14" name="TextBox 13">
+            <a:extLst>
+              <a:ext uri="{FF2B5EF4-FFF2-40B4-BE49-F238E27FC236}">
+                <a16:creationId xmlns:a16="http://schemas.microsoft.com/office/drawing/2014/main" id="{83693513-2149-2F01-2B78-8AEB409AD08A}"/>
+              </a:ext>
+            </a:extLst>
+          </p:cNvPr>
+          <p:cNvSpPr txBox="1"/>
+          <p:nvPr/>
+        </p:nvSpPr>
+        <p:spPr>
+          <a:xfrm>
+            <a:off x="9071372" y="797419"/>
+            <a:ext cx="1391478" cy="923330"/>
+          </a:xfrm>
+          <a:prstGeom prst="rect">
+            <a:avLst/>
+          </a:prstGeom>
+          <a:noFill/>
+        </p:spPr>
+        <p:txBody>
+          <a:bodyPr wrap="square" rtlCol="0">
+            <a:spAutoFit/>
+          </a:bodyPr>
+          <a:lstStyle/>
+          <a:p>
+            <a:r>
+              <a:rPr lang="en-US" dirty="0"/>
+              <a:t>Enrichment in this top block</a:t>
+            </a:r>
+          </a:p>
+        </p:txBody>
+      </p:sp>
+    </p:spTree>
+    <p:extLst>
+      <p:ext uri="{BB962C8B-B14F-4D97-AF65-F5344CB8AC3E}">
+        <p14:creationId xmlns:p14="http://schemas.microsoft.com/office/powerpoint/2010/main" val="2536729026"/>
+      </p:ext>
+    </p:extLst>
+  </p:cSld>
+  <p:clrMapOvr>
+    <a:masterClrMapping/>
+  </p:clrMapOvr>
+</p:sld>
+</file>
+
 <file path=ppt/slides/slide7.xml><?xml version="1.0" encoding="utf-8"?>
 <p:sld xmlns:a="http://schemas.openxmlformats.org/drawingml/2006/main" xmlns:r="http://schemas.openxmlformats.org/officeDocument/2006/relationships" xmlns:p="http://schemas.openxmlformats.org/presentationml/2006/main">
   <p:cSld>
@@ -7420,312 +7818,6 @@
             <p:ph type="title"/>
           </p:nvPr>
         </p:nvSpPr>
-        <p:spPr>
-          <a:xfrm>
-            <a:off x="838200" y="365125"/>
-            <a:ext cx="6192290" cy="2479675"/>
-          </a:xfrm>
-        </p:spPr>
-        <p:txBody>
-          <a:bodyPr>
-            <a:normAutofit fontScale="90000"/>
-          </a:bodyPr>
-          <a:lstStyle/>
-          <a:p>
-            <a:r>
-              <a:rPr lang="en-US" dirty="0"/>
-              <a:t>Peaks near promoters related to positive regulation of NK/lymphocyte-mediated cytotoxicity/immunity more accessible in DP CD57</a:t>
-            </a:r>
-            <a:r>
-              <a:rPr lang="en-US" baseline="30000" dirty="0"/>
-              <a:t>+</a:t>
-            </a:r>
-            <a:r>
-              <a:rPr lang="en-US" dirty="0"/>
-              <a:t>/DP PD-1</a:t>
-            </a:r>
-            <a:r>
-              <a:rPr lang="en-US" baseline="30000" dirty="0"/>
-              <a:t>+</a:t>
-            </a:r>
-            <a:r>
-              <a:rPr lang="en-US" dirty="0"/>
-              <a:t> clusters</a:t>
-            </a:r>
-          </a:p>
-        </p:txBody>
-      </p:sp>
-      <p:pic>
-        <p:nvPicPr>
-          <p:cNvPr id="7" name="Picture 6">
-            <a:extLst>
-              <a:ext uri="{FF2B5EF4-FFF2-40B4-BE49-F238E27FC236}">
-                <a16:creationId xmlns:a16="http://schemas.microsoft.com/office/drawing/2014/main" id="{78874B6E-BD9A-3242-0DC5-0064549DF1D5}"/>
-              </a:ext>
-            </a:extLst>
-          </p:cNvPr>
-          <p:cNvPicPr>
-            <a:picLocks noChangeAspect="1"/>
-          </p:cNvPicPr>
-          <p:nvPr/>
-        </p:nvPicPr>
-        <p:blipFill>
-          <a:blip r:embed="rId3"/>
-          <a:stretch>
-            <a:fillRect/>
-          </a:stretch>
-        </p:blipFill>
-        <p:spPr>
-          <a:xfrm>
-            <a:off x="6583063" y="-1"/>
-            <a:ext cx="5141513" cy="6858000"/>
-          </a:xfrm>
-          <a:prstGeom prst="rect">
-            <a:avLst/>
-          </a:prstGeom>
-        </p:spPr>
-      </p:pic>
-      <p:sp>
-        <p:nvSpPr>
-          <p:cNvPr id="8" name="Content Placeholder 2">
-            <a:extLst>
-              <a:ext uri="{FF2B5EF4-FFF2-40B4-BE49-F238E27FC236}">
-                <a16:creationId xmlns:a16="http://schemas.microsoft.com/office/drawing/2014/main" id="{82A40516-AB98-C74A-602D-2C16C4596EC5}"/>
-              </a:ext>
-            </a:extLst>
-          </p:cNvPr>
-          <p:cNvSpPr>
-            <a:spLocks noGrp="1"/>
-          </p:cNvSpPr>
-          <p:nvPr>
-            <p:ph idx="1"/>
-          </p:nvPr>
-        </p:nvSpPr>
-        <p:spPr>
-          <a:xfrm>
-            <a:off x="838200" y="3066644"/>
-            <a:ext cx="5529148" cy="3573929"/>
-          </a:xfrm>
-        </p:spPr>
-        <p:txBody>
-          <a:bodyPr>
-            <a:normAutofit fontScale="92500" lnSpcReduction="10000"/>
-          </a:bodyPr>
-          <a:lstStyle/>
-          <a:p>
-            <a:pPr marL="514350" indent="-514350">
-              <a:buFont typeface="+mj-lt"/>
-              <a:buAutoNum type="arabicPeriod"/>
-            </a:pPr>
-            <a:r>
-              <a:rPr lang="en-US" dirty="0"/>
-              <a:t>Positive regulation of lymphocyte mediated immunity</a:t>
-            </a:r>
-          </a:p>
-          <a:p>
-            <a:pPr marL="971550" lvl="1" indent="-514350">
-              <a:buFont typeface="+mj-lt"/>
-              <a:buAutoNum type="alphaLcParenR"/>
-            </a:pPr>
-            <a:r>
-              <a:rPr lang="en-US" dirty="0"/>
-              <a:t>IL21, SH2D1A, RASGRP1, AP1G1, DENND1B (5/116)</a:t>
-            </a:r>
-          </a:p>
-          <a:p>
-            <a:pPr marL="971550" lvl="1" indent="-514350">
-              <a:buFont typeface="+mj-lt"/>
-              <a:buAutoNum type="alphaLcParenR"/>
-            </a:pPr>
-            <a:r>
-              <a:rPr lang="en-US" dirty="0"/>
-              <a:t>FDR: 0.02</a:t>
-            </a:r>
-          </a:p>
-          <a:p>
-            <a:pPr marL="514350" indent="-514350">
-              <a:buFont typeface="+mj-lt"/>
-              <a:buAutoNum type="arabicPeriod"/>
-            </a:pPr>
-            <a:r>
-              <a:rPr lang="en-US" dirty="0"/>
-              <a:t>Positive regulation of NK cell mediated cytotoxicity</a:t>
-            </a:r>
-          </a:p>
-          <a:p>
-            <a:pPr marL="971550" lvl="1" indent="-514350">
-              <a:buFont typeface="+mj-lt"/>
-              <a:buAutoNum type="alphaLcParenR"/>
-            </a:pPr>
-            <a:r>
-              <a:rPr lang="en-US" dirty="0"/>
-              <a:t>IL21, SH2D1A, RASGRP1, AP1G1 (4/27)</a:t>
-            </a:r>
-          </a:p>
-          <a:p>
-            <a:pPr marL="971550" lvl="1" indent="-514350">
-              <a:buFont typeface="+mj-lt"/>
-              <a:buAutoNum type="alphaLcParenR"/>
-            </a:pPr>
-            <a:r>
-              <a:rPr lang="en-US" dirty="0"/>
-              <a:t>FDR: 0.007</a:t>
-            </a:r>
-          </a:p>
-        </p:txBody>
-      </p:sp>
-      <p:pic>
-        <p:nvPicPr>
-          <p:cNvPr id="10" name="Picture 9">
-            <a:extLst>
-              <a:ext uri="{FF2B5EF4-FFF2-40B4-BE49-F238E27FC236}">
-                <a16:creationId xmlns:a16="http://schemas.microsoft.com/office/drawing/2014/main" id="{128B7A0E-75C7-BDC2-1DC7-CB4B3D05B27B}"/>
-              </a:ext>
-            </a:extLst>
-          </p:cNvPr>
-          <p:cNvPicPr>
-            <a:picLocks noChangeAspect="1"/>
-          </p:cNvPicPr>
-          <p:nvPr/>
-        </p:nvPicPr>
-        <p:blipFill>
-          <a:blip r:embed="rId4"/>
-          <a:stretch>
-            <a:fillRect/>
-          </a:stretch>
-        </p:blipFill>
-        <p:spPr>
-          <a:xfrm>
-            <a:off x="9173817" y="4603724"/>
-            <a:ext cx="3018183" cy="2254275"/>
-          </a:xfrm>
-          <a:prstGeom prst="rect">
-            <a:avLst/>
-          </a:prstGeom>
-        </p:spPr>
-      </p:pic>
-      <p:sp>
-        <p:nvSpPr>
-          <p:cNvPr id="13" name="TextBox 12">
-            <a:extLst>
-              <a:ext uri="{FF2B5EF4-FFF2-40B4-BE49-F238E27FC236}">
-                <a16:creationId xmlns:a16="http://schemas.microsoft.com/office/drawing/2014/main" id="{87BEAF69-0DC7-C627-A886-DDB2297BCA48}"/>
-              </a:ext>
-            </a:extLst>
-          </p:cNvPr>
-          <p:cNvSpPr txBox="1"/>
-          <p:nvPr/>
-        </p:nvSpPr>
-        <p:spPr>
-          <a:xfrm>
-            <a:off x="9767111" y="4484276"/>
-            <a:ext cx="2191177" cy="369332"/>
-          </a:xfrm>
-          <a:prstGeom prst="rect">
-            <a:avLst/>
-          </a:prstGeom>
-          <a:noFill/>
-        </p:spPr>
-        <p:txBody>
-          <a:bodyPr wrap="none" rtlCol="0">
-            <a:spAutoFit/>
-          </a:bodyPr>
-          <a:lstStyle/>
-          <a:p>
-            <a:r>
-              <a:rPr lang="en-US" dirty="0"/>
-              <a:t>Consistent with Erin’s</a:t>
-            </a:r>
-          </a:p>
-        </p:txBody>
-      </p:sp>
-      <p:sp>
-        <p:nvSpPr>
-          <p:cNvPr id="14" name="TextBox 13">
-            <a:extLst>
-              <a:ext uri="{FF2B5EF4-FFF2-40B4-BE49-F238E27FC236}">
-                <a16:creationId xmlns:a16="http://schemas.microsoft.com/office/drawing/2014/main" id="{83693513-2149-2F01-2B78-8AEB409AD08A}"/>
-              </a:ext>
-            </a:extLst>
-          </p:cNvPr>
-          <p:cNvSpPr txBox="1"/>
-          <p:nvPr/>
-        </p:nvSpPr>
-        <p:spPr>
-          <a:xfrm>
-            <a:off x="9071372" y="797419"/>
-            <a:ext cx="1391478" cy="923330"/>
-          </a:xfrm>
-          <a:prstGeom prst="rect">
-            <a:avLst/>
-          </a:prstGeom>
-          <a:noFill/>
-        </p:spPr>
-        <p:txBody>
-          <a:bodyPr wrap="square" rtlCol="0">
-            <a:spAutoFit/>
-          </a:bodyPr>
-          <a:lstStyle/>
-          <a:p>
-            <a:r>
-              <a:rPr lang="en-US" dirty="0"/>
-              <a:t>Enrichment in this top block</a:t>
-            </a:r>
-          </a:p>
-        </p:txBody>
-      </p:sp>
-    </p:spTree>
-    <p:extLst>
-      <p:ext uri="{BB962C8B-B14F-4D97-AF65-F5344CB8AC3E}">
-        <p14:creationId xmlns:p14="http://schemas.microsoft.com/office/powerpoint/2010/main" val="2536729026"/>
-      </p:ext>
-    </p:extLst>
-  </p:cSld>
-  <p:clrMapOvr>
-    <a:masterClrMapping/>
-  </p:clrMapOvr>
-</p:sld>
-</file>
-
-<file path=ppt/slides/slide8.xml><?xml version="1.0" encoding="utf-8"?>
-<p:sld xmlns:a="http://schemas.openxmlformats.org/drawingml/2006/main" xmlns:r="http://schemas.openxmlformats.org/officeDocument/2006/relationships" xmlns:p="http://schemas.openxmlformats.org/presentationml/2006/main">
-  <p:cSld>
-    <p:spTree>
-      <p:nvGrpSpPr>
-        <p:cNvPr id="1" name="">
-          <a:extLst>
-            <a:ext uri="{FF2B5EF4-FFF2-40B4-BE49-F238E27FC236}">
-              <a16:creationId xmlns:a16="http://schemas.microsoft.com/office/drawing/2014/main" id="{5F63F271-7169-1115-1EF3-CE3BF477816E}"/>
-            </a:ext>
-          </a:extLst>
-        </p:cNvPr>
-        <p:cNvGrpSpPr/>
-        <p:nvPr/>
-      </p:nvGrpSpPr>
-      <p:grpSpPr>
-        <a:xfrm>
-          <a:off x="0" y="0"/>
-          <a:ext cx="0" cy="0"/>
-          <a:chOff x="0" y="0"/>
-          <a:chExt cx="0" cy="0"/>
-        </a:xfrm>
-      </p:grpSpPr>
-      <p:sp>
-        <p:nvSpPr>
-          <p:cNvPr id="6" name="Title 5">
-            <a:extLst>
-              <a:ext uri="{FF2B5EF4-FFF2-40B4-BE49-F238E27FC236}">
-                <a16:creationId xmlns:a16="http://schemas.microsoft.com/office/drawing/2014/main" id="{B9AD7D28-49C2-0B8B-79CB-FA2C8F40B6BC}"/>
-              </a:ext>
-            </a:extLst>
-          </p:cNvPr>
-          <p:cNvSpPr>
-            <a:spLocks noGrp="1"/>
-          </p:cNvSpPr>
-          <p:nvPr>
-            <p:ph type="title"/>
-          </p:nvPr>
-        </p:nvSpPr>
         <p:spPr/>
         <p:txBody>
           <a:bodyPr/>
@@ -7824,7 +7916,7 @@
 </p:sld>
 </file>
 
-<file path=ppt/slides/slide9.xml><?xml version="1.0" encoding="utf-8"?>
+<file path=ppt/slides/slide8.xml><?xml version="1.0" encoding="utf-8"?>
 <p:sld xmlns:a="http://schemas.openxmlformats.org/drawingml/2006/main" xmlns:r="http://schemas.openxmlformats.org/officeDocument/2006/relationships" xmlns:p="http://schemas.openxmlformats.org/presentationml/2006/main">
   <p:cSld>
     <p:spTree>
@@ -8607,6 +8699,202 @@
     <p:extLst>
       <p:ext uri="{BB962C8B-B14F-4D97-AF65-F5344CB8AC3E}">
         <p14:creationId xmlns:p14="http://schemas.microsoft.com/office/powerpoint/2010/main" val="2010992850"/>
+      </p:ext>
+    </p:extLst>
+  </p:cSld>
+  <p:clrMapOvr>
+    <a:masterClrMapping/>
+  </p:clrMapOvr>
+</p:sld>
+</file>
+
+<file path=ppt/slides/slide9.xml><?xml version="1.0" encoding="utf-8"?>
+<p:sld xmlns:a="http://schemas.openxmlformats.org/drawingml/2006/main" xmlns:r="http://schemas.openxmlformats.org/officeDocument/2006/relationships" xmlns:p="http://schemas.openxmlformats.org/presentationml/2006/main">
+  <p:cSld>
+    <p:spTree>
+      <p:nvGrpSpPr>
+        <p:cNvPr id="1" name="">
+          <a:extLst>
+            <a:ext uri="{FF2B5EF4-FFF2-40B4-BE49-F238E27FC236}">
+              <a16:creationId xmlns:a16="http://schemas.microsoft.com/office/drawing/2014/main" id="{5F63F271-7169-1115-1EF3-CE3BF477816E}"/>
+            </a:ext>
+          </a:extLst>
+        </p:cNvPr>
+        <p:cNvGrpSpPr/>
+        <p:nvPr/>
+      </p:nvGrpSpPr>
+      <p:grpSpPr>
+        <a:xfrm>
+          <a:off x="0" y="0"/>
+          <a:ext cx="0" cy="0"/>
+          <a:chOff x="0" y="0"/>
+          <a:chExt cx="0" cy="0"/>
+        </a:xfrm>
+      </p:grpSpPr>
+      <p:sp>
+        <p:nvSpPr>
+          <p:cNvPr id="6" name="Title 5">
+            <a:extLst>
+              <a:ext uri="{FF2B5EF4-FFF2-40B4-BE49-F238E27FC236}">
+                <a16:creationId xmlns:a16="http://schemas.microsoft.com/office/drawing/2014/main" id="{B9AD7D28-49C2-0B8B-79CB-FA2C8F40B6BC}"/>
+              </a:ext>
+            </a:extLst>
+          </p:cNvPr>
+          <p:cNvSpPr>
+            <a:spLocks noGrp="1"/>
+          </p:cNvSpPr>
+          <p:nvPr>
+            <p:ph type="title"/>
+          </p:nvPr>
+        </p:nvSpPr>
+        <p:spPr>
+          <a:xfrm>
+            <a:off x="838200" y="365125"/>
+            <a:ext cx="10279455" cy="1825625"/>
+          </a:xfrm>
+        </p:spPr>
+        <p:txBody>
+          <a:bodyPr>
+            <a:normAutofit/>
+          </a:bodyPr>
+          <a:lstStyle/>
+          <a:p>
+            <a:r>
+              <a:rPr lang="en-US" dirty="0"/>
+              <a:t>Next steps</a:t>
+            </a:r>
+          </a:p>
+        </p:txBody>
+      </p:sp>
+      <p:sp>
+        <p:nvSpPr>
+          <p:cNvPr id="2" name="Content Placeholder 2">
+            <a:extLst>
+              <a:ext uri="{FF2B5EF4-FFF2-40B4-BE49-F238E27FC236}">
+                <a16:creationId xmlns:a16="http://schemas.microsoft.com/office/drawing/2014/main" id="{090FDFCF-AEFD-6D7B-6B89-12A07B49703B}"/>
+              </a:ext>
+            </a:extLst>
+          </p:cNvPr>
+          <p:cNvSpPr>
+            <a:spLocks noGrp="1"/>
+          </p:cNvSpPr>
+          <p:nvPr>
+            <p:ph idx="1"/>
+          </p:nvPr>
+        </p:nvSpPr>
+        <p:spPr>
+          <a:xfrm>
+            <a:off x="838200" y="1919289"/>
+            <a:ext cx="10771208" cy="4499440"/>
+          </a:xfrm>
+        </p:spPr>
+        <p:txBody>
+          <a:bodyPr>
+            <a:normAutofit lnSpcReduction="10000"/>
+          </a:bodyPr>
+          <a:lstStyle/>
+          <a:p>
+            <a:pPr marL="514350" indent="-514350">
+              <a:buFont typeface="+mj-lt"/>
+              <a:buAutoNum type="arabicPeriod"/>
+            </a:pPr>
+            <a:r>
+              <a:rPr lang="en-US" b="1" dirty="0"/>
+              <a:t>Analyzing additional </a:t>
+            </a:r>
+            <a:r>
+              <a:rPr lang="en-US" b="1" dirty="0" err="1"/>
+              <a:t>AbATE</a:t>
+            </a:r>
+            <a:r>
+              <a:rPr lang="en-US" b="1" dirty="0"/>
+              <a:t> reads as soon as processed (expecting to begin by Monday at the latest)</a:t>
+            </a:r>
+          </a:p>
+          <a:p>
+            <a:pPr marL="514350" indent="-514350">
+              <a:buFont typeface="+mj-lt"/>
+              <a:buAutoNum type="arabicPeriod"/>
+            </a:pPr>
+            <a:r>
+              <a:rPr lang="en-US" dirty="0"/>
+              <a:t>Preparing poster for BRI retreat (all abstracts make a poster?)</a:t>
+            </a:r>
+          </a:p>
+          <a:p>
+            <a:pPr marL="514350" indent="-514350">
+              <a:buFont typeface="+mj-lt"/>
+              <a:buAutoNum type="arabicPeriod"/>
+            </a:pPr>
+            <a:r>
+              <a:rPr lang="en-US" dirty="0" err="1"/>
+              <a:t>scATACseq</a:t>
+            </a:r>
+            <a:r>
+              <a:rPr lang="en-US" dirty="0"/>
+              <a:t> for MT variant-based lineage mapping</a:t>
+            </a:r>
+          </a:p>
+          <a:p>
+            <a:pPr marL="971550" lvl="1" indent="-514350">
+              <a:buFont typeface="+mj-lt"/>
+              <a:buAutoNum type="alphaLcParenR"/>
+            </a:pPr>
+            <a:r>
+              <a:rPr lang="en-US" dirty="0"/>
+              <a:t>authors from </a:t>
+            </a:r>
+            <a:r>
+              <a:rPr lang="en-US" dirty="0">
+                <a:hlinkClick r:id="rId3"/>
+              </a:rPr>
+              <a:t>this paper</a:t>
+            </a:r>
+            <a:r>
+              <a:rPr lang="en-US" dirty="0"/>
+              <a:t> recommended working backwards from rare variant frequency threshold to get cell numbers (i.e. with a lower bound variant frequency of 0.0005 then want 2,000 cells per sort per replicate, presumably?), that’s already lower bound than lowest bound I have looked at/showed results for… so maybe we don’t need (many) more cells for </a:t>
+            </a:r>
+            <a:r>
+              <a:rPr lang="en-US" dirty="0" err="1"/>
+              <a:t>scATACseq</a:t>
+            </a:r>
+            <a:r>
+              <a:rPr lang="en-US" dirty="0"/>
+              <a:t> than bulk </a:t>
+            </a:r>
+            <a:r>
+              <a:rPr lang="en-US" dirty="0" err="1"/>
+              <a:t>ATACseq</a:t>
+            </a:r>
+            <a:r>
+              <a:rPr lang="en-US" dirty="0"/>
+              <a:t>…</a:t>
+            </a:r>
+          </a:p>
+          <a:p>
+            <a:pPr marL="971550" lvl="1" indent="-514350">
+              <a:buFont typeface="+mj-lt"/>
+              <a:buAutoNum type="alphaLcParenR"/>
+            </a:pPr>
+            <a:r>
+              <a:rPr lang="en-US" dirty="0"/>
+              <a:t>might ask around BRI for/download public </a:t>
+            </a:r>
+            <a:r>
+              <a:rPr lang="en-US" dirty="0" err="1"/>
+              <a:t>scATACseq</a:t>
+            </a:r>
+            <a:r>
+              <a:rPr lang="en-US" dirty="0"/>
+              <a:t> data eventually to practice lineage mapping</a:t>
+            </a:r>
+          </a:p>
+        </p:txBody>
+      </p:sp>
+    </p:spTree>
+    <p:extLst>
+      <p:ext uri="{BB962C8B-B14F-4D97-AF65-F5344CB8AC3E}">
+        <p14:creationId xmlns:p14="http://schemas.microsoft.com/office/powerpoint/2010/main" val="4005091590"/>
       </p:ext>
     </p:extLst>
   </p:cSld>

--- a/presentations/weekly_meetings/8_8_24.pptx
+++ b/presentations/weekly_meetings/8_8_24.pptx
@@ -218,7 +218,7 @@
           <a:p>
             <a:fld id="{E933A773-0DCE-3544-BB67-D5FA58DF903C}" type="datetimeFigureOut">
               <a:rPr lang="en-US" smtClean="0"/>
-              <a:t>8/8/24</a:t>
+              <a:t>8/9/24</a:t>
             </a:fld>
             <a:endParaRPr lang="en-US"/>
           </a:p>
@@ -3103,7 +3103,7 @@
           <a:p>
             <a:fld id="{80FC6068-BAFB-FC44-B9D8-F4B3BB105DE6}" type="datetimeFigureOut">
               <a:rPr lang="en-US" smtClean="0"/>
-              <a:t>8/8/24</a:t>
+              <a:t>8/9/24</a:t>
             </a:fld>
             <a:endParaRPr lang="en-US"/>
           </a:p>
@@ -3301,7 +3301,7 @@
           <a:p>
             <a:fld id="{80FC6068-BAFB-FC44-B9D8-F4B3BB105DE6}" type="datetimeFigureOut">
               <a:rPr lang="en-US" smtClean="0"/>
-              <a:t>8/8/24</a:t>
+              <a:t>8/9/24</a:t>
             </a:fld>
             <a:endParaRPr lang="en-US"/>
           </a:p>
@@ -3509,7 +3509,7 @@
           <a:p>
             <a:fld id="{80FC6068-BAFB-FC44-B9D8-F4B3BB105DE6}" type="datetimeFigureOut">
               <a:rPr lang="en-US" smtClean="0"/>
-              <a:t>8/8/24</a:t>
+              <a:t>8/9/24</a:t>
             </a:fld>
             <a:endParaRPr lang="en-US"/>
           </a:p>
@@ -3713,7 +3713,7 @@
           <a:p>
             <a:fld id="{80FC6068-BAFB-FC44-B9D8-F4B3BB105DE6}" type="datetimeFigureOut">
               <a:rPr lang="en-US" smtClean="0"/>
-              <a:t>8/8/24</a:t>
+              <a:t>8/9/24</a:t>
             </a:fld>
             <a:endParaRPr lang="en-US"/>
           </a:p>
@@ -4004,7 +4004,7 @@
           <a:p>
             <a:fld id="{80FC6068-BAFB-FC44-B9D8-F4B3BB105DE6}" type="datetimeFigureOut">
               <a:rPr lang="en-US" smtClean="0"/>
-              <a:t>8/8/24</a:t>
+              <a:t>8/9/24</a:t>
             </a:fld>
             <a:endParaRPr lang="en-US"/>
           </a:p>
@@ -4269,7 +4269,7 @@
           <a:p>
             <a:fld id="{80FC6068-BAFB-FC44-B9D8-F4B3BB105DE6}" type="datetimeFigureOut">
               <a:rPr lang="en-US" smtClean="0"/>
-              <a:t>8/8/24</a:t>
+              <a:t>8/9/24</a:t>
             </a:fld>
             <a:endParaRPr lang="en-US"/>
           </a:p>
@@ -4681,7 +4681,7 @@
           <a:p>
             <a:fld id="{80FC6068-BAFB-FC44-B9D8-F4B3BB105DE6}" type="datetimeFigureOut">
               <a:rPr lang="en-US" smtClean="0"/>
-              <a:t>8/8/24</a:t>
+              <a:t>8/9/24</a:t>
             </a:fld>
             <a:endParaRPr lang="en-US"/>
           </a:p>
@@ -4822,7 +4822,7 @@
           <a:p>
             <a:fld id="{80FC6068-BAFB-FC44-B9D8-F4B3BB105DE6}" type="datetimeFigureOut">
               <a:rPr lang="en-US" smtClean="0"/>
-              <a:t>8/8/24</a:t>
+              <a:t>8/9/24</a:t>
             </a:fld>
             <a:endParaRPr lang="en-US"/>
           </a:p>
@@ -4935,7 +4935,7 @@
           <a:p>
             <a:fld id="{80FC6068-BAFB-FC44-B9D8-F4B3BB105DE6}" type="datetimeFigureOut">
               <a:rPr lang="en-US" smtClean="0"/>
-              <a:t>8/8/24</a:t>
+              <a:t>8/9/24</a:t>
             </a:fld>
             <a:endParaRPr lang="en-US"/>
           </a:p>
@@ -5246,7 +5246,7 @@
           <a:p>
             <a:fld id="{80FC6068-BAFB-FC44-B9D8-F4B3BB105DE6}" type="datetimeFigureOut">
               <a:rPr lang="en-US" smtClean="0"/>
-              <a:t>8/8/24</a:t>
+              <a:t>8/9/24</a:t>
             </a:fld>
             <a:endParaRPr lang="en-US"/>
           </a:p>
@@ -5534,7 +5534,7 @@
           <a:p>
             <a:fld id="{80FC6068-BAFB-FC44-B9D8-F4B3BB105DE6}" type="datetimeFigureOut">
               <a:rPr lang="en-US" smtClean="0"/>
-              <a:t>8/8/24</a:t>
+              <a:t>8/9/24</a:t>
             </a:fld>
             <a:endParaRPr lang="en-US"/>
           </a:p>
@@ -5775,7 +5775,7 @@
           <a:p>
             <a:fld id="{80FC6068-BAFB-FC44-B9D8-F4B3BB105DE6}" type="datetimeFigureOut">
               <a:rPr lang="en-US" smtClean="0"/>
-              <a:t>8/8/24</a:t>
+              <a:t>8/9/24</a:t>
             </a:fld>
             <a:endParaRPr lang="en-US"/>
           </a:p>
@@ -6870,7 +6870,7 @@
         </p:spPr>
         <p:txBody>
           <a:bodyPr>
-            <a:normAutofit fontScale="55000" lnSpcReduction="20000"/>
+            <a:normAutofit fontScale="62500" lnSpcReduction="20000"/>
           </a:bodyPr>
           <a:lstStyle/>
           <a:p>
@@ -6942,35 +6942,14 @@
             </a:pPr>
             <a:r>
               <a:rPr lang="en-US" b="1" dirty="0"/>
-              <a:t>This separation of the DP CD127+ lineage from other DPs lineage is consistent with the observed heterogeneity in association with response to therapy and …</a:t>
+              <a:t>This separation of the DP CD127+ lineage from other DPs lineage is consistent with the observed heterogeneity in association with response to therapy and the possible protective effect of IL7R blockade against autoimmune diabetes.</a:t>
             </a:r>
           </a:p>
           <a:p>
             <a:pPr marL="0" indent="0">
               <a:buNone/>
             </a:pPr>
-            <a:r>
-              <a:rPr lang="en-US" b="1" dirty="0"/>
-              <a:t>	the possible protective effect of IL7R blockade against autoimmune diabetes.</a:t>
-            </a:r>
-          </a:p>
-          <a:p>
-            <a:pPr marL="0" indent="0">
-              <a:buNone/>
-            </a:pPr>
-            <a:r>
-              <a:rPr lang="en-US" b="1" dirty="0"/>
-              <a:t>	the reversal of autoimmune diabetes with IL7R blockade in NOD mice.</a:t>
-            </a:r>
-          </a:p>
-          <a:p>
-            <a:pPr marL="0" indent="0">
-              <a:buNone/>
-            </a:pPr>
-            <a:r>
-              <a:rPr lang="en-US" b="1" dirty="0"/>
-              <a:t>	bodes well for new trials combining teplizumab and anti-IL7R.</a:t>
-            </a:r>
+            <a:endParaRPr lang="en-US" b="1" dirty="0"/>
           </a:p>
         </p:txBody>
       </p:sp>
@@ -8790,7 +8769,7 @@
         </p:spPr>
         <p:txBody>
           <a:bodyPr>
-            <a:normAutofit lnSpcReduction="10000"/>
+            <a:normAutofit/>
           </a:bodyPr>
           <a:lstStyle/>
           <a:p>
@@ -8808,7 +8787,7 @@
             </a:r>
             <a:r>
               <a:rPr lang="en-US" b="1" dirty="0"/>
-              <a:t> reads as soon as processed (expecting to begin by Monday at the latest)</a:t>
+              <a:t> reads now!</a:t>
             </a:r>
           </a:p>
           <a:p>
